--- a/白話翻譯/wenyanwen.pptx
+++ b/白話翻譯/wenyanwen.pptx
@@ -5,7 +5,9 @@
     <p:sldMasterId id="2147483708" r:id="rId1"/>
   </p:sldMasterIdLst>
   <p:sldIdLst>
-    <p:sldId id="256" r:id="rId2"/>
+    <p:sldId id="257" r:id="rId2"/>
+    <p:sldId id="258" r:id="rId3"/>
+    <p:sldId id="259" r:id="rId4"/>
   </p:sldIdLst>
   <p:sldSz cx="4114800" cy="1371600"/>
   <p:notesSz cx="6858000" cy="9144000"/>
@@ -2973,6 +2975,48 @@
           <a:chExt cx="0" cy="0"/>
         </a:xfrm>
       </p:grpSpPr>
+      <p:cxnSp>
+        <p:nvCxnSpPr>
+          <p:cNvPr id="36" name="Straight Arrow Connector 35">
+            <a:extLst>
+              <a:ext uri="{FF2B5EF4-FFF2-40B4-BE49-F238E27FC236}">
+                <a16:creationId xmlns:a16="http://schemas.microsoft.com/office/drawing/2014/main" id="{3D93C4DF-A7CE-371A-6F62-6200EC7E695B}"/>
+              </a:ext>
+            </a:extLst>
+          </p:cNvPr>
+          <p:cNvCxnSpPr>
+            <a:cxnSpLocks/>
+          </p:cNvCxnSpPr>
+          <p:nvPr/>
+        </p:nvCxnSpPr>
+        <p:spPr>
+          <a:xfrm flipH="1">
+            <a:off x="1746996" y="472885"/>
+            <a:ext cx="303651" cy="597553"/>
+          </a:xfrm>
+          <a:prstGeom prst="straightConnector1">
+            <a:avLst/>
+          </a:prstGeom>
+          <a:ln>
+            <a:headEnd type="none" w="med" len="med"/>
+            <a:tailEnd type="arrow" w="med" len="med"/>
+          </a:ln>
+        </p:spPr>
+        <p:style>
+          <a:lnRef idx="1">
+            <a:schemeClr val="accent1"/>
+          </a:lnRef>
+          <a:fillRef idx="0">
+            <a:schemeClr val="accent1"/>
+          </a:fillRef>
+          <a:effectRef idx="0">
+            <a:schemeClr val="accent1"/>
+          </a:effectRef>
+          <a:fontRef idx="minor">
+            <a:schemeClr val="tx1"/>
+          </a:fontRef>
+        </p:style>
+      </p:cxnSp>
       <p:sp>
         <p:nvSpPr>
           <p:cNvPr id="2" name="Rectangle 1">
@@ -2987,8 +3031,8 @@
         </p:nvSpPr>
         <p:spPr>
           <a:xfrm>
-            <a:off x="67721" y="184261"/>
-            <a:ext cx="416150" cy="373625"/>
+            <a:off x="67721" y="184262"/>
+            <a:ext cx="243935" cy="290818"/>
           </a:xfrm>
           <a:prstGeom prst="rect">
             <a:avLst/>
@@ -3020,7 +3064,7 @@
                 <a:latin typeface="DFKai-SB" panose="03000509000000000000" pitchFamily="65" charset="-120"/>
                 <a:ea typeface="DFKai-SB" panose="03000509000000000000" pitchFamily="65" charset="-120"/>
               </a:rPr>
-              <a:t>楚</a:t>
+              <a:t>文</a:t>
             </a:r>
             <a:endParaRPr lang="en-US" dirty="0">
               <a:latin typeface="DFKai-SB" panose="03000509000000000000" pitchFamily="65" charset="-120"/>
@@ -3043,8 +3087,8 @@
         </p:nvSpPr>
         <p:spPr>
           <a:xfrm>
-            <a:off x="507777" y="184262"/>
-            <a:ext cx="416150" cy="373625"/>
+            <a:off x="333618" y="184262"/>
+            <a:ext cx="243935" cy="290818"/>
           </a:xfrm>
           <a:prstGeom prst="rect">
             <a:avLst/>
@@ -3076,7 +3120,7 @@
                 <a:latin typeface="DFKai-SB" panose="03000509000000000000" pitchFamily="65" charset="-120"/>
                 <a:ea typeface="DFKai-SB" panose="03000509000000000000" pitchFamily="65" charset="-120"/>
               </a:rPr>
-              <a:t>有</a:t>
+              <a:t>倦</a:t>
             </a:r>
             <a:endParaRPr lang="en-US" dirty="0">
               <a:latin typeface="DFKai-SB" panose="03000509000000000000" pitchFamily="65" charset="-120"/>
@@ -3099,8 +3143,8 @@
         </p:nvSpPr>
         <p:spPr>
           <a:xfrm>
-            <a:off x="947832" y="184262"/>
-            <a:ext cx="416150" cy="373625"/>
+            <a:off x="601938" y="182067"/>
+            <a:ext cx="243935" cy="290818"/>
           </a:xfrm>
           <a:prstGeom prst="rect">
             <a:avLst/>
@@ -3132,7 +3176,7 @@
                 <a:latin typeface="DFKai-SB" panose="03000509000000000000" pitchFamily="65" charset="-120"/>
                 <a:ea typeface="DFKai-SB" panose="03000509000000000000" pitchFamily="65" charset="-120"/>
               </a:rPr>
-              <a:t>祠</a:t>
+              <a:t>於</a:t>
             </a:r>
           </a:p>
         </p:txBody>
@@ -3151,8 +3195,8 @@
         </p:nvSpPr>
         <p:spPr>
           <a:xfrm>
-            <a:off x="1387887" y="184261"/>
-            <a:ext cx="416150" cy="373625"/>
+            <a:off x="874494" y="182068"/>
+            <a:ext cx="239699" cy="290818"/>
           </a:xfrm>
           <a:prstGeom prst="rect">
             <a:avLst/>
@@ -3184,7 +3228,7 @@
                 <a:latin typeface="DFKai-SB" panose="03000509000000000000" pitchFamily="65" charset="-120"/>
                 <a:ea typeface="DFKai-SB" panose="03000509000000000000" pitchFamily="65" charset="-120"/>
               </a:rPr>
-              <a:t>者</a:t>
+              <a:t>事</a:t>
             </a:r>
           </a:p>
         </p:txBody>
@@ -3203,8 +3247,8 @@
         </p:nvSpPr>
         <p:spPr>
           <a:xfrm>
-            <a:off x="67726" y="784338"/>
-            <a:ext cx="648559" cy="373625"/>
+            <a:off x="67722" y="784337"/>
+            <a:ext cx="178405" cy="239893"/>
           </a:xfrm>
           <a:prstGeom prst="rect">
             <a:avLst/>
@@ -3240,14 +3284,14 @@
           <a:p>
             <a:pPr algn="ctr"/>
             <a:r>
-              <a:rPr lang="zh-TW" altLang="en-US" dirty="0">
+              <a:rPr lang="zh-TW" altLang="en-US" sz="1200" dirty="0">
                 <a:solidFill>
                   <a:srgbClr val="00B050"/>
                 </a:solidFill>
               </a:rPr>
-              <a:t>楚國</a:t>
-            </a:r>
-            <a:endParaRPr lang="en-US" altLang="zh-TW" dirty="0">
+              <a:t>我</a:t>
+            </a:r>
+            <a:endParaRPr lang="en-US" altLang="zh-TW" sz="1200" dirty="0">
               <a:solidFill>
                 <a:srgbClr val="00B050"/>
               </a:solidFill>
@@ -3272,15 +3316,16 @@
           <p:nvPr/>
         </p:nvCxnSpPr>
         <p:spPr>
-          <a:xfrm>
-            <a:off x="275800" y="557880"/>
-            <a:ext cx="116205" cy="226452"/>
+          <a:xfrm flipH="1">
+            <a:off x="156925" y="475080"/>
+            <a:ext cx="32764" cy="309257"/>
           </a:xfrm>
           <a:prstGeom prst="straightConnector1">
             <a:avLst/>
           </a:prstGeom>
           <a:ln>
-            <a:tailEnd type="triangle"/>
+            <a:headEnd type="none" w="med" len="med"/>
+            <a:tailEnd type="arrow" w="med" len="med"/>
           </a:ln>
         </p:spPr>
         <p:style>
@@ -3312,8 +3357,8 @@
         </p:nvSpPr>
         <p:spPr>
           <a:xfrm>
-            <a:off x="739333" y="784338"/>
-            <a:ext cx="270323" cy="373625"/>
+            <a:off x="261263" y="784337"/>
+            <a:ext cx="492268" cy="239893"/>
           </a:xfrm>
           <a:prstGeom prst="rect">
             <a:avLst/>
@@ -3349,27 +3394,163 @@
           <a:p>
             <a:pPr algn="ctr"/>
             <a:r>
-              <a:rPr lang="zh-TW" altLang="en-US" dirty="0">
+              <a:rPr lang="zh-TW" altLang="en-US" sz="1200" dirty="0">
                 <a:solidFill>
                   <a:srgbClr val="00B050"/>
                 </a:solidFill>
+                <a:latin typeface="+mn-ea"/>
+                <a:cs typeface="CMU Serif" panose="02000603000000000000" pitchFamily="2" charset="0"/>
               </a:rPr>
-              <a:t>有</a:t>
-            </a:r>
-            <a:endParaRPr lang="en-US" altLang="zh-TW" dirty="0">
+              <a:t>疲倦</a:t>
+            </a:r>
+            <a:endParaRPr lang="en-US" altLang="zh-TW" sz="1400" dirty="0">
               <a:solidFill>
                 <a:srgbClr val="00B050"/>
               </a:solidFill>
+              <a:latin typeface="+mn-ea"/>
+              <a:cs typeface="CMU Serif" panose="02000603000000000000" pitchFamily="2" charset="0"/>
             </a:endParaRPr>
           </a:p>
         </p:txBody>
       </p:sp>
-      <p:sp>
-        <p:nvSpPr>
-          <p:cNvPr id="18" name="Rectangle 17">
-            <a:extLst>
-              <a:ext uri="{FF2B5EF4-FFF2-40B4-BE49-F238E27FC236}">
-                <a16:creationId xmlns:a16="http://schemas.microsoft.com/office/drawing/2014/main" id="{414EA5C4-0030-E7B6-1BAE-F93C2F52AD67}"/>
+      <p:cxnSp>
+        <p:nvCxnSpPr>
+          <p:cNvPr id="23" name="Straight Arrow Connector 22">
+            <a:extLst>
+              <a:ext uri="{FF2B5EF4-FFF2-40B4-BE49-F238E27FC236}">
+                <a16:creationId xmlns:a16="http://schemas.microsoft.com/office/drawing/2014/main" id="{11F49330-7F0A-1421-7689-F91D7733C66E}"/>
+              </a:ext>
+            </a:extLst>
+          </p:cNvPr>
+          <p:cNvCxnSpPr>
+            <a:cxnSpLocks/>
+            <a:stCxn id="3" idx="2"/>
+            <a:endCxn id="17" idx="0"/>
+          </p:cNvCxnSpPr>
+          <p:nvPr/>
+        </p:nvCxnSpPr>
+        <p:spPr>
+          <a:xfrm>
+            <a:off x="455586" y="475080"/>
+            <a:ext cx="51811" cy="309257"/>
+          </a:xfrm>
+          <a:prstGeom prst="straightConnector1">
+            <a:avLst/>
+          </a:prstGeom>
+          <a:ln>
+            <a:headEnd type="none" w="med" len="med"/>
+            <a:tailEnd type="arrow" w="med" len="med"/>
+          </a:ln>
+        </p:spPr>
+        <p:style>
+          <a:lnRef idx="1">
+            <a:schemeClr val="accent1"/>
+          </a:lnRef>
+          <a:fillRef idx="0">
+            <a:schemeClr val="accent1"/>
+          </a:fillRef>
+          <a:effectRef idx="0">
+            <a:schemeClr val="accent1"/>
+          </a:effectRef>
+          <a:fontRef idx="minor">
+            <a:schemeClr val="tx1"/>
+          </a:fontRef>
+        </p:style>
+      </p:cxnSp>
+      <p:cxnSp>
+        <p:nvCxnSpPr>
+          <p:cNvPr id="25" name="Straight Arrow Connector 24">
+            <a:extLst>
+              <a:ext uri="{FF2B5EF4-FFF2-40B4-BE49-F238E27FC236}">
+                <a16:creationId xmlns:a16="http://schemas.microsoft.com/office/drawing/2014/main" id="{DDCBF9E6-2DFD-7B33-D192-24894E8AAE95}"/>
+              </a:ext>
+            </a:extLst>
+          </p:cNvPr>
+          <p:cNvCxnSpPr>
+            <a:cxnSpLocks/>
+            <a:stCxn id="4" idx="2"/>
+            <a:endCxn id="65" idx="0"/>
+          </p:cNvCxnSpPr>
+          <p:nvPr/>
+        </p:nvCxnSpPr>
+        <p:spPr>
+          <a:xfrm>
+            <a:off x="723906" y="472885"/>
+            <a:ext cx="148890" cy="313156"/>
+          </a:xfrm>
+          <a:prstGeom prst="straightConnector1">
+            <a:avLst/>
+          </a:prstGeom>
+          <a:ln>
+            <a:headEnd type="none" w="med" len="med"/>
+            <a:tailEnd type="arrow" w="med" len="med"/>
+          </a:ln>
+        </p:spPr>
+        <p:style>
+          <a:lnRef idx="1">
+            <a:schemeClr val="accent1"/>
+          </a:lnRef>
+          <a:fillRef idx="0">
+            <a:schemeClr val="accent1"/>
+          </a:fillRef>
+          <a:effectRef idx="0">
+            <a:schemeClr val="accent1"/>
+          </a:effectRef>
+          <a:fontRef idx="minor">
+            <a:schemeClr val="tx1"/>
+          </a:fontRef>
+        </p:style>
+      </p:cxnSp>
+      <p:cxnSp>
+        <p:nvCxnSpPr>
+          <p:cNvPr id="27" name="Straight Arrow Connector 26">
+            <a:extLst>
+              <a:ext uri="{FF2B5EF4-FFF2-40B4-BE49-F238E27FC236}">
+                <a16:creationId xmlns:a16="http://schemas.microsoft.com/office/drawing/2014/main" id="{20683A19-ED67-F33B-115D-CDD09F277721}"/>
+              </a:ext>
+            </a:extLst>
+          </p:cNvPr>
+          <p:cNvCxnSpPr>
+            <a:cxnSpLocks/>
+            <a:stCxn id="5" idx="2"/>
+            <a:endCxn id="66" idx="0"/>
+          </p:cNvCxnSpPr>
+          <p:nvPr/>
+        </p:nvCxnSpPr>
+        <p:spPr>
+          <a:xfrm>
+            <a:off x="994344" y="472886"/>
+            <a:ext cx="242059" cy="311860"/>
+          </a:xfrm>
+          <a:prstGeom prst="straightConnector1">
+            <a:avLst/>
+          </a:prstGeom>
+          <a:ln>
+            <a:headEnd type="none" w="med" len="med"/>
+            <a:tailEnd type="arrow" w="med" len="med"/>
+          </a:ln>
+        </p:spPr>
+        <p:style>
+          <a:lnRef idx="1">
+            <a:schemeClr val="accent1"/>
+          </a:lnRef>
+          <a:fillRef idx="0">
+            <a:schemeClr val="accent1"/>
+          </a:fillRef>
+          <a:effectRef idx="0">
+            <a:schemeClr val="accent1"/>
+          </a:effectRef>
+          <a:fontRef idx="minor">
+            <a:schemeClr val="tx1"/>
+          </a:fontRef>
+        </p:style>
+      </p:cxnSp>
+      <p:sp>
+        <p:nvSpPr>
+          <p:cNvPr id="29" name="Rectangle 28">
+            <a:extLst>
+              <a:ext uri="{FF2B5EF4-FFF2-40B4-BE49-F238E27FC236}">
+                <a16:creationId xmlns:a16="http://schemas.microsoft.com/office/drawing/2014/main" id="{E3AD0487-D350-6515-C7F0-D99C1B164E14}"/>
               </a:ext>
             </a:extLst>
           </p:cNvPr>
@@ -3378,8 +3559,634 @@
         </p:nvSpPr>
         <p:spPr>
           <a:xfrm>
-            <a:off x="1032704" y="784338"/>
-            <a:ext cx="270323" cy="373625"/>
+            <a:off x="1142814" y="182068"/>
+            <a:ext cx="239699" cy="290818"/>
+          </a:xfrm>
+          <a:prstGeom prst="rect">
+            <a:avLst/>
+          </a:prstGeom>
+        </p:spPr>
+        <p:style>
+          <a:lnRef idx="2">
+            <a:schemeClr val="accent1">
+              <a:shade val="15000"/>
+            </a:schemeClr>
+          </a:lnRef>
+          <a:fillRef idx="1">
+            <a:schemeClr val="accent1"/>
+          </a:fillRef>
+          <a:effectRef idx="0">
+            <a:schemeClr val="accent1"/>
+          </a:effectRef>
+          <a:fontRef idx="minor">
+            <a:schemeClr val="lt1"/>
+          </a:fontRef>
+        </p:style>
+        <p:txBody>
+          <a:bodyPr rtlCol="0" anchor="ctr"/>
+          <a:lstStyle/>
+          <a:p>
+            <a:pPr algn="ctr"/>
+            <a:r>
+              <a:rPr lang="zh-TW" altLang="en-US" dirty="0">
+                <a:latin typeface="DFKai-SB" panose="03000509000000000000" pitchFamily="65" charset="-120"/>
+                <a:ea typeface="DFKai-SB" panose="03000509000000000000" pitchFamily="65" charset="-120"/>
+              </a:rPr>
+              <a:t>憒</a:t>
+            </a:r>
+          </a:p>
+        </p:txBody>
+      </p:sp>
+      <p:cxnSp>
+        <p:nvCxnSpPr>
+          <p:cNvPr id="30" name="Straight Arrow Connector 29">
+            <a:extLst>
+              <a:ext uri="{FF2B5EF4-FFF2-40B4-BE49-F238E27FC236}">
+                <a16:creationId xmlns:a16="http://schemas.microsoft.com/office/drawing/2014/main" id="{ADE6F8D9-C47C-CEF6-600C-6084D763B4D7}"/>
+              </a:ext>
+            </a:extLst>
+          </p:cNvPr>
+          <p:cNvCxnSpPr>
+            <a:cxnSpLocks/>
+            <a:endCxn id="74" idx="0"/>
+          </p:cNvCxnSpPr>
+          <p:nvPr/>
+        </p:nvCxnSpPr>
+        <p:spPr>
+          <a:xfrm>
+            <a:off x="1262634" y="472886"/>
+            <a:ext cx="484162" cy="311860"/>
+          </a:xfrm>
+          <a:prstGeom prst="straightConnector1">
+            <a:avLst/>
+          </a:prstGeom>
+          <a:ln>
+            <a:headEnd type="none" w="med" len="med"/>
+            <a:tailEnd type="arrow" w="med" len="med"/>
+          </a:ln>
+        </p:spPr>
+        <p:style>
+          <a:lnRef idx="1">
+            <a:schemeClr val="accent1"/>
+          </a:lnRef>
+          <a:fillRef idx="0">
+            <a:schemeClr val="accent1"/>
+          </a:fillRef>
+          <a:effectRef idx="0">
+            <a:schemeClr val="accent1"/>
+          </a:effectRef>
+          <a:fontRef idx="minor">
+            <a:schemeClr val="tx1"/>
+          </a:fontRef>
+        </p:style>
+      </p:cxnSp>
+      <p:sp>
+        <p:nvSpPr>
+          <p:cNvPr id="31" name="Rectangle 30">
+            <a:extLst>
+              <a:ext uri="{FF2B5EF4-FFF2-40B4-BE49-F238E27FC236}">
+                <a16:creationId xmlns:a16="http://schemas.microsoft.com/office/drawing/2014/main" id="{4DE49A5C-A507-5AF0-C21C-836F2B02A318}"/>
+              </a:ext>
+            </a:extLst>
+          </p:cNvPr>
+          <p:cNvSpPr/>
+          <p:nvPr/>
+        </p:nvSpPr>
+        <p:spPr>
+          <a:xfrm>
+            <a:off x="1405579" y="182067"/>
+            <a:ext cx="239699" cy="290818"/>
+          </a:xfrm>
+          <a:prstGeom prst="rect">
+            <a:avLst/>
+          </a:prstGeom>
+        </p:spPr>
+        <p:style>
+          <a:lnRef idx="2">
+            <a:schemeClr val="accent1">
+              <a:shade val="15000"/>
+            </a:schemeClr>
+          </a:lnRef>
+          <a:fillRef idx="1">
+            <a:schemeClr val="accent1"/>
+          </a:fillRef>
+          <a:effectRef idx="0">
+            <a:schemeClr val="accent1"/>
+          </a:effectRef>
+          <a:fontRef idx="minor">
+            <a:schemeClr val="lt1"/>
+          </a:fontRef>
+        </p:style>
+        <p:txBody>
+          <a:bodyPr rtlCol="0" anchor="ctr"/>
+          <a:lstStyle/>
+          <a:p>
+            <a:pPr algn="ctr"/>
+            <a:r>
+              <a:rPr lang="zh-TW" altLang="en-US" dirty="0">
+                <a:latin typeface="DFKai-SB" panose="03000509000000000000" pitchFamily="65" charset="-120"/>
+                <a:ea typeface="DFKai-SB" panose="03000509000000000000" pitchFamily="65" charset="-120"/>
+              </a:rPr>
+              <a:t>於</a:t>
+            </a:r>
+          </a:p>
+        </p:txBody>
+      </p:sp>
+      <p:cxnSp>
+        <p:nvCxnSpPr>
+          <p:cNvPr id="32" name="Straight Arrow Connector 31">
+            <a:extLst>
+              <a:ext uri="{FF2B5EF4-FFF2-40B4-BE49-F238E27FC236}">
+                <a16:creationId xmlns:a16="http://schemas.microsoft.com/office/drawing/2014/main" id="{0193D8DC-132C-9B19-ABD6-6BC3DEEA9A72}"/>
+              </a:ext>
+            </a:extLst>
+          </p:cNvPr>
+          <p:cNvCxnSpPr>
+            <a:cxnSpLocks/>
+            <a:endCxn id="103" idx="0"/>
+          </p:cNvCxnSpPr>
+          <p:nvPr/>
+        </p:nvCxnSpPr>
+        <p:spPr>
+          <a:xfrm>
+            <a:off x="1523250" y="472885"/>
+            <a:ext cx="581825" cy="311452"/>
+          </a:xfrm>
+          <a:prstGeom prst="straightConnector1">
+            <a:avLst/>
+          </a:prstGeom>
+          <a:ln>
+            <a:headEnd type="none" w="med" len="med"/>
+            <a:tailEnd type="arrow" w="med" len="med"/>
+          </a:ln>
+        </p:spPr>
+        <p:style>
+          <a:lnRef idx="1">
+            <a:schemeClr val="accent1"/>
+          </a:lnRef>
+          <a:fillRef idx="0">
+            <a:schemeClr val="accent1"/>
+          </a:fillRef>
+          <a:effectRef idx="0">
+            <a:schemeClr val="accent1"/>
+          </a:effectRef>
+          <a:fontRef idx="minor">
+            <a:schemeClr val="tx1"/>
+          </a:fontRef>
+        </p:style>
+      </p:cxnSp>
+      <p:sp>
+        <p:nvSpPr>
+          <p:cNvPr id="33" name="Rectangle 32">
+            <a:extLst>
+              <a:ext uri="{FF2B5EF4-FFF2-40B4-BE49-F238E27FC236}">
+                <a16:creationId xmlns:a16="http://schemas.microsoft.com/office/drawing/2014/main" id="{67AAACED-91A7-3322-D5C2-1C645CAB21E9}"/>
+              </a:ext>
+            </a:extLst>
+          </p:cNvPr>
+          <p:cNvSpPr/>
+          <p:nvPr/>
+        </p:nvSpPr>
+        <p:spPr>
+          <a:xfrm>
+            <a:off x="1668344" y="182067"/>
+            <a:ext cx="239699" cy="290818"/>
+          </a:xfrm>
+          <a:prstGeom prst="rect">
+            <a:avLst/>
+          </a:prstGeom>
+        </p:spPr>
+        <p:style>
+          <a:lnRef idx="2">
+            <a:schemeClr val="accent1">
+              <a:shade val="15000"/>
+            </a:schemeClr>
+          </a:lnRef>
+          <a:fillRef idx="1">
+            <a:schemeClr val="accent1"/>
+          </a:fillRef>
+          <a:effectRef idx="0">
+            <a:schemeClr val="accent1"/>
+          </a:effectRef>
+          <a:fontRef idx="minor">
+            <a:schemeClr val="lt1"/>
+          </a:fontRef>
+        </p:style>
+        <p:txBody>
+          <a:bodyPr rtlCol="0" anchor="ctr"/>
+          <a:lstStyle/>
+          <a:p>
+            <a:pPr algn="ctr"/>
+            <a:r>
+              <a:rPr lang="zh-TW" altLang="en-US" dirty="0">
+                <a:latin typeface="DFKai-SB" panose="03000509000000000000" pitchFamily="65" charset="-120"/>
+                <a:ea typeface="DFKai-SB" panose="03000509000000000000" pitchFamily="65" charset="-120"/>
+              </a:rPr>
+              <a:t>憂</a:t>
+            </a:r>
+          </a:p>
+        </p:txBody>
+      </p:sp>
+      <p:cxnSp>
+        <p:nvCxnSpPr>
+          <p:cNvPr id="34" name="Straight Arrow Connector 33">
+            <a:extLst>
+              <a:ext uri="{FF2B5EF4-FFF2-40B4-BE49-F238E27FC236}">
+                <a16:creationId xmlns:a16="http://schemas.microsoft.com/office/drawing/2014/main" id="{B1D1CA9E-C08A-DC5A-1B93-5B648C6F32D9}"/>
+              </a:ext>
+            </a:extLst>
+          </p:cNvPr>
+          <p:cNvCxnSpPr>
+            <a:cxnSpLocks/>
+            <a:stCxn id="33" idx="2"/>
+            <a:endCxn id="81" idx="0"/>
+          </p:cNvCxnSpPr>
+          <p:nvPr/>
+        </p:nvCxnSpPr>
+        <p:spPr>
+          <a:xfrm>
+            <a:off x="1788194" y="472885"/>
+            <a:ext cx="676586" cy="313155"/>
+          </a:xfrm>
+          <a:prstGeom prst="straightConnector1">
+            <a:avLst/>
+          </a:prstGeom>
+          <a:ln>
+            <a:headEnd type="none" w="med" len="med"/>
+            <a:tailEnd type="arrow" w="med" len="med"/>
+          </a:ln>
+        </p:spPr>
+        <p:style>
+          <a:lnRef idx="1">
+            <a:schemeClr val="accent1"/>
+          </a:lnRef>
+          <a:fillRef idx="0">
+            <a:schemeClr val="accent1"/>
+          </a:fillRef>
+          <a:effectRef idx="0">
+            <a:schemeClr val="accent1"/>
+          </a:effectRef>
+          <a:fontRef idx="minor">
+            <a:schemeClr val="tx1"/>
+          </a:fontRef>
+        </p:style>
+      </p:cxnSp>
+      <p:sp>
+        <p:nvSpPr>
+          <p:cNvPr id="35" name="Rectangle 34">
+            <a:extLst>
+              <a:ext uri="{FF2B5EF4-FFF2-40B4-BE49-F238E27FC236}">
+                <a16:creationId xmlns:a16="http://schemas.microsoft.com/office/drawing/2014/main" id="{26C00530-6219-80A6-F332-D894EE457C1B}"/>
+              </a:ext>
+            </a:extLst>
+          </p:cNvPr>
+          <p:cNvSpPr/>
+          <p:nvPr/>
+        </p:nvSpPr>
+        <p:spPr>
+          <a:xfrm>
+            <a:off x="1931109" y="182067"/>
+            <a:ext cx="239699" cy="290818"/>
+          </a:xfrm>
+          <a:prstGeom prst="rect">
+            <a:avLst/>
+          </a:prstGeom>
+        </p:spPr>
+        <p:style>
+          <a:lnRef idx="2">
+            <a:schemeClr val="accent1">
+              <a:shade val="15000"/>
+            </a:schemeClr>
+          </a:lnRef>
+          <a:fillRef idx="1">
+            <a:schemeClr val="accent1"/>
+          </a:fillRef>
+          <a:effectRef idx="0">
+            <a:schemeClr val="accent1"/>
+          </a:effectRef>
+          <a:fontRef idx="minor">
+            <a:schemeClr val="lt1"/>
+          </a:fontRef>
+        </p:style>
+        <p:txBody>
+          <a:bodyPr rtlCol="0" anchor="ctr"/>
+          <a:lstStyle/>
+          <a:p>
+            <a:pPr algn="ctr"/>
+            <a:r>
+              <a:rPr lang="zh-TW" altLang="en-US" dirty="0">
+                <a:latin typeface="DFKai-SB" panose="03000509000000000000" pitchFamily="65" charset="-120"/>
+                <a:ea typeface="DFKai-SB" panose="03000509000000000000" pitchFamily="65" charset="-120"/>
+              </a:rPr>
+              <a:t>而</a:t>
+            </a:r>
+          </a:p>
+        </p:txBody>
+      </p:sp>
+      <p:sp>
+        <p:nvSpPr>
+          <p:cNvPr id="37" name="Rectangle 36">
+            <a:extLst>
+              <a:ext uri="{FF2B5EF4-FFF2-40B4-BE49-F238E27FC236}">
+                <a16:creationId xmlns:a16="http://schemas.microsoft.com/office/drawing/2014/main" id="{46F6BA75-A5A6-65CC-B0EE-05BBA5D79F61}"/>
+              </a:ext>
+            </a:extLst>
+          </p:cNvPr>
+          <p:cNvSpPr/>
+          <p:nvPr/>
+        </p:nvSpPr>
+        <p:spPr>
+          <a:xfrm>
+            <a:off x="2194277" y="182067"/>
+            <a:ext cx="239699" cy="290818"/>
+          </a:xfrm>
+          <a:prstGeom prst="rect">
+            <a:avLst/>
+          </a:prstGeom>
+        </p:spPr>
+        <p:style>
+          <a:lnRef idx="2">
+            <a:schemeClr val="accent1">
+              <a:shade val="15000"/>
+            </a:schemeClr>
+          </a:lnRef>
+          <a:fillRef idx="1">
+            <a:schemeClr val="accent1"/>
+          </a:fillRef>
+          <a:effectRef idx="0">
+            <a:schemeClr val="accent1"/>
+          </a:effectRef>
+          <a:fontRef idx="minor">
+            <a:schemeClr val="lt1"/>
+          </a:fontRef>
+        </p:style>
+        <p:txBody>
+          <a:bodyPr rtlCol="0" anchor="ctr"/>
+          <a:lstStyle/>
+          <a:p>
+            <a:pPr algn="ctr"/>
+            <a:r>
+              <a:rPr lang="zh-TW" altLang="en-US" dirty="0">
+                <a:latin typeface="DFKai-SB" panose="03000509000000000000" pitchFamily="65" charset="-120"/>
+                <a:ea typeface="DFKai-SB" panose="03000509000000000000" pitchFamily="65" charset="-120"/>
+              </a:rPr>
+              <a:t>性</a:t>
+            </a:r>
+          </a:p>
+        </p:txBody>
+      </p:sp>
+      <p:cxnSp>
+        <p:nvCxnSpPr>
+          <p:cNvPr id="38" name="Straight Arrow Connector 37">
+            <a:extLst>
+              <a:ext uri="{FF2B5EF4-FFF2-40B4-BE49-F238E27FC236}">
+                <a16:creationId xmlns:a16="http://schemas.microsoft.com/office/drawing/2014/main" id="{B4EB73F9-3F8E-6657-2129-70B0A12ED268}"/>
+              </a:ext>
+            </a:extLst>
+          </p:cNvPr>
+          <p:cNvCxnSpPr>
+            <a:cxnSpLocks/>
+            <a:stCxn id="37" idx="2"/>
+            <a:endCxn id="108" idx="0"/>
+          </p:cNvCxnSpPr>
+          <p:nvPr/>
+        </p:nvCxnSpPr>
+        <p:spPr>
+          <a:xfrm flipH="1">
+            <a:off x="2263203" y="472885"/>
+            <a:ext cx="50924" cy="597553"/>
+          </a:xfrm>
+          <a:prstGeom prst="straightConnector1">
+            <a:avLst/>
+          </a:prstGeom>
+          <a:ln>
+            <a:headEnd type="none" w="med" len="med"/>
+            <a:tailEnd type="arrow" w="med" len="med"/>
+          </a:ln>
+        </p:spPr>
+        <p:style>
+          <a:lnRef idx="1">
+            <a:schemeClr val="accent1"/>
+          </a:lnRef>
+          <a:fillRef idx="0">
+            <a:schemeClr val="accent1"/>
+          </a:fillRef>
+          <a:effectRef idx="0">
+            <a:schemeClr val="accent1"/>
+          </a:effectRef>
+          <a:fontRef idx="minor">
+            <a:schemeClr val="tx1"/>
+          </a:fontRef>
+        </p:style>
+      </p:cxnSp>
+      <p:sp>
+        <p:nvSpPr>
+          <p:cNvPr id="39" name="Rectangle 38">
+            <a:extLst>
+              <a:ext uri="{FF2B5EF4-FFF2-40B4-BE49-F238E27FC236}">
+                <a16:creationId xmlns:a16="http://schemas.microsoft.com/office/drawing/2014/main" id="{4FD78B18-4BA6-0D56-7580-5FAF625219C5}"/>
+              </a:ext>
+            </a:extLst>
+          </p:cNvPr>
+          <p:cNvSpPr/>
+          <p:nvPr/>
+        </p:nvSpPr>
+        <p:spPr>
+          <a:xfrm>
+            <a:off x="2456639" y="182067"/>
+            <a:ext cx="239699" cy="290818"/>
+          </a:xfrm>
+          <a:prstGeom prst="rect">
+            <a:avLst/>
+          </a:prstGeom>
+        </p:spPr>
+        <p:style>
+          <a:lnRef idx="2">
+            <a:schemeClr val="accent1">
+              <a:shade val="15000"/>
+            </a:schemeClr>
+          </a:lnRef>
+          <a:fillRef idx="1">
+            <a:schemeClr val="accent1"/>
+          </a:fillRef>
+          <a:effectRef idx="0">
+            <a:schemeClr val="accent1"/>
+          </a:effectRef>
+          <a:fontRef idx="minor">
+            <a:schemeClr val="lt1"/>
+          </a:fontRef>
+        </p:style>
+        <p:txBody>
+          <a:bodyPr rtlCol="0" anchor="ctr"/>
+          <a:lstStyle/>
+          <a:p>
+            <a:pPr algn="ctr"/>
+            <a:r>
+              <a:rPr lang="zh-TW" altLang="en-US" dirty="0">
+                <a:latin typeface="DFKai-SB" panose="03000509000000000000" pitchFamily="65" charset="-120"/>
+                <a:ea typeface="DFKai-SB" panose="03000509000000000000" pitchFamily="65" charset="-120"/>
+              </a:rPr>
+              <a:t>懧</a:t>
+            </a:r>
+          </a:p>
+        </p:txBody>
+      </p:sp>
+      <p:cxnSp>
+        <p:nvCxnSpPr>
+          <p:cNvPr id="40" name="Straight Arrow Connector 39">
+            <a:extLst>
+              <a:ext uri="{FF2B5EF4-FFF2-40B4-BE49-F238E27FC236}">
+                <a16:creationId xmlns:a16="http://schemas.microsoft.com/office/drawing/2014/main" id="{8345D312-491D-EA77-FE82-B0AA91E56C1C}"/>
+              </a:ext>
+            </a:extLst>
+          </p:cNvPr>
+          <p:cNvCxnSpPr>
+            <a:cxnSpLocks/>
+            <a:stCxn id="39" idx="2"/>
+            <a:endCxn id="109" idx="0"/>
+          </p:cNvCxnSpPr>
+          <p:nvPr/>
+        </p:nvCxnSpPr>
+        <p:spPr>
+          <a:xfrm>
+            <a:off x="2576489" y="472885"/>
+            <a:ext cx="203121" cy="597553"/>
+          </a:xfrm>
+          <a:prstGeom prst="straightConnector1">
+            <a:avLst/>
+          </a:prstGeom>
+          <a:ln>
+            <a:headEnd type="none" w="med" len="med"/>
+            <a:tailEnd type="arrow" w="med" len="med"/>
+          </a:ln>
+        </p:spPr>
+        <p:style>
+          <a:lnRef idx="1">
+            <a:schemeClr val="accent1"/>
+          </a:lnRef>
+          <a:fillRef idx="0">
+            <a:schemeClr val="accent1"/>
+          </a:fillRef>
+          <a:effectRef idx="0">
+            <a:schemeClr val="accent1"/>
+          </a:effectRef>
+          <a:fontRef idx="minor">
+            <a:schemeClr val="tx1"/>
+          </a:fontRef>
+        </p:style>
+      </p:cxnSp>
+      <p:sp>
+        <p:nvSpPr>
+          <p:cNvPr id="41" name="Rectangle 40">
+            <a:extLst>
+              <a:ext uri="{FF2B5EF4-FFF2-40B4-BE49-F238E27FC236}">
+                <a16:creationId xmlns:a16="http://schemas.microsoft.com/office/drawing/2014/main" id="{39EE38D1-6DA8-5ABA-5936-3248954E9FF5}"/>
+              </a:ext>
+            </a:extLst>
+          </p:cNvPr>
+          <p:cNvSpPr/>
+          <p:nvPr/>
+        </p:nvSpPr>
+        <p:spPr>
+          <a:xfrm>
+            <a:off x="2719001" y="182067"/>
+            <a:ext cx="239699" cy="290818"/>
+          </a:xfrm>
+          <a:prstGeom prst="rect">
+            <a:avLst/>
+          </a:prstGeom>
+        </p:spPr>
+        <p:style>
+          <a:lnRef idx="2">
+            <a:schemeClr val="accent1">
+              <a:shade val="15000"/>
+            </a:schemeClr>
+          </a:lnRef>
+          <a:fillRef idx="1">
+            <a:schemeClr val="accent1"/>
+          </a:fillRef>
+          <a:effectRef idx="0">
+            <a:schemeClr val="accent1"/>
+          </a:effectRef>
+          <a:fontRef idx="minor">
+            <a:schemeClr val="lt1"/>
+          </a:fontRef>
+        </p:style>
+        <p:txBody>
+          <a:bodyPr rtlCol="0" anchor="ctr"/>
+          <a:lstStyle/>
+          <a:p>
+            <a:pPr algn="ctr"/>
+            <a:r>
+              <a:rPr lang="zh-TW" altLang="en-US" dirty="0">
+                <a:latin typeface="DFKai-SB" panose="03000509000000000000" pitchFamily="65" charset="-120"/>
+                <a:ea typeface="DFKai-SB" panose="03000509000000000000" pitchFamily="65" charset="-120"/>
+              </a:rPr>
+              <a:t>愚</a:t>
+            </a:r>
+          </a:p>
+        </p:txBody>
+      </p:sp>
+      <p:cxnSp>
+        <p:nvCxnSpPr>
+          <p:cNvPr id="42" name="Straight Arrow Connector 41">
+            <a:extLst>
+              <a:ext uri="{FF2B5EF4-FFF2-40B4-BE49-F238E27FC236}">
+                <a16:creationId xmlns:a16="http://schemas.microsoft.com/office/drawing/2014/main" id="{A907AD83-4EA6-B9BE-5624-7ECB362FFF70}"/>
+              </a:ext>
+            </a:extLst>
+          </p:cNvPr>
+          <p:cNvCxnSpPr>
+            <a:cxnSpLocks/>
+            <a:stCxn id="41" idx="2"/>
+            <a:endCxn id="110" idx="0"/>
+          </p:cNvCxnSpPr>
+          <p:nvPr/>
+        </p:nvCxnSpPr>
+        <p:spPr>
+          <a:xfrm>
+            <a:off x="2838851" y="472885"/>
+            <a:ext cx="457166" cy="597553"/>
+          </a:xfrm>
+          <a:prstGeom prst="straightConnector1">
+            <a:avLst/>
+          </a:prstGeom>
+          <a:ln>
+            <a:headEnd type="none" w="med" len="med"/>
+            <a:tailEnd type="arrow" w="med" len="med"/>
+          </a:ln>
+        </p:spPr>
+        <p:style>
+          <a:lnRef idx="1">
+            <a:schemeClr val="accent1"/>
+          </a:lnRef>
+          <a:fillRef idx="0">
+            <a:schemeClr val="accent1"/>
+          </a:fillRef>
+          <a:effectRef idx="0">
+            <a:schemeClr val="accent1"/>
+          </a:effectRef>
+          <a:fontRef idx="minor">
+            <a:schemeClr val="tx1"/>
+          </a:fontRef>
+        </p:style>
+      </p:cxnSp>
+      <p:sp>
+        <p:nvSpPr>
+          <p:cNvPr id="65" name="Rectangle 64">
+            <a:extLst>
+              <a:ext uri="{FF2B5EF4-FFF2-40B4-BE49-F238E27FC236}">
+                <a16:creationId xmlns:a16="http://schemas.microsoft.com/office/drawing/2014/main" id="{A24080B0-2274-1A61-C923-488D2C84C1FF}"/>
+              </a:ext>
+            </a:extLst>
+          </p:cNvPr>
+          <p:cNvSpPr/>
+          <p:nvPr/>
+        </p:nvSpPr>
+        <p:spPr>
+          <a:xfrm>
+            <a:off x="783593" y="786041"/>
+            <a:ext cx="178405" cy="238190"/>
           </a:xfrm>
           <a:prstGeom prst="rect">
             <a:avLst/>
@@ -3415,29 +4222,27 @@
           <a:p>
             <a:pPr algn="ctr"/>
             <a:r>
-              <a:rPr lang="zh-TW" altLang="en-US" dirty="0">
+              <a:rPr lang="zh-TW" altLang="en-US" sz="1200" dirty="0">
                 <a:solidFill>
                   <a:srgbClr val="00B050"/>
                 </a:solidFill>
-                <a:latin typeface="PingFang TC"/>
               </a:rPr>
-              <a:t>祠</a:t>
-            </a:r>
-            <a:endParaRPr lang="zh-TW" altLang="en-US" dirty="0">
+              <a:t>於</a:t>
+            </a:r>
+            <a:endParaRPr lang="en-US" altLang="zh-TW" sz="1200" dirty="0">
               <a:solidFill>
                 <a:srgbClr val="00B050"/>
               </a:solidFill>
-              <a:latin typeface="Linux Libertine"/>
             </a:endParaRPr>
           </a:p>
         </p:txBody>
       </p:sp>
       <p:sp>
         <p:nvSpPr>
-          <p:cNvPr id="21" name="Rectangle 20">
-            <a:extLst>
-              <a:ext uri="{FF2B5EF4-FFF2-40B4-BE49-F238E27FC236}">
-                <a16:creationId xmlns:a16="http://schemas.microsoft.com/office/drawing/2014/main" id="{55C26EED-3D95-02F2-F89A-EA4F78C289FA}"/>
+          <p:cNvPr id="66" name="Rectangle 65">
+            <a:extLst>
+              <a:ext uri="{FF2B5EF4-FFF2-40B4-BE49-F238E27FC236}">
+                <a16:creationId xmlns:a16="http://schemas.microsoft.com/office/drawing/2014/main" id="{57CE8DE2-44F0-BF52-BAF8-C625928C01C1}"/>
               </a:ext>
             </a:extLst>
           </p:cNvPr>
@@ -3446,8 +4251,8 @@
         </p:nvSpPr>
         <p:spPr>
           <a:xfrm>
-            <a:off x="1330926" y="784337"/>
-            <a:ext cx="265036" cy="373625"/>
+            <a:off x="992369" y="784746"/>
+            <a:ext cx="488067" cy="238190"/>
           </a:xfrm>
           <a:prstGeom prst="rect">
             <a:avLst/>
@@ -3483,42 +4288,1232 @@
           <a:p>
             <a:pPr algn="ctr"/>
             <a:r>
-              <a:rPr lang="zh-TW" altLang="en-US" dirty="0">
+              <a:rPr lang="zh-TW" altLang="en-US" sz="1200" dirty="0">
                 <a:solidFill>
                   <a:srgbClr val="00B050"/>
                 </a:solidFill>
-                <a:latin typeface="PingFang TC"/>
               </a:rPr>
-              <a:t>管</a:t>
-            </a:r>
-            <a:endParaRPr lang="zh-TW" altLang="en-US" dirty="0">
+              <a:t>國事</a:t>
+            </a:r>
+            <a:r>
+              <a:rPr lang="en-US" altLang="zh-TW" sz="1200" dirty="0">
+                <a:solidFill>
+                  <a:srgbClr val="00B050"/>
+                </a:solidFill>
+              </a:rPr>
+              <a:t>,</a:t>
+            </a:r>
+          </a:p>
+        </p:txBody>
+      </p:sp>
+      <p:sp>
+        <p:nvSpPr>
+          <p:cNvPr id="74" name="Rectangle 73">
+            <a:extLst>
+              <a:ext uri="{FF2B5EF4-FFF2-40B4-BE49-F238E27FC236}">
+                <a16:creationId xmlns:a16="http://schemas.microsoft.com/office/drawing/2014/main" id="{F31D02BF-D457-2AFF-B068-CFB08BE28289}"/>
+              </a:ext>
+            </a:extLst>
+          </p:cNvPr>
+          <p:cNvSpPr/>
+          <p:nvPr/>
+        </p:nvSpPr>
+        <p:spPr>
+          <a:xfrm>
+            <a:off x="1499465" y="784746"/>
+            <a:ext cx="494662" cy="238190"/>
+          </a:xfrm>
+          <a:prstGeom prst="rect">
+            <a:avLst/>
+          </a:prstGeom>
+          <a:solidFill>
+            <a:schemeClr val="bg1"/>
+          </a:solidFill>
+          <a:ln w="9525" cap="flat" cmpd="sng" algn="ctr">
+            <a:solidFill>
+              <a:srgbClr val="00B050"/>
+            </a:solidFill>
+            <a:prstDash val="solid"/>
+            <a:round/>
+            <a:headEnd type="none" w="med" len="med"/>
+            <a:tailEnd type="none" w="med" len="med"/>
+          </a:ln>
+        </p:spPr>
+        <p:style>
+          <a:lnRef idx="0">
+            <a:scrgbClr r="0" g="0" b="0"/>
+          </a:lnRef>
+          <a:fillRef idx="0">
+            <a:scrgbClr r="0" g="0" b="0"/>
+          </a:fillRef>
+          <a:effectRef idx="0">
+            <a:scrgbClr r="0" g="0" b="0"/>
+          </a:effectRef>
+          <a:fontRef idx="minor">
+            <a:schemeClr val="accent1"/>
+          </a:fontRef>
+        </p:style>
+        <p:txBody>
+          <a:bodyPr rtlCol="0" anchor="ctr"/>
+          <a:lstStyle/>
+          <a:p>
+            <a:pPr algn="ctr"/>
+            <a:r>
+              <a:rPr lang="zh-TW" altLang="en-US" sz="1200" dirty="0">
+                <a:solidFill>
+                  <a:srgbClr val="00B050"/>
+                </a:solidFill>
+              </a:rPr>
+              <a:t>昏聵</a:t>
+            </a:r>
+            <a:endParaRPr lang="en-US" altLang="zh-TW" sz="1200" dirty="0">
               <a:solidFill>
                 <a:srgbClr val="00B050"/>
               </a:solidFill>
-              <a:latin typeface="Linux Libertine"/>
             </a:endParaRPr>
+          </a:p>
+        </p:txBody>
+      </p:sp>
+      <p:sp>
+        <p:nvSpPr>
+          <p:cNvPr id="81" name="Rectangle 80">
+            <a:extLst>
+              <a:ext uri="{FF2B5EF4-FFF2-40B4-BE49-F238E27FC236}">
+                <a16:creationId xmlns:a16="http://schemas.microsoft.com/office/drawing/2014/main" id="{22928736-8621-8737-CA67-3FA225EC3CD3}"/>
+              </a:ext>
+            </a:extLst>
+          </p:cNvPr>
+          <p:cNvSpPr/>
+          <p:nvPr/>
+        </p:nvSpPr>
+        <p:spPr>
+          <a:xfrm>
+            <a:off x="2220746" y="786040"/>
+            <a:ext cx="488068" cy="238191"/>
+          </a:xfrm>
+          <a:prstGeom prst="rect">
+            <a:avLst/>
+          </a:prstGeom>
+          <a:noFill/>
+          <a:ln w="9525" cap="flat" cmpd="sng" algn="ctr">
+            <a:solidFill>
+              <a:srgbClr val="00B050"/>
+            </a:solidFill>
+            <a:prstDash val="solid"/>
+            <a:round/>
+            <a:headEnd type="none" w="med" len="med"/>
+            <a:tailEnd type="none" w="med" len="med"/>
+          </a:ln>
+        </p:spPr>
+        <p:style>
+          <a:lnRef idx="0">
+            <a:scrgbClr r="0" g="0" b="0"/>
+          </a:lnRef>
+          <a:fillRef idx="0">
+            <a:scrgbClr r="0" g="0" b="0"/>
+          </a:fillRef>
+          <a:effectRef idx="0">
+            <a:scrgbClr r="0" g="0" b="0"/>
+          </a:effectRef>
+          <a:fontRef idx="minor">
+            <a:schemeClr val="accent1"/>
+          </a:fontRef>
+        </p:style>
+        <p:txBody>
+          <a:bodyPr rtlCol="0" anchor="ctr"/>
+          <a:lstStyle/>
+          <a:p>
+            <a:pPr algn="ctr"/>
+            <a:r>
+              <a:rPr lang="zh-TW" altLang="en-US" sz="1200" dirty="0">
+                <a:solidFill>
+                  <a:srgbClr val="00B050"/>
+                </a:solidFill>
+              </a:rPr>
+              <a:t>憂慮</a:t>
+            </a:r>
+            <a:endParaRPr lang="en-US" altLang="zh-TW" sz="1200" dirty="0">
+              <a:solidFill>
+                <a:srgbClr val="00B050"/>
+              </a:solidFill>
+            </a:endParaRPr>
+          </a:p>
+        </p:txBody>
+      </p:sp>
+      <p:sp>
+        <p:nvSpPr>
+          <p:cNvPr id="103" name="Rectangle 102">
+            <a:extLst>
+              <a:ext uri="{FF2B5EF4-FFF2-40B4-BE49-F238E27FC236}">
+                <a16:creationId xmlns:a16="http://schemas.microsoft.com/office/drawing/2014/main" id="{D76F45CE-1448-5A16-7A58-D1B35CC11A36}"/>
+              </a:ext>
+            </a:extLst>
+          </p:cNvPr>
+          <p:cNvSpPr/>
+          <p:nvPr/>
+        </p:nvSpPr>
+        <p:spPr>
+          <a:xfrm>
+            <a:off x="2015872" y="784337"/>
+            <a:ext cx="178405" cy="238190"/>
+          </a:xfrm>
+          <a:prstGeom prst="rect">
+            <a:avLst/>
+          </a:prstGeom>
+          <a:noFill/>
+          <a:ln w="9525" cap="flat" cmpd="sng" algn="ctr">
+            <a:solidFill>
+              <a:srgbClr val="00B050"/>
+            </a:solidFill>
+            <a:prstDash val="solid"/>
+            <a:round/>
+            <a:headEnd type="none" w="med" len="med"/>
+            <a:tailEnd type="none" w="med" len="med"/>
+          </a:ln>
+        </p:spPr>
+        <p:style>
+          <a:lnRef idx="0">
+            <a:scrgbClr r="0" g="0" b="0"/>
+          </a:lnRef>
+          <a:fillRef idx="0">
+            <a:scrgbClr r="0" g="0" b="0"/>
+          </a:fillRef>
+          <a:effectRef idx="0">
+            <a:scrgbClr r="0" g="0" b="0"/>
+          </a:effectRef>
+          <a:fontRef idx="minor">
+            <a:schemeClr val="accent1"/>
+          </a:fontRef>
+        </p:style>
+        <p:txBody>
+          <a:bodyPr rtlCol="0" anchor="ctr"/>
+          <a:lstStyle/>
+          <a:p>
+            <a:pPr algn="ctr"/>
+            <a:r>
+              <a:rPr lang="zh-TW" altLang="en-US" sz="1200" dirty="0">
+                <a:solidFill>
+                  <a:srgbClr val="00B050"/>
+                </a:solidFill>
+              </a:rPr>
+              <a:t>於</a:t>
+            </a:r>
+            <a:endParaRPr lang="en-US" altLang="zh-TW" sz="1200" dirty="0">
+              <a:solidFill>
+                <a:srgbClr val="00B050"/>
+              </a:solidFill>
+            </a:endParaRPr>
+          </a:p>
+        </p:txBody>
+      </p:sp>
+      <p:sp>
+        <p:nvSpPr>
+          <p:cNvPr id="107" name="Rectangle 106">
+            <a:extLst>
+              <a:ext uri="{FF2B5EF4-FFF2-40B4-BE49-F238E27FC236}">
+                <a16:creationId xmlns:a16="http://schemas.microsoft.com/office/drawing/2014/main" id="{D674CEBD-475E-9F7A-C986-C55F9BF90ABD}"/>
+              </a:ext>
+            </a:extLst>
+          </p:cNvPr>
+          <p:cNvSpPr/>
+          <p:nvPr/>
+        </p:nvSpPr>
+        <p:spPr>
+          <a:xfrm>
+            <a:off x="1499465" y="1070438"/>
+            <a:ext cx="494662" cy="238190"/>
+          </a:xfrm>
+          <a:prstGeom prst="rect">
+            <a:avLst/>
+          </a:prstGeom>
+          <a:noFill/>
+          <a:ln w="9525" cap="flat" cmpd="sng" algn="ctr">
+            <a:solidFill>
+              <a:srgbClr val="00B050"/>
+            </a:solidFill>
+            <a:prstDash val="solid"/>
+            <a:round/>
+            <a:headEnd type="none" w="med" len="med"/>
+            <a:tailEnd type="none" w="med" len="med"/>
+          </a:ln>
+        </p:spPr>
+        <p:style>
+          <a:lnRef idx="0">
+            <a:scrgbClr r="0" g="0" b="0"/>
+          </a:lnRef>
+          <a:fillRef idx="0">
+            <a:scrgbClr r="0" g="0" b="0"/>
+          </a:fillRef>
+          <a:effectRef idx="0">
+            <a:scrgbClr r="0" g="0" b="0"/>
+          </a:effectRef>
+          <a:fontRef idx="minor">
+            <a:schemeClr val="accent1"/>
+          </a:fontRef>
+        </p:style>
+        <p:txBody>
+          <a:bodyPr rtlCol="0" anchor="ctr"/>
+          <a:lstStyle/>
+          <a:p>
+            <a:pPr algn="ctr"/>
+            <a:r>
+              <a:rPr lang="zh-TW" altLang="en-US" sz="1200" dirty="0">
+                <a:solidFill>
+                  <a:srgbClr val="00B050"/>
+                </a:solidFill>
+              </a:rPr>
+              <a:t>而且</a:t>
+            </a:r>
+            <a:endParaRPr lang="en-US" altLang="zh-TW" sz="1200" dirty="0">
+              <a:solidFill>
+                <a:srgbClr val="00B050"/>
+              </a:solidFill>
+            </a:endParaRPr>
+          </a:p>
+        </p:txBody>
+      </p:sp>
+      <p:sp>
+        <p:nvSpPr>
+          <p:cNvPr id="108" name="Rectangle 107">
+            <a:extLst>
+              <a:ext uri="{FF2B5EF4-FFF2-40B4-BE49-F238E27FC236}">
+                <a16:creationId xmlns:a16="http://schemas.microsoft.com/office/drawing/2014/main" id="{4DFACE73-CE16-5995-E9EA-C0C8EBAD6DC3}"/>
+              </a:ext>
+            </a:extLst>
+          </p:cNvPr>
+          <p:cNvSpPr/>
+          <p:nvPr/>
+        </p:nvSpPr>
+        <p:spPr>
+          <a:xfrm>
+            <a:off x="2015872" y="1070438"/>
+            <a:ext cx="494662" cy="238190"/>
+          </a:xfrm>
+          <a:prstGeom prst="rect">
+            <a:avLst/>
+          </a:prstGeom>
+          <a:noFill/>
+          <a:ln w="9525" cap="flat" cmpd="sng" algn="ctr">
+            <a:solidFill>
+              <a:srgbClr val="00B050"/>
+            </a:solidFill>
+            <a:prstDash val="solid"/>
+            <a:round/>
+            <a:headEnd type="none" w="med" len="med"/>
+            <a:tailEnd type="none" w="med" len="med"/>
+          </a:ln>
+        </p:spPr>
+        <p:style>
+          <a:lnRef idx="0">
+            <a:scrgbClr r="0" g="0" b="0"/>
+          </a:lnRef>
+          <a:fillRef idx="0">
+            <a:scrgbClr r="0" g="0" b="0"/>
+          </a:fillRef>
+          <a:effectRef idx="0">
+            <a:scrgbClr r="0" g="0" b="0"/>
+          </a:effectRef>
+          <a:fontRef idx="minor">
+            <a:schemeClr val="accent1"/>
+          </a:fontRef>
+        </p:style>
+        <p:txBody>
+          <a:bodyPr rtlCol="0" anchor="ctr"/>
+          <a:lstStyle/>
+          <a:p>
+            <a:pPr algn="ctr"/>
+            <a:r>
+              <a:rPr lang="zh-TW" altLang="en-US" sz="1200" dirty="0">
+                <a:solidFill>
+                  <a:srgbClr val="00B050"/>
+                </a:solidFill>
+              </a:rPr>
+              <a:t>生性</a:t>
+            </a:r>
+            <a:endParaRPr lang="en-US" altLang="zh-TW" sz="1200" dirty="0">
+              <a:solidFill>
+                <a:srgbClr val="00B050"/>
+              </a:solidFill>
+            </a:endParaRPr>
+          </a:p>
+        </p:txBody>
+      </p:sp>
+      <p:sp>
+        <p:nvSpPr>
+          <p:cNvPr id="109" name="Rectangle 108">
+            <a:extLst>
+              <a:ext uri="{FF2B5EF4-FFF2-40B4-BE49-F238E27FC236}">
+                <a16:creationId xmlns:a16="http://schemas.microsoft.com/office/drawing/2014/main" id="{04613C92-F288-425A-0AF0-1EDA16D9F8E3}"/>
+              </a:ext>
+            </a:extLst>
+          </p:cNvPr>
+          <p:cNvSpPr/>
+          <p:nvPr/>
+        </p:nvSpPr>
+        <p:spPr>
+          <a:xfrm>
+            <a:off x="2532279" y="1070438"/>
+            <a:ext cx="494662" cy="238190"/>
+          </a:xfrm>
+          <a:prstGeom prst="rect">
+            <a:avLst/>
+          </a:prstGeom>
+          <a:noFill/>
+          <a:ln w="9525" cap="flat" cmpd="sng" algn="ctr">
+            <a:solidFill>
+              <a:srgbClr val="00B050"/>
+            </a:solidFill>
+            <a:prstDash val="solid"/>
+            <a:round/>
+            <a:headEnd type="none" w="med" len="med"/>
+            <a:tailEnd type="none" w="med" len="med"/>
+          </a:ln>
+        </p:spPr>
+        <p:style>
+          <a:lnRef idx="0">
+            <a:scrgbClr r="0" g="0" b="0"/>
+          </a:lnRef>
+          <a:fillRef idx="0">
+            <a:scrgbClr r="0" g="0" b="0"/>
+          </a:fillRef>
+          <a:effectRef idx="0">
+            <a:scrgbClr r="0" g="0" b="0"/>
+          </a:effectRef>
+          <a:fontRef idx="minor">
+            <a:schemeClr val="accent1"/>
+          </a:fontRef>
+        </p:style>
+        <p:txBody>
+          <a:bodyPr rtlCol="0" anchor="ctr"/>
+          <a:lstStyle/>
+          <a:p>
+            <a:pPr algn="ctr"/>
+            <a:r>
+              <a:rPr lang="zh-TW" altLang="en-US" sz="1200" dirty="0">
+                <a:solidFill>
+                  <a:srgbClr val="00B050"/>
+                </a:solidFill>
+              </a:rPr>
+              <a:t>懦弱</a:t>
+            </a:r>
+            <a:endParaRPr lang="en-US" altLang="zh-TW" sz="1200" dirty="0">
+              <a:solidFill>
+                <a:srgbClr val="00B050"/>
+              </a:solidFill>
+            </a:endParaRPr>
+          </a:p>
+        </p:txBody>
+      </p:sp>
+      <p:sp>
+        <p:nvSpPr>
+          <p:cNvPr id="110" name="Rectangle 109">
+            <a:extLst>
+              <a:ext uri="{FF2B5EF4-FFF2-40B4-BE49-F238E27FC236}">
+                <a16:creationId xmlns:a16="http://schemas.microsoft.com/office/drawing/2014/main" id="{885CD6F5-0F5C-E040-E548-28A39F4C82C8}"/>
+              </a:ext>
+            </a:extLst>
+          </p:cNvPr>
+          <p:cNvSpPr/>
+          <p:nvPr/>
+        </p:nvSpPr>
+        <p:spPr>
+          <a:xfrm>
+            <a:off x="3048686" y="1070438"/>
+            <a:ext cx="494662" cy="238190"/>
+          </a:xfrm>
+          <a:prstGeom prst="rect">
+            <a:avLst/>
+          </a:prstGeom>
+          <a:noFill/>
+          <a:ln w="9525" cap="flat" cmpd="sng" algn="ctr">
+            <a:solidFill>
+              <a:srgbClr val="00B050"/>
+            </a:solidFill>
+            <a:prstDash val="solid"/>
+            <a:round/>
+            <a:headEnd type="none" w="med" len="med"/>
+            <a:tailEnd type="none" w="med" len="med"/>
+          </a:ln>
+        </p:spPr>
+        <p:style>
+          <a:lnRef idx="0">
+            <a:scrgbClr r="0" g="0" b="0"/>
+          </a:lnRef>
+          <a:fillRef idx="0">
+            <a:scrgbClr r="0" g="0" b="0"/>
+          </a:fillRef>
+          <a:effectRef idx="0">
+            <a:scrgbClr r="0" g="0" b="0"/>
+          </a:effectRef>
+          <a:fontRef idx="minor">
+            <a:schemeClr val="accent1"/>
+          </a:fontRef>
+        </p:style>
+        <p:txBody>
+          <a:bodyPr rtlCol="0" anchor="ctr"/>
+          <a:lstStyle/>
+          <a:p>
+            <a:pPr algn="ctr"/>
+            <a:r>
+              <a:rPr lang="zh-TW" altLang="en-US" sz="1200" dirty="0">
+                <a:solidFill>
+                  <a:srgbClr val="00B050"/>
+                </a:solidFill>
+              </a:rPr>
+              <a:t>愚蠢</a:t>
+            </a:r>
+            <a:endParaRPr lang="en-US" altLang="zh-TW" sz="1200" dirty="0">
+              <a:solidFill>
+                <a:srgbClr val="00B050"/>
+              </a:solidFill>
+            </a:endParaRPr>
+          </a:p>
+        </p:txBody>
+      </p:sp>
+    </p:spTree>
+    <p:extLst>
+      <p:ext uri="{BB962C8B-B14F-4D97-AF65-F5344CB8AC3E}">
+        <p14:creationId xmlns:p14="http://schemas.microsoft.com/office/powerpoint/2010/main" val="1543108921"/>
+      </p:ext>
+    </p:extLst>
+  </p:cSld>
+  <p:clrMapOvr>
+    <a:masterClrMapping/>
+  </p:clrMapOvr>
+</p:sld>
+</file>
+
+<file path=ppt/slides/slide2.xml><?xml version="1.0" encoding="utf-8"?>
+<p:sld xmlns:a="http://schemas.openxmlformats.org/drawingml/2006/main" xmlns:r="http://schemas.openxmlformats.org/officeDocument/2006/relationships" xmlns:p="http://schemas.openxmlformats.org/presentationml/2006/main">
+  <p:cSld>
+    <p:spTree>
+      <p:nvGrpSpPr>
+        <p:cNvPr id="1" name=""/>
+        <p:cNvGrpSpPr/>
+        <p:nvPr/>
+      </p:nvGrpSpPr>
+      <p:grpSpPr>
+        <a:xfrm>
+          <a:off x="0" y="0"/>
+          <a:ext cx="0" cy="0"/>
+          <a:chOff x="0" y="0"/>
+          <a:chExt cx="0" cy="0"/>
+        </a:xfrm>
+      </p:grpSpPr>
+      <p:sp>
+        <p:nvSpPr>
+          <p:cNvPr id="2" name="Rectangle 1">
+            <a:extLst>
+              <a:ext uri="{FF2B5EF4-FFF2-40B4-BE49-F238E27FC236}">
+                <a16:creationId xmlns:a16="http://schemas.microsoft.com/office/drawing/2014/main" id="{FA2E2F36-E632-FBBA-6C7E-69005A0009CA}"/>
+              </a:ext>
+            </a:extLst>
+          </p:cNvPr>
+          <p:cNvSpPr/>
+          <p:nvPr/>
+        </p:nvSpPr>
+        <p:spPr>
+          <a:xfrm>
+            <a:off x="67721" y="184262"/>
+            <a:ext cx="243935" cy="290818"/>
+          </a:xfrm>
+          <a:prstGeom prst="rect">
+            <a:avLst/>
+          </a:prstGeom>
+        </p:spPr>
+        <p:style>
+          <a:lnRef idx="2">
+            <a:schemeClr val="accent1">
+              <a:shade val="15000"/>
+            </a:schemeClr>
+          </a:lnRef>
+          <a:fillRef idx="1">
+            <a:schemeClr val="accent1"/>
+          </a:fillRef>
+          <a:effectRef idx="0">
+            <a:schemeClr val="accent1"/>
+          </a:effectRef>
+          <a:fontRef idx="minor">
+            <a:schemeClr val="lt1"/>
+          </a:fontRef>
+        </p:style>
+        <p:txBody>
+          <a:bodyPr rtlCol="0" anchor="ctr"/>
+          <a:lstStyle/>
+          <a:p>
+            <a:pPr algn="ctr"/>
+            <a:r>
+              <a:rPr lang="zh-TW" altLang="en-US" dirty="0">
+                <a:latin typeface="DFKai-SB" panose="03000509000000000000" pitchFamily="65" charset="-120"/>
+                <a:ea typeface="DFKai-SB" panose="03000509000000000000" pitchFamily="65" charset="-120"/>
+              </a:rPr>
+              <a:t>沉</a:t>
+            </a:r>
+            <a:endParaRPr lang="en-US" dirty="0">
+              <a:latin typeface="DFKai-SB" panose="03000509000000000000" pitchFamily="65" charset="-120"/>
+              <a:ea typeface="DFKai-SB" panose="03000509000000000000" pitchFamily="65" charset="-120"/>
+            </a:endParaRPr>
+          </a:p>
+        </p:txBody>
+      </p:sp>
+      <p:sp>
+        <p:nvSpPr>
+          <p:cNvPr id="3" name="Rectangle 2">
+            <a:extLst>
+              <a:ext uri="{FF2B5EF4-FFF2-40B4-BE49-F238E27FC236}">
+                <a16:creationId xmlns:a16="http://schemas.microsoft.com/office/drawing/2014/main" id="{B31DA4DA-F10C-7270-5439-588890A6150C}"/>
+              </a:ext>
+            </a:extLst>
+          </p:cNvPr>
+          <p:cNvSpPr/>
+          <p:nvPr/>
+        </p:nvSpPr>
+        <p:spPr>
+          <a:xfrm>
+            <a:off x="333618" y="184262"/>
+            <a:ext cx="243935" cy="290818"/>
+          </a:xfrm>
+          <a:prstGeom prst="rect">
+            <a:avLst/>
+          </a:prstGeom>
+        </p:spPr>
+        <p:style>
+          <a:lnRef idx="2">
+            <a:schemeClr val="accent1">
+              <a:shade val="15000"/>
+            </a:schemeClr>
+          </a:lnRef>
+          <a:fillRef idx="1">
+            <a:schemeClr val="accent1"/>
+          </a:fillRef>
+          <a:effectRef idx="0">
+            <a:schemeClr val="accent1"/>
+          </a:effectRef>
+          <a:fontRef idx="minor">
+            <a:schemeClr val="lt1"/>
+          </a:fontRef>
+        </p:style>
+        <p:txBody>
+          <a:bodyPr rtlCol="0" anchor="ctr"/>
+          <a:lstStyle/>
+          <a:p>
+            <a:pPr algn="ctr"/>
+            <a:r>
+              <a:rPr lang="zh-TW" altLang="en-US" dirty="0">
+                <a:latin typeface="DFKai-SB" panose="03000509000000000000" pitchFamily="65" charset="-120"/>
+                <a:ea typeface="DFKai-SB" panose="03000509000000000000" pitchFamily="65" charset="-120"/>
+              </a:rPr>
+              <a:t>於</a:t>
+            </a:r>
+            <a:endParaRPr lang="en-US" dirty="0">
+              <a:latin typeface="DFKai-SB" panose="03000509000000000000" pitchFamily="65" charset="-120"/>
+              <a:ea typeface="DFKai-SB" panose="03000509000000000000" pitchFamily="65" charset="-120"/>
+            </a:endParaRPr>
+          </a:p>
+        </p:txBody>
+      </p:sp>
+      <p:sp>
+        <p:nvSpPr>
+          <p:cNvPr id="4" name="Rectangle 3">
+            <a:extLst>
+              <a:ext uri="{FF2B5EF4-FFF2-40B4-BE49-F238E27FC236}">
+                <a16:creationId xmlns:a16="http://schemas.microsoft.com/office/drawing/2014/main" id="{5A1EF1A6-7300-8A7F-4309-4F82641CD6C0}"/>
+              </a:ext>
+            </a:extLst>
+          </p:cNvPr>
+          <p:cNvSpPr/>
+          <p:nvPr/>
+        </p:nvSpPr>
+        <p:spPr>
+          <a:xfrm>
+            <a:off x="601938" y="182067"/>
+            <a:ext cx="243935" cy="290818"/>
+          </a:xfrm>
+          <a:prstGeom prst="rect">
+            <a:avLst/>
+          </a:prstGeom>
+        </p:spPr>
+        <p:style>
+          <a:lnRef idx="2">
+            <a:schemeClr val="accent1">
+              <a:shade val="15000"/>
+            </a:schemeClr>
+          </a:lnRef>
+          <a:fillRef idx="1">
+            <a:schemeClr val="accent1"/>
+          </a:fillRef>
+          <a:effectRef idx="0">
+            <a:schemeClr val="accent1"/>
+          </a:effectRef>
+          <a:fontRef idx="minor">
+            <a:schemeClr val="lt1"/>
+          </a:fontRef>
+        </p:style>
+        <p:txBody>
+          <a:bodyPr rtlCol="0" anchor="ctr"/>
+          <a:lstStyle/>
+          <a:p>
+            <a:pPr algn="ctr"/>
+            <a:r>
+              <a:rPr lang="zh-TW" altLang="en-US" dirty="0">
+                <a:latin typeface="DFKai-SB" panose="03000509000000000000" pitchFamily="65" charset="-120"/>
+                <a:ea typeface="DFKai-SB" panose="03000509000000000000" pitchFamily="65" charset="-120"/>
+              </a:rPr>
+              <a:t>國</a:t>
+            </a:r>
+          </a:p>
+        </p:txBody>
+      </p:sp>
+      <p:sp>
+        <p:nvSpPr>
+          <p:cNvPr id="5" name="Rectangle 4">
+            <a:extLst>
+              <a:ext uri="{FF2B5EF4-FFF2-40B4-BE49-F238E27FC236}">
+                <a16:creationId xmlns:a16="http://schemas.microsoft.com/office/drawing/2014/main" id="{5BD4FD58-B993-8322-0453-15E37F66F20F}"/>
+              </a:ext>
+            </a:extLst>
+          </p:cNvPr>
+          <p:cNvSpPr/>
+          <p:nvPr/>
+        </p:nvSpPr>
+        <p:spPr>
+          <a:xfrm>
+            <a:off x="874494" y="182068"/>
+            <a:ext cx="239699" cy="290818"/>
+          </a:xfrm>
+          <a:prstGeom prst="rect">
+            <a:avLst/>
+          </a:prstGeom>
+        </p:spPr>
+        <p:style>
+          <a:lnRef idx="2">
+            <a:schemeClr val="accent1">
+              <a:shade val="15000"/>
+            </a:schemeClr>
+          </a:lnRef>
+          <a:fillRef idx="1">
+            <a:schemeClr val="accent1"/>
+          </a:fillRef>
+          <a:effectRef idx="0">
+            <a:schemeClr val="accent1"/>
+          </a:effectRef>
+          <a:fontRef idx="minor">
+            <a:schemeClr val="lt1"/>
+          </a:fontRef>
+        </p:style>
+        <p:txBody>
+          <a:bodyPr rtlCol="0" anchor="ctr"/>
+          <a:lstStyle/>
+          <a:p>
+            <a:pPr algn="ctr"/>
+            <a:r>
+              <a:rPr lang="zh-TW" altLang="en-US" dirty="0">
+                <a:latin typeface="DFKai-SB" panose="03000509000000000000" pitchFamily="65" charset="-120"/>
+                <a:ea typeface="DFKai-SB" panose="03000509000000000000" pitchFamily="65" charset="-120"/>
+              </a:rPr>
+              <a:t>家</a:t>
+            </a:r>
           </a:p>
         </p:txBody>
       </p:sp>
       <p:cxnSp>
         <p:nvCxnSpPr>
-          <p:cNvPr id="23" name="Straight Arrow Connector 22">
-            <a:extLst>
-              <a:ext uri="{FF2B5EF4-FFF2-40B4-BE49-F238E27FC236}">
-                <a16:creationId xmlns:a16="http://schemas.microsoft.com/office/drawing/2014/main" id="{11F49330-7F0A-1421-7689-F91D7733C66E}"/>
+          <p:cNvPr id="27" name="Straight Arrow Connector 26">
+            <a:extLst>
+              <a:ext uri="{FF2B5EF4-FFF2-40B4-BE49-F238E27FC236}">
+                <a16:creationId xmlns:a16="http://schemas.microsoft.com/office/drawing/2014/main" id="{20683A19-ED67-F33B-115D-CDD09F277721}"/>
               </a:ext>
             </a:extLst>
           </p:cNvPr>
           <p:cNvCxnSpPr>
-            <a:stCxn id="3" idx="2"/>
-            <a:endCxn id="17" idx="0"/>
+            <a:cxnSpLocks/>
+            <a:endCxn id="47" idx="0"/>
           </p:cNvCxnSpPr>
           <p:nvPr/>
         </p:nvCxnSpPr>
         <p:spPr>
           <a:xfrm>
-            <a:off x="715852" y="557887"/>
-            <a:ext cx="158638" cy="226451"/>
+            <a:off x="994344" y="472885"/>
+            <a:ext cx="82109" cy="303687"/>
+          </a:xfrm>
+          <a:prstGeom prst="straightConnector1">
+            <a:avLst/>
+          </a:prstGeom>
+          <a:ln>
+            <a:headEnd type="none" w="med" len="med"/>
+            <a:tailEnd type="arrow" w="med" len="med"/>
+          </a:ln>
+        </p:spPr>
+        <p:style>
+          <a:lnRef idx="1">
+            <a:schemeClr val="accent1"/>
+          </a:lnRef>
+          <a:fillRef idx="0">
+            <a:schemeClr val="accent1"/>
+          </a:fillRef>
+          <a:effectRef idx="0">
+            <a:schemeClr val="accent1"/>
+          </a:effectRef>
+          <a:fontRef idx="minor">
+            <a:schemeClr val="tx1"/>
+          </a:fontRef>
+        </p:style>
+      </p:cxnSp>
+      <p:sp>
+        <p:nvSpPr>
+          <p:cNvPr id="29" name="Rectangle 28">
+            <a:extLst>
+              <a:ext uri="{FF2B5EF4-FFF2-40B4-BE49-F238E27FC236}">
+                <a16:creationId xmlns:a16="http://schemas.microsoft.com/office/drawing/2014/main" id="{E3AD0487-D350-6515-C7F0-D99C1B164E14}"/>
+              </a:ext>
+            </a:extLst>
+          </p:cNvPr>
+          <p:cNvSpPr/>
+          <p:nvPr/>
+        </p:nvSpPr>
+        <p:spPr>
+          <a:xfrm>
+            <a:off x="1142814" y="182068"/>
+            <a:ext cx="239699" cy="290818"/>
+          </a:xfrm>
+          <a:prstGeom prst="rect">
+            <a:avLst/>
+          </a:prstGeom>
+        </p:spPr>
+        <p:style>
+          <a:lnRef idx="2">
+            <a:schemeClr val="accent1">
+              <a:shade val="15000"/>
+            </a:schemeClr>
+          </a:lnRef>
+          <a:fillRef idx="1">
+            <a:schemeClr val="accent1"/>
+          </a:fillRef>
+          <a:effectRef idx="0">
+            <a:schemeClr val="accent1"/>
+          </a:effectRef>
+          <a:fontRef idx="minor">
+            <a:schemeClr val="lt1"/>
+          </a:fontRef>
+        </p:style>
+        <p:txBody>
+          <a:bodyPr rtlCol="0" anchor="ctr"/>
+          <a:lstStyle/>
+          <a:p>
+            <a:pPr algn="ctr"/>
+            <a:r>
+              <a:rPr lang="zh-TW" altLang="en-US" dirty="0">
+                <a:latin typeface="DFKai-SB" panose="03000509000000000000" pitchFamily="65" charset="-120"/>
+                <a:ea typeface="DFKai-SB" panose="03000509000000000000" pitchFamily="65" charset="-120"/>
+              </a:rPr>
+              <a:t>之</a:t>
+            </a:r>
+          </a:p>
+        </p:txBody>
+      </p:sp>
+      <p:cxnSp>
+        <p:nvCxnSpPr>
+          <p:cNvPr id="30" name="Straight Arrow Connector 29">
+            <a:extLst>
+              <a:ext uri="{FF2B5EF4-FFF2-40B4-BE49-F238E27FC236}">
+                <a16:creationId xmlns:a16="http://schemas.microsoft.com/office/drawing/2014/main" id="{ADE6F8D9-C47C-CEF6-600C-6084D763B4D7}"/>
+              </a:ext>
+            </a:extLst>
+          </p:cNvPr>
+          <p:cNvCxnSpPr>
+            <a:cxnSpLocks/>
+            <a:endCxn id="48" idx="0"/>
+          </p:cNvCxnSpPr>
+          <p:nvPr/>
+        </p:nvCxnSpPr>
+        <p:spPr>
+          <a:xfrm>
+            <a:off x="1262711" y="472885"/>
+            <a:ext cx="205728" cy="303686"/>
+          </a:xfrm>
+          <a:prstGeom prst="straightConnector1">
+            <a:avLst/>
+          </a:prstGeom>
+          <a:ln>
+            <a:headEnd type="none" w="med" len="med"/>
+            <a:tailEnd type="arrow" w="med" len="med"/>
+          </a:ln>
+        </p:spPr>
+        <p:style>
+          <a:lnRef idx="1">
+            <a:schemeClr val="accent1"/>
+          </a:lnRef>
+          <a:fillRef idx="0">
+            <a:schemeClr val="accent1"/>
+          </a:fillRef>
+          <a:effectRef idx="0">
+            <a:schemeClr val="accent1"/>
+          </a:effectRef>
+          <a:fontRef idx="minor">
+            <a:schemeClr val="tx1"/>
+          </a:fontRef>
+        </p:style>
+      </p:cxnSp>
+      <p:sp>
+        <p:nvSpPr>
+          <p:cNvPr id="31" name="Rectangle 30">
+            <a:extLst>
+              <a:ext uri="{FF2B5EF4-FFF2-40B4-BE49-F238E27FC236}">
+                <a16:creationId xmlns:a16="http://schemas.microsoft.com/office/drawing/2014/main" id="{4DE49A5C-A507-5AF0-C21C-836F2B02A318}"/>
+              </a:ext>
+            </a:extLst>
+          </p:cNvPr>
+          <p:cNvSpPr/>
+          <p:nvPr/>
+        </p:nvSpPr>
+        <p:spPr>
+          <a:xfrm>
+            <a:off x="1405579" y="182067"/>
+            <a:ext cx="239699" cy="290818"/>
+          </a:xfrm>
+          <a:prstGeom prst="rect">
+            <a:avLst/>
+          </a:prstGeom>
+        </p:spPr>
+        <p:style>
+          <a:lnRef idx="2">
+            <a:schemeClr val="accent1">
+              <a:shade val="15000"/>
+            </a:schemeClr>
+          </a:lnRef>
+          <a:fillRef idx="1">
+            <a:schemeClr val="accent1"/>
+          </a:fillRef>
+          <a:effectRef idx="0">
+            <a:schemeClr val="accent1"/>
+          </a:effectRef>
+          <a:fontRef idx="minor">
+            <a:schemeClr val="lt1"/>
+          </a:fontRef>
+        </p:style>
+        <p:txBody>
+          <a:bodyPr rtlCol="0" anchor="ctr"/>
+          <a:lstStyle/>
+          <a:p>
+            <a:pPr algn="ctr"/>
+            <a:r>
+              <a:rPr lang="zh-TW" altLang="en-US" dirty="0">
+                <a:latin typeface="DFKai-SB" panose="03000509000000000000" pitchFamily="65" charset="-120"/>
+                <a:ea typeface="DFKai-SB" panose="03000509000000000000" pitchFamily="65" charset="-120"/>
+              </a:rPr>
+              <a:t>事</a:t>
+            </a:r>
+          </a:p>
+        </p:txBody>
+      </p:sp>
+      <p:cxnSp>
+        <p:nvCxnSpPr>
+          <p:cNvPr id="32" name="Straight Arrow Connector 31">
+            <a:extLst>
+              <a:ext uri="{FF2B5EF4-FFF2-40B4-BE49-F238E27FC236}">
+                <a16:creationId xmlns:a16="http://schemas.microsoft.com/office/drawing/2014/main" id="{0193D8DC-132C-9B19-ABD6-6BC3DEEA9A72}"/>
+              </a:ext>
+            </a:extLst>
+          </p:cNvPr>
+          <p:cNvCxnSpPr>
+            <a:cxnSpLocks/>
+            <a:stCxn id="31" idx="2"/>
+            <a:endCxn id="49" idx="0"/>
+          </p:cNvCxnSpPr>
+          <p:nvPr/>
+        </p:nvCxnSpPr>
+        <p:spPr>
+          <a:xfrm>
+            <a:off x="1525429" y="472885"/>
+            <a:ext cx="354471" cy="307839"/>
+          </a:xfrm>
+          <a:prstGeom prst="straightConnector1">
+            <a:avLst/>
+          </a:prstGeom>
+          <a:ln>
+            <a:headEnd type="none" w="med" len="med"/>
+            <a:tailEnd type="arrow" w="med" len="med"/>
+          </a:ln>
+        </p:spPr>
+        <p:style>
+          <a:lnRef idx="1">
+            <a:schemeClr val="accent1"/>
+          </a:lnRef>
+          <a:fillRef idx="0">
+            <a:schemeClr val="accent1"/>
+          </a:fillRef>
+          <a:effectRef idx="0">
+            <a:schemeClr val="accent1"/>
+          </a:effectRef>
+          <a:fontRef idx="minor">
+            <a:schemeClr val="tx1"/>
+          </a:fontRef>
+        </p:style>
+      </p:cxnSp>
+      <p:sp>
+        <p:nvSpPr>
+          <p:cNvPr id="33" name="Rectangle 32">
+            <a:extLst>
+              <a:ext uri="{FF2B5EF4-FFF2-40B4-BE49-F238E27FC236}">
+                <a16:creationId xmlns:a16="http://schemas.microsoft.com/office/drawing/2014/main" id="{67AAACED-91A7-3322-D5C2-1C645CAB21E9}"/>
+              </a:ext>
+            </a:extLst>
+          </p:cNvPr>
+          <p:cNvSpPr/>
+          <p:nvPr/>
+        </p:nvSpPr>
+        <p:spPr>
+          <a:xfrm>
+            <a:off x="1668344" y="182067"/>
+            <a:ext cx="239699" cy="290818"/>
+          </a:xfrm>
+          <a:prstGeom prst="rect">
+            <a:avLst/>
+          </a:prstGeom>
+        </p:spPr>
+        <p:style>
+          <a:lnRef idx="2">
+            <a:schemeClr val="accent1">
+              <a:shade val="15000"/>
+            </a:schemeClr>
+          </a:lnRef>
+          <a:fillRef idx="1">
+            <a:schemeClr val="accent1"/>
+          </a:fillRef>
+          <a:effectRef idx="0">
+            <a:schemeClr val="accent1"/>
+          </a:effectRef>
+          <a:fontRef idx="minor">
+            <a:schemeClr val="lt1"/>
+          </a:fontRef>
+        </p:style>
+        <p:txBody>
+          <a:bodyPr rtlCol="0" anchor="ctr"/>
+          <a:lstStyle/>
+          <a:p>
+            <a:pPr algn="ctr"/>
+            <a:r>
+              <a:rPr lang="zh-TW" altLang="en-US" dirty="0">
+                <a:latin typeface="DFKai-SB" panose="03000509000000000000" pitchFamily="65" charset="-120"/>
+                <a:ea typeface="DFKai-SB" panose="03000509000000000000" pitchFamily="65" charset="-120"/>
+              </a:rPr>
+              <a:t>開</a:t>
+            </a:r>
+          </a:p>
+        </p:txBody>
+      </p:sp>
+      <p:cxnSp>
+        <p:nvCxnSpPr>
+          <p:cNvPr id="34" name="Straight Arrow Connector 33">
+            <a:extLst>
+              <a:ext uri="{FF2B5EF4-FFF2-40B4-BE49-F238E27FC236}">
+                <a16:creationId xmlns:a16="http://schemas.microsoft.com/office/drawing/2014/main" id="{B1D1CA9E-C08A-DC5A-1B93-5B648C6F32D9}"/>
+              </a:ext>
+            </a:extLst>
+          </p:cNvPr>
+          <p:cNvCxnSpPr>
+            <a:cxnSpLocks/>
+            <a:stCxn id="33" idx="2"/>
+            <a:endCxn id="50" idx="0"/>
+          </p:cNvCxnSpPr>
+          <p:nvPr/>
+        </p:nvCxnSpPr>
+        <p:spPr>
+          <a:xfrm>
+            <a:off x="1788194" y="472885"/>
+            <a:ext cx="765685" cy="311451"/>
+          </a:xfrm>
+          <a:prstGeom prst="straightConnector1">
+            <a:avLst/>
+          </a:prstGeom>
+          <a:ln>
+            <a:headEnd type="none" w="med" len="med"/>
+            <a:tailEnd type="arrow" w="med" len="med"/>
+          </a:ln>
+        </p:spPr>
+        <p:style>
+          <a:lnRef idx="1">
+            <a:schemeClr val="accent1"/>
+          </a:lnRef>
+          <a:fillRef idx="0">
+            <a:schemeClr val="accent1"/>
+          </a:fillRef>
+          <a:effectRef idx="0">
+            <a:schemeClr val="accent1"/>
+          </a:effectRef>
+          <a:fontRef idx="minor">
+            <a:schemeClr val="tx1"/>
+          </a:fontRef>
+        </p:style>
+      </p:cxnSp>
+      <p:sp>
+        <p:nvSpPr>
+          <p:cNvPr id="35" name="Rectangle 34">
+            <a:extLst>
+              <a:ext uri="{FF2B5EF4-FFF2-40B4-BE49-F238E27FC236}">
+                <a16:creationId xmlns:a16="http://schemas.microsoft.com/office/drawing/2014/main" id="{26C00530-6219-80A6-F332-D894EE457C1B}"/>
+              </a:ext>
+            </a:extLst>
+          </p:cNvPr>
+          <p:cNvSpPr/>
+          <p:nvPr/>
+        </p:nvSpPr>
+        <p:spPr>
+          <a:xfrm>
+            <a:off x="1931109" y="182067"/>
+            <a:ext cx="239699" cy="290818"/>
+          </a:xfrm>
+          <a:prstGeom prst="rect">
+            <a:avLst/>
+          </a:prstGeom>
+        </p:spPr>
+        <p:style>
+          <a:lnRef idx="2">
+            <a:schemeClr val="accent1">
+              <a:shade val="15000"/>
+            </a:schemeClr>
+          </a:lnRef>
+          <a:fillRef idx="1">
+            <a:schemeClr val="accent1"/>
+          </a:fillRef>
+          <a:effectRef idx="0">
+            <a:schemeClr val="accent1"/>
+          </a:effectRef>
+          <a:fontRef idx="minor">
+            <a:schemeClr val="lt1"/>
+          </a:fontRef>
+        </p:style>
+        <p:txBody>
+          <a:bodyPr rtlCol="0" anchor="ctr"/>
+          <a:lstStyle/>
+          <a:p>
+            <a:pPr algn="ctr"/>
+            <a:r>
+              <a:rPr lang="zh-TW" altLang="en-US" dirty="0">
+                <a:latin typeface="DFKai-SB" panose="03000509000000000000" pitchFamily="65" charset="-120"/>
+                <a:ea typeface="DFKai-SB" panose="03000509000000000000" pitchFamily="65" charset="-120"/>
+              </a:rPr>
+              <a:t>罪</a:t>
+            </a:r>
+          </a:p>
+        </p:txBody>
+      </p:sp>
+      <p:cxnSp>
+        <p:nvCxnSpPr>
+          <p:cNvPr id="36" name="Straight Arrow Connector 35">
+            <a:extLst>
+              <a:ext uri="{FF2B5EF4-FFF2-40B4-BE49-F238E27FC236}">
+                <a16:creationId xmlns:a16="http://schemas.microsoft.com/office/drawing/2014/main" id="{3D93C4DF-A7CE-371A-6F62-6200EC7E695B}"/>
+              </a:ext>
+            </a:extLst>
+          </p:cNvPr>
+          <p:cNvCxnSpPr>
+            <a:cxnSpLocks/>
+            <a:stCxn id="35" idx="2"/>
+            <a:endCxn id="50" idx="0"/>
+          </p:cNvCxnSpPr>
+          <p:nvPr/>
+        </p:nvCxnSpPr>
+        <p:spPr>
+          <a:xfrm>
+            <a:off x="2050959" y="472885"/>
+            <a:ext cx="502920" cy="311451"/>
+          </a:xfrm>
+          <a:prstGeom prst="straightConnector1">
+            <a:avLst/>
+          </a:prstGeom>
+          <a:ln>
+            <a:headEnd type="none" w="med" len="med"/>
+            <a:tailEnd type="arrow" w="med" len="med"/>
+          </a:ln>
+        </p:spPr>
+        <p:style>
+          <a:lnRef idx="1">
+            <a:schemeClr val="accent1"/>
+          </a:lnRef>
+          <a:fillRef idx="0">
+            <a:schemeClr val="accent1"/>
+          </a:fillRef>
+          <a:effectRef idx="0">
+            <a:schemeClr val="accent1"/>
+          </a:effectRef>
+          <a:fontRef idx="minor">
+            <a:schemeClr val="tx1"/>
+          </a:fontRef>
+        </p:style>
+      </p:cxnSp>
+      <p:sp>
+        <p:nvSpPr>
+          <p:cNvPr id="37" name="Rectangle 36">
+            <a:extLst>
+              <a:ext uri="{FF2B5EF4-FFF2-40B4-BE49-F238E27FC236}">
+                <a16:creationId xmlns:a16="http://schemas.microsoft.com/office/drawing/2014/main" id="{46F6BA75-A5A6-65CC-B0EE-05BBA5D79F61}"/>
+              </a:ext>
+            </a:extLst>
+          </p:cNvPr>
+          <p:cNvSpPr/>
+          <p:nvPr/>
+        </p:nvSpPr>
+        <p:spPr>
+          <a:xfrm>
+            <a:off x="2194277" y="182067"/>
+            <a:ext cx="239699" cy="290818"/>
+          </a:xfrm>
+          <a:prstGeom prst="rect">
+            <a:avLst/>
+          </a:prstGeom>
+        </p:spPr>
+        <p:style>
+          <a:lnRef idx="2">
+            <a:schemeClr val="accent1">
+              <a:shade val="15000"/>
+            </a:schemeClr>
+          </a:lnRef>
+          <a:fillRef idx="1">
+            <a:schemeClr val="accent1"/>
+          </a:fillRef>
+          <a:effectRef idx="0">
+            <a:schemeClr val="accent1"/>
+          </a:effectRef>
+          <a:fontRef idx="minor">
+            <a:schemeClr val="lt1"/>
+          </a:fontRef>
+        </p:style>
+        <p:txBody>
+          <a:bodyPr rtlCol="0" anchor="ctr"/>
+          <a:lstStyle/>
+          <a:p>
+            <a:pPr algn="ctr"/>
+            <a:r>
+              <a:rPr lang="zh-TW" altLang="en-US" dirty="0">
+                <a:latin typeface="DFKai-SB" panose="03000509000000000000" pitchFamily="65" charset="-120"/>
+                <a:ea typeface="DFKai-SB" panose="03000509000000000000" pitchFamily="65" charset="-120"/>
+              </a:rPr>
+              <a:t>於</a:t>
+            </a:r>
+          </a:p>
+        </p:txBody>
+      </p:sp>
+      <p:cxnSp>
+        <p:nvCxnSpPr>
+          <p:cNvPr id="38" name="Straight Arrow Connector 37">
+            <a:extLst>
+              <a:ext uri="{FF2B5EF4-FFF2-40B4-BE49-F238E27FC236}">
+                <a16:creationId xmlns:a16="http://schemas.microsoft.com/office/drawing/2014/main" id="{B4EB73F9-3F8E-6657-2129-70B0A12ED268}"/>
+              </a:ext>
+            </a:extLst>
+          </p:cNvPr>
+          <p:cNvCxnSpPr>
+            <a:cxnSpLocks/>
+            <a:stCxn id="37" idx="2"/>
+            <a:endCxn id="70" idx="1"/>
+          </p:cNvCxnSpPr>
+          <p:nvPr/>
+        </p:nvCxnSpPr>
+        <p:spPr>
+          <a:xfrm>
+            <a:off x="2314127" y="472885"/>
+            <a:ext cx="834765" cy="104610"/>
           </a:xfrm>
           <a:prstGeom prst="straightConnector1">
             <a:avLst/>
@@ -3542,31 +5537,2763 @@
           </a:fontRef>
         </p:style>
       </p:cxnSp>
+      <p:sp>
+        <p:nvSpPr>
+          <p:cNvPr id="39" name="Rectangle 38">
+            <a:extLst>
+              <a:ext uri="{FF2B5EF4-FFF2-40B4-BE49-F238E27FC236}">
+                <a16:creationId xmlns:a16="http://schemas.microsoft.com/office/drawing/2014/main" id="{4FD78B18-4BA6-0D56-7580-5FAF625219C5}"/>
+              </a:ext>
+            </a:extLst>
+          </p:cNvPr>
+          <p:cNvSpPr/>
+          <p:nvPr/>
+        </p:nvSpPr>
+        <p:spPr>
+          <a:xfrm>
+            <a:off x="2456639" y="182067"/>
+            <a:ext cx="239699" cy="290818"/>
+          </a:xfrm>
+          <a:prstGeom prst="rect">
+            <a:avLst/>
+          </a:prstGeom>
+        </p:spPr>
+        <p:style>
+          <a:lnRef idx="2">
+            <a:schemeClr val="accent1">
+              <a:shade val="15000"/>
+            </a:schemeClr>
+          </a:lnRef>
+          <a:fillRef idx="1">
+            <a:schemeClr val="accent1"/>
+          </a:fillRef>
+          <a:effectRef idx="0">
+            <a:schemeClr val="accent1"/>
+          </a:effectRef>
+          <a:fontRef idx="minor">
+            <a:schemeClr val="lt1"/>
+          </a:fontRef>
+        </p:style>
+        <p:txBody>
+          <a:bodyPr rtlCol="0" anchor="ctr"/>
+          <a:lstStyle/>
+          <a:p>
+            <a:pPr algn="ctr"/>
+            <a:r>
+              <a:rPr lang="zh-TW" altLang="en-US" dirty="0">
+                <a:latin typeface="DFKai-SB" panose="03000509000000000000" pitchFamily="65" charset="-120"/>
+                <a:ea typeface="DFKai-SB" panose="03000509000000000000" pitchFamily="65" charset="-120"/>
+              </a:rPr>
+              <a:t>先</a:t>
+            </a:r>
+          </a:p>
+        </p:txBody>
+      </p:sp>
       <p:cxnSp>
         <p:nvCxnSpPr>
-          <p:cNvPr id="25" name="Straight Arrow Connector 24">
-            <a:extLst>
-              <a:ext uri="{FF2B5EF4-FFF2-40B4-BE49-F238E27FC236}">
-                <a16:creationId xmlns:a16="http://schemas.microsoft.com/office/drawing/2014/main" id="{DDCBF9E6-2DFD-7B33-D192-24894E8AAE95}"/>
+          <p:cNvPr id="40" name="Straight Arrow Connector 39">
+            <a:extLst>
+              <a:ext uri="{FF2B5EF4-FFF2-40B4-BE49-F238E27FC236}">
+                <a16:creationId xmlns:a16="http://schemas.microsoft.com/office/drawing/2014/main" id="{8345D312-491D-EA77-FE82-B0AA91E56C1C}"/>
               </a:ext>
             </a:extLst>
           </p:cNvPr>
           <p:cNvCxnSpPr>
+            <a:cxnSpLocks/>
+            <a:stCxn id="39" idx="2"/>
+            <a:endCxn id="66" idx="0"/>
+          </p:cNvCxnSpPr>
+          <p:nvPr/>
+        </p:nvCxnSpPr>
+        <p:spPr>
+          <a:xfrm>
+            <a:off x="2576489" y="472885"/>
+            <a:ext cx="496912" cy="596701"/>
+          </a:xfrm>
+          <a:prstGeom prst="straightConnector1">
+            <a:avLst/>
+          </a:prstGeom>
+          <a:ln>
+            <a:headEnd type="none" w="med" len="med"/>
+            <a:tailEnd type="arrow" w="med" len="med"/>
+          </a:ln>
+        </p:spPr>
+        <p:style>
+          <a:lnRef idx="1">
+            <a:schemeClr val="accent1"/>
+          </a:lnRef>
+          <a:fillRef idx="0">
+            <a:schemeClr val="accent1"/>
+          </a:fillRef>
+          <a:effectRef idx="0">
+            <a:schemeClr val="accent1"/>
+          </a:effectRef>
+          <a:fontRef idx="minor">
+            <a:schemeClr val="tx1"/>
+          </a:fontRef>
+        </p:style>
+      </p:cxnSp>
+      <p:sp>
+        <p:nvSpPr>
+          <p:cNvPr id="41" name="Rectangle 40">
+            <a:extLst>
+              <a:ext uri="{FF2B5EF4-FFF2-40B4-BE49-F238E27FC236}">
+                <a16:creationId xmlns:a16="http://schemas.microsoft.com/office/drawing/2014/main" id="{39EE38D1-6DA8-5ABA-5936-3248954E9FF5}"/>
+              </a:ext>
+            </a:extLst>
+          </p:cNvPr>
+          <p:cNvSpPr/>
+          <p:nvPr/>
+        </p:nvSpPr>
+        <p:spPr>
+          <a:xfrm>
+            <a:off x="2719001" y="182067"/>
+            <a:ext cx="239699" cy="290818"/>
+          </a:xfrm>
+          <a:prstGeom prst="rect">
+            <a:avLst/>
+          </a:prstGeom>
+        </p:spPr>
+        <p:style>
+          <a:lnRef idx="2">
+            <a:schemeClr val="accent1">
+              <a:shade val="15000"/>
+            </a:schemeClr>
+          </a:lnRef>
+          <a:fillRef idx="1">
+            <a:schemeClr val="accent1"/>
+          </a:fillRef>
+          <a:effectRef idx="0">
+            <a:schemeClr val="accent1"/>
+          </a:effectRef>
+          <a:fontRef idx="minor">
+            <a:schemeClr val="lt1"/>
+          </a:fontRef>
+        </p:style>
+        <p:txBody>
+          <a:bodyPr rtlCol="0" anchor="ctr"/>
+          <a:lstStyle/>
+          <a:p>
+            <a:pPr algn="ctr"/>
+            <a:r>
+              <a:rPr lang="zh-TW" altLang="en-US" dirty="0">
+                <a:latin typeface="DFKai-SB" panose="03000509000000000000" pitchFamily="65" charset="-120"/>
+                <a:ea typeface="DFKai-SB" panose="03000509000000000000" pitchFamily="65" charset="-120"/>
+              </a:rPr>
+              <a:t>生</a:t>
+            </a:r>
+          </a:p>
+        </p:txBody>
+      </p:sp>
+      <p:cxnSp>
+        <p:nvCxnSpPr>
+          <p:cNvPr id="42" name="Straight Arrow Connector 41">
+            <a:extLst>
+              <a:ext uri="{FF2B5EF4-FFF2-40B4-BE49-F238E27FC236}">
+                <a16:creationId xmlns:a16="http://schemas.microsoft.com/office/drawing/2014/main" id="{A907AD83-4EA6-B9BE-5624-7ECB362FFF70}"/>
+              </a:ext>
+            </a:extLst>
+          </p:cNvPr>
+          <p:cNvCxnSpPr>
+            <a:cxnSpLocks/>
+            <a:stCxn id="41" idx="2"/>
+            <a:endCxn id="66" idx="0"/>
+          </p:cNvCxnSpPr>
+          <p:nvPr/>
+        </p:nvCxnSpPr>
+        <p:spPr>
+          <a:xfrm>
+            <a:off x="2838851" y="472885"/>
+            <a:ext cx="234550" cy="596701"/>
+          </a:xfrm>
+          <a:prstGeom prst="straightConnector1">
+            <a:avLst/>
+          </a:prstGeom>
+          <a:ln>
+            <a:headEnd type="none" w="med" len="med"/>
+            <a:tailEnd type="arrow" w="med" len="med"/>
+          </a:ln>
+        </p:spPr>
+        <p:style>
+          <a:lnRef idx="1">
+            <a:schemeClr val="accent1"/>
+          </a:lnRef>
+          <a:fillRef idx="0">
+            <a:schemeClr val="accent1"/>
+          </a:fillRef>
+          <a:effectRef idx="0">
+            <a:schemeClr val="accent1"/>
+          </a:effectRef>
+          <a:fontRef idx="minor">
+            <a:schemeClr val="tx1"/>
+          </a:fontRef>
+        </p:style>
+      </p:cxnSp>
+      <p:sp>
+        <p:nvSpPr>
+          <p:cNvPr id="11" name="Rectangle 10">
+            <a:extLst>
+              <a:ext uri="{FF2B5EF4-FFF2-40B4-BE49-F238E27FC236}">
+                <a16:creationId xmlns:a16="http://schemas.microsoft.com/office/drawing/2014/main" id="{3818880A-3253-6854-25BC-067E0F403FA0}"/>
+              </a:ext>
+            </a:extLst>
+          </p:cNvPr>
+          <p:cNvSpPr/>
+          <p:nvPr/>
+        </p:nvSpPr>
+        <p:spPr>
+          <a:xfrm>
+            <a:off x="592754" y="776573"/>
+            <a:ext cx="178405" cy="239893"/>
+          </a:xfrm>
+          <a:prstGeom prst="rect">
+            <a:avLst/>
+          </a:prstGeom>
+          <a:noFill/>
+          <a:ln w="9525" cap="flat" cmpd="sng" algn="ctr">
+            <a:solidFill>
+              <a:srgbClr val="00B050"/>
+            </a:solidFill>
+            <a:prstDash val="solid"/>
+            <a:round/>
+            <a:headEnd type="none" w="med" len="med"/>
+            <a:tailEnd type="none" w="med" len="med"/>
+          </a:ln>
+        </p:spPr>
+        <p:style>
+          <a:lnRef idx="0">
+            <a:scrgbClr r="0" g="0" b="0"/>
+          </a:lnRef>
+          <a:fillRef idx="0">
+            <a:scrgbClr r="0" g="0" b="0"/>
+          </a:fillRef>
+          <a:effectRef idx="0">
+            <a:scrgbClr r="0" g="0" b="0"/>
+          </a:effectRef>
+          <a:fontRef idx="minor">
+            <a:schemeClr val="accent1"/>
+          </a:fontRef>
+        </p:style>
+        <p:txBody>
+          <a:bodyPr rtlCol="0" anchor="ctr"/>
+          <a:lstStyle/>
+          <a:p>
+            <a:pPr algn="ctr"/>
+            <a:r>
+              <a:rPr lang="zh-TW" altLang="en-US" sz="1200" dirty="0">
+                <a:solidFill>
+                  <a:srgbClr val="00B050"/>
+                </a:solidFill>
+              </a:rPr>
+              <a:t>於</a:t>
+            </a:r>
+            <a:endParaRPr lang="en-US" altLang="zh-TW" sz="1200" dirty="0">
+              <a:solidFill>
+                <a:srgbClr val="00B050"/>
+              </a:solidFill>
+            </a:endParaRPr>
+          </a:p>
+        </p:txBody>
+      </p:sp>
+      <p:cxnSp>
+        <p:nvCxnSpPr>
+          <p:cNvPr id="12" name="Straight Arrow Connector 11">
+            <a:extLst>
+              <a:ext uri="{FF2B5EF4-FFF2-40B4-BE49-F238E27FC236}">
+                <a16:creationId xmlns:a16="http://schemas.microsoft.com/office/drawing/2014/main" id="{49EACC75-CBA2-5F14-6549-233F07201842}"/>
+              </a:ext>
+            </a:extLst>
+          </p:cNvPr>
+          <p:cNvCxnSpPr>
+            <a:cxnSpLocks/>
+            <a:stCxn id="3" idx="2"/>
+            <a:endCxn id="11" idx="0"/>
+          </p:cNvCxnSpPr>
+          <p:nvPr/>
+        </p:nvCxnSpPr>
+        <p:spPr>
+          <a:xfrm>
+            <a:off x="455586" y="475080"/>
+            <a:ext cx="226371" cy="301493"/>
+          </a:xfrm>
+          <a:prstGeom prst="straightConnector1">
+            <a:avLst/>
+          </a:prstGeom>
+          <a:ln>
+            <a:headEnd type="none" w="med" len="med"/>
+            <a:tailEnd type="arrow" w="med" len="med"/>
+          </a:ln>
+        </p:spPr>
+        <p:style>
+          <a:lnRef idx="1">
+            <a:schemeClr val="accent1"/>
+          </a:lnRef>
+          <a:fillRef idx="0">
+            <a:schemeClr val="accent1"/>
+          </a:fillRef>
+          <a:effectRef idx="0">
+            <a:schemeClr val="accent1"/>
+          </a:effectRef>
+          <a:fontRef idx="minor">
+            <a:schemeClr val="tx1"/>
+          </a:fontRef>
+        </p:style>
+      </p:cxnSp>
+      <p:sp>
+        <p:nvSpPr>
+          <p:cNvPr id="13" name="Rectangle 12">
+            <a:extLst>
+              <a:ext uri="{FF2B5EF4-FFF2-40B4-BE49-F238E27FC236}">
+                <a16:creationId xmlns:a16="http://schemas.microsoft.com/office/drawing/2014/main" id="{4131CBB0-DB4B-80A9-8E6C-317A487CFD0A}"/>
+              </a:ext>
+            </a:extLst>
+          </p:cNvPr>
+          <p:cNvSpPr/>
+          <p:nvPr/>
+        </p:nvSpPr>
+        <p:spPr>
+          <a:xfrm>
+            <a:off x="72070" y="776573"/>
+            <a:ext cx="492268" cy="239893"/>
+          </a:xfrm>
+          <a:prstGeom prst="rect">
+            <a:avLst/>
+          </a:prstGeom>
+          <a:noFill/>
+          <a:ln w="9525" cap="flat" cmpd="sng" algn="ctr">
+            <a:solidFill>
+              <a:srgbClr val="00B050"/>
+            </a:solidFill>
+            <a:prstDash val="solid"/>
+            <a:round/>
+            <a:headEnd type="none" w="med" len="med"/>
+            <a:tailEnd type="none" w="med" len="med"/>
+          </a:ln>
+        </p:spPr>
+        <p:style>
+          <a:lnRef idx="0">
+            <a:scrgbClr r="0" g="0" b="0"/>
+          </a:lnRef>
+          <a:fillRef idx="0">
+            <a:scrgbClr r="0" g="0" b="0"/>
+          </a:fillRef>
+          <a:effectRef idx="0">
+            <a:scrgbClr r="0" g="0" b="0"/>
+          </a:effectRef>
+          <a:fontRef idx="minor">
+            <a:schemeClr val="accent1"/>
+          </a:fontRef>
+        </p:style>
+        <p:txBody>
+          <a:bodyPr rtlCol="0" anchor="ctr"/>
+          <a:lstStyle/>
+          <a:p>
+            <a:pPr algn="ctr"/>
+            <a:r>
+              <a:rPr lang="zh-TW" altLang="en-US" sz="1200" dirty="0">
+                <a:solidFill>
+                  <a:srgbClr val="00B050"/>
+                </a:solidFill>
+                <a:latin typeface="+mn-ea"/>
+                <a:cs typeface="CMU Serif" panose="02000603000000000000" pitchFamily="2" charset="0"/>
+              </a:rPr>
+              <a:t>埋頭</a:t>
+            </a:r>
+            <a:endParaRPr lang="en-US" altLang="zh-TW" sz="1400" dirty="0">
+              <a:solidFill>
+                <a:srgbClr val="00B050"/>
+              </a:solidFill>
+              <a:latin typeface="+mn-ea"/>
+              <a:cs typeface="CMU Serif" panose="02000603000000000000" pitchFamily="2" charset="0"/>
+            </a:endParaRPr>
+          </a:p>
+        </p:txBody>
+      </p:sp>
+      <p:cxnSp>
+        <p:nvCxnSpPr>
+          <p:cNvPr id="14" name="Straight Arrow Connector 13">
+            <a:extLst>
+              <a:ext uri="{FF2B5EF4-FFF2-40B4-BE49-F238E27FC236}">
+                <a16:creationId xmlns:a16="http://schemas.microsoft.com/office/drawing/2014/main" id="{5C2C6D8D-3F27-67A3-EC1D-2F0A3FE9C1F3}"/>
+              </a:ext>
+            </a:extLst>
+          </p:cNvPr>
+          <p:cNvCxnSpPr>
+            <a:cxnSpLocks/>
+            <a:stCxn id="2" idx="2"/>
+            <a:endCxn id="13" idx="0"/>
+          </p:cNvCxnSpPr>
+          <p:nvPr/>
+        </p:nvCxnSpPr>
+        <p:spPr>
+          <a:xfrm>
+            <a:off x="189689" y="475080"/>
+            <a:ext cx="128515" cy="301493"/>
+          </a:xfrm>
+          <a:prstGeom prst="straightConnector1">
+            <a:avLst/>
+          </a:prstGeom>
+          <a:ln>
+            <a:headEnd type="none" w="med" len="med"/>
+            <a:tailEnd type="arrow" w="med" len="med"/>
+          </a:ln>
+        </p:spPr>
+        <p:style>
+          <a:lnRef idx="1">
+            <a:schemeClr val="accent1"/>
+          </a:lnRef>
+          <a:fillRef idx="0">
+            <a:schemeClr val="accent1"/>
+          </a:fillRef>
+          <a:effectRef idx="0">
+            <a:schemeClr val="accent1"/>
+          </a:effectRef>
+          <a:fontRef idx="minor">
+            <a:schemeClr val="tx1"/>
+          </a:fontRef>
+        </p:style>
+      </p:cxnSp>
+      <p:sp>
+        <p:nvSpPr>
+          <p:cNvPr id="47" name="Rectangle 46">
+            <a:extLst>
+              <a:ext uri="{FF2B5EF4-FFF2-40B4-BE49-F238E27FC236}">
+                <a16:creationId xmlns:a16="http://schemas.microsoft.com/office/drawing/2014/main" id="{AD92F6D2-BA3B-BD48-C00B-B49426B8B2BE}"/>
+              </a:ext>
+            </a:extLst>
+          </p:cNvPr>
+          <p:cNvSpPr/>
+          <p:nvPr/>
+        </p:nvSpPr>
+        <p:spPr>
+          <a:xfrm>
+            <a:off x="806848" y="776572"/>
+            <a:ext cx="539210" cy="239893"/>
+          </a:xfrm>
+          <a:prstGeom prst="rect">
+            <a:avLst/>
+          </a:prstGeom>
+          <a:noFill/>
+          <a:ln w="9525" cap="flat" cmpd="sng" algn="ctr">
+            <a:solidFill>
+              <a:srgbClr val="00B050"/>
+            </a:solidFill>
+            <a:prstDash val="solid"/>
+            <a:round/>
+            <a:headEnd type="none" w="med" len="med"/>
+            <a:tailEnd type="none" w="med" len="med"/>
+          </a:ln>
+        </p:spPr>
+        <p:style>
+          <a:lnRef idx="0">
+            <a:scrgbClr r="0" g="0" b="0"/>
+          </a:lnRef>
+          <a:fillRef idx="0">
+            <a:scrgbClr r="0" g="0" b="0"/>
+          </a:fillRef>
+          <a:effectRef idx="0">
+            <a:scrgbClr r="0" g="0" b="0"/>
+          </a:effectRef>
+          <a:fontRef idx="minor">
+            <a:schemeClr val="accent1"/>
+          </a:fontRef>
+        </p:style>
+        <p:txBody>
+          <a:bodyPr rtlCol="0" anchor="ctr"/>
+          <a:lstStyle/>
+          <a:p>
+            <a:pPr algn="ctr"/>
+            <a:r>
+              <a:rPr lang="zh-TW" altLang="en-US" sz="1400" dirty="0">
+                <a:solidFill>
+                  <a:srgbClr val="00B050"/>
+                </a:solidFill>
+                <a:latin typeface="+mn-ea"/>
+                <a:cs typeface="CMU Serif" panose="02000603000000000000" pitchFamily="2" charset="0"/>
+              </a:rPr>
+              <a:t>國家</a:t>
+            </a:r>
+            <a:endParaRPr lang="en-US" altLang="zh-TW" sz="1400" dirty="0">
+              <a:solidFill>
+                <a:srgbClr val="00B050"/>
+              </a:solidFill>
+              <a:latin typeface="+mn-ea"/>
+              <a:cs typeface="CMU Serif" panose="02000603000000000000" pitchFamily="2" charset="0"/>
+            </a:endParaRPr>
+          </a:p>
+        </p:txBody>
+      </p:sp>
+      <p:sp>
+        <p:nvSpPr>
+          <p:cNvPr id="48" name="Rectangle 47">
+            <a:extLst>
+              <a:ext uri="{FF2B5EF4-FFF2-40B4-BE49-F238E27FC236}">
+                <a16:creationId xmlns:a16="http://schemas.microsoft.com/office/drawing/2014/main" id="{6241D412-5E3B-5D3D-21DB-8E2674A64586}"/>
+              </a:ext>
+            </a:extLst>
+          </p:cNvPr>
+          <p:cNvSpPr/>
+          <p:nvPr/>
+        </p:nvSpPr>
+        <p:spPr>
+          <a:xfrm>
+            <a:off x="1367634" y="776571"/>
+            <a:ext cx="201609" cy="239893"/>
+          </a:xfrm>
+          <a:prstGeom prst="rect">
+            <a:avLst/>
+          </a:prstGeom>
+          <a:noFill/>
+          <a:ln w="9525" cap="flat" cmpd="sng" algn="ctr">
+            <a:solidFill>
+              <a:srgbClr val="00B050"/>
+            </a:solidFill>
+            <a:prstDash val="solid"/>
+            <a:round/>
+            <a:headEnd type="none" w="med" len="med"/>
+            <a:tailEnd type="none" w="med" len="med"/>
+          </a:ln>
+        </p:spPr>
+        <p:style>
+          <a:lnRef idx="0">
+            <a:scrgbClr r="0" g="0" b="0"/>
+          </a:lnRef>
+          <a:fillRef idx="0">
+            <a:scrgbClr r="0" g="0" b="0"/>
+          </a:fillRef>
+          <a:effectRef idx="0">
+            <a:scrgbClr r="0" g="0" b="0"/>
+          </a:effectRef>
+          <a:fontRef idx="minor">
+            <a:schemeClr val="accent1"/>
+          </a:fontRef>
+        </p:style>
+        <p:txBody>
+          <a:bodyPr rtlCol="0" anchor="ctr"/>
+          <a:lstStyle/>
+          <a:p>
+            <a:pPr algn="ctr"/>
+            <a:r>
+              <a:rPr lang="zh-TW" altLang="en-US" sz="1400" dirty="0">
+                <a:solidFill>
+                  <a:srgbClr val="00B050"/>
+                </a:solidFill>
+                <a:latin typeface="+mn-ea"/>
+                <a:cs typeface="CMU Serif" panose="02000603000000000000" pitchFamily="2" charset="0"/>
+              </a:rPr>
+              <a:t>的</a:t>
+            </a:r>
+            <a:endParaRPr lang="en-US" altLang="zh-TW" sz="1400" dirty="0">
+              <a:solidFill>
+                <a:srgbClr val="00B050"/>
+              </a:solidFill>
+              <a:latin typeface="+mn-ea"/>
+              <a:cs typeface="CMU Serif" panose="02000603000000000000" pitchFamily="2" charset="0"/>
+            </a:endParaRPr>
+          </a:p>
+        </p:txBody>
+      </p:sp>
+      <p:sp>
+        <p:nvSpPr>
+          <p:cNvPr id="49" name="Rectangle 48">
+            <a:extLst>
+              <a:ext uri="{FF2B5EF4-FFF2-40B4-BE49-F238E27FC236}">
+                <a16:creationId xmlns:a16="http://schemas.microsoft.com/office/drawing/2014/main" id="{C74135B4-991F-7F3D-41B4-312EE4E74FDA}"/>
+              </a:ext>
+            </a:extLst>
+          </p:cNvPr>
+          <p:cNvSpPr/>
+          <p:nvPr/>
+        </p:nvSpPr>
+        <p:spPr>
+          <a:xfrm>
+            <a:off x="1601639" y="780724"/>
+            <a:ext cx="556522" cy="239893"/>
+          </a:xfrm>
+          <a:prstGeom prst="rect">
+            <a:avLst/>
+          </a:prstGeom>
+          <a:noFill/>
+          <a:ln w="9525" cap="flat" cmpd="sng" algn="ctr">
+            <a:solidFill>
+              <a:srgbClr val="00B050"/>
+            </a:solidFill>
+            <a:prstDash val="solid"/>
+            <a:round/>
+            <a:headEnd type="none" w="med" len="med"/>
+            <a:tailEnd type="none" w="med" len="med"/>
+          </a:ln>
+        </p:spPr>
+        <p:style>
+          <a:lnRef idx="0">
+            <a:scrgbClr r="0" g="0" b="0"/>
+          </a:lnRef>
+          <a:fillRef idx="0">
+            <a:scrgbClr r="0" g="0" b="0"/>
+          </a:fillRef>
+          <a:effectRef idx="0">
+            <a:scrgbClr r="0" g="0" b="0"/>
+          </a:effectRef>
+          <a:fontRef idx="minor">
+            <a:schemeClr val="accent1"/>
+          </a:fontRef>
+        </p:style>
+        <p:txBody>
+          <a:bodyPr rtlCol="0" anchor="ctr"/>
+          <a:lstStyle/>
+          <a:p>
+            <a:pPr algn="ctr"/>
+            <a:r>
+              <a:rPr lang="zh-TW" altLang="en-US" sz="1400" dirty="0">
+                <a:solidFill>
+                  <a:srgbClr val="00B050"/>
+                </a:solidFill>
+                <a:latin typeface="+mn-ea"/>
+                <a:cs typeface="CMU Serif" panose="02000603000000000000" pitchFamily="2" charset="0"/>
+              </a:rPr>
+              <a:t>事務</a:t>
+            </a:r>
+            <a:endParaRPr lang="en-US" altLang="zh-TW" sz="1400" dirty="0">
+              <a:solidFill>
+                <a:srgbClr val="00B050"/>
+              </a:solidFill>
+              <a:latin typeface="+mn-ea"/>
+              <a:cs typeface="CMU Serif" panose="02000603000000000000" pitchFamily="2" charset="0"/>
+            </a:endParaRPr>
+          </a:p>
+        </p:txBody>
+      </p:sp>
+      <p:sp>
+        <p:nvSpPr>
+          <p:cNvPr id="50" name="Rectangle 49">
+            <a:extLst>
+              <a:ext uri="{FF2B5EF4-FFF2-40B4-BE49-F238E27FC236}">
+                <a16:creationId xmlns:a16="http://schemas.microsoft.com/office/drawing/2014/main" id="{C9137999-754F-FD37-E63E-ADEFB4F79A62}"/>
+              </a:ext>
+            </a:extLst>
+          </p:cNvPr>
+          <p:cNvSpPr/>
+          <p:nvPr/>
+        </p:nvSpPr>
+        <p:spPr>
+          <a:xfrm>
+            <a:off x="2190557" y="784336"/>
+            <a:ext cx="726644" cy="239893"/>
+          </a:xfrm>
+          <a:prstGeom prst="rect">
+            <a:avLst/>
+          </a:prstGeom>
+          <a:noFill/>
+          <a:ln w="9525" cap="flat" cmpd="sng" algn="ctr">
+            <a:solidFill>
+              <a:srgbClr val="00B050"/>
+            </a:solidFill>
+            <a:prstDash val="solid"/>
+            <a:round/>
+            <a:headEnd type="none" w="med" len="med"/>
+            <a:tailEnd type="none" w="med" len="med"/>
+          </a:ln>
+        </p:spPr>
+        <p:style>
+          <a:lnRef idx="0">
+            <a:scrgbClr r="0" g="0" b="0"/>
+          </a:lnRef>
+          <a:fillRef idx="0">
+            <a:scrgbClr r="0" g="0" b="0"/>
+          </a:fillRef>
+          <a:effectRef idx="0">
+            <a:scrgbClr r="0" g="0" b="0"/>
+          </a:effectRef>
+          <a:fontRef idx="minor">
+            <a:schemeClr val="accent1"/>
+          </a:fontRef>
+        </p:style>
+        <p:txBody>
+          <a:bodyPr rtlCol="0" anchor="ctr"/>
+          <a:lstStyle/>
+          <a:p>
+            <a:pPr algn="ctr"/>
+            <a:r>
+              <a:rPr lang="zh-TW" altLang="en-US" sz="1400" dirty="0">
+                <a:solidFill>
+                  <a:srgbClr val="00B050"/>
+                </a:solidFill>
+                <a:latin typeface="+mn-ea"/>
+                <a:cs typeface="CMU Serif" panose="02000603000000000000" pitchFamily="2" charset="0"/>
+              </a:rPr>
+              <a:t>得罪了</a:t>
+            </a:r>
+            <a:endParaRPr lang="en-US" altLang="zh-TW" sz="1400" dirty="0">
+              <a:solidFill>
+                <a:srgbClr val="00B050"/>
+              </a:solidFill>
+              <a:latin typeface="+mn-ea"/>
+              <a:cs typeface="CMU Serif" panose="02000603000000000000" pitchFamily="2" charset="0"/>
+            </a:endParaRPr>
+          </a:p>
+        </p:txBody>
+      </p:sp>
+      <p:cxnSp>
+        <p:nvCxnSpPr>
+          <p:cNvPr id="52" name="Straight Arrow Connector 51">
+            <a:extLst>
+              <a:ext uri="{FF2B5EF4-FFF2-40B4-BE49-F238E27FC236}">
+                <a16:creationId xmlns:a16="http://schemas.microsoft.com/office/drawing/2014/main" id="{A96CCAC8-87FC-D603-4F79-6B3728F56CF0}"/>
+              </a:ext>
+            </a:extLst>
+          </p:cNvPr>
+          <p:cNvCxnSpPr>
+            <a:cxnSpLocks/>
             <a:stCxn id="4" idx="2"/>
-            <a:endCxn id="18" idx="0"/>
+            <a:endCxn id="47" idx="0"/>
           </p:cNvCxnSpPr>
           <p:nvPr/>
         </p:nvCxnSpPr>
         <p:spPr>
           <a:xfrm>
-            <a:off x="1155907" y="557887"/>
-            <a:ext cx="11954" cy="226451"/>
+            <a:off x="723906" y="472885"/>
+            <a:ext cx="352547" cy="303687"/>
           </a:xfrm>
           <a:prstGeom prst="straightConnector1">
             <a:avLst/>
           </a:prstGeom>
           <a:ln>
-            <a:tailEnd type="triangle"/>
+            <a:headEnd type="none" w="med" len="med"/>
+            <a:tailEnd type="arrow" w="med" len="med"/>
+          </a:ln>
+        </p:spPr>
+        <p:style>
+          <a:lnRef idx="1">
+            <a:schemeClr val="accent1"/>
+          </a:lnRef>
+          <a:fillRef idx="0">
+            <a:schemeClr val="accent1"/>
+          </a:fillRef>
+          <a:effectRef idx="0">
+            <a:schemeClr val="accent1"/>
+          </a:effectRef>
+          <a:fontRef idx="minor">
+            <a:schemeClr val="tx1"/>
+          </a:fontRef>
+        </p:style>
+      </p:cxnSp>
+      <p:sp>
+        <p:nvSpPr>
+          <p:cNvPr id="66" name="Rectangle 65">
+            <a:extLst>
+              <a:ext uri="{FF2B5EF4-FFF2-40B4-BE49-F238E27FC236}">
+                <a16:creationId xmlns:a16="http://schemas.microsoft.com/office/drawing/2014/main" id="{62331364-297F-7825-C757-67A55143212A}"/>
+              </a:ext>
+            </a:extLst>
+          </p:cNvPr>
+          <p:cNvSpPr/>
+          <p:nvPr/>
+        </p:nvSpPr>
+        <p:spPr>
+          <a:xfrm>
+            <a:off x="2803796" y="1069586"/>
+            <a:ext cx="539210" cy="239893"/>
+          </a:xfrm>
+          <a:prstGeom prst="rect">
+            <a:avLst/>
+          </a:prstGeom>
+          <a:noFill/>
+          <a:ln w="9525" cap="flat" cmpd="sng" algn="ctr">
+            <a:solidFill>
+              <a:srgbClr val="00B050"/>
+            </a:solidFill>
+            <a:prstDash val="solid"/>
+            <a:round/>
+            <a:headEnd type="none" w="med" len="med"/>
+            <a:tailEnd type="none" w="med" len="med"/>
+          </a:ln>
+        </p:spPr>
+        <p:style>
+          <a:lnRef idx="0">
+            <a:scrgbClr r="0" g="0" b="0"/>
+          </a:lnRef>
+          <a:fillRef idx="0">
+            <a:scrgbClr r="0" g="0" b="0"/>
+          </a:fillRef>
+          <a:effectRef idx="0">
+            <a:scrgbClr r="0" g="0" b="0"/>
+          </a:effectRef>
+          <a:fontRef idx="minor">
+            <a:schemeClr val="accent1"/>
+          </a:fontRef>
+        </p:style>
+        <p:txBody>
+          <a:bodyPr rtlCol="0" anchor="ctr"/>
+          <a:lstStyle/>
+          <a:p>
+            <a:pPr algn="ctr"/>
+            <a:r>
+              <a:rPr lang="zh-TW" altLang="en-US" sz="1400" dirty="0">
+                <a:solidFill>
+                  <a:srgbClr val="00B050"/>
+                </a:solidFill>
+                <a:latin typeface="+mn-ea"/>
+                <a:cs typeface="CMU Serif" panose="02000603000000000000" pitchFamily="2" charset="0"/>
+              </a:rPr>
+              <a:t>先生</a:t>
+            </a:r>
+            <a:endParaRPr lang="en-US" altLang="zh-TW" sz="1400" dirty="0">
+              <a:solidFill>
+                <a:srgbClr val="00B050"/>
+              </a:solidFill>
+              <a:latin typeface="+mn-ea"/>
+              <a:cs typeface="CMU Serif" panose="02000603000000000000" pitchFamily="2" charset="0"/>
+            </a:endParaRPr>
+          </a:p>
+        </p:txBody>
+      </p:sp>
+      <p:sp>
+        <p:nvSpPr>
+          <p:cNvPr id="70" name="Rectangle 69">
+            <a:extLst>
+              <a:ext uri="{FF2B5EF4-FFF2-40B4-BE49-F238E27FC236}">
+                <a16:creationId xmlns:a16="http://schemas.microsoft.com/office/drawing/2014/main" id="{6C60C4CF-1029-28F1-B3C5-CFEC95D26452}"/>
+              </a:ext>
+            </a:extLst>
+          </p:cNvPr>
+          <p:cNvSpPr/>
+          <p:nvPr/>
+        </p:nvSpPr>
+        <p:spPr>
+          <a:xfrm>
+            <a:off x="3148892" y="275033"/>
+            <a:ext cx="234167" cy="604923"/>
+          </a:xfrm>
+          <a:prstGeom prst="rect">
+            <a:avLst/>
+          </a:prstGeom>
+          <a:noFill/>
+          <a:ln w="9525" cap="flat" cmpd="sng" algn="ctr">
+            <a:solidFill>
+              <a:srgbClr val="FF0000"/>
+            </a:solidFill>
+            <a:prstDash val="solid"/>
+            <a:round/>
+            <a:headEnd type="none" w="med" len="med"/>
+            <a:tailEnd type="none" w="med" len="med"/>
+          </a:ln>
+        </p:spPr>
+        <p:style>
+          <a:lnRef idx="0">
+            <a:scrgbClr r="0" g="0" b="0"/>
+          </a:lnRef>
+          <a:fillRef idx="0">
+            <a:scrgbClr r="0" g="0" b="0"/>
+          </a:fillRef>
+          <a:effectRef idx="0">
+            <a:scrgbClr r="0" g="0" b="0"/>
+          </a:effectRef>
+          <a:fontRef idx="minor">
+            <a:schemeClr val="accent2"/>
+          </a:fontRef>
+        </p:style>
+        <p:txBody>
+          <a:bodyPr rtlCol="0" anchor="ctr"/>
+          <a:lstStyle/>
+          <a:p>
+            <a:pPr algn="ctr"/>
+            <a:r>
+              <a:rPr lang="zh-TW" altLang="en-US" sz="1200" dirty="0">
+                <a:solidFill>
+                  <a:srgbClr val="FF0000"/>
+                </a:solidFill>
+              </a:rPr>
+              <a:t>不翻譯</a:t>
+            </a:r>
+            <a:endParaRPr lang="en-US" sz="1200" dirty="0">
+              <a:solidFill>
+                <a:srgbClr val="FF0000"/>
+              </a:solidFill>
+            </a:endParaRPr>
+          </a:p>
+        </p:txBody>
+      </p:sp>
+    </p:spTree>
+    <p:extLst>
+      <p:ext uri="{BB962C8B-B14F-4D97-AF65-F5344CB8AC3E}">
+        <p14:creationId xmlns:p14="http://schemas.microsoft.com/office/powerpoint/2010/main" val="1847042645"/>
+      </p:ext>
+    </p:extLst>
+  </p:cSld>
+  <p:clrMapOvr>
+    <a:masterClrMapping/>
+  </p:clrMapOvr>
+</p:sld>
+</file>
+
+<file path=ppt/slides/slide3.xml><?xml version="1.0" encoding="utf-8"?>
+<p:sld xmlns:a="http://schemas.openxmlformats.org/drawingml/2006/main" xmlns:r="http://schemas.openxmlformats.org/officeDocument/2006/relationships" xmlns:p="http://schemas.openxmlformats.org/presentationml/2006/main">
+  <p:cSld>
+    <p:spTree>
+      <p:nvGrpSpPr>
+        <p:cNvPr id="1" name=""/>
+        <p:cNvGrpSpPr/>
+        <p:nvPr/>
+      </p:nvGrpSpPr>
+      <p:grpSpPr>
+        <a:xfrm>
+          <a:off x="0" y="0"/>
+          <a:ext cx="0" cy="0"/>
+          <a:chOff x="0" y="0"/>
+          <a:chExt cx="0" cy="0"/>
+        </a:xfrm>
+      </p:grpSpPr>
+      <p:sp>
+        <p:nvSpPr>
+          <p:cNvPr id="2" name="Rectangle 1">
+            <a:extLst>
+              <a:ext uri="{FF2B5EF4-FFF2-40B4-BE49-F238E27FC236}">
+                <a16:creationId xmlns:a16="http://schemas.microsoft.com/office/drawing/2014/main" id="{FA2E2F36-E632-FBBA-6C7E-69005A0009CA}"/>
+              </a:ext>
+            </a:extLst>
+          </p:cNvPr>
+          <p:cNvSpPr/>
+          <p:nvPr/>
+        </p:nvSpPr>
+        <p:spPr>
+          <a:xfrm>
+            <a:off x="67721" y="184262"/>
+            <a:ext cx="243935" cy="290818"/>
+          </a:xfrm>
+          <a:prstGeom prst="rect">
+            <a:avLst/>
+          </a:prstGeom>
+        </p:spPr>
+        <p:style>
+          <a:lnRef idx="2">
+            <a:schemeClr val="accent1">
+              <a:shade val="15000"/>
+            </a:schemeClr>
+          </a:lnRef>
+          <a:fillRef idx="1">
+            <a:schemeClr val="accent1"/>
+          </a:fillRef>
+          <a:effectRef idx="0">
+            <a:schemeClr val="accent1"/>
+          </a:effectRef>
+          <a:fontRef idx="minor">
+            <a:schemeClr val="lt1"/>
+          </a:fontRef>
+        </p:style>
+        <p:txBody>
+          <a:bodyPr rtlCol="0" anchor="ctr"/>
+          <a:lstStyle/>
+          <a:p>
+            <a:pPr algn="ctr"/>
+            <a:r>
+              <a:rPr lang="zh-TW" altLang="en-US" dirty="0">
+                <a:latin typeface="DFKai-SB" panose="03000509000000000000" pitchFamily="65" charset="-120"/>
+                <a:ea typeface="DFKai-SB" panose="03000509000000000000" pitchFamily="65" charset="-120"/>
+              </a:rPr>
+              <a:t>先</a:t>
+            </a:r>
+            <a:endParaRPr lang="en-US" dirty="0">
+              <a:latin typeface="DFKai-SB" panose="03000509000000000000" pitchFamily="65" charset="-120"/>
+              <a:ea typeface="DFKai-SB" panose="03000509000000000000" pitchFamily="65" charset="-120"/>
+            </a:endParaRPr>
+          </a:p>
+        </p:txBody>
+      </p:sp>
+      <p:sp>
+        <p:nvSpPr>
+          <p:cNvPr id="3" name="Rectangle 2">
+            <a:extLst>
+              <a:ext uri="{FF2B5EF4-FFF2-40B4-BE49-F238E27FC236}">
+                <a16:creationId xmlns:a16="http://schemas.microsoft.com/office/drawing/2014/main" id="{B31DA4DA-F10C-7270-5439-588890A6150C}"/>
+              </a:ext>
+            </a:extLst>
+          </p:cNvPr>
+          <p:cNvSpPr/>
+          <p:nvPr/>
+        </p:nvSpPr>
+        <p:spPr>
+          <a:xfrm>
+            <a:off x="333618" y="184262"/>
+            <a:ext cx="243935" cy="290818"/>
+          </a:xfrm>
+          <a:prstGeom prst="rect">
+            <a:avLst/>
+          </a:prstGeom>
+        </p:spPr>
+        <p:style>
+          <a:lnRef idx="2">
+            <a:schemeClr val="accent1">
+              <a:shade val="15000"/>
+            </a:schemeClr>
+          </a:lnRef>
+          <a:fillRef idx="1">
+            <a:schemeClr val="accent1"/>
+          </a:fillRef>
+          <a:effectRef idx="0">
+            <a:schemeClr val="accent1"/>
+          </a:effectRef>
+          <a:fontRef idx="minor">
+            <a:schemeClr val="lt1"/>
+          </a:fontRef>
+        </p:style>
+        <p:txBody>
+          <a:bodyPr rtlCol="0" anchor="ctr"/>
+          <a:lstStyle/>
+          <a:p>
+            <a:pPr algn="ctr"/>
+            <a:r>
+              <a:rPr lang="zh-TW" altLang="en-US" dirty="0">
+                <a:latin typeface="DFKai-SB" panose="03000509000000000000" pitchFamily="65" charset="-120"/>
+                <a:ea typeface="DFKai-SB" panose="03000509000000000000" pitchFamily="65" charset="-120"/>
+              </a:rPr>
+              <a:t>生</a:t>
+            </a:r>
+            <a:endParaRPr lang="en-US" dirty="0">
+              <a:latin typeface="DFKai-SB" panose="03000509000000000000" pitchFamily="65" charset="-120"/>
+              <a:ea typeface="DFKai-SB" panose="03000509000000000000" pitchFamily="65" charset="-120"/>
+            </a:endParaRPr>
+          </a:p>
+        </p:txBody>
+      </p:sp>
+      <p:sp>
+        <p:nvSpPr>
+          <p:cNvPr id="4" name="Rectangle 3">
+            <a:extLst>
+              <a:ext uri="{FF2B5EF4-FFF2-40B4-BE49-F238E27FC236}">
+                <a16:creationId xmlns:a16="http://schemas.microsoft.com/office/drawing/2014/main" id="{5A1EF1A6-7300-8A7F-4309-4F82641CD6C0}"/>
+              </a:ext>
+            </a:extLst>
+          </p:cNvPr>
+          <p:cNvSpPr/>
+          <p:nvPr/>
+        </p:nvSpPr>
+        <p:spPr>
+          <a:xfrm>
+            <a:off x="601938" y="182067"/>
+            <a:ext cx="243935" cy="290818"/>
+          </a:xfrm>
+          <a:prstGeom prst="rect">
+            <a:avLst/>
+          </a:prstGeom>
+        </p:spPr>
+        <p:style>
+          <a:lnRef idx="2">
+            <a:schemeClr val="accent1">
+              <a:shade val="15000"/>
+            </a:schemeClr>
+          </a:lnRef>
+          <a:fillRef idx="1">
+            <a:schemeClr val="accent1"/>
+          </a:fillRef>
+          <a:effectRef idx="0">
+            <a:schemeClr val="accent1"/>
+          </a:effectRef>
+          <a:fontRef idx="minor">
+            <a:schemeClr val="lt1"/>
+          </a:fontRef>
+        </p:style>
+        <p:txBody>
+          <a:bodyPr rtlCol="0" anchor="ctr"/>
+          <a:lstStyle/>
+          <a:p>
+            <a:pPr algn="ctr"/>
+            <a:r>
+              <a:rPr lang="zh-TW" altLang="en-US" dirty="0">
+                <a:latin typeface="DFKai-SB" panose="03000509000000000000" pitchFamily="65" charset="-120"/>
+                <a:ea typeface="DFKai-SB" panose="03000509000000000000" pitchFamily="65" charset="-120"/>
+              </a:rPr>
+              <a:t>不</a:t>
+            </a:r>
+          </a:p>
+        </p:txBody>
+      </p:sp>
+      <p:sp>
+        <p:nvSpPr>
+          <p:cNvPr id="5" name="Rectangle 4">
+            <a:extLst>
+              <a:ext uri="{FF2B5EF4-FFF2-40B4-BE49-F238E27FC236}">
+                <a16:creationId xmlns:a16="http://schemas.microsoft.com/office/drawing/2014/main" id="{5BD4FD58-B993-8322-0453-15E37F66F20F}"/>
+              </a:ext>
+            </a:extLst>
+          </p:cNvPr>
+          <p:cNvSpPr/>
+          <p:nvPr/>
+        </p:nvSpPr>
+        <p:spPr>
+          <a:xfrm>
+            <a:off x="874494" y="182068"/>
+            <a:ext cx="239699" cy="290818"/>
+          </a:xfrm>
+          <a:prstGeom prst="rect">
+            <a:avLst/>
+          </a:prstGeom>
+        </p:spPr>
+        <p:style>
+          <a:lnRef idx="2">
+            <a:schemeClr val="accent1">
+              <a:shade val="15000"/>
+            </a:schemeClr>
+          </a:lnRef>
+          <a:fillRef idx="1">
+            <a:schemeClr val="accent1"/>
+          </a:fillRef>
+          <a:effectRef idx="0">
+            <a:schemeClr val="accent1"/>
+          </a:effectRef>
+          <a:fontRef idx="minor">
+            <a:schemeClr val="lt1"/>
+          </a:fontRef>
+        </p:style>
+        <p:txBody>
+          <a:bodyPr rtlCol="0" anchor="ctr"/>
+          <a:lstStyle/>
+          <a:p>
+            <a:pPr algn="ctr"/>
+            <a:r>
+              <a:rPr lang="zh-TW" altLang="en-US" dirty="0">
+                <a:latin typeface="DFKai-SB" panose="03000509000000000000" pitchFamily="65" charset="-120"/>
+                <a:ea typeface="DFKai-SB" panose="03000509000000000000" pitchFamily="65" charset="-120"/>
+              </a:rPr>
+              <a:t>羞</a:t>
+            </a:r>
+          </a:p>
+        </p:txBody>
+      </p:sp>
+      <p:sp>
+        <p:nvSpPr>
+          <p:cNvPr id="6" name="Rectangle 5">
+            <a:extLst>
+              <a:ext uri="{FF2B5EF4-FFF2-40B4-BE49-F238E27FC236}">
+                <a16:creationId xmlns:a16="http://schemas.microsoft.com/office/drawing/2014/main" id="{DF5AD373-F948-9321-EDF8-FD3954557CE4}"/>
+              </a:ext>
+            </a:extLst>
+          </p:cNvPr>
+          <p:cNvSpPr/>
+          <p:nvPr/>
+        </p:nvSpPr>
+        <p:spPr>
+          <a:xfrm>
+            <a:off x="69001" y="664330"/>
+            <a:ext cx="493119" cy="214112"/>
+          </a:xfrm>
+          <a:prstGeom prst="rect">
+            <a:avLst/>
+          </a:prstGeom>
+          <a:noFill/>
+          <a:ln w="9525" cap="flat" cmpd="sng" algn="ctr">
+            <a:solidFill>
+              <a:srgbClr val="00B050"/>
+            </a:solidFill>
+            <a:prstDash val="solid"/>
+            <a:round/>
+            <a:headEnd type="none" w="med" len="med"/>
+            <a:tailEnd type="none" w="med" len="med"/>
+          </a:ln>
+        </p:spPr>
+        <p:style>
+          <a:lnRef idx="0">
+            <a:scrgbClr r="0" g="0" b="0"/>
+          </a:lnRef>
+          <a:fillRef idx="0">
+            <a:scrgbClr r="0" g="0" b="0"/>
+          </a:fillRef>
+          <a:effectRef idx="0">
+            <a:scrgbClr r="0" g="0" b="0"/>
+          </a:effectRef>
+          <a:fontRef idx="minor">
+            <a:schemeClr val="accent1"/>
+          </a:fontRef>
+        </p:style>
+        <p:txBody>
+          <a:bodyPr rtlCol="0" anchor="ctr"/>
+          <a:lstStyle/>
+          <a:p>
+            <a:pPr algn="ctr"/>
+            <a:r>
+              <a:rPr lang="zh-TW" altLang="en-US" sz="1200" dirty="0">
+                <a:solidFill>
+                  <a:srgbClr val="00B050"/>
+                </a:solidFill>
+              </a:rPr>
+              <a:t>先生</a:t>
+            </a:r>
+            <a:endParaRPr lang="en-US" altLang="zh-TW" dirty="0">
+              <a:solidFill>
+                <a:srgbClr val="00B050"/>
+              </a:solidFill>
+            </a:endParaRPr>
+          </a:p>
+        </p:txBody>
+      </p:sp>
+      <p:sp>
+        <p:nvSpPr>
+          <p:cNvPr id="29" name="Rectangle 28">
+            <a:extLst>
+              <a:ext uri="{FF2B5EF4-FFF2-40B4-BE49-F238E27FC236}">
+                <a16:creationId xmlns:a16="http://schemas.microsoft.com/office/drawing/2014/main" id="{E3AD0487-D350-6515-C7F0-D99C1B164E14}"/>
+              </a:ext>
+            </a:extLst>
+          </p:cNvPr>
+          <p:cNvSpPr/>
+          <p:nvPr/>
+        </p:nvSpPr>
+        <p:spPr>
+          <a:xfrm>
+            <a:off x="1142814" y="182068"/>
+            <a:ext cx="239699" cy="290818"/>
+          </a:xfrm>
+          <a:prstGeom prst="rect">
+            <a:avLst/>
+          </a:prstGeom>
+        </p:spPr>
+        <p:style>
+          <a:lnRef idx="2">
+            <a:schemeClr val="accent1">
+              <a:shade val="15000"/>
+            </a:schemeClr>
+          </a:lnRef>
+          <a:fillRef idx="1">
+            <a:schemeClr val="accent1"/>
+          </a:fillRef>
+          <a:effectRef idx="0">
+            <a:schemeClr val="accent1"/>
+          </a:effectRef>
+          <a:fontRef idx="minor">
+            <a:schemeClr val="lt1"/>
+          </a:fontRef>
+        </p:style>
+        <p:txBody>
+          <a:bodyPr rtlCol="0" anchor="ctr"/>
+          <a:lstStyle/>
+          <a:p>
+            <a:pPr algn="ctr"/>
+            <a:r>
+              <a:rPr lang="zh-TW" altLang="en-US" dirty="0">
+                <a:latin typeface="DFKai-SB" panose="03000509000000000000" pitchFamily="65" charset="-120"/>
+                <a:ea typeface="DFKai-SB" panose="03000509000000000000" pitchFamily="65" charset="-120"/>
+              </a:rPr>
+              <a:t>乃</a:t>
+            </a:r>
+          </a:p>
+        </p:txBody>
+      </p:sp>
+      <p:cxnSp>
+        <p:nvCxnSpPr>
+          <p:cNvPr id="30" name="Straight Arrow Connector 29">
+            <a:extLst>
+              <a:ext uri="{FF2B5EF4-FFF2-40B4-BE49-F238E27FC236}">
+                <a16:creationId xmlns:a16="http://schemas.microsoft.com/office/drawing/2014/main" id="{ADE6F8D9-C47C-CEF6-600C-6084D763B4D7}"/>
+              </a:ext>
+            </a:extLst>
+          </p:cNvPr>
+          <p:cNvCxnSpPr>
+            <a:cxnSpLocks/>
+            <a:stCxn id="29" idx="2"/>
+            <a:endCxn id="28" idx="0"/>
+          </p:cNvCxnSpPr>
+          <p:nvPr/>
+        </p:nvCxnSpPr>
+        <p:spPr>
+          <a:xfrm>
+            <a:off x="1262664" y="472886"/>
+            <a:ext cx="471180" cy="191444"/>
+          </a:xfrm>
+          <a:prstGeom prst="straightConnector1">
+            <a:avLst/>
+          </a:prstGeom>
+          <a:ln>
+            <a:headEnd type="none" w="med" len="med"/>
+            <a:tailEnd type="arrow" w="sm" len="med"/>
+          </a:ln>
+        </p:spPr>
+        <p:style>
+          <a:lnRef idx="1">
+            <a:schemeClr val="accent1"/>
+          </a:lnRef>
+          <a:fillRef idx="0">
+            <a:schemeClr val="accent1"/>
+          </a:fillRef>
+          <a:effectRef idx="0">
+            <a:schemeClr val="accent1"/>
+          </a:effectRef>
+          <a:fontRef idx="minor">
+            <a:schemeClr val="tx1"/>
+          </a:fontRef>
+        </p:style>
+      </p:cxnSp>
+      <p:sp>
+        <p:nvSpPr>
+          <p:cNvPr id="31" name="Rectangle 30">
+            <a:extLst>
+              <a:ext uri="{FF2B5EF4-FFF2-40B4-BE49-F238E27FC236}">
+                <a16:creationId xmlns:a16="http://schemas.microsoft.com/office/drawing/2014/main" id="{4DE49A5C-A507-5AF0-C21C-836F2B02A318}"/>
+              </a:ext>
+            </a:extLst>
+          </p:cNvPr>
+          <p:cNvSpPr/>
+          <p:nvPr/>
+        </p:nvSpPr>
+        <p:spPr>
+          <a:xfrm>
+            <a:off x="1405579" y="182067"/>
+            <a:ext cx="239699" cy="290818"/>
+          </a:xfrm>
+          <a:prstGeom prst="rect">
+            <a:avLst/>
+          </a:prstGeom>
+        </p:spPr>
+        <p:style>
+          <a:lnRef idx="2">
+            <a:schemeClr val="accent1">
+              <a:shade val="15000"/>
+            </a:schemeClr>
+          </a:lnRef>
+          <a:fillRef idx="1">
+            <a:schemeClr val="accent1"/>
+          </a:fillRef>
+          <a:effectRef idx="0">
+            <a:schemeClr val="accent1"/>
+          </a:effectRef>
+          <a:fontRef idx="minor">
+            <a:schemeClr val="lt1"/>
+          </a:fontRef>
+        </p:style>
+        <p:txBody>
+          <a:bodyPr rtlCol="0" anchor="ctr"/>
+          <a:lstStyle/>
+          <a:p>
+            <a:pPr algn="ctr"/>
+            <a:r>
+              <a:rPr lang="zh-TW" altLang="en-US" dirty="0">
+                <a:latin typeface="DFKai-SB" panose="03000509000000000000" pitchFamily="65" charset="-120"/>
+                <a:ea typeface="DFKai-SB" panose="03000509000000000000" pitchFamily="65" charset="-120"/>
+              </a:rPr>
+              <a:t>有</a:t>
+            </a:r>
+          </a:p>
+        </p:txBody>
+      </p:sp>
+      <p:cxnSp>
+        <p:nvCxnSpPr>
+          <p:cNvPr id="32" name="Straight Arrow Connector 31">
+            <a:extLst>
+              <a:ext uri="{FF2B5EF4-FFF2-40B4-BE49-F238E27FC236}">
+                <a16:creationId xmlns:a16="http://schemas.microsoft.com/office/drawing/2014/main" id="{0193D8DC-132C-9B19-ABD6-6BC3DEEA9A72}"/>
+              </a:ext>
+            </a:extLst>
+          </p:cNvPr>
+          <p:cNvCxnSpPr>
+            <a:cxnSpLocks/>
+            <a:stCxn id="31" idx="2"/>
+            <a:endCxn id="44" idx="0"/>
+          </p:cNvCxnSpPr>
+          <p:nvPr/>
+        </p:nvCxnSpPr>
+        <p:spPr>
+          <a:xfrm>
+            <a:off x="1525429" y="472885"/>
+            <a:ext cx="724100" cy="191445"/>
+          </a:xfrm>
+          <a:prstGeom prst="straightConnector1">
+            <a:avLst/>
+          </a:prstGeom>
+          <a:ln>
+            <a:headEnd type="none" w="med" len="med"/>
+            <a:tailEnd type="arrow" w="sm" len="med"/>
+          </a:ln>
+        </p:spPr>
+        <p:style>
+          <a:lnRef idx="1">
+            <a:schemeClr val="accent1"/>
+          </a:lnRef>
+          <a:fillRef idx="0">
+            <a:schemeClr val="accent1"/>
+          </a:fillRef>
+          <a:effectRef idx="0">
+            <a:schemeClr val="accent1"/>
+          </a:effectRef>
+          <a:fontRef idx="minor">
+            <a:schemeClr val="tx1"/>
+          </a:fontRef>
+        </p:style>
+      </p:cxnSp>
+      <p:sp>
+        <p:nvSpPr>
+          <p:cNvPr id="33" name="Rectangle 32">
+            <a:extLst>
+              <a:ext uri="{FF2B5EF4-FFF2-40B4-BE49-F238E27FC236}">
+                <a16:creationId xmlns:a16="http://schemas.microsoft.com/office/drawing/2014/main" id="{67AAACED-91A7-3322-D5C2-1C645CAB21E9}"/>
+              </a:ext>
+            </a:extLst>
+          </p:cNvPr>
+          <p:cNvSpPr/>
+          <p:nvPr/>
+        </p:nvSpPr>
+        <p:spPr>
+          <a:xfrm>
+            <a:off x="1668344" y="182067"/>
+            <a:ext cx="239699" cy="290818"/>
+          </a:xfrm>
+          <a:prstGeom prst="rect">
+            <a:avLst/>
+          </a:prstGeom>
+        </p:spPr>
+        <p:style>
+          <a:lnRef idx="2">
+            <a:schemeClr val="accent1">
+              <a:shade val="15000"/>
+            </a:schemeClr>
+          </a:lnRef>
+          <a:fillRef idx="1">
+            <a:schemeClr val="accent1"/>
+          </a:fillRef>
+          <a:effectRef idx="0">
+            <a:schemeClr val="accent1"/>
+          </a:effectRef>
+          <a:fontRef idx="minor">
+            <a:schemeClr val="lt1"/>
+          </a:fontRef>
+        </p:style>
+        <p:txBody>
+          <a:bodyPr rtlCol="0" anchor="ctr"/>
+          <a:lstStyle/>
+          <a:p>
+            <a:pPr algn="ctr"/>
+            <a:r>
+              <a:rPr lang="zh-TW" altLang="en-US" dirty="0">
+                <a:latin typeface="DFKai-SB" panose="03000509000000000000" pitchFamily="65" charset="-120"/>
+                <a:ea typeface="DFKai-SB" panose="03000509000000000000" pitchFamily="65" charset="-120"/>
+              </a:rPr>
+              <a:t>意</a:t>
+            </a:r>
+          </a:p>
+        </p:txBody>
+      </p:sp>
+      <p:cxnSp>
+        <p:nvCxnSpPr>
+          <p:cNvPr id="34" name="Straight Arrow Connector 33">
+            <a:extLst>
+              <a:ext uri="{FF2B5EF4-FFF2-40B4-BE49-F238E27FC236}">
+                <a16:creationId xmlns:a16="http://schemas.microsoft.com/office/drawing/2014/main" id="{B1D1CA9E-C08A-DC5A-1B93-5B648C6F32D9}"/>
+              </a:ext>
+            </a:extLst>
+          </p:cNvPr>
+          <p:cNvCxnSpPr>
+            <a:cxnSpLocks/>
+            <a:stCxn id="33" idx="2"/>
+            <a:endCxn id="44" idx="0"/>
+          </p:cNvCxnSpPr>
+          <p:nvPr/>
+        </p:nvCxnSpPr>
+        <p:spPr>
+          <a:xfrm>
+            <a:off x="1788194" y="472885"/>
+            <a:ext cx="461335" cy="191445"/>
+          </a:xfrm>
+          <a:prstGeom prst="straightConnector1">
+            <a:avLst/>
+          </a:prstGeom>
+          <a:ln>
+            <a:headEnd type="none" w="med" len="med"/>
+            <a:tailEnd type="arrow" w="sm" len="med"/>
+          </a:ln>
+        </p:spPr>
+        <p:style>
+          <a:lnRef idx="1">
+            <a:schemeClr val="accent1"/>
+          </a:lnRef>
+          <a:fillRef idx="0">
+            <a:schemeClr val="accent1"/>
+          </a:fillRef>
+          <a:effectRef idx="0">
+            <a:schemeClr val="accent1"/>
+          </a:effectRef>
+          <a:fontRef idx="minor">
+            <a:schemeClr val="tx1"/>
+          </a:fontRef>
+        </p:style>
+      </p:cxnSp>
+      <p:sp>
+        <p:nvSpPr>
+          <p:cNvPr id="35" name="Rectangle 34">
+            <a:extLst>
+              <a:ext uri="{FF2B5EF4-FFF2-40B4-BE49-F238E27FC236}">
+                <a16:creationId xmlns:a16="http://schemas.microsoft.com/office/drawing/2014/main" id="{26C00530-6219-80A6-F332-D894EE457C1B}"/>
+              </a:ext>
+            </a:extLst>
+          </p:cNvPr>
+          <p:cNvSpPr/>
+          <p:nvPr/>
+        </p:nvSpPr>
+        <p:spPr>
+          <a:xfrm>
+            <a:off x="1931109" y="182067"/>
+            <a:ext cx="239699" cy="290818"/>
+          </a:xfrm>
+          <a:prstGeom prst="rect">
+            <a:avLst/>
+          </a:prstGeom>
+        </p:spPr>
+        <p:style>
+          <a:lnRef idx="2">
+            <a:schemeClr val="accent1">
+              <a:shade val="15000"/>
+            </a:schemeClr>
+          </a:lnRef>
+          <a:fillRef idx="1">
+            <a:schemeClr val="accent1"/>
+          </a:fillRef>
+          <a:effectRef idx="0">
+            <a:schemeClr val="accent1"/>
+          </a:effectRef>
+          <a:fontRef idx="minor">
+            <a:schemeClr val="lt1"/>
+          </a:fontRef>
+        </p:style>
+        <p:txBody>
+          <a:bodyPr rtlCol="0" anchor="ctr"/>
+          <a:lstStyle/>
+          <a:p>
+            <a:pPr algn="ctr"/>
+            <a:r>
+              <a:rPr lang="zh-TW" altLang="en-US" dirty="0">
+                <a:latin typeface="DFKai-SB" panose="03000509000000000000" pitchFamily="65" charset="-120"/>
+                <a:ea typeface="DFKai-SB" panose="03000509000000000000" pitchFamily="65" charset="-120"/>
+              </a:rPr>
+              <a:t>欲</a:t>
+            </a:r>
+          </a:p>
+        </p:txBody>
+      </p:sp>
+      <p:cxnSp>
+        <p:nvCxnSpPr>
+          <p:cNvPr id="36" name="Straight Arrow Connector 35">
+            <a:extLst>
+              <a:ext uri="{FF2B5EF4-FFF2-40B4-BE49-F238E27FC236}">
+                <a16:creationId xmlns:a16="http://schemas.microsoft.com/office/drawing/2014/main" id="{3D93C4DF-A7CE-371A-6F62-6200EC7E695B}"/>
+              </a:ext>
+            </a:extLst>
+          </p:cNvPr>
+          <p:cNvCxnSpPr>
+            <a:cxnSpLocks/>
+            <a:stCxn id="35" idx="2"/>
+            <a:endCxn id="45" idx="0"/>
+          </p:cNvCxnSpPr>
+          <p:nvPr/>
+        </p:nvCxnSpPr>
+        <p:spPr>
+          <a:xfrm>
+            <a:off x="2050959" y="472885"/>
+            <a:ext cx="710719" cy="191444"/>
+          </a:xfrm>
+          <a:prstGeom prst="straightConnector1">
+            <a:avLst/>
+          </a:prstGeom>
+          <a:ln>
+            <a:headEnd type="none" w="med" len="med"/>
+            <a:tailEnd type="arrow" w="sm" len="med"/>
+          </a:ln>
+        </p:spPr>
+        <p:style>
+          <a:lnRef idx="1">
+            <a:schemeClr val="accent1"/>
+          </a:lnRef>
+          <a:fillRef idx="0">
+            <a:schemeClr val="accent1"/>
+          </a:fillRef>
+          <a:effectRef idx="0">
+            <a:schemeClr val="accent1"/>
+          </a:effectRef>
+          <a:fontRef idx="minor">
+            <a:schemeClr val="tx1"/>
+          </a:fontRef>
+        </p:style>
+      </p:cxnSp>
+      <p:sp>
+        <p:nvSpPr>
+          <p:cNvPr id="37" name="Rectangle 36">
+            <a:extLst>
+              <a:ext uri="{FF2B5EF4-FFF2-40B4-BE49-F238E27FC236}">
+                <a16:creationId xmlns:a16="http://schemas.microsoft.com/office/drawing/2014/main" id="{46F6BA75-A5A6-65CC-B0EE-05BBA5D79F61}"/>
+              </a:ext>
+            </a:extLst>
+          </p:cNvPr>
+          <p:cNvSpPr/>
+          <p:nvPr/>
+        </p:nvSpPr>
+        <p:spPr>
+          <a:xfrm>
+            <a:off x="2194277" y="182067"/>
+            <a:ext cx="239699" cy="290818"/>
+          </a:xfrm>
+          <a:prstGeom prst="rect">
+            <a:avLst/>
+          </a:prstGeom>
+        </p:spPr>
+        <p:style>
+          <a:lnRef idx="2">
+            <a:schemeClr val="accent1">
+              <a:shade val="15000"/>
+            </a:schemeClr>
+          </a:lnRef>
+          <a:fillRef idx="1">
+            <a:schemeClr val="accent1"/>
+          </a:fillRef>
+          <a:effectRef idx="0">
+            <a:schemeClr val="accent1"/>
+          </a:effectRef>
+          <a:fontRef idx="minor">
+            <a:schemeClr val="lt1"/>
+          </a:fontRef>
+        </p:style>
+        <p:txBody>
+          <a:bodyPr rtlCol="0" anchor="ctr"/>
+          <a:lstStyle/>
+          <a:p>
+            <a:pPr algn="ctr"/>
+            <a:r>
+              <a:rPr lang="zh-TW" altLang="en-US" dirty="0">
+                <a:latin typeface="DFKai-SB" panose="03000509000000000000" pitchFamily="65" charset="-120"/>
+                <a:ea typeface="DFKai-SB" panose="03000509000000000000" pitchFamily="65" charset="-120"/>
+              </a:rPr>
+              <a:t>為</a:t>
+            </a:r>
+          </a:p>
+        </p:txBody>
+      </p:sp>
+      <p:cxnSp>
+        <p:nvCxnSpPr>
+          <p:cNvPr id="38" name="Straight Arrow Connector 37">
+            <a:extLst>
+              <a:ext uri="{FF2B5EF4-FFF2-40B4-BE49-F238E27FC236}">
+                <a16:creationId xmlns:a16="http://schemas.microsoft.com/office/drawing/2014/main" id="{B4EB73F9-3F8E-6657-2129-70B0A12ED268}"/>
+              </a:ext>
+            </a:extLst>
+          </p:cNvPr>
+          <p:cNvCxnSpPr>
+            <a:cxnSpLocks/>
+            <a:endCxn id="46" idx="0"/>
+          </p:cNvCxnSpPr>
+          <p:nvPr/>
+        </p:nvCxnSpPr>
+        <p:spPr>
+          <a:xfrm flipH="1">
+            <a:off x="1805619" y="403573"/>
+            <a:ext cx="363905" cy="604017"/>
+          </a:xfrm>
+          <a:prstGeom prst="straightConnector1">
+            <a:avLst/>
+          </a:prstGeom>
+          <a:ln>
+            <a:headEnd type="none" w="med" len="med"/>
+            <a:tailEnd type="arrow" w="sm" len="med"/>
+          </a:ln>
+        </p:spPr>
+        <p:style>
+          <a:lnRef idx="1">
+            <a:schemeClr val="accent1"/>
+          </a:lnRef>
+          <a:fillRef idx="0">
+            <a:schemeClr val="accent1"/>
+          </a:fillRef>
+          <a:effectRef idx="0">
+            <a:schemeClr val="accent1"/>
+          </a:effectRef>
+          <a:fontRef idx="minor">
+            <a:schemeClr val="tx1"/>
+          </a:fontRef>
+        </p:style>
+      </p:cxnSp>
+      <p:sp>
+        <p:nvSpPr>
+          <p:cNvPr id="39" name="Rectangle 38">
+            <a:extLst>
+              <a:ext uri="{FF2B5EF4-FFF2-40B4-BE49-F238E27FC236}">
+                <a16:creationId xmlns:a16="http://schemas.microsoft.com/office/drawing/2014/main" id="{4FD78B18-4BA6-0D56-7580-5FAF625219C5}"/>
+              </a:ext>
+            </a:extLst>
+          </p:cNvPr>
+          <p:cNvSpPr/>
+          <p:nvPr/>
+        </p:nvSpPr>
+        <p:spPr>
+          <a:xfrm>
+            <a:off x="2456639" y="182067"/>
+            <a:ext cx="239699" cy="290818"/>
+          </a:xfrm>
+          <a:prstGeom prst="rect">
+            <a:avLst/>
+          </a:prstGeom>
+        </p:spPr>
+        <p:style>
+          <a:lnRef idx="2">
+            <a:schemeClr val="accent1">
+              <a:shade val="15000"/>
+            </a:schemeClr>
+          </a:lnRef>
+          <a:fillRef idx="1">
+            <a:schemeClr val="accent1"/>
+          </a:fillRef>
+          <a:effectRef idx="0">
+            <a:schemeClr val="accent1"/>
+          </a:effectRef>
+          <a:fontRef idx="minor">
+            <a:schemeClr val="lt1"/>
+          </a:fontRef>
+        </p:style>
+        <p:txBody>
+          <a:bodyPr rtlCol="0" anchor="ctr"/>
+          <a:lstStyle/>
+          <a:p>
+            <a:pPr algn="ctr"/>
+            <a:r>
+              <a:rPr lang="zh-TW" altLang="en-US" dirty="0">
+                <a:latin typeface="DFKai-SB" panose="03000509000000000000" pitchFamily="65" charset="-120"/>
+                <a:ea typeface="DFKai-SB" panose="03000509000000000000" pitchFamily="65" charset="-120"/>
+              </a:rPr>
+              <a:t>收</a:t>
+            </a:r>
+          </a:p>
+        </p:txBody>
+      </p:sp>
+      <p:cxnSp>
+        <p:nvCxnSpPr>
+          <p:cNvPr id="40" name="Straight Arrow Connector 39">
+            <a:extLst>
+              <a:ext uri="{FF2B5EF4-FFF2-40B4-BE49-F238E27FC236}">
+                <a16:creationId xmlns:a16="http://schemas.microsoft.com/office/drawing/2014/main" id="{8345D312-491D-EA77-FE82-B0AA91E56C1C}"/>
+              </a:ext>
+            </a:extLst>
+          </p:cNvPr>
+          <p:cNvCxnSpPr>
+            <a:cxnSpLocks/>
+            <a:stCxn id="39" idx="2"/>
+            <a:endCxn id="49" idx="0"/>
+          </p:cNvCxnSpPr>
+          <p:nvPr/>
+        </p:nvCxnSpPr>
+        <p:spPr>
+          <a:xfrm>
+            <a:off x="2576489" y="472885"/>
+            <a:ext cx="476750" cy="526642"/>
+          </a:xfrm>
+          <a:prstGeom prst="straightConnector1">
+            <a:avLst/>
+          </a:prstGeom>
+          <a:ln>
+            <a:headEnd type="none" w="med" len="med"/>
+            <a:tailEnd type="arrow" w="sm" len="med"/>
+          </a:ln>
+        </p:spPr>
+        <p:style>
+          <a:lnRef idx="1">
+            <a:schemeClr val="accent1"/>
+          </a:lnRef>
+          <a:fillRef idx="0">
+            <a:schemeClr val="accent1"/>
+          </a:fillRef>
+          <a:effectRef idx="0">
+            <a:schemeClr val="accent1"/>
+          </a:effectRef>
+          <a:fontRef idx="minor">
+            <a:schemeClr val="tx1"/>
+          </a:fontRef>
+        </p:style>
+      </p:cxnSp>
+      <p:sp>
+        <p:nvSpPr>
+          <p:cNvPr id="41" name="Rectangle 40">
+            <a:extLst>
+              <a:ext uri="{FF2B5EF4-FFF2-40B4-BE49-F238E27FC236}">
+                <a16:creationId xmlns:a16="http://schemas.microsoft.com/office/drawing/2014/main" id="{39EE38D1-6DA8-5ABA-5936-3248954E9FF5}"/>
+              </a:ext>
+            </a:extLst>
+          </p:cNvPr>
+          <p:cNvSpPr/>
+          <p:nvPr/>
+        </p:nvSpPr>
+        <p:spPr>
+          <a:xfrm>
+            <a:off x="2719001" y="182067"/>
+            <a:ext cx="239699" cy="290818"/>
+          </a:xfrm>
+          <a:prstGeom prst="rect">
+            <a:avLst/>
+          </a:prstGeom>
+        </p:spPr>
+        <p:style>
+          <a:lnRef idx="2">
+            <a:schemeClr val="accent1">
+              <a:shade val="15000"/>
+            </a:schemeClr>
+          </a:lnRef>
+          <a:fillRef idx="1">
+            <a:schemeClr val="accent1"/>
+          </a:fillRef>
+          <a:effectRef idx="0">
+            <a:schemeClr val="accent1"/>
+          </a:effectRef>
+          <a:fontRef idx="minor">
+            <a:schemeClr val="lt1"/>
+          </a:fontRef>
+        </p:style>
+        <p:txBody>
+          <a:bodyPr rtlCol="0" anchor="ctr"/>
+          <a:lstStyle/>
+          <a:p>
+            <a:pPr algn="ctr"/>
+            <a:r>
+              <a:rPr lang="zh-TW" altLang="en-US" dirty="0">
+                <a:latin typeface="DFKai-SB" panose="03000509000000000000" pitchFamily="65" charset="-120"/>
+                <a:ea typeface="DFKai-SB" panose="03000509000000000000" pitchFamily="65" charset="-120"/>
+              </a:rPr>
+              <a:t>責</a:t>
+            </a:r>
+          </a:p>
+        </p:txBody>
+      </p:sp>
+      <p:cxnSp>
+        <p:nvCxnSpPr>
+          <p:cNvPr id="42" name="Straight Arrow Connector 41">
+            <a:extLst>
+              <a:ext uri="{FF2B5EF4-FFF2-40B4-BE49-F238E27FC236}">
+                <a16:creationId xmlns:a16="http://schemas.microsoft.com/office/drawing/2014/main" id="{A907AD83-4EA6-B9BE-5624-7ECB362FFF70}"/>
+              </a:ext>
+            </a:extLst>
+          </p:cNvPr>
+          <p:cNvCxnSpPr>
+            <a:cxnSpLocks/>
+            <a:stCxn id="41" idx="2"/>
+            <a:endCxn id="49" idx="0"/>
+          </p:cNvCxnSpPr>
+          <p:nvPr/>
+        </p:nvCxnSpPr>
+        <p:spPr>
+          <a:xfrm>
+            <a:off x="2838851" y="472885"/>
+            <a:ext cx="214388" cy="526642"/>
+          </a:xfrm>
+          <a:prstGeom prst="straightConnector1">
+            <a:avLst/>
+          </a:prstGeom>
+          <a:ln>
+            <a:headEnd type="none" w="med" len="med"/>
+            <a:tailEnd type="arrow" w="sm" len="med"/>
+          </a:ln>
+        </p:spPr>
+        <p:style>
+          <a:lnRef idx="1">
+            <a:schemeClr val="accent1"/>
+          </a:lnRef>
+          <a:fillRef idx="0">
+            <a:schemeClr val="accent1"/>
+          </a:fillRef>
+          <a:effectRef idx="0">
+            <a:schemeClr val="accent1"/>
+          </a:effectRef>
+          <a:fontRef idx="minor">
+            <a:schemeClr val="tx1"/>
+          </a:fontRef>
+        </p:style>
+      </p:cxnSp>
+      <p:sp>
+        <p:nvSpPr>
+          <p:cNvPr id="7" name="Rectangle 6">
+            <a:extLst>
+              <a:ext uri="{FF2B5EF4-FFF2-40B4-BE49-F238E27FC236}">
+                <a16:creationId xmlns:a16="http://schemas.microsoft.com/office/drawing/2014/main" id="{880C083A-6E73-F030-AA1A-124B9FF82848}"/>
+              </a:ext>
+            </a:extLst>
+          </p:cNvPr>
+          <p:cNvSpPr/>
+          <p:nvPr/>
+        </p:nvSpPr>
+        <p:spPr>
+          <a:xfrm>
+            <a:off x="2981363" y="179021"/>
+            <a:ext cx="239699" cy="290818"/>
+          </a:xfrm>
+          <a:prstGeom prst="rect">
+            <a:avLst/>
+          </a:prstGeom>
+        </p:spPr>
+        <p:style>
+          <a:lnRef idx="2">
+            <a:schemeClr val="accent1">
+              <a:shade val="15000"/>
+            </a:schemeClr>
+          </a:lnRef>
+          <a:fillRef idx="1">
+            <a:schemeClr val="accent1"/>
+          </a:fillRef>
+          <a:effectRef idx="0">
+            <a:schemeClr val="accent1"/>
+          </a:effectRef>
+          <a:fontRef idx="minor">
+            <a:schemeClr val="lt1"/>
+          </a:fontRef>
+        </p:style>
+        <p:txBody>
+          <a:bodyPr rtlCol="0" anchor="ctr"/>
+          <a:lstStyle/>
+          <a:p>
+            <a:pPr algn="ctr"/>
+            <a:r>
+              <a:rPr lang="zh-TW" altLang="en-US" dirty="0">
+                <a:latin typeface="DFKai-SB" panose="03000509000000000000" pitchFamily="65" charset="-120"/>
+                <a:ea typeface="DFKai-SB" panose="03000509000000000000" pitchFamily="65" charset="-120"/>
+              </a:rPr>
+              <a:t>於</a:t>
+            </a:r>
+          </a:p>
+        </p:txBody>
+      </p:sp>
+      <p:cxnSp>
+        <p:nvCxnSpPr>
+          <p:cNvPr id="8" name="Straight Arrow Connector 7">
+            <a:extLst>
+              <a:ext uri="{FF2B5EF4-FFF2-40B4-BE49-F238E27FC236}">
+                <a16:creationId xmlns:a16="http://schemas.microsoft.com/office/drawing/2014/main" id="{496131D7-E278-0886-6535-B0497A90F265}"/>
+              </a:ext>
+            </a:extLst>
+          </p:cNvPr>
+          <p:cNvCxnSpPr>
+            <a:cxnSpLocks/>
+            <a:stCxn id="7" idx="2"/>
+            <a:endCxn id="47" idx="0"/>
+          </p:cNvCxnSpPr>
+          <p:nvPr/>
+        </p:nvCxnSpPr>
+        <p:spPr>
+          <a:xfrm flipH="1">
+            <a:off x="2169926" y="469839"/>
+            <a:ext cx="931287" cy="534597"/>
+          </a:xfrm>
+          <a:prstGeom prst="straightConnector1">
+            <a:avLst/>
+          </a:prstGeom>
+          <a:ln>
+            <a:solidFill>
+              <a:srgbClr val="FF0000"/>
+            </a:solidFill>
+            <a:headEnd type="none" w="med" len="med"/>
+            <a:tailEnd type="arrow" w="sm" len="med"/>
+          </a:ln>
+        </p:spPr>
+        <p:style>
+          <a:lnRef idx="3">
+            <a:schemeClr val="accent1"/>
+          </a:lnRef>
+          <a:fillRef idx="0">
+            <a:schemeClr val="accent1"/>
+          </a:fillRef>
+          <a:effectRef idx="2">
+            <a:schemeClr val="accent1"/>
+          </a:effectRef>
+          <a:fontRef idx="minor">
+            <a:schemeClr val="tx1"/>
+          </a:fontRef>
+        </p:style>
+      </p:cxnSp>
+      <p:sp>
+        <p:nvSpPr>
+          <p:cNvPr id="22" name="Rectangle 21">
+            <a:extLst>
+              <a:ext uri="{FF2B5EF4-FFF2-40B4-BE49-F238E27FC236}">
+                <a16:creationId xmlns:a16="http://schemas.microsoft.com/office/drawing/2014/main" id="{531DB05E-DADE-2EC2-02F8-B13D8AA84B7E}"/>
+              </a:ext>
+            </a:extLst>
+          </p:cNvPr>
+          <p:cNvSpPr/>
+          <p:nvPr/>
+        </p:nvSpPr>
+        <p:spPr>
+          <a:xfrm>
+            <a:off x="588975" y="664330"/>
+            <a:ext cx="183435" cy="214112"/>
+          </a:xfrm>
+          <a:prstGeom prst="rect">
+            <a:avLst/>
+          </a:prstGeom>
+          <a:noFill/>
+          <a:ln w="9525" cap="flat" cmpd="sng" algn="ctr">
+            <a:solidFill>
+              <a:srgbClr val="00B050"/>
+            </a:solidFill>
+            <a:prstDash val="solid"/>
+            <a:round/>
+            <a:headEnd type="none" w="med" len="med"/>
+            <a:tailEnd type="none" w="med" len="med"/>
+          </a:ln>
+        </p:spPr>
+        <p:style>
+          <a:lnRef idx="0">
+            <a:scrgbClr r="0" g="0" b="0"/>
+          </a:lnRef>
+          <a:fillRef idx="0">
+            <a:scrgbClr r="0" g="0" b="0"/>
+          </a:fillRef>
+          <a:effectRef idx="0">
+            <a:scrgbClr r="0" g="0" b="0"/>
+          </a:effectRef>
+          <a:fontRef idx="minor">
+            <a:schemeClr val="accent1"/>
+          </a:fontRef>
+        </p:style>
+        <p:txBody>
+          <a:bodyPr rtlCol="0" anchor="ctr"/>
+          <a:lstStyle/>
+          <a:p>
+            <a:pPr algn="ctr"/>
+            <a:r>
+              <a:rPr lang="zh-TW" altLang="en-US" sz="1200" dirty="0">
+                <a:solidFill>
+                  <a:srgbClr val="00B050"/>
+                </a:solidFill>
+              </a:rPr>
+              <a:t>不</a:t>
+            </a:r>
+            <a:endParaRPr lang="en-US" altLang="zh-TW" dirty="0">
+              <a:solidFill>
+                <a:srgbClr val="00B050"/>
+              </a:solidFill>
+            </a:endParaRPr>
+          </a:p>
+        </p:txBody>
+      </p:sp>
+      <p:sp>
+        <p:nvSpPr>
+          <p:cNvPr id="24" name="Rectangle 23">
+            <a:extLst>
+              <a:ext uri="{FF2B5EF4-FFF2-40B4-BE49-F238E27FC236}">
+                <a16:creationId xmlns:a16="http://schemas.microsoft.com/office/drawing/2014/main" id="{E4F4B848-62F3-DC3F-B81D-F3941B2A2E7F}"/>
+              </a:ext>
+            </a:extLst>
+          </p:cNvPr>
+          <p:cNvSpPr/>
+          <p:nvPr/>
+        </p:nvSpPr>
+        <p:spPr>
+          <a:xfrm>
+            <a:off x="798523" y="664330"/>
+            <a:ext cx="665478" cy="214112"/>
+          </a:xfrm>
+          <a:prstGeom prst="rect">
+            <a:avLst/>
+          </a:prstGeom>
+          <a:noFill/>
+          <a:ln w="9525" cap="flat" cmpd="sng" algn="ctr">
+            <a:solidFill>
+              <a:srgbClr val="00B050"/>
+            </a:solidFill>
+            <a:prstDash val="solid"/>
+            <a:round/>
+            <a:headEnd type="none" w="med" len="med"/>
+            <a:tailEnd type="none" w="med" len="med"/>
+          </a:ln>
+        </p:spPr>
+        <p:style>
+          <a:lnRef idx="0">
+            <a:scrgbClr r="0" g="0" b="0"/>
+          </a:lnRef>
+          <a:fillRef idx="0">
+            <a:scrgbClr r="0" g="0" b="0"/>
+          </a:fillRef>
+          <a:effectRef idx="0">
+            <a:scrgbClr r="0" g="0" b="0"/>
+          </a:effectRef>
+          <a:fontRef idx="minor">
+            <a:schemeClr val="accent1"/>
+          </a:fontRef>
+        </p:style>
+        <p:txBody>
+          <a:bodyPr rtlCol="0" anchor="ctr"/>
+          <a:lstStyle/>
+          <a:p>
+            <a:pPr algn="ctr"/>
+            <a:r>
+              <a:rPr lang="zh-TW" altLang="en-US" sz="1200" dirty="0">
+                <a:solidFill>
+                  <a:srgbClr val="00B050"/>
+                </a:solidFill>
+              </a:rPr>
+              <a:t>以為羞</a:t>
+            </a:r>
+            <a:endParaRPr lang="en-US" altLang="zh-TW" dirty="0">
+              <a:solidFill>
+                <a:srgbClr val="00B050"/>
+              </a:solidFill>
+            </a:endParaRPr>
+          </a:p>
+        </p:txBody>
+      </p:sp>
+      <p:sp>
+        <p:nvSpPr>
+          <p:cNvPr id="28" name="Rectangle 27">
+            <a:extLst>
+              <a:ext uri="{FF2B5EF4-FFF2-40B4-BE49-F238E27FC236}">
+                <a16:creationId xmlns:a16="http://schemas.microsoft.com/office/drawing/2014/main" id="{BA3C12FA-C056-159B-02D3-DD3D61C2027D}"/>
+              </a:ext>
+            </a:extLst>
+          </p:cNvPr>
+          <p:cNvSpPr/>
+          <p:nvPr/>
+        </p:nvSpPr>
+        <p:spPr>
+          <a:xfrm>
+            <a:off x="1487284" y="664330"/>
+            <a:ext cx="493119" cy="214112"/>
+          </a:xfrm>
+          <a:prstGeom prst="rect">
+            <a:avLst/>
+          </a:prstGeom>
+          <a:solidFill>
+            <a:schemeClr val="bg1"/>
+          </a:solidFill>
+          <a:ln w="9525" cap="flat" cmpd="sng" algn="ctr">
+            <a:solidFill>
+              <a:srgbClr val="00B050"/>
+            </a:solidFill>
+            <a:prstDash val="solid"/>
+            <a:round/>
+            <a:headEnd type="none" w="med" len="med"/>
+            <a:tailEnd type="none" w="med" len="med"/>
+          </a:ln>
+        </p:spPr>
+        <p:style>
+          <a:lnRef idx="0">
+            <a:scrgbClr r="0" g="0" b="0"/>
+          </a:lnRef>
+          <a:fillRef idx="0">
+            <a:scrgbClr r="0" g="0" b="0"/>
+          </a:fillRef>
+          <a:effectRef idx="0">
+            <a:scrgbClr r="0" g="0" b="0"/>
+          </a:effectRef>
+          <a:fontRef idx="minor">
+            <a:schemeClr val="accent1"/>
+          </a:fontRef>
+        </p:style>
+        <p:txBody>
+          <a:bodyPr rtlCol="0" anchor="ctr"/>
+          <a:lstStyle/>
+          <a:p>
+            <a:pPr algn="ctr"/>
+            <a:r>
+              <a:rPr lang="zh-TW" altLang="en-US" sz="1200" dirty="0">
+                <a:solidFill>
+                  <a:srgbClr val="00B050"/>
+                </a:solidFill>
+              </a:rPr>
+              <a:t>竟然</a:t>
+            </a:r>
+            <a:endParaRPr lang="en-US" altLang="zh-TW" dirty="0">
+              <a:solidFill>
+                <a:srgbClr val="00B050"/>
+              </a:solidFill>
+            </a:endParaRPr>
+          </a:p>
+        </p:txBody>
+      </p:sp>
+      <p:sp>
+        <p:nvSpPr>
+          <p:cNvPr id="44" name="Rectangle 43">
+            <a:extLst>
+              <a:ext uri="{FF2B5EF4-FFF2-40B4-BE49-F238E27FC236}">
+                <a16:creationId xmlns:a16="http://schemas.microsoft.com/office/drawing/2014/main" id="{5D53AC3A-2747-4E7D-A123-EF5E2D5A2EEC}"/>
+              </a:ext>
+            </a:extLst>
+          </p:cNvPr>
+          <p:cNvSpPr/>
+          <p:nvPr/>
+        </p:nvSpPr>
+        <p:spPr>
+          <a:xfrm>
+            <a:off x="2002969" y="664330"/>
+            <a:ext cx="493119" cy="214112"/>
+          </a:xfrm>
+          <a:prstGeom prst="rect">
+            <a:avLst/>
+          </a:prstGeom>
+          <a:solidFill>
+            <a:schemeClr val="bg1"/>
+          </a:solidFill>
+          <a:ln w="9525" cap="flat" cmpd="sng" algn="ctr">
+            <a:solidFill>
+              <a:srgbClr val="00B050"/>
+            </a:solidFill>
+            <a:prstDash val="solid"/>
+            <a:round/>
+            <a:headEnd type="none" w="med" len="med"/>
+            <a:tailEnd type="none" w="med" len="med"/>
+          </a:ln>
+        </p:spPr>
+        <p:style>
+          <a:lnRef idx="0">
+            <a:scrgbClr r="0" g="0" b="0"/>
+          </a:lnRef>
+          <a:fillRef idx="0">
+            <a:scrgbClr r="0" g="0" b="0"/>
+          </a:fillRef>
+          <a:effectRef idx="0">
+            <a:scrgbClr r="0" g="0" b="0"/>
+          </a:effectRef>
+          <a:fontRef idx="minor">
+            <a:schemeClr val="accent1"/>
+          </a:fontRef>
+        </p:style>
+        <p:txBody>
+          <a:bodyPr rtlCol="0" anchor="ctr"/>
+          <a:lstStyle/>
+          <a:p>
+            <a:pPr algn="ctr"/>
+            <a:r>
+              <a:rPr lang="zh-TW" altLang="en-US" sz="1200" dirty="0">
+                <a:solidFill>
+                  <a:srgbClr val="00B050"/>
+                </a:solidFill>
+              </a:rPr>
+              <a:t>有意</a:t>
+            </a:r>
+            <a:endParaRPr lang="en-US" altLang="zh-TW" dirty="0">
+              <a:solidFill>
+                <a:srgbClr val="00B050"/>
+              </a:solidFill>
+            </a:endParaRPr>
+          </a:p>
+        </p:txBody>
+      </p:sp>
+      <p:sp>
+        <p:nvSpPr>
+          <p:cNvPr id="45" name="Rectangle 44">
+            <a:extLst>
+              <a:ext uri="{FF2B5EF4-FFF2-40B4-BE49-F238E27FC236}">
+                <a16:creationId xmlns:a16="http://schemas.microsoft.com/office/drawing/2014/main" id="{7E2107BF-15E4-3458-B39E-15FAE981DECE}"/>
+              </a:ext>
+            </a:extLst>
+          </p:cNvPr>
+          <p:cNvSpPr/>
+          <p:nvPr/>
+        </p:nvSpPr>
+        <p:spPr>
+          <a:xfrm>
+            <a:off x="2515118" y="664329"/>
+            <a:ext cx="493119" cy="214112"/>
+          </a:xfrm>
+          <a:prstGeom prst="rect">
+            <a:avLst/>
+          </a:prstGeom>
+          <a:solidFill>
+            <a:schemeClr val="bg1"/>
+          </a:solidFill>
+          <a:ln w="9525" cap="flat" cmpd="sng" algn="ctr">
+            <a:solidFill>
+              <a:srgbClr val="00B050"/>
+            </a:solidFill>
+            <a:prstDash val="solid"/>
+            <a:round/>
+            <a:headEnd type="none" w="med" len="med"/>
+            <a:tailEnd type="none" w="med" len="med"/>
+          </a:ln>
+        </p:spPr>
+        <p:style>
+          <a:lnRef idx="0">
+            <a:scrgbClr r="0" g="0" b="0"/>
+          </a:lnRef>
+          <a:fillRef idx="0">
+            <a:scrgbClr r="0" g="0" b="0"/>
+          </a:fillRef>
+          <a:effectRef idx="0">
+            <a:scrgbClr r="0" g="0" b="0"/>
+          </a:effectRef>
+          <a:fontRef idx="minor">
+            <a:schemeClr val="accent1"/>
+          </a:fontRef>
+        </p:style>
+        <p:txBody>
+          <a:bodyPr rtlCol="0" anchor="ctr"/>
+          <a:lstStyle/>
+          <a:p>
+            <a:pPr algn="ctr"/>
+            <a:r>
+              <a:rPr lang="zh-TW" altLang="en-US" sz="1200" dirty="0">
+                <a:solidFill>
+                  <a:srgbClr val="00B050"/>
+                </a:solidFill>
+              </a:rPr>
+              <a:t>想要</a:t>
+            </a:r>
+            <a:endParaRPr lang="en-US" altLang="zh-TW" dirty="0">
+              <a:solidFill>
+                <a:srgbClr val="00B050"/>
+              </a:solidFill>
+            </a:endParaRPr>
+          </a:p>
+        </p:txBody>
+      </p:sp>
+      <p:sp>
+        <p:nvSpPr>
+          <p:cNvPr id="46" name="Rectangle 45">
+            <a:extLst>
+              <a:ext uri="{FF2B5EF4-FFF2-40B4-BE49-F238E27FC236}">
+                <a16:creationId xmlns:a16="http://schemas.microsoft.com/office/drawing/2014/main" id="{553A7C89-5A97-2BE2-B4C9-F8240C85286A}"/>
+              </a:ext>
+            </a:extLst>
+          </p:cNvPr>
+          <p:cNvSpPr/>
+          <p:nvPr/>
+        </p:nvSpPr>
+        <p:spPr>
+          <a:xfrm>
+            <a:off x="1559059" y="1007590"/>
+            <a:ext cx="493119" cy="214112"/>
+          </a:xfrm>
+          <a:prstGeom prst="rect">
+            <a:avLst/>
+          </a:prstGeom>
+          <a:noFill/>
+          <a:ln w="9525" cap="flat" cmpd="sng" algn="ctr">
+            <a:solidFill>
+              <a:srgbClr val="00B050"/>
+            </a:solidFill>
+            <a:prstDash val="solid"/>
+            <a:round/>
+            <a:headEnd type="none" w="med" len="med"/>
+            <a:tailEnd type="none" w="med" len="med"/>
+          </a:ln>
+        </p:spPr>
+        <p:style>
+          <a:lnRef idx="0">
+            <a:scrgbClr r="0" g="0" b="0"/>
+          </a:lnRef>
+          <a:fillRef idx="0">
+            <a:scrgbClr r="0" g="0" b="0"/>
+          </a:fillRef>
+          <a:effectRef idx="0">
+            <a:scrgbClr r="0" g="0" b="0"/>
+          </a:effectRef>
+          <a:fontRef idx="minor">
+            <a:schemeClr val="accent1"/>
+          </a:fontRef>
+        </p:style>
+        <p:txBody>
+          <a:bodyPr rtlCol="0" anchor="ctr"/>
+          <a:lstStyle/>
+          <a:p>
+            <a:pPr algn="ctr"/>
+            <a:r>
+              <a:rPr lang="zh-TW" altLang="en-US" sz="1200" dirty="0">
+                <a:solidFill>
+                  <a:srgbClr val="00B050"/>
+                </a:solidFill>
+              </a:rPr>
+              <a:t>為我</a:t>
+            </a:r>
+            <a:endParaRPr lang="en-US" altLang="zh-TW" sz="1200" dirty="0">
+              <a:solidFill>
+                <a:srgbClr val="00B050"/>
+              </a:solidFill>
+            </a:endParaRPr>
+          </a:p>
+        </p:txBody>
+      </p:sp>
+      <p:sp>
+        <p:nvSpPr>
+          <p:cNvPr id="47" name="Rectangle 46">
+            <a:extLst>
+              <a:ext uri="{FF2B5EF4-FFF2-40B4-BE49-F238E27FC236}">
+                <a16:creationId xmlns:a16="http://schemas.microsoft.com/office/drawing/2014/main" id="{0BEB4327-DE8E-7060-65BC-3D762DE84BBB}"/>
+              </a:ext>
+            </a:extLst>
+          </p:cNvPr>
+          <p:cNvSpPr/>
+          <p:nvPr/>
+        </p:nvSpPr>
+        <p:spPr>
+          <a:xfrm>
+            <a:off x="2072276" y="1004436"/>
+            <a:ext cx="195300" cy="214112"/>
+          </a:xfrm>
+          <a:prstGeom prst="rect">
+            <a:avLst/>
+          </a:prstGeom>
+          <a:noFill/>
+          <a:ln w="9525" cap="flat" cmpd="sng" algn="ctr">
+            <a:solidFill>
+              <a:srgbClr val="00B050"/>
+            </a:solidFill>
+            <a:prstDash val="solid"/>
+            <a:round/>
+            <a:headEnd type="none" w="med" len="med"/>
+            <a:tailEnd type="none" w="med" len="med"/>
+          </a:ln>
+        </p:spPr>
+        <p:style>
+          <a:lnRef idx="0">
+            <a:scrgbClr r="0" g="0" b="0"/>
+          </a:lnRef>
+          <a:fillRef idx="0">
+            <a:scrgbClr r="0" g="0" b="0"/>
+          </a:fillRef>
+          <a:effectRef idx="0">
+            <a:scrgbClr r="0" g="0" b="0"/>
+          </a:effectRef>
+          <a:fontRef idx="minor">
+            <a:schemeClr val="accent1"/>
+          </a:fontRef>
+        </p:style>
+        <p:txBody>
+          <a:bodyPr rtlCol="0" anchor="ctr"/>
+          <a:lstStyle/>
+          <a:p>
+            <a:pPr algn="ctr"/>
+            <a:r>
+              <a:rPr lang="zh-TW" altLang="en-US" sz="1200" dirty="0">
+                <a:solidFill>
+                  <a:srgbClr val="00B050"/>
+                </a:solidFill>
+              </a:rPr>
+              <a:t>到</a:t>
+            </a:r>
+            <a:endParaRPr lang="en-US" altLang="zh-TW" sz="1200" dirty="0">
+              <a:solidFill>
+                <a:srgbClr val="00B050"/>
+              </a:solidFill>
+            </a:endParaRPr>
+          </a:p>
+        </p:txBody>
+      </p:sp>
+      <p:sp>
+        <p:nvSpPr>
+          <p:cNvPr id="48" name="Rectangle 47">
+            <a:extLst>
+              <a:ext uri="{FF2B5EF4-FFF2-40B4-BE49-F238E27FC236}">
+                <a16:creationId xmlns:a16="http://schemas.microsoft.com/office/drawing/2014/main" id="{F660AE08-E4C9-339B-0BA7-F7F12C784CCB}"/>
+              </a:ext>
+            </a:extLst>
+          </p:cNvPr>
+          <p:cNvSpPr/>
+          <p:nvPr/>
+        </p:nvSpPr>
+        <p:spPr>
+          <a:xfrm>
+            <a:off x="2287674" y="1004436"/>
+            <a:ext cx="493118" cy="214112"/>
+          </a:xfrm>
+          <a:prstGeom prst="rect">
+            <a:avLst/>
+          </a:prstGeom>
+          <a:noFill/>
+          <a:ln w="9525" cap="flat" cmpd="sng" algn="ctr">
+            <a:solidFill>
+              <a:srgbClr val="00B050"/>
+            </a:solidFill>
+            <a:prstDash val="solid"/>
+            <a:round/>
+            <a:headEnd type="none" w="med" len="med"/>
+            <a:tailEnd type="none" w="med" len="med"/>
+          </a:ln>
+        </p:spPr>
+        <p:style>
+          <a:lnRef idx="0">
+            <a:scrgbClr r="0" g="0" b="0"/>
+          </a:lnRef>
+          <a:fillRef idx="0">
+            <a:scrgbClr r="0" g="0" b="0"/>
+          </a:fillRef>
+          <a:effectRef idx="0">
+            <a:scrgbClr r="0" g="0" b="0"/>
+          </a:effectRef>
+          <a:fontRef idx="minor">
+            <a:schemeClr val="accent1"/>
+          </a:fontRef>
+        </p:style>
+        <p:txBody>
+          <a:bodyPr rtlCol="0" anchor="ctr"/>
+          <a:lstStyle/>
+          <a:p>
+            <a:pPr algn="ctr"/>
+            <a:r>
+              <a:rPr lang="zh-TW" altLang="en-US" sz="1200" dirty="0">
+                <a:solidFill>
+                  <a:srgbClr val="00B050"/>
+                </a:solidFill>
+                <a:latin typeface="+mj-ea"/>
+                <a:ea typeface="+mj-ea"/>
+              </a:rPr>
+              <a:t>薛邑</a:t>
+            </a:r>
+            <a:endParaRPr lang="en-US" altLang="zh-TW" sz="1200" dirty="0">
+              <a:solidFill>
+                <a:srgbClr val="00B050"/>
+              </a:solidFill>
+            </a:endParaRPr>
+          </a:p>
+        </p:txBody>
+      </p:sp>
+      <p:sp>
+        <p:nvSpPr>
+          <p:cNvPr id="49" name="Rectangle 48">
+            <a:extLst>
+              <a:ext uri="{FF2B5EF4-FFF2-40B4-BE49-F238E27FC236}">
+                <a16:creationId xmlns:a16="http://schemas.microsoft.com/office/drawing/2014/main" id="{38E55632-BC9C-5984-FCA9-2A809BABDFAF}"/>
+              </a:ext>
+            </a:extLst>
+          </p:cNvPr>
+          <p:cNvSpPr/>
+          <p:nvPr/>
+        </p:nvSpPr>
+        <p:spPr>
+          <a:xfrm>
+            <a:off x="2806680" y="999527"/>
+            <a:ext cx="493118" cy="214112"/>
+          </a:xfrm>
+          <a:prstGeom prst="rect">
+            <a:avLst/>
+          </a:prstGeom>
+          <a:noFill/>
+          <a:ln w="9525" cap="flat" cmpd="sng" algn="ctr">
+            <a:solidFill>
+              <a:srgbClr val="00B050"/>
+            </a:solidFill>
+            <a:prstDash val="solid"/>
+            <a:round/>
+            <a:headEnd type="none" w="med" len="med"/>
+            <a:tailEnd type="none" w="med" len="med"/>
+          </a:ln>
+        </p:spPr>
+        <p:style>
+          <a:lnRef idx="0">
+            <a:scrgbClr r="0" g="0" b="0"/>
+          </a:lnRef>
+          <a:fillRef idx="0">
+            <a:scrgbClr r="0" g="0" b="0"/>
+          </a:fillRef>
+          <a:effectRef idx="0">
+            <a:scrgbClr r="0" g="0" b="0"/>
+          </a:effectRef>
+          <a:fontRef idx="minor">
+            <a:schemeClr val="accent1"/>
+          </a:fontRef>
+        </p:style>
+        <p:txBody>
+          <a:bodyPr rtlCol="0" anchor="ctr"/>
+          <a:lstStyle/>
+          <a:p>
+            <a:pPr algn="ctr"/>
+            <a:r>
+              <a:rPr lang="zh-TW" altLang="en-US" sz="1200" dirty="0">
+                <a:solidFill>
+                  <a:srgbClr val="00B050"/>
+                </a:solidFill>
+                <a:latin typeface="+mj-ea"/>
+                <a:ea typeface="+mj-ea"/>
+              </a:rPr>
+              <a:t>收債</a:t>
+            </a:r>
+            <a:endParaRPr lang="en-US" altLang="zh-TW" sz="1200" dirty="0">
+              <a:solidFill>
+                <a:srgbClr val="00B050"/>
+              </a:solidFill>
+            </a:endParaRPr>
+          </a:p>
+        </p:txBody>
+      </p:sp>
+      <p:sp>
+        <p:nvSpPr>
+          <p:cNvPr id="50" name="Rectangle 49">
+            <a:extLst>
+              <a:ext uri="{FF2B5EF4-FFF2-40B4-BE49-F238E27FC236}">
+                <a16:creationId xmlns:a16="http://schemas.microsoft.com/office/drawing/2014/main" id="{8CB5D952-5C94-D8B2-9E50-FC13153C2F01}"/>
+              </a:ext>
+            </a:extLst>
+          </p:cNvPr>
+          <p:cNvSpPr/>
+          <p:nvPr/>
+        </p:nvSpPr>
+        <p:spPr>
+          <a:xfrm>
+            <a:off x="3319896" y="999527"/>
+            <a:ext cx="195300" cy="214112"/>
+          </a:xfrm>
+          <a:prstGeom prst="rect">
+            <a:avLst/>
+          </a:prstGeom>
+          <a:noFill/>
+          <a:ln w="9525" cap="flat" cmpd="sng" algn="ctr">
+            <a:solidFill>
+              <a:srgbClr val="00B050"/>
+            </a:solidFill>
+            <a:prstDash val="solid"/>
+            <a:round/>
+            <a:headEnd type="none" w="med" len="med"/>
+            <a:tailEnd type="none" w="med" len="med"/>
+          </a:ln>
+        </p:spPr>
+        <p:style>
+          <a:lnRef idx="0">
+            <a:scrgbClr r="0" g="0" b="0"/>
+          </a:lnRef>
+          <a:fillRef idx="0">
+            <a:scrgbClr r="0" g="0" b="0"/>
+          </a:fillRef>
+          <a:effectRef idx="0">
+            <a:scrgbClr r="0" g="0" b="0"/>
+          </a:effectRef>
+          <a:fontRef idx="minor">
+            <a:schemeClr val="accent1"/>
+          </a:fontRef>
+        </p:style>
+        <p:txBody>
+          <a:bodyPr rtlCol="0" anchor="ctr"/>
+          <a:lstStyle/>
+          <a:p>
+            <a:pPr algn="ctr"/>
+            <a:r>
+              <a:rPr lang="zh-TW" altLang="en-US" sz="1200" dirty="0">
+                <a:solidFill>
+                  <a:srgbClr val="00B050"/>
+                </a:solidFill>
+              </a:rPr>
+              <a:t>嗎</a:t>
+            </a:r>
+            <a:endParaRPr lang="en-US" altLang="zh-TW" sz="1200" dirty="0">
+              <a:solidFill>
+                <a:srgbClr val="00B050"/>
+              </a:solidFill>
+            </a:endParaRPr>
+          </a:p>
+        </p:txBody>
+      </p:sp>
+      <p:sp>
+        <p:nvSpPr>
+          <p:cNvPr id="51" name="Rectangle 50">
+            <a:extLst>
+              <a:ext uri="{FF2B5EF4-FFF2-40B4-BE49-F238E27FC236}">
+                <a16:creationId xmlns:a16="http://schemas.microsoft.com/office/drawing/2014/main" id="{0202D81B-1B1A-90F7-E2A5-398EDAC5E765}"/>
+              </a:ext>
+            </a:extLst>
+          </p:cNvPr>
+          <p:cNvSpPr/>
+          <p:nvPr/>
+        </p:nvSpPr>
+        <p:spPr>
+          <a:xfrm>
+            <a:off x="3249407" y="175975"/>
+            <a:ext cx="239699" cy="290818"/>
+          </a:xfrm>
+          <a:prstGeom prst="rect">
+            <a:avLst/>
+          </a:prstGeom>
+        </p:spPr>
+        <p:style>
+          <a:lnRef idx="2">
+            <a:schemeClr val="accent1">
+              <a:shade val="15000"/>
+            </a:schemeClr>
+          </a:lnRef>
+          <a:fillRef idx="1">
+            <a:schemeClr val="accent1"/>
+          </a:fillRef>
+          <a:effectRef idx="0">
+            <a:schemeClr val="accent1"/>
+          </a:effectRef>
+          <a:fontRef idx="minor">
+            <a:schemeClr val="lt1"/>
+          </a:fontRef>
+        </p:style>
+        <p:txBody>
+          <a:bodyPr rtlCol="0" anchor="ctr"/>
+          <a:lstStyle/>
+          <a:p>
+            <a:pPr algn="ctr"/>
+            <a:r>
+              <a:rPr lang="zh-TW" altLang="en-US" dirty="0">
+                <a:latin typeface="DFKai-SB" panose="03000509000000000000" pitchFamily="65" charset="-120"/>
+                <a:ea typeface="DFKai-SB" panose="03000509000000000000" pitchFamily="65" charset="-120"/>
+              </a:rPr>
+              <a:t>薛</a:t>
+            </a:r>
+          </a:p>
+        </p:txBody>
+      </p:sp>
+      <p:sp>
+        <p:nvSpPr>
+          <p:cNvPr id="52" name="Rectangle 51">
+            <a:extLst>
+              <a:ext uri="{FF2B5EF4-FFF2-40B4-BE49-F238E27FC236}">
+                <a16:creationId xmlns:a16="http://schemas.microsoft.com/office/drawing/2014/main" id="{4A1F7136-CF8A-9350-295F-D10489083C73}"/>
+              </a:ext>
+            </a:extLst>
+          </p:cNvPr>
+          <p:cNvSpPr/>
+          <p:nvPr/>
+        </p:nvSpPr>
+        <p:spPr>
+          <a:xfrm>
+            <a:off x="3512448" y="175975"/>
+            <a:ext cx="239699" cy="290818"/>
+          </a:xfrm>
+          <a:prstGeom prst="rect">
+            <a:avLst/>
+          </a:prstGeom>
+        </p:spPr>
+        <p:style>
+          <a:lnRef idx="2">
+            <a:schemeClr val="accent1">
+              <a:shade val="15000"/>
+            </a:schemeClr>
+          </a:lnRef>
+          <a:fillRef idx="1">
+            <a:schemeClr val="accent1"/>
+          </a:fillRef>
+          <a:effectRef idx="0">
+            <a:schemeClr val="accent1"/>
+          </a:effectRef>
+          <a:fontRef idx="minor">
+            <a:schemeClr val="lt1"/>
+          </a:fontRef>
+        </p:style>
+        <p:txBody>
+          <a:bodyPr rtlCol="0" anchor="ctr"/>
+          <a:lstStyle/>
+          <a:p>
+            <a:pPr algn="ctr"/>
+            <a:r>
+              <a:rPr lang="zh-TW" altLang="en-US" dirty="0">
+                <a:latin typeface="DFKai-SB" panose="03000509000000000000" pitchFamily="65" charset="-120"/>
+                <a:ea typeface="DFKai-SB" panose="03000509000000000000" pitchFamily="65" charset="-120"/>
+              </a:rPr>
+              <a:t>乎</a:t>
+            </a:r>
+          </a:p>
+        </p:txBody>
+      </p:sp>
+      <p:cxnSp>
+        <p:nvCxnSpPr>
+          <p:cNvPr id="104" name="Straight Arrow Connector 103">
+            <a:extLst>
+              <a:ext uri="{FF2B5EF4-FFF2-40B4-BE49-F238E27FC236}">
+                <a16:creationId xmlns:a16="http://schemas.microsoft.com/office/drawing/2014/main" id="{BBF168C5-0011-AEDB-4877-A1FF66B04EE3}"/>
+              </a:ext>
+            </a:extLst>
+          </p:cNvPr>
+          <p:cNvCxnSpPr>
+            <a:cxnSpLocks/>
+          </p:cNvCxnSpPr>
+          <p:nvPr/>
+        </p:nvCxnSpPr>
+        <p:spPr>
+          <a:xfrm flipH="1">
+            <a:off x="2534233" y="467384"/>
+            <a:ext cx="835024" cy="537643"/>
+          </a:xfrm>
+          <a:prstGeom prst="straightConnector1">
+            <a:avLst/>
+          </a:prstGeom>
+          <a:ln>
+            <a:headEnd type="none" w="med" len="med"/>
+            <a:tailEnd type="arrow" w="sm" len="med"/>
           </a:ln>
         </p:spPr>
         <p:style>
@@ -3586,30 +8313,207 @@
       </p:cxnSp>
       <p:cxnSp>
         <p:nvCxnSpPr>
-          <p:cNvPr id="27" name="Straight Arrow Connector 26">
-            <a:extLst>
-              <a:ext uri="{FF2B5EF4-FFF2-40B4-BE49-F238E27FC236}">
-                <a16:creationId xmlns:a16="http://schemas.microsoft.com/office/drawing/2014/main" id="{20683A19-ED67-F33B-115D-CDD09F277721}"/>
+          <p:cNvPr id="110" name="Straight Arrow Connector 109">
+            <a:extLst>
+              <a:ext uri="{FF2B5EF4-FFF2-40B4-BE49-F238E27FC236}">
+                <a16:creationId xmlns:a16="http://schemas.microsoft.com/office/drawing/2014/main" id="{312B110F-EBAF-B22B-735C-F1ACDB105E50}"/>
+              </a:ext>
+            </a:extLst>
+          </p:cNvPr>
+          <p:cNvCxnSpPr>
+            <a:cxnSpLocks/>
+            <a:stCxn id="52" idx="2"/>
+            <a:endCxn id="50" idx="0"/>
+          </p:cNvCxnSpPr>
+          <p:nvPr/>
+        </p:nvCxnSpPr>
+        <p:spPr>
+          <a:xfrm flipH="1">
+            <a:off x="3417546" y="466793"/>
+            <a:ext cx="214752" cy="532734"/>
+          </a:xfrm>
+          <a:prstGeom prst="straightConnector1">
+            <a:avLst/>
+          </a:prstGeom>
+          <a:ln>
+            <a:headEnd type="none" w="med" len="med"/>
+            <a:tailEnd type="arrow" w="sm" len="med"/>
+          </a:ln>
+        </p:spPr>
+        <p:style>
+          <a:lnRef idx="1">
+            <a:schemeClr val="accent1"/>
+          </a:lnRef>
+          <a:fillRef idx="0">
+            <a:schemeClr val="accent1"/>
+          </a:fillRef>
+          <a:effectRef idx="0">
+            <a:schemeClr val="accent1"/>
+          </a:effectRef>
+          <a:fontRef idx="minor">
+            <a:schemeClr val="tx1"/>
+          </a:fontRef>
+        </p:style>
+      </p:cxnSp>
+      <p:cxnSp>
+        <p:nvCxnSpPr>
+          <p:cNvPr id="124" name="Straight Arrow Connector 123">
+            <a:extLst>
+              <a:ext uri="{FF2B5EF4-FFF2-40B4-BE49-F238E27FC236}">
+                <a16:creationId xmlns:a16="http://schemas.microsoft.com/office/drawing/2014/main" id="{A600DA5C-73F5-A12C-4747-CBE6F30A716C}"/>
               </a:ext>
             </a:extLst>
           </p:cNvPr>
           <p:cNvCxnSpPr>
             <a:cxnSpLocks/>
             <a:stCxn id="5" idx="2"/>
-            <a:endCxn id="21" idx="0"/>
+            <a:endCxn id="24" idx="0"/>
           </p:cNvCxnSpPr>
           <p:nvPr/>
         </p:nvCxnSpPr>
         <p:spPr>
+          <a:xfrm>
+            <a:off x="994344" y="472886"/>
+            <a:ext cx="136918" cy="191444"/>
+          </a:xfrm>
+          <a:prstGeom prst="straightConnector1">
+            <a:avLst/>
+          </a:prstGeom>
+          <a:ln>
+            <a:headEnd type="none" w="med" len="med"/>
+            <a:tailEnd type="arrow" w="sm" len="med"/>
+          </a:ln>
+        </p:spPr>
+        <p:style>
+          <a:lnRef idx="1">
+            <a:schemeClr val="accent1"/>
+          </a:lnRef>
+          <a:fillRef idx="0">
+            <a:schemeClr val="accent1"/>
+          </a:fillRef>
+          <a:effectRef idx="0">
+            <a:schemeClr val="accent1"/>
+          </a:effectRef>
+          <a:fontRef idx="minor">
+            <a:schemeClr val="tx1"/>
+          </a:fontRef>
+        </p:style>
+      </p:cxnSp>
+      <p:cxnSp>
+        <p:nvCxnSpPr>
+          <p:cNvPr id="127" name="Straight Arrow Connector 126">
+            <a:extLst>
+              <a:ext uri="{FF2B5EF4-FFF2-40B4-BE49-F238E27FC236}">
+                <a16:creationId xmlns:a16="http://schemas.microsoft.com/office/drawing/2014/main" id="{878C48E5-FBEE-0BCB-A9FB-9800F66A40FF}"/>
+              </a:ext>
+            </a:extLst>
+          </p:cNvPr>
+          <p:cNvCxnSpPr>
+            <a:cxnSpLocks/>
+            <a:stCxn id="4" idx="2"/>
+            <a:endCxn id="22" idx="0"/>
+          </p:cNvCxnSpPr>
+          <p:nvPr/>
+        </p:nvCxnSpPr>
+        <p:spPr>
           <a:xfrm flipH="1">
-            <a:off x="1463444" y="557886"/>
-            <a:ext cx="132518" cy="226451"/>
+            <a:off x="680693" y="472885"/>
+            <a:ext cx="43213" cy="191445"/>
           </a:xfrm>
           <a:prstGeom prst="straightConnector1">
             <a:avLst/>
           </a:prstGeom>
           <a:ln>
-            <a:tailEnd type="triangle"/>
+            <a:headEnd type="none" w="med" len="med"/>
+            <a:tailEnd type="arrow" w="sm" len="med"/>
+          </a:ln>
+        </p:spPr>
+        <p:style>
+          <a:lnRef idx="1">
+            <a:schemeClr val="accent1"/>
+          </a:lnRef>
+          <a:fillRef idx="0">
+            <a:schemeClr val="accent1"/>
+          </a:fillRef>
+          <a:effectRef idx="0">
+            <a:schemeClr val="accent1"/>
+          </a:effectRef>
+          <a:fontRef idx="minor">
+            <a:schemeClr val="tx1"/>
+          </a:fontRef>
+        </p:style>
+      </p:cxnSp>
+      <p:cxnSp>
+        <p:nvCxnSpPr>
+          <p:cNvPr id="130" name="Straight Arrow Connector 129">
+            <a:extLst>
+              <a:ext uri="{FF2B5EF4-FFF2-40B4-BE49-F238E27FC236}">
+                <a16:creationId xmlns:a16="http://schemas.microsoft.com/office/drawing/2014/main" id="{6AF41572-AA08-0F0B-42D6-AA5FF6AA47DD}"/>
+              </a:ext>
+            </a:extLst>
+          </p:cNvPr>
+          <p:cNvCxnSpPr>
+            <a:cxnSpLocks/>
+            <a:stCxn id="3" idx="2"/>
+            <a:endCxn id="6" idx="0"/>
+          </p:cNvCxnSpPr>
+          <p:nvPr/>
+        </p:nvCxnSpPr>
+        <p:spPr>
+          <a:xfrm flipH="1">
+            <a:off x="315561" y="475080"/>
+            <a:ext cx="140025" cy="189250"/>
+          </a:xfrm>
+          <a:prstGeom prst="straightConnector1">
+            <a:avLst/>
+          </a:prstGeom>
+          <a:ln>
+            <a:headEnd type="none" w="med" len="med"/>
+            <a:tailEnd type="arrow" w="sm" len="med"/>
+          </a:ln>
+        </p:spPr>
+        <p:style>
+          <a:lnRef idx="1">
+            <a:schemeClr val="accent1"/>
+          </a:lnRef>
+          <a:fillRef idx="0">
+            <a:schemeClr val="accent1"/>
+          </a:fillRef>
+          <a:effectRef idx="0">
+            <a:schemeClr val="accent1"/>
+          </a:effectRef>
+          <a:fontRef idx="minor">
+            <a:schemeClr val="tx1"/>
+          </a:fontRef>
+        </p:style>
+      </p:cxnSp>
+      <p:cxnSp>
+        <p:nvCxnSpPr>
+          <p:cNvPr id="133" name="Straight Arrow Connector 132">
+            <a:extLst>
+              <a:ext uri="{FF2B5EF4-FFF2-40B4-BE49-F238E27FC236}">
+                <a16:creationId xmlns:a16="http://schemas.microsoft.com/office/drawing/2014/main" id="{5AFB0795-7ADE-F371-2D3B-158BF256353A}"/>
+              </a:ext>
+            </a:extLst>
+          </p:cNvPr>
+          <p:cNvCxnSpPr>
+            <a:cxnSpLocks/>
+            <a:stCxn id="2" idx="2"/>
+            <a:endCxn id="6" idx="0"/>
+          </p:cNvCxnSpPr>
+          <p:nvPr/>
+        </p:nvCxnSpPr>
+        <p:spPr>
+          <a:xfrm>
+            <a:off x="189689" y="475080"/>
+            <a:ext cx="125872" cy="189250"/>
+          </a:xfrm>
+          <a:prstGeom prst="straightConnector1">
+            <a:avLst/>
+          </a:prstGeom>
+          <a:ln>
+            <a:headEnd type="none" w="med" len="med"/>
+            <a:tailEnd type="arrow" w="sm" len="med"/>
           </a:ln>
         </p:spPr>
         <p:style>
@@ -3630,7 +8534,7 @@
     </p:spTree>
     <p:extLst>
       <p:ext uri="{BB962C8B-B14F-4D97-AF65-F5344CB8AC3E}">
-        <p14:creationId xmlns:p14="http://schemas.microsoft.com/office/powerpoint/2010/main" val="2402237368"/>
+        <p14:creationId xmlns:p14="http://schemas.microsoft.com/office/powerpoint/2010/main" val="2458513010"/>
       </p:ext>
     </p:extLst>
   </p:cSld>

--- a/白話翻譯/wenyanwen.pptx
+++ b/白話翻譯/wenyanwen.pptx
@@ -8,6 +8,7 @@
     <p:sldId id="257" r:id="rId2"/>
     <p:sldId id="258" r:id="rId3"/>
     <p:sldId id="259" r:id="rId4"/>
+    <p:sldId id="260" r:id="rId5"/>
   </p:sldIdLst>
   <p:sldSz cx="4114800" cy="1371600"/>
   <p:notesSz cx="6858000" cy="9144000"/>
@@ -8544,6 +8545,2624 @@
 </p:sld>
 </file>
 
+<file path=ppt/slides/slide4.xml><?xml version="1.0" encoding="utf-8"?>
+<p:sld xmlns:a="http://schemas.openxmlformats.org/drawingml/2006/main" xmlns:r="http://schemas.openxmlformats.org/officeDocument/2006/relationships" xmlns:p="http://schemas.openxmlformats.org/presentationml/2006/main">
+  <p:cSld>
+    <p:spTree>
+      <p:nvGrpSpPr>
+        <p:cNvPr id="1" name=""/>
+        <p:cNvGrpSpPr/>
+        <p:nvPr/>
+      </p:nvGrpSpPr>
+      <p:grpSpPr>
+        <a:xfrm>
+          <a:off x="0" y="0"/>
+          <a:ext cx="0" cy="0"/>
+          <a:chOff x="0" y="0"/>
+          <a:chExt cx="0" cy="0"/>
+        </a:xfrm>
+      </p:grpSpPr>
+      <p:cxnSp>
+        <p:nvCxnSpPr>
+          <p:cNvPr id="42" name="Straight Arrow Connector 41">
+            <a:extLst>
+              <a:ext uri="{FF2B5EF4-FFF2-40B4-BE49-F238E27FC236}">
+                <a16:creationId xmlns:a16="http://schemas.microsoft.com/office/drawing/2014/main" id="{A907AD83-4EA6-B9BE-5624-7ECB362FFF70}"/>
+              </a:ext>
+            </a:extLst>
+          </p:cNvPr>
+          <p:cNvCxnSpPr>
+            <a:cxnSpLocks/>
+            <a:stCxn id="168" idx="0"/>
+            <a:endCxn id="200" idx="2"/>
+          </p:cNvCxnSpPr>
+          <p:nvPr/>
+        </p:nvCxnSpPr>
+        <p:spPr>
+          <a:xfrm flipV="1">
+            <a:off x="140143" y="310744"/>
+            <a:ext cx="269194" cy="192078"/>
+          </a:xfrm>
+          <a:prstGeom prst="straightConnector1">
+            <a:avLst/>
+          </a:prstGeom>
+          <a:ln w="9525" cap="flat" cmpd="sng" algn="ctr">
+            <a:solidFill>
+              <a:schemeClr val="accent1"/>
+            </a:solidFill>
+            <a:prstDash val="dash"/>
+            <a:round/>
+            <a:headEnd type="none" w="med" len="med"/>
+            <a:tailEnd type="none" w="med" len="med"/>
+          </a:ln>
+        </p:spPr>
+        <p:style>
+          <a:lnRef idx="0">
+            <a:scrgbClr r="0" g="0" b="0"/>
+          </a:lnRef>
+          <a:fillRef idx="0">
+            <a:scrgbClr r="0" g="0" b="0"/>
+          </a:fillRef>
+          <a:effectRef idx="0">
+            <a:scrgbClr r="0" g="0" b="0"/>
+          </a:effectRef>
+          <a:fontRef idx="minor">
+            <a:schemeClr val="tx1"/>
+          </a:fontRef>
+        </p:style>
+      </p:cxnSp>
+      <p:sp>
+        <p:nvSpPr>
+          <p:cNvPr id="44" name="Rectangle 43">
+            <a:extLst>
+              <a:ext uri="{FF2B5EF4-FFF2-40B4-BE49-F238E27FC236}">
+                <a16:creationId xmlns:a16="http://schemas.microsoft.com/office/drawing/2014/main" id="{5D53AC3A-2747-4E7D-A123-EF5E2D5A2EEC}"/>
+              </a:ext>
+            </a:extLst>
+          </p:cNvPr>
+          <p:cNvSpPr/>
+          <p:nvPr/>
+        </p:nvSpPr>
+        <p:spPr>
+          <a:xfrm>
+            <a:off x="2170400" y="97817"/>
+            <a:ext cx="493119" cy="214112"/>
+          </a:xfrm>
+          <a:prstGeom prst="rect">
+            <a:avLst/>
+          </a:prstGeom>
+          <a:solidFill>
+            <a:schemeClr val="bg1"/>
+          </a:solidFill>
+          <a:ln w="9525" cap="flat" cmpd="sng" algn="ctr">
+            <a:solidFill>
+              <a:srgbClr val="00B050"/>
+            </a:solidFill>
+            <a:prstDash val="solid"/>
+            <a:round/>
+            <a:headEnd type="none" w="med" len="med"/>
+            <a:tailEnd type="none" w="med" len="med"/>
+          </a:ln>
+        </p:spPr>
+        <p:style>
+          <a:lnRef idx="0">
+            <a:scrgbClr r="0" g="0" b="0"/>
+          </a:lnRef>
+          <a:fillRef idx="0">
+            <a:scrgbClr r="0" g="0" b="0"/>
+          </a:fillRef>
+          <a:effectRef idx="0">
+            <a:scrgbClr r="0" g="0" b="0"/>
+          </a:effectRef>
+          <a:fontRef idx="minor">
+            <a:schemeClr val="accent1"/>
+          </a:fontRef>
+        </p:style>
+        <p:txBody>
+          <a:bodyPr rtlCol="0" anchor="ctr"/>
+          <a:lstStyle/>
+          <a:p>
+            <a:pPr algn="ctr"/>
+            <a:r>
+              <a:rPr lang="zh-TW" altLang="en-US" sz="1200" dirty="0">
+                <a:solidFill>
+                  <a:srgbClr val="00B050"/>
+                </a:solidFill>
+              </a:rPr>
+              <a:t>官吏</a:t>
+            </a:r>
+            <a:endParaRPr lang="en-US" altLang="zh-TW" dirty="0">
+              <a:solidFill>
+                <a:srgbClr val="00B050"/>
+              </a:solidFill>
+            </a:endParaRPr>
+          </a:p>
+        </p:txBody>
+      </p:sp>
+      <p:sp>
+        <p:nvSpPr>
+          <p:cNvPr id="45" name="Rectangle 44">
+            <a:extLst>
+              <a:ext uri="{FF2B5EF4-FFF2-40B4-BE49-F238E27FC236}">
+                <a16:creationId xmlns:a16="http://schemas.microsoft.com/office/drawing/2014/main" id="{7E2107BF-15E4-3458-B39E-15FAE981DECE}"/>
+              </a:ext>
+            </a:extLst>
+          </p:cNvPr>
+          <p:cNvSpPr/>
+          <p:nvPr/>
+        </p:nvSpPr>
+        <p:spPr>
+          <a:xfrm>
+            <a:off x="18175" y="1069595"/>
+            <a:ext cx="493119" cy="214112"/>
+          </a:xfrm>
+          <a:prstGeom prst="rect">
+            <a:avLst/>
+          </a:prstGeom>
+          <a:solidFill>
+            <a:schemeClr val="bg1"/>
+          </a:solidFill>
+          <a:ln w="9525" cap="flat" cmpd="sng" algn="ctr">
+            <a:solidFill>
+              <a:srgbClr val="00B050"/>
+            </a:solidFill>
+            <a:prstDash val="solid"/>
+            <a:round/>
+            <a:headEnd type="none" w="med" len="med"/>
+            <a:tailEnd type="none" w="med" len="med"/>
+          </a:ln>
+        </p:spPr>
+        <p:style>
+          <a:lnRef idx="0">
+            <a:scrgbClr r="0" g="0" b="0"/>
+          </a:lnRef>
+          <a:fillRef idx="0">
+            <a:scrgbClr r="0" g="0" b="0"/>
+          </a:fillRef>
+          <a:effectRef idx="0">
+            <a:scrgbClr r="0" g="0" b="0"/>
+          </a:effectRef>
+          <a:fontRef idx="minor">
+            <a:schemeClr val="accent1"/>
+          </a:fontRef>
+        </p:style>
+        <p:txBody>
+          <a:bodyPr rtlCol="0" anchor="ctr"/>
+          <a:lstStyle/>
+          <a:p>
+            <a:pPr algn="ctr"/>
+            <a:r>
+              <a:rPr lang="zh-TW" altLang="en-US" sz="1200" dirty="0">
+                <a:solidFill>
+                  <a:srgbClr val="00B050"/>
+                </a:solidFill>
+              </a:rPr>
+              <a:t>召集</a:t>
+            </a:r>
+            <a:endParaRPr lang="en-US" altLang="zh-TW" dirty="0">
+              <a:solidFill>
+                <a:srgbClr val="00B050"/>
+              </a:solidFill>
+            </a:endParaRPr>
+          </a:p>
+        </p:txBody>
+      </p:sp>
+      <p:sp>
+        <p:nvSpPr>
+          <p:cNvPr id="46" name="Rectangle 45">
+            <a:extLst>
+              <a:ext uri="{FF2B5EF4-FFF2-40B4-BE49-F238E27FC236}">
+                <a16:creationId xmlns:a16="http://schemas.microsoft.com/office/drawing/2014/main" id="{553A7C89-5A97-2BE2-B4C9-F8240C85286A}"/>
+              </a:ext>
+            </a:extLst>
+          </p:cNvPr>
+          <p:cNvSpPr/>
+          <p:nvPr/>
+        </p:nvSpPr>
+        <p:spPr>
+          <a:xfrm>
+            <a:off x="527311" y="1071830"/>
+            <a:ext cx="493119" cy="214112"/>
+          </a:xfrm>
+          <a:prstGeom prst="rect">
+            <a:avLst/>
+          </a:prstGeom>
+          <a:noFill/>
+          <a:ln w="9525" cap="flat" cmpd="sng" algn="ctr">
+            <a:solidFill>
+              <a:srgbClr val="00B050"/>
+            </a:solidFill>
+            <a:prstDash val="solid"/>
+            <a:round/>
+            <a:headEnd type="none" w="med" len="med"/>
+            <a:tailEnd type="none" w="med" len="med"/>
+          </a:ln>
+        </p:spPr>
+        <p:style>
+          <a:lnRef idx="0">
+            <a:scrgbClr r="0" g="0" b="0"/>
+          </a:lnRef>
+          <a:fillRef idx="0">
+            <a:scrgbClr r="0" g="0" b="0"/>
+          </a:fillRef>
+          <a:effectRef idx="0">
+            <a:scrgbClr r="0" g="0" b="0"/>
+          </a:effectRef>
+          <a:fontRef idx="minor">
+            <a:schemeClr val="accent1"/>
+          </a:fontRef>
+        </p:style>
+        <p:txBody>
+          <a:bodyPr rtlCol="0" anchor="ctr"/>
+          <a:lstStyle/>
+          <a:p>
+            <a:pPr algn="ctr"/>
+            <a:r>
+              <a:rPr lang="zh-TW" altLang="en-US" sz="1200" dirty="0">
+                <a:solidFill>
+                  <a:srgbClr val="00B050"/>
+                </a:solidFill>
+              </a:rPr>
+              <a:t>應當</a:t>
+            </a:r>
+            <a:endParaRPr lang="en-US" altLang="zh-TW" sz="1200" dirty="0">
+              <a:solidFill>
+                <a:srgbClr val="00B050"/>
+              </a:solidFill>
+            </a:endParaRPr>
+          </a:p>
+        </p:txBody>
+      </p:sp>
+      <p:sp>
+        <p:nvSpPr>
+          <p:cNvPr id="47" name="Rectangle 46">
+            <a:extLst>
+              <a:ext uri="{FF2B5EF4-FFF2-40B4-BE49-F238E27FC236}">
+                <a16:creationId xmlns:a16="http://schemas.microsoft.com/office/drawing/2014/main" id="{0BEB4327-DE8E-7060-65BC-3D762DE84BBB}"/>
+              </a:ext>
+            </a:extLst>
+          </p:cNvPr>
+          <p:cNvSpPr/>
+          <p:nvPr/>
+        </p:nvSpPr>
+        <p:spPr>
+          <a:xfrm>
+            <a:off x="1041183" y="1072449"/>
+            <a:ext cx="538182" cy="214112"/>
+          </a:xfrm>
+          <a:prstGeom prst="rect">
+            <a:avLst/>
+          </a:prstGeom>
+          <a:noFill/>
+          <a:ln w="9525" cap="flat" cmpd="sng" algn="ctr">
+            <a:solidFill>
+              <a:srgbClr val="00B050"/>
+            </a:solidFill>
+            <a:prstDash val="solid"/>
+            <a:round/>
+            <a:headEnd type="none" w="med" len="med"/>
+            <a:tailEnd type="none" w="med" len="med"/>
+          </a:ln>
+        </p:spPr>
+        <p:style>
+          <a:lnRef idx="0">
+            <a:scrgbClr r="0" g="0" b="0"/>
+          </a:lnRef>
+          <a:fillRef idx="0">
+            <a:scrgbClr r="0" g="0" b="0"/>
+          </a:fillRef>
+          <a:effectRef idx="0">
+            <a:scrgbClr r="0" g="0" b="0"/>
+          </a:effectRef>
+          <a:fontRef idx="minor">
+            <a:schemeClr val="accent1"/>
+          </a:fontRef>
+        </p:style>
+        <p:txBody>
+          <a:bodyPr rtlCol="0" anchor="ctr"/>
+          <a:lstStyle/>
+          <a:p>
+            <a:pPr algn="ctr"/>
+            <a:r>
+              <a:rPr lang="zh-TW" altLang="en-US" sz="1200" dirty="0">
+                <a:solidFill>
+                  <a:srgbClr val="00B050"/>
+                </a:solidFill>
+              </a:rPr>
+              <a:t>還債</a:t>
+            </a:r>
+            <a:endParaRPr lang="en-US" altLang="zh-TW" sz="1200" dirty="0">
+              <a:solidFill>
+                <a:srgbClr val="00B050"/>
+              </a:solidFill>
+            </a:endParaRPr>
+          </a:p>
+        </p:txBody>
+      </p:sp>
+      <p:sp>
+        <p:nvSpPr>
+          <p:cNvPr id="48" name="Rectangle 47">
+            <a:extLst>
+              <a:ext uri="{FF2B5EF4-FFF2-40B4-BE49-F238E27FC236}">
+                <a16:creationId xmlns:a16="http://schemas.microsoft.com/office/drawing/2014/main" id="{F660AE08-E4C9-339B-0BA7-F7F12C784CCB}"/>
+              </a:ext>
+            </a:extLst>
+          </p:cNvPr>
+          <p:cNvSpPr/>
+          <p:nvPr/>
+        </p:nvSpPr>
+        <p:spPr>
+          <a:xfrm>
+            <a:off x="1606546" y="1076232"/>
+            <a:ext cx="743995" cy="214112"/>
+          </a:xfrm>
+          <a:prstGeom prst="rect">
+            <a:avLst/>
+          </a:prstGeom>
+          <a:noFill/>
+          <a:ln w="9525" cap="flat" cmpd="sng" algn="ctr">
+            <a:solidFill>
+              <a:srgbClr val="00B050"/>
+            </a:solidFill>
+            <a:prstDash val="solid"/>
+            <a:round/>
+            <a:headEnd type="none" w="med" len="med"/>
+            <a:tailEnd type="none" w="med" len="med"/>
+          </a:ln>
+        </p:spPr>
+        <p:style>
+          <a:lnRef idx="0">
+            <a:scrgbClr r="0" g="0" b="0"/>
+          </a:lnRef>
+          <a:fillRef idx="0">
+            <a:scrgbClr r="0" g="0" b="0"/>
+          </a:fillRef>
+          <a:effectRef idx="0">
+            <a:scrgbClr r="0" g="0" b="0"/>
+          </a:effectRef>
+          <a:fontRef idx="minor">
+            <a:schemeClr val="accent1"/>
+          </a:fontRef>
+        </p:style>
+        <p:txBody>
+          <a:bodyPr rtlCol="0" anchor="ctr"/>
+          <a:lstStyle/>
+          <a:p>
+            <a:pPr algn="ctr"/>
+            <a:r>
+              <a:rPr lang="en-US" altLang="zh-TW" sz="1200" dirty="0">
+                <a:solidFill>
+                  <a:srgbClr val="00B050"/>
+                </a:solidFill>
+                <a:latin typeface="+mj-ea"/>
+                <a:ea typeface="+mj-ea"/>
+              </a:rPr>
+              <a:t>(</a:t>
+            </a:r>
+            <a:r>
+              <a:rPr lang="zh-TW" altLang="en-US" sz="1200" dirty="0">
+                <a:solidFill>
+                  <a:srgbClr val="00B050"/>
+                </a:solidFill>
+                <a:latin typeface="+mj-ea"/>
+                <a:ea typeface="+mj-ea"/>
+              </a:rPr>
+              <a:t>的</a:t>
+            </a:r>
+            <a:r>
+              <a:rPr lang="en-US" altLang="zh-TW" sz="1200" dirty="0">
+                <a:solidFill>
+                  <a:srgbClr val="00B050"/>
+                </a:solidFill>
+                <a:latin typeface="+mj-ea"/>
+                <a:ea typeface="+mj-ea"/>
+              </a:rPr>
+              <a:t>)</a:t>
+            </a:r>
+            <a:r>
+              <a:rPr lang="zh-TW" altLang="en-US" sz="1200" dirty="0">
+                <a:solidFill>
+                  <a:srgbClr val="00B050"/>
+                </a:solidFill>
+                <a:latin typeface="+mj-ea"/>
+                <a:ea typeface="+mj-ea"/>
+              </a:rPr>
+              <a:t>民眾</a:t>
+            </a:r>
+            <a:endParaRPr lang="en-US" altLang="zh-TW" sz="1200" dirty="0">
+              <a:solidFill>
+                <a:srgbClr val="00B050"/>
+              </a:solidFill>
+            </a:endParaRPr>
+          </a:p>
+        </p:txBody>
+      </p:sp>
+      <p:sp>
+        <p:nvSpPr>
+          <p:cNvPr id="49" name="Rectangle 48">
+            <a:extLst>
+              <a:ext uri="{FF2B5EF4-FFF2-40B4-BE49-F238E27FC236}">
+                <a16:creationId xmlns:a16="http://schemas.microsoft.com/office/drawing/2014/main" id="{38E55632-BC9C-5984-FCA9-2A809BABDFAF}"/>
+              </a:ext>
+            </a:extLst>
+          </p:cNvPr>
+          <p:cNvSpPr/>
+          <p:nvPr/>
+        </p:nvSpPr>
+        <p:spPr>
+          <a:xfrm>
+            <a:off x="2374180" y="1077832"/>
+            <a:ext cx="193367" cy="214112"/>
+          </a:xfrm>
+          <a:prstGeom prst="rect">
+            <a:avLst/>
+          </a:prstGeom>
+          <a:noFill/>
+          <a:ln w="9525" cap="flat" cmpd="sng" algn="ctr">
+            <a:solidFill>
+              <a:srgbClr val="00B050"/>
+            </a:solidFill>
+            <a:prstDash val="solid"/>
+            <a:round/>
+            <a:headEnd type="none" w="med" len="med"/>
+            <a:tailEnd type="none" w="med" len="med"/>
+          </a:ln>
+        </p:spPr>
+        <p:style>
+          <a:lnRef idx="0">
+            <a:scrgbClr r="0" g="0" b="0"/>
+          </a:lnRef>
+          <a:fillRef idx="0">
+            <a:scrgbClr r="0" g="0" b="0"/>
+          </a:fillRef>
+          <a:effectRef idx="0">
+            <a:scrgbClr r="0" g="0" b="0"/>
+          </a:effectRef>
+          <a:fontRef idx="minor">
+            <a:schemeClr val="accent1"/>
+          </a:fontRef>
+        </p:style>
+        <p:txBody>
+          <a:bodyPr rtlCol="0" anchor="ctr"/>
+          <a:lstStyle/>
+          <a:p>
+            <a:pPr algn="ctr"/>
+            <a:r>
+              <a:rPr lang="zh-TW" altLang="en-US" sz="1200" dirty="0">
+                <a:solidFill>
+                  <a:srgbClr val="00B050"/>
+                </a:solidFill>
+                <a:latin typeface="+mj-ea"/>
+                <a:ea typeface="+mj-ea"/>
+              </a:rPr>
+              <a:t>都</a:t>
+            </a:r>
+            <a:endParaRPr lang="en-US" altLang="zh-TW" sz="1200" dirty="0">
+              <a:solidFill>
+                <a:srgbClr val="00B050"/>
+              </a:solidFill>
+            </a:endParaRPr>
+          </a:p>
+        </p:txBody>
+      </p:sp>
+      <p:sp>
+        <p:nvSpPr>
+          <p:cNvPr id="50" name="Rectangle 49">
+            <a:extLst>
+              <a:ext uri="{FF2B5EF4-FFF2-40B4-BE49-F238E27FC236}">
+                <a16:creationId xmlns:a16="http://schemas.microsoft.com/office/drawing/2014/main" id="{8CB5D952-5C94-D8B2-9E50-FC13153C2F01}"/>
+              </a:ext>
+            </a:extLst>
+          </p:cNvPr>
+          <p:cNvSpPr/>
+          <p:nvPr/>
+        </p:nvSpPr>
+        <p:spPr>
+          <a:xfrm>
+            <a:off x="2825180" y="1069595"/>
+            <a:ext cx="510812" cy="214112"/>
+          </a:xfrm>
+          <a:prstGeom prst="rect">
+            <a:avLst/>
+          </a:prstGeom>
+          <a:noFill/>
+          <a:ln w="9525" cap="flat" cmpd="sng" algn="ctr">
+            <a:solidFill>
+              <a:srgbClr val="00B050"/>
+            </a:solidFill>
+            <a:prstDash val="solid"/>
+            <a:round/>
+            <a:headEnd type="none" w="med" len="med"/>
+            <a:tailEnd type="none" w="med" len="med"/>
+          </a:ln>
+        </p:spPr>
+        <p:style>
+          <a:lnRef idx="0">
+            <a:scrgbClr r="0" g="0" b="0"/>
+          </a:lnRef>
+          <a:fillRef idx="0">
+            <a:scrgbClr r="0" g="0" b="0"/>
+          </a:fillRef>
+          <a:effectRef idx="0">
+            <a:scrgbClr r="0" g="0" b="0"/>
+          </a:effectRef>
+          <a:fontRef idx="minor">
+            <a:schemeClr val="accent1"/>
+          </a:fontRef>
+        </p:style>
+        <p:txBody>
+          <a:bodyPr rtlCol="0" anchor="ctr"/>
+          <a:lstStyle/>
+          <a:p>
+            <a:pPr algn="ctr"/>
+            <a:r>
+              <a:rPr lang="zh-TW" altLang="en-US" sz="1200" dirty="0">
+                <a:solidFill>
+                  <a:srgbClr val="00B050"/>
+                </a:solidFill>
+              </a:rPr>
+              <a:t>核對</a:t>
+            </a:r>
+            <a:endParaRPr lang="en-US" altLang="zh-TW" sz="1200" dirty="0">
+              <a:solidFill>
+                <a:srgbClr val="00B050"/>
+              </a:solidFill>
+            </a:endParaRPr>
+          </a:p>
+        </p:txBody>
+      </p:sp>
+      <p:sp>
+        <p:nvSpPr>
+          <p:cNvPr id="52" name="Rectangle 51">
+            <a:extLst>
+              <a:ext uri="{FF2B5EF4-FFF2-40B4-BE49-F238E27FC236}">
+                <a16:creationId xmlns:a16="http://schemas.microsoft.com/office/drawing/2014/main" id="{4A1F7136-CF8A-9350-295F-D10489083C73}"/>
+              </a:ext>
+            </a:extLst>
+          </p:cNvPr>
+          <p:cNvSpPr/>
+          <p:nvPr/>
+        </p:nvSpPr>
+        <p:spPr>
+          <a:xfrm>
+            <a:off x="3463586" y="494265"/>
+            <a:ext cx="239699" cy="290818"/>
+          </a:xfrm>
+          <a:prstGeom prst="rect">
+            <a:avLst/>
+          </a:prstGeom>
+        </p:spPr>
+        <p:style>
+          <a:lnRef idx="2">
+            <a:schemeClr val="accent1">
+              <a:shade val="15000"/>
+            </a:schemeClr>
+          </a:lnRef>
+          <a:fillRef idx="1">
+            <a:schemeClr val="accent1"/>
+          </a:fillRef>
+          <a:effectRef idx="0">
+            <a:schemeClr val="accent1"/>
+          </a:effectRef>
+          <a:fontRef idx="minor">
+            <a:schemeClr val="lt1"/>
+          </a:fontRef>
+        </p:style>
+        <p:txBody>
+          <a:bodyPr rtlCol="0" anchor="ctr"/>
+          <a:lstStyle/>
+          <a:p>
+            <a:pPr algn="ctr"/>
+            <a:r>
+              <a:rPr lang="zh-TW" altLang="en-US" dirty="0">
+                <a:latin typeface="DFKai-SB" panose="03000509000000000000" pitchFamily="65" charset="-120"/>
+                <a:ea typeface="DFKai-SB" panose="03000509000000000000" pitchFamily="65" charset="-120"/>
+              </a:rPr>
+              <a:t>來</a:t>
+            </a:r>
+          </a:p>
+        </p:txBody>
+      </p:sp>
+      <p:cxnSp>
+        <p:nvCxnSpPr>
+          <p:cNvPr id="110" name="Straight Arrow Connector 109">
+            <a:extLst>
+              <a:ext uri="{FF2B5EF4-FFF2-40B4-BE49-F238E27FC236}">
+                <a16:creationId xmlns:a16="http://schemas.microsoft.com/office/drawing/2014/main" id="{312B110F-EBAF-B22B-735C-F1ACDB105E50}"/>
+              </a:ext>
+            </a:extLst>
+          </p:cNvPr>
+          <p:cNvCxnSpPr>
+            <a:cxnSpLocks/>
+            <a:stCxn id="169" idx="0"/>
+            <a:endCxn id="204" idx="2"/>
+          </p:cNvCxnSpPr>
+          <p:nvPr/>
+        </p:nvCxnSpPr>
+        <p:spPr>
+          <a:xfrm flipV="1">
+            <a:off x="406040" y="310743"/>
+            <a:ext cx="660794" cy="192079"/>
+          </a:xfrm>
+          <a:prstGeom prst="straightConnector1">
+            <a:avLst/>
+          </a:prstGeom>
+          <a:ln w="9525" cap="flat" cmpd="sng" algn="ctr">
+            <a:solidFill>
+              <a:schemeClr val="accent1"/>
+            </a:solidFill>
+            <a:prstDash val="dash"/>
+            <a:round/>
+            <a:headEnd type="none" w="med" len="med"/>
+            <a:tailEnd type="none" w="med" len="med"/>
+          </a:ln>
+        </p:spPr>
+        <p:style>
+          <a:lnRef idx="0">
+            <a:scrgbClr r="0" g="0" b="0"/>
+          </a:lnRef>
+          <a:fillRef idx="0">
+            <a:scrgbClr r="0" g="0" b="0"/>
+          </a:fillRef>
+          <a:effectRef idx="0">
+            <a:scrgbClr r="0" g="0" b="0"/>
+          </a:effectRef>
+          <a:fontRef idx="minor">
+            <a:schemeClr val="tx1"/>
+          </a:fontRef>
+        </p:style>
+      </p:cxnSp>
+      <p:sp>
+        <p:nvSpPr>
+          <p:cNvPr id="15" name="Rectangle 14">
+            <a:extLst>
+              <a:ext uri="{FF2B5EF4-FFF2-40B4-BE49-F238E27FC236}">
+                <a16:creationId xmlns:a16="http://schemas.microsoft.com/office/drawing/2014/main" id="{DF5E8FEB-7F29-95B4-E05F-465EBED9785F}"/>
+              </a:ext>
+            </a:extLst>
+          </p:cNvPr>
+          <p:cNvSpPr/>
+          <p:nvPr/>
+        </p:nvSpPr>
+        <p:spPr>
+          <a:xfrm>
+            <a:off x="3726075" y="494265"/>
+            <a:ext cx="239699" cy="290818"/>
+          </a:xfrm>
+          <a:prstGeom prst="rect">
+            <a:avLst/>
+          </a:prstGeom>
+        </p:spPr>
+        <p:style>
+          <a:lnRef idx="2">
+            <a:schemeClr val="accent1">
+              <a:shade val="15000"/>
+            </a:schemeClr>
+          </a:lnRef>
+          <a:fillRef idx="1">
+            <a:schemeClr val="accent1"/>
+          </a:fillRef>
+          <a:effectRef idx="0">
+            <a:schemeClr val="accent1"/>
+          </a:effectRef>
+          <a:fontRef idx="minor">
+            <a:schemeClr val="lt1"/>
+          </a:fontRef>
+        </p:style>
+        <p:txBody>
+          <a:bodyPr rtlCol="0" anchor="ctr"/>
+          <a:lstStyle/>
+          <a:p>
+            <a:pPr algn="ctr"/>
+            <a:r>
+              <a:rPr lang="zh-TW" altLang="en-US" dirty="0">
+                <a:latin typeface="DFKai-SB" panose="03000509000000000000" pitchFamily="65" charset="-120"/>
+                <a:ea typeface="DFKai-SB" panose="03000509000000000000" pitchFamily="65" charset="-120"/>
+              </a:rPr>
+              <a:t>合</a:t>
+            </a:r>
+          </a:p>
+        </p:txBody>
+      </p:sp>
+      <p:sp>
+        <p:nvSpPr>
+          <p:cNvPr id="16" name="Rectangle 15">
+            <a:extLst>
+              <a:ext uri="{FF2B5EF4-FFF2-40B4-BE49-F238E27FC236}">
+                <a16:creationId xmlns:a16="http://schemas.microsoft.com/office/drawing/2014/main" id="{A928949B-F3EA-B069-8EC8-CE70910BB68D}"/>
+              </a:ext>
+            </a:extLst>
+          </p:cNvPr>
+          <p:cNvSpPr/>
+          <p:nvPr/>
+        </p:nvSpPr>
+        <p:spPr>
+          <a:xfrm>
+            <a:off x="3863419" y="820314"/>
+            <a:ext cx="239699" cy="290818"/>
+          </a:xfrm>
+          <a:prstGeom prst="rect">
+            <a:avLst/>
+          </a:prstGeom>
+        </p:spPr>
+        <p:style>
+          <a:lnRef idx="2">
+            <a:schemeClr val="accent1">
+              <a:shade val="15000"/>
+            </a:schemeClr>
+          </a:lnRef>
+          <a:fillRef idx="1">
+            <a:schemeClr val="accent1"/>
+          </a:fillRef>
+          <a:effectRef idx="0">
+            <a:schemeClr val="accent1"/>
+          </a:effectRef>
+          <a:fontRef idx="minor">
+            <a:schemeClr val="lt1"/>
+          </a:fontRef>
+        </p:style>
+        <p:txBody>
+          <a:bodyPr rtlCol="0" anchor="ctr"/>
+          <a:lstStyle/>
+          <a:p>
+            <a:pPr algn="ctr"/>
+            <a:r>
+              <a:rPr lang="zh-TW" altLang="en-US" dirty="0">
+                <a:latin typeface="DFKai-SB" panose="03000509000000000000" pitchFamily="65" charset="-120"/>
+                <a:ea typeface="DFKai-SB" panose="03000509000000000000" pitchFamily="65" charset="-120"/>
+              </a:rPr>
+              <a:t>券</a:t>
+            </a:r>
+          </a:p>
+        </p:txBody>
+      </p:sp>
+      <p:sp>
+        <p:nvSpPr>
+          <p:cNvPr id="79" name="Rectangle 78">
+            <a:extLst>
+              <a:ext uri="{FF2B5EF4-FFF2-40B4-BE49-F238E27FC236}">
+                <a16:creationId xmlns:a16="http://schemas.microsoft.com/office/drawing/2014/main" id="{CC8E4A1C-F651-6815-9812-713DEBB0FC7D}"/>
+              </a:ext>
+            </a:extLst>
+          </p:cNvPr>
+          <p:cNvSpPr/>
+          <p:nvPr/>
+        </p:nvSpPr>
+        <p:spPr>
+          <a:xfrm>
+            <a:off x="3355911" y="1069595"/>
+            <a:ext cx="504482" cy="214112"/>
+          </a:xfrm>
+          <a:prstGeom prst="rect">
+            <a:avLst/>
+          </a:prstGeom>
+          <a:noFill/>
+          <a:ln w="9525" cap="flat" cmpd="sng" algn="ctr">
+            <a:solidFill>
+              <a:srgbClr val="00B050"/>
+            </a:solidFill>
+            <a:prstDash val="solid"/>
+            <a:round/>
+            <a:headEnd type="none" w="med" len="med"/>
+            <a:tailEnd type="none" w="med" len="med"/>
+          </a:ln>
+        </p:spPr>
+        <p:style>
+          <a:lnRef idx="0">
+            <a:scrgbClr r="0" g="0" b="0"/>
+          </a:lnRef>
+          <a:fillRef idx="0">
+            <a:scrgbClr r="0" g="0" b="0"/>
+          </a:fillRef>
+          <a:effectRef idx="0">
+            <a:scrgbClr r="0" g="0" b="0"/>
+          </a:effectRef>
+          <a:fontRef idx="minor">
+            <a:schemeClr val="accent1"/>
+          </a:fontRef>
+        </p:style>
+        <p:txBody>
+          <a:bodyPr rtlCol="0" anchor="ctr"/>
+          <a:lstStyle/>
+          <a:p>
+            <a:pPr algn="ctr"/>
+            <a:r>
+              <a:rPr lang="zh-TW" altLang="en-US" sz="1200" dirty="0">
+                <a:solidFill>
+                  <a:srgbClr val="00B050"/>
+                </a:solidFill>
+              </a:rPr>
+              <a:t>債券</a:t>
+            </a:r>
+            <a:endParaRPr lang="en-US" altLang="zh-TW" sz="1200" dirty="0">
+              <a:solidFill>
+                <a:srgbClr val="00B050"/>
+              </a:solidFill>
+            </a:endParaRPr>
+          </a:p>
+        </p:txBody>
+      </p:sp>
+      <p:sp>
+        <p:nvSpPr>
+          <p:cNvPr id="162" name="Rectangle 161">
+            <a:extLst>
+              <a:ext uri="{FF2B5EF4-FFF2-40B4-BE49-F238E27FC236}">
+                <a16:creationId xmlns:a16="http://schemas.microsoft.com/office/drawing/2014/main" id="{4F74DBE7-0224-60DF-F033-70508A9C046B}"/>
+              </a:ext>
+            </a:extLst>
+          </p:cNvPr>
+          <p:cNvSpPr/>
+          <p:nvPr/>
+        </p:nvSpPr>
+        <p:spPr>
+          <a:xfrm>
+            <a:off x="1882247" y="500201"/>
+            <a:ext cx="239699" cy="290818"/>
+          </a:xfrm>
+          <a:prstGeom prst="rect">
+            <a:avLst/>
+          </a:prstGeom>
+        </p:spPr>
+        <p:style>
+          <a:lnRef idx="2">
+            <a:schemeClr val="accent1">
+              <a:shade val="15000"/>
+            </a:schemeClr>
+          </a:lnRef>
+          <a:fillRef idx="1">
+            <a:schemeClr val="accent1"/>
+          </a:fillRef>
+          <a:effectRef idx="0">
+            <a:schemeClr val="accent1"/>
+          </a:effectRef>
+          <a:fontRef idx="minor">
+            <a:schemeClr val="lt1"/>
+          </a:fontRef>
+        </p:style>
+        <p:txBody>
+          <a:bodyPr rtlCol="0" anchor="ctr"/>
+          <a:lstStyle/>
+          <a:p>
+            <a:pPr algn="ctr"/>
+            <a:r>
+              <a:rPr lang="zh-TW" altLang="en-US" dirty="0">
+                <a:latin typeface="DFKai-SB" panose="03000509000000000000" pitchFamily="65" charset="-120"/>
+                <a:ea typeface="DFKai-SB" panose="03000509000000000000" pitchFamily="65" charset="-120"/>
+              </a:rPr>
+              <a:t>諸</a:t>
+            </a:r>
+          </a:p>
+        </p:txBody>
+      </p:sp>
+      <p:sp>
+        <p:nvSpPr>
+          <p:cNvPr id="163" name="Rectangle 162">
+            <a:extLst>
+              <a:ext uri="{FF2B5EF4-FFF2-40B4-BE49-F238E27FC236}">
+                <a16:creationId xmlns:a16="http://schemas.microsoft.com/office/drawing/2014/main" id="{D9B25A4E-95A9-EC58-C03B-45E8AD1363C2}"/>
+              </a:ext>
+            </a:extLst>
+          </p:cNvPr>
+          <p:cNvSpPr/>
+          <p:nvPr/>
+        </p:nvSpPr>
+        <p:spPr>
+          <a:xfrm>
+            <a:off x="2145415" y="500201"/>
+            <a:ext cx="239699" cy="290818"/>
+          </a:xfrm>
+          <a:prstGeom prst="rect">
+            <a:avLst/>
+          </a:prstGeom>
+        </p:spPr>
+        <p:style>
+          <a:lnRef idx="2">
+            <a:schemeClr val="accent1">
+              <a:shade val="15000"/>
+            </a:schemeClr>
+          </a:lnRef>
+          <a:fillRef idx="1">
+            <a:schemeClr val="accent1"/>
+          </a:fillRef>
+          <a:effectRef idx="0">
+            <a:schemeClr val="accent1"/>
+          </a:effectRef>
+          <a:fontRef idx="minor">
+            <a:schemeClr val="lt1"/>
+          </a:fontRef>
+        </p:style>
+        <p:txBody>
+          <a:bodyPr rtlCol="0" anchor="ctr"/>
+          <a:lstStyle/>
+          <a:p>
+            <a:pPr algn="ctr"/>
+            <a:r>
+              <a:rPr lang="zh-TW" altLang="en-US" dirty="0">
+                <a:latin typeface="DFKai-SB" panose="03000509000000000000" pitchFamily="65" charset="-120"/>
+                <a:ea typeface="DFKai-SB" panose="03000509000000000000" pitchFamily="65" charset="-120"/>
+              </a:rPr>
+              <a:t>民</a:t>
+            </a:r>
+          </a:p>
+        </p:txBody>
+      </p:sp>
+      <p:sp>
+        <p:nvSpPr>
+          <p:cNvPr id="164" name="Rectangle 163">
+            <a:extLst>
+              <a:ext uri="{FF2B5EF4-FFF2-40B4-BE49-F238E27FC236}">
+                <a16:creationId xmlns:a16="http://schemas.microsoft.com/office/drawing/2014/main" id="{7939595B-FC6E-9FD8-530A-F77FC363C6B5}"/>
+              </a:ext>
+            </a:extLst>
+          </p:cNvPr>
+          <p:cNvSpPr/>
+          <p:nvPr/>
+        </p:nvSpPr>
+        <p:spPr>
+          <a:xfrm>
+            <a:off x="2407777" y="500201"/>
+            <a:ext cx="239699" cy="290818"/>
+          </a:xfrm>
+          <a:prstGeom prst="rect">
+            <a:avLst/>
+          </a:prstGeom>
+        </p:spPr>
+        <p:style>
+          <a:lnRef idx="2">
+            <a:schemeClr val="accent1">
+              <a:shade val="15000"/>
+            </a:schemeClr>
+          </a:lnRef>
+          <a:fillRef idx="1">
+            <a:schemeClr val="accent1"/>
+          </a:fillRef>
+          <a:effectRef idx="0">
+            <a:schemeClr val="accent1"/>
+          </a:effectRef>
+          <a:fontRef idx="minor">
+            <a:schemeClr val="lt1"/>
+          </a:fontRef>
+        </p:style>
+        <p:txBody>
+          <a:bodyPr rtlCol="0" anchor="ctr"/>
+          <a:lstStyle/>
+          <a:p>
+            <a:pPr algn="ctr"/>
+            <a:r>
+              <a:rPr lang="zh-TW" altLang="en-US" dirty="0">
+                <a:latin typeface="DFKai-SB" panose="03000509000000000000" pitchFamily="65" charset="-120"/>
+                <a:ea typeface="DFKai-SB" panose="03000509000000000000" pitchFamily="65" charset="-120"/>
+              </a:rPr>
+              <a:t>當</a:t>
+            </a:r>
+          </a:p>
+        </p:txBody>
+      </p:sp>
+      <p:sp>
+        <p:nvSpPr>
+          <p:cNvPr id="165" name="Rectangle 164">
+            <a:extLst>
+              <a:ext uri="{FF2B5EF4-FFF2-40B4-BE49-F238E27FC236}">
+                <a16:creationId xmlns:a16="http://schemas.microsoft.com/office/drawing/2014/main" id="{254E6971-F545-C77B-765F-2648254EC740}"/>
+              </a:ext>
+            </a:extLst>
+          </p:cNvPr>
+          <p:cNvSpPr/>
+          <p:nvPr/>
+        </p:nvSpPr>
+        <p:spPr>
+          <a:xfrm>
+            <a:off x="2670139" y="500201"/>
+            <a:ext cx="239699" cy="290818"/>
+          </a:xfrm>
+          <a:prstGeom prst="rect">
+            <a:avLst/>
+          </a:prstGeom>
+        </p:spPr>
+        <p:style>
+          <a:lnRef idx="2">
+            <a:schemeClr val="accent1">
+              <a:shade val="15000"/>
+            </a:schemeClr>
+          </a:lnRef>
+          <a:fillRef idx="1">
+            <a:schemeClr val="accent1"/>
+          </a:fillRef>
+          <a:effectRef idx="0">
+            <a:schemeClr val="accent1"/>
+          </a:effectRef>
+          <a:fontRef idx="minor">
+            <a:schemeClr val="lt1"/>
+          </a:fontRef>
+        </p:style>
+        <p:txBody>
+          <a:bodyPr rtlCol="0" anchor="ctr"/>
+          <a:lstStyle/>
+          <a:p>
+            <a:pPr algn="ctr"/>
+            <a:r>
+              <a:rPr lang="zh-TW" altLang="en-US" dirty="0">
+                <a:latin typeface="DFKai-SB" panose="03000509000000000000" pitchFamily="65" charset="-120"/>
+                <a:ea typeface="DFKai-SB" panose="03000509000000000000" pitchFamily="65" charset="-120"/>
+              </a:rPr>
+              <a:t>償</a:t>
+            </a:r>
+          </a:p>
+        </p:txBody>
+      </p:sp>
+      <p:sp>
+        <p:nvSpPr>
+          <p:cNvPr id="166" name="Rectangle 165">
+            <a:extLst>
+              <a:ext uri="{FF2B5EF4-FFF2-40B4-BE49-F238E27FC236}">
+                <a16:creationId xmlns:a16="http://schemas.microsoft.com/office/drawing/2014/main" id="{F13DAFDD-5154-F85B-13AD-C9C593E52328}"/>
+              </a:ext>
+            </a:extLst>
+          </p:cNvPr>
+          <p:cNvSpPr/>
+          <p:nvPr/>
+        </p:nvSpPr>
+        <p:spPr>
+          <a:xfrm>
+            <a:off x="2932501" y="497155"/>
+            <a:ext cx="239699" cy="290818"/>
+          </a:xfrm>
+          <a:prstGeom prst="rect">
+            <a:avLst/>
+          </a:prstGeom>
+        </p:spPr>
+        <p:style>
+          <a:lnRef idx="2">
+            <a:schemeClr val="accent1">
+              <a:shade val="15000"/>
+            </a:schemeClr>
+          </a:lnRef>
+          <a:fillRef idx="1">
+            <a:schemeClr val="accent1"/>
+          </a:fillRef>
+          <a:effectRef idx="0">
+            <a:schemeClr val="accent1"/>
+          </a:effectRef>
+          <a:fontRef idx="minor">
+            <a:schemeClr val="lt1"/>
+          </a:fontRef>
+        </p:style>
+        <p:txBody>
+          <a:bodyPr rtlCol="0" anchor="ctr"/>
+          <a:lstStyle/>
+          <a:p>
+            <a:pPr algn="ctr"/>
+            <a:r>
+              <a:rPr lang="zh-TW" altLang="en-US" dirty="0">
+                <a:latin typeface="DFKai-SB" panose="03000509000000000000" pitchFamily="65" charset="-120"/>
+                <a:ea typeface="DFKai-SB" panose="03000509000000000000" pitchFamily="65" charset="-120"/>
+              </a:rPr>
+              <a:t>者</a:t>
+            </a:r>
+          </a:p>
+        </p:txBody>
+      </p:sp>
+      <p:sp>
+        <p:nvSpPr>
+          <p:cNvPr id="167" name="Rectangle 166">
+            <a:extLst>
+              <a:ext uri="{FF2B5EF4-FFF2-40B4-BE49-F238E27FC236}">
+                <a16:creationId xmlns:a16="http://schemas.microsoft.com/office/drawing/2014/main" id="{08555C15-FC0F-0D89-768B-DB0AD8C78B6B}"/>
+              </a:ext>
+            </a:extLst>
+          </p:cNvPr>
+          <p:cNvSpPr/>
+          <p:nvPr/>
+        </p:nvSpPr>
+        <p:spPr>
+          <a:xfrm>
+            <a:off x="3200545" y="494109"/>
+            <a:ext cx="239699" cy="290818"/>
+          </a:xfrm>
+          <a:prstGeom prst="rect">
+            <a:avLst/>
+          </a:prstGeom>
+        </p:spPr>
+        <p:style>
+          <a:lnRef idx="2">
+            <a:schemeClr val="accent1">
+              <a:shade val="15000"/>
+            </a:schemeClr>
+          </a:lnRef>
+          <a:fillRef idx="1">
+            <a:schemeClr val="accent1"/>
+          </a:fillRef>
+          <a:effectRef idx="0">
+            <a:schemeClr val="accent1"/>
+          </a:effectRef>
+          <a:fontRef idx="minor">
+            <a:schemeClr val="lt1"/>
+          </a:fontRef>
+        </p:style>
+        <p:txBody>
+          <a:bodyPr rtlCol="0" anchor="ctr"/>
+          <a:lstStyle/>
+          <a:p>
+            <a:pPr algn="ctr"/>
+            <a:r>
+              <a:rPr lang="zh-TW" altLang="en-US" dirty="0">
+                <a:latin typeface="DFKai-SB" panose="03000509000000000000" pitchFamily="65" charset="-120"/>
+                <a:ea typeface="DFKai-SB" panose="03000509000000000000" pitchFamily="65" charset="-120"/>
+              </a:rPr>
+              <a:t>悉</a:t>
+            </a:r>
+          </a:p>
+        </p:txBody>
+      </p:sp>
+      <p:sp>
+        <p:nvSpPr>
+          <p:cNvPr id="168" name="Rectangle 167">
+            <a:extLst>
+              <a:ext uri="{FF2B5EF4-FFF2-40B4-BE49-F238E27FC236}">
+                <a16:creationId xmlns:a16="http://schemas.microsoft.com/office/drawing/2014/main" id="{6E749209-78BD-C852-7086-40AC81AACFC8}"/>
+              </a:ext>
+            </a:extLst>
+          </p:cNvPr>
+          <p:cNvSpPr/>
+          <p:nvPr/>
+        </p:nvSpPr>
+        <p:spPr>
+          <a:xfrm>
+            <a:off x="18175" y="502822"/>
+            <a:ext cx="243935" cy="290818"/>
+          </a:xfrm>
+          <a:prstGeom prst="rect">
+            <a:avLst/>
+          </a:prstGeom>
+        </p:spPr>
+        <p:style>
+          <a:lnRef idx="2">
+            <a:schemeClr val="accent1">
+              <a:shade val="15000"/>
+            </a:schemeClr>
+          </a:lnRef>
+          <a:fillRef idx="1">
+            <a:schemeClr val="accent1"/>
+          </a:fillRef>
+          <a:effectRef idx="0">
+            <a:schemeClr val="accent1"/>
+          </a:effectRef>
+          <a:fontRef idx="minor">
+            <a:schemeClr val="lt1"/>
+          </a:fontRef>
+        </p:style>
+        <p:txBody>
+          <a:bodyPr rtlCol="0" anchor="ctr"/>
+          <a:lstStyle/>
+          <a:p>
+            <a:pPr algn="ctr"/>
+            <a:r>
+              <a:rPr lang="zh-TW" altLang="en-US" dirty="0">
+                <a:latin typeface="DFKai-SB" panose="03000509000000000000" pitchFamily="65" charset="-120"/>
+                <a:ea typeface="DFKai-SB" panose="03000509000000000000" pitchFamily="65" charset="-120"/>
+              </a:rPr>
+              <a:t>驅</a:t>
+            </a:r>
+            <a:endParaRPr lang="en-US" dirty="0">
+              <a:latin typeface="DFKai-SB" panose="03000509000000000000" pitchFamily="65" charset="-120"/>
+              <a:ea typeface="DFKai-SB" panose="03000509000000000000" pitchFamily="65" charset="-120"/>
+            </a:endParaRPr>
+          </a:p>
+        </p:txBody>
+      </p:sp>
+      <p:sp>
+        <p:nvSpPr>
+          <p:cNvPr id="169" name="Rectangle 168">
+            <a:extLst>
+              <a:ext uri="{FF2B5EF4-FFF2-40B4-BE49-F238E27FC236}">
+                <a16:creationId xmlns:a16="http://schemas.microsoft.com/office/drawing/2014/main" id="{CEF4B446-07A3-845C-E985-99E1D3CB446B}"/>
+              </a:ext>
+            </a:extLst>
+          </p:cNvPr>
+          <p:cNvSpPr/>
+          <p:nvPr/>
+        </p:nvSpPr>
+        <p:spPr>
+          <a:xfrm>
+            <a:off x="284072" y="502822"/>
+            <a:ext cx="243935" cy="290818"/>
+          </a:xfrm>
+          <a:prstGeom prst="rect">
+            <a:avLst/>
+          </a:prstGeom>
+        </p:spPr>
+        <p:style>
+          <a:lnRef idx="2">
+            <a:schemeClr val="accent1">
+              <a:shade val="15000"/>
+            </a:schemeClr>
+          </a:lnRef>
+          <a:fillRef idx="1">
+            <a:schemeClr val="accent1"/>
+          </a:fillRef>
+          <a:effectRef idx="0">
+            <a:schemeClr val="accent1"/>
+          </a:effectRef>
+          <a:fontRef idx="minor">
+            <a:schemeClr val="lt1"/>
+          </a:fontRef>
+        </p:style>
+        <p:txBody>
+          <a:bodyPr rtlCol="0" anchor="ctr"/>
+          <a:lstStyle/>
+          <a:p>
+            <a:pPr algn="ctr"/>
+            <a:r>
+              <a:rPr lang="zh-TW" altLang="en-US" dirty="0">
+                <a:latin typeface="DFKai-SB" panose="03000509000000000000" pitchFamily="65" charset="-120"/>
+                <a:ea typeface="DFKai-SB" panose="03000509000000000000" pitchFamily="65" charset="-120"/>
+              </a:rPr>
+              <a:t>而</a:t>
+            </a:r>
+            <a:endParaRPr lang="en-US" altLang="zh-TW" dirty="0">
+              <a:latin typeface="DFKai-SB" panose="03000509000000000000" pitchFamily="65" charset="-120"/>
+              <a:ea typeface="DFKai-SB" panose="03000509000000000000" pitchFamily="65" charset="-120"/>
+            </a:endParaRPr>
+          </a:p>
+        </p:txBody>
+      </p:sp>
+      <p:sp>
+        <p:nvSpPr>
+          <p:cNvPr id="170" name="Rectangle 169">
+            <a:extLst>
+              <a:ext uri="{FF2B5EF4-FFF2-40B4-BE49-F238E27FC236}">
+                <a16:creationId xmlns:a16="http://schemas.microsoft.com/office/drawing/2014/main" id="{927D5A01-0E3C-ADC8-BD10-F362E3E487CA}"/>
+              </a:ext>
+            </a:extLst>
+          </p:cNvPr>
+          <p:cNvSpPr/>
+          <p:nvPr/>
+        </p:nvSpPr>
+        <p:spPr>
+          <a:xfrm>
+            <a:off x="552392" y="500627"/>
+            <a:ext cx="243935" cy="290818"/>
+          </a:xfrm>
+          <a:prstGeom prst="rect">
+            <a:avLst/>
+          </a:prstGeom>
+        </p:spPr>
+        <p:style>
+          <a:lnRef idx="2">
+            <a:schemeClr val="accent1">
+              <a:shade val="15000"/>
+            </a:schemeClr>
+          </a:lnRef>
+          <a:fillRef idx="1">
+            <a:schemeClr val="accent1"/>
+          </a:fillRef>
+          <a:effectRef idx="0">
+            <a:schemeClr val="accent1"/>
+          </a:effectRef>
+          <a:fontRef idx="minor">
+            <a:schemeClr val="lt1"/>
+          </a:fontRef>
+        </p:style>
+        <p:txBody>
+          <a:bodyPr rtlCol="0" anchor="ctr"/>
+          <a:lstStyle/>
+          <a:p>
+            <a:pPr algn="ctr"/>
+            <a:r>
+              <a:rPr lang="zh-TW" altLang="en-US" dirty="0">
+                <a:latin typeface="DFKai-SB" panose="03000509000000000000" pitchFamily="65" charset="-120"/>
+                <a:ea typeface="DFKai-SB" panose="03000509000000000000" pitchFamily="65" charset="-120"/>
+              </a:rPr>
+              <a:t>之</a:t>
+            </a:r>
+          </a:p>
+        </p:txBody>
+      </p:sp>
+      <p:sp>
+        <p:nvSpPr>
+          <p:cNvPr id="171" name="Rectangle 170">
+            <a:extLst>
+              <a:ext uri="{FF2B5EF4-FFF2-40B4-BE49-F238E27FC236}">
+                <a16:creationId xmlns:a16="http://schemas.microsoft.com/office/drawing/2014/main" id="{3497F2CF-F30E-66BC-0EF8-C1ECC0F5FFAD}"/>
+              </a:ext>
+            </a:extLst>
+          </p:cNvPr>
+          <p:cNvSpPr/>
+          <p:nvPr/>
+        </p:nvSpPr>
+        <p:spPr>
+          <a:xfrm>
+            <a:off x="824948" y="500628"/>
+            <a:ext cx="239699" cy="290818"/>
+          </a:xfrm>
+          <a:prstGeom prst="rect">
+            <a:avLst/>
+          </a:prstGeom>
+        </p:spPr>
+        <p:style>
+          <a:lnRef idx="2">
+            <a:schemeClr val="accent1">
+              <a:shade val="15000"/>
+            </a:schemeClr>
+          </a:lnRef>
+          <a:fillRef idx="1">
+            <a:schemeClr val="accent1"/>
+          </a:fillRef>
+          <a:effectRef idx="0">
+            <a:schemeClr val="accent1"/>
+          </a:effectRef>
+          <a:fontRef idx="minor">
+            <a:schemeClr val="lt1"/>
+          </a:fontRef>
+        </p:style>
+        <p:txBody>
+          <a:bodyPr rtlCol="0" anchor="ctr"/>
+          <a:lstStyle/>
+          <a:p>
+            <a:pPr algn="ctr"/>
+            <a:r>
+              <a:rPr lang="zh-TW" altLang="en-US" dirty="0">
+                <a:latin typeface="DFKai-SB" panose="03000509000000000000" pitchFamily="65" charset="-120"/>
+                <a:ea typeface="DFKai-SB" panose="03000509000000000000" pitchFamily="65" charset="-120"/>
+              </a:rPr>
+              <a:t>薛</a:t>
+            </a:r>
+          </a:p>
+        </p:txBody>
+      </p:sp>
+      <p:sp>
+        <p:nvSpPr>
+          <p:cNvPr id="172" name="Rectangle 171">
+            <a:extLst>
+              <a:ext uri="{FF2B5EF4-FFF2-40B4-BE49-F238E27FC236}">
+                <a16:creationId xmlns:a16="http://schemas.microsoft.com/office/drawing/2014/main" id="{9B2EE29B-CF0E-2BAD-30C4-AA4F40E1DBB6}"/>
+              </a:ext>
+            </a:extLst>
+          </p:cNvPr>
+          <p:cNvSpPr/>
+          <p:nvPr/>
+        </p:nvSpPr>
+        <p:spPr>
+          <a:xfrm>
+            <a:off x="1093268" y="500628"/>
+            <a:ext cx="239699" cy="290818"/>
+          </a:xfrm>
+          <a:prstGeom prst="rect">
+            <a:avLst/>
+          </a:prstGeom>
+        </p:spPr>
+        <p:style>
+          <a:lnRef idx="2">
+            <a:schemeClr val="accent1">
+              <a:shade val="15000"/>
+            </a:schemeClr>
+          </a:lnRef>
+          <a:fillRef idx="1">
+            <a:schemeClr val="accent1"/>
+          </a:fillRef>
+          <a:effectRef idx="0">
+            <a:schemeClr val="accent1"/>
+          </a:effectRef>
+          <a:fontRef idx="minor">
+            <a:schemeClr val="lt1"/>
+          </a:fontRef>
+        </p:style>
+        <p:txBody>
+          <a:bodyPr rtlCol="0" anchor="ctr"/>
+          <a:lstStyle/>
+          <a:p>
+            <a:pPr algn="ctr"/>
+            <a:r>
+              <a:rPr lang="zh-TW" altLang="en-US" dirty="0">
+                <a:latin typeface="DFKai-SB" panose="03000509000000000000" pitchFamily="65" charset="-120"/>
+                <a:ea typeface="DFKai-SB" panose="03000509000000000000" pitchFamily="65" charset="-120"/>
+              </a:rPr>
+              <a:t>使</a:t>
+            </a:r>
+          </a:p>
+        </p:txBody>
+      </p:sp>
+      <p:sp>
+        <p:nvSpPr>
+          <p:cNvPr id="173" name="Rectangle 172">
+            <a:extLst>
+              <a:ext uri="{FF2B5EF4-FFF2-40B4-BE49-F238E27FC236}">
+                <a16:creationId xmlns:a16="http://schemas.microsoft.com/office/drawing/2014/main" id="{51B4646C-651B-9C9F-9617-557D9AFCFBB4}"/>
+              </a:ext>
+            </a:extLst>
+          </p:cNvPr>
+          <p:cNvSpPr/>
+          <p:nvPr/>
+        </p:nvSpPr>
+        <p:spPr>
+          <a:xfrm>
+            <a:off x="1356033" y="500627"/>
+            <a:ext cx="239699" cy="290818"/>
+          </a:xfrm>
+          <a:prstGeom prst="rect">
+            <a:avLst/>
+          </a:prstGeom>
+        </p:spPr>
+        <p:style>
+          <a:lnRef idx="2">
+            <a:schemeClr val="accent1">
+              <a:shade val="15000"/>
+            </a:schemeClr>
+          </a:lnRef>
+          <a:fillRef idx="1">
+            <a:schemeClr val="accent1"/>
+          </a:fillRef>
+          <a:effectRef idx="0">
+            <a:schemeClr val="accent1"/>
+          </a:effectRef>
+          <a:fontRef idx="minor">
+            <a:schemeClr val="lt1"/>
+          </a:fontRef>
+        </p:style>
+        <p:txBody>
+          <a:bodyPr rtlCol="0" anchor="ctr"/>
+          <a:lstStyle/>
+          <a:p>
+            <a:pPr algn="ctr"/>
+            <a:r>
+              <a:rPr lang="zh-TW" altLang="en-US" dirty="0">
+                <a:latin typeface="DFKai-SB" panose="03000509000000000000" pitchFamily="65" charset="-120"/>
+                <a:ea typeface="DFKai-SB" panose="03000509000000000000" pitchFamily="65" charset="-120"/>
+              </a:rPr>
+              <a:t>吏</a:t>
+            </a:r>
+          </a:p>
+        </p:txBody>
+      </p:sp>
+      <p:sp>
+        <p:nvSpPr>
+          <p:cNvPr id="174" name="Rectangle 173">
+            <a:extLst>
+              <a:ext uri="{FF2B5EF4-FFF2-40B4-BE49-F238E27FC236}">
+                <a16:creationId xmlns:a16="http://schemas.microsoft.com/office/drawing/2014/main" id="{1A8395D2-13FD-49EE-7CA1-763C28EE2722}"/>
+              </a:ext>
+            </a:extLst>
+          </p:cNvPr>
+          <p:cNvSpPr/>
+          <p:nvPr/>
+        </p:nvSpPr>
+        <p:spPr>
+          <a:xfrm>
+            <a:off x="1618798" y="500627"/>
+            <a:ext cx="239699" cy="290818"/>
+          </a:xfrm>
+          <a:prstGeom prst="rect">
+            <a:avLst/>
+          </a:prstGeom>
+        </p:spPr>
+        <p:style>
+          <a:lnRef idx="2">
+            <a:schemeClr val="accent1">
+              <a:shade val="15000"/>
+            </a:schemeClr>
+          </a:lnRef>
+          <a:fillRef idx="1">
+            <a:schemeClr val="accent1"/>
+          </a:fillRef>
+          <a:effectRef idx="0">
+            <a:schemeClr val="accent1"/>
+          </a:effectRef>
+          <a:fontRef idx="minor">
+            <a:schemeClr val="lt1"/>
+          </a:fontRef>
+        </p:style>
+        <p:txBody>
+          <a:bodyPr rtlCol="0" anchor="ctr"/>
+          <a:lstStyle/>
+          <a:p>
+            <a:pPr algn="ctr"/>
+            <a:r>
+              <a:rPr lang="zh-TW" altLang="en-US" dirty="0">
+                <a:latin typeface="DFKai-SB" panose="03000509000000000000" pitchFamily="65" charset="-120"/>
+                <a:ea typeface="DFKai-SB" panose="03000509000000000000" pitchFamily="65" charset="-120"/>
+              </a:rPr>
+              <a:t>召</a:t>
+            </a:r>
+          </a:p>
+        </p:txBody>
+      </p:sp>
+      <p:sp>
+        <p:nvSpPr>
+          <p:cNvPr id="200" name="Rectangle 199">
+            <a:extLst>
+              <a:ext uri="{FF2B5EF4-FFF2-40B4-BE49-F238E27FC236}">
+                <a16:creationId xmlns:a16="http://schemas.microsoft.com/office/drawing/2014/main" id="{D549883E-2A1F-4505-9B38-D5AFE7340921}"/>
+              </a:ext>
+            </a:extLst>
+          </p:cNvPr>
+          <p:cNvSpPr/>
+          <p:nvPr/>
+        </p:nvSpPr>
+        <p:spPr>
+          <a:xfrm>
+            <a:off x="22811" y="96632"/>
+            <a:ext cx="773052" cy="214112"/>
+          </a:xfrm>
+          <a:prstGeom prst="rect">
+            <a:avLst/>
+          </a:prstGeom>
+          <a:noFill/>
+          <a:ln w="9525" cap="flat" cmpd="sng" algn="ctr">
+            <a:solidFill>
+              <a:srgbClr val="00B050"/>
+            </a:solidFill>
+            <a:prstDash val="solid"/>
+            <a:round/>
+            <a:headEnd type="none" w="med" len="med"/>
+            <a:tailEnd type="none" w="med" len="med"/>
+          </a:ln>
+        </p:spPr>
+        <p:style>
+          <a:lnRef idx="0">
+            <a:scrgbClr r="0" g="0" b="0"/>
+          </a:lnRef>
+          <a:fillRef idx="0">
+            <a:scrgbClr r="0" g="0" b="0"/>
+          </a:fillRef>
+          <a:effectRef idx="0">
+            <a:scrgbClr r="0" g="0" b="0"/>
+          </a:effectRef>
+          <a:fontRef idx="minor">
+            <a:schemeClr val="accent1"/>
+          </a:fontRef>
+        </p:style>
+        <p:txBody>
+          <a:bodyPr rtlCol="0" anchor="ctr"/>
+          <a:lstStyle/>
+          <a:p>
+            <a:pPr algn="ctr"/>
+            <a:r>
+              <a:rPr lang="zh-TW" altLang="en-US" sz="1100" dirty="0">
+                <a:solidFill>
+                  <a:srgbClr val="00B050"/>
+                </a:solidFill>
+              </a:rPr>
+              <a:t>驅趕馬車</a:t>
+            </a:r>
+            <a:endParaRPr lang="en-US" altLang="zh-TW" sz="1600" dirty="0">
+              <a:solidFill>
+                <a:srgbClr val="00B050"/>
+              </a:solidFill>
+            </a:endParaRPr>
+          </a:p>
+        </p:txBody>
+      </p:sp>
+      <p:sp>
+        <p:nvSpPr>
+          <p:cNvPr id="201" name="Rectangle 200">
+            <a:extLst>
+              <a:ext uri="{FF2B5EF4-FFF2-40B4-BE49-F238E27FC236}">
+                <a16:creationId xmlns:a16="http://schemas.microsoft.com/office/drawing/2014/main" id="{B00BCB91-FACA-2EC2-EF77-70698FFD9B44}"/>
+              </a:ext>
+            </a:extLst>
+          </p:cNvPr>
+          <p:cNvSpPr/>
+          <p:nvPr/>
+        </p:nvSpPr>
+        <p:spPr>
+          <a:xfrm>
+            <a:off x="1325821" y="99679"/>
+            <a:ext cx="183435" cy="214112"/>
+          </a:xfrm>
+          <a:prstGeom prst="rect">
+            <a:avLst/>
+          </a:prstGeom>
+          <a:noFill/>
+          <a:ln w="9525" cap="flat" cmpd="sng" algn="ctr">
+            <a:solidFill>
+              <a:srgbClr val="00B050"/>
+            </a:solidFill>
+            <a:prstDash val="solid"/>
+            <a:round/>
+            <a:headEnd type="none" w="med" len="med"/>
+            <a:tailEnd type="none" w="med" len="med"/>
+          </a:ln>
+        </p:spPr>
+        <p:style>
+          <a:lnRef idx="0">
+            <a:scrgbClr r="0" g="0" b="0"/>
+          </a:lnRef>
+          <a:fillRef idx="0">
+            <a:scrgbClr r="0" g="0" b="0"/>
+          </a:fillRef>
+          <a:effectRef idx="0">
+            <a:scrgbClr r="0" g="0" b="0"/>
+          </a:effectRef>
+          <a:fontRef idx="minor">
+            <a:schemeClr val="accent1"/>
+          </a:fontRef>
+        </p:style>
+        <p:txBody>
+          <a:bodyPr rtlCol="0" anchor="ctr"/>
+          <a:lstStyle/>
+          <a:p>
+            <a:pPr algn="ctr"/>
+            <a:r>
+              <a:rPr lang="zh-TW" altLang="en-US" sz="1200" dirty="0">
+                <a:solidFill>
+                  <a:srgbClr val="00B050"/>
+                </a:solidFill>
+              </a:rPr>
+              <a:t>到</a:t>
+            </a:r>
+            <a:endParaRPr lang="en-US" altLang="zh-TW" dirty="0">
+              <a:solidFill>
+                <a:srgbClr val="00B050"/>
+              </a:solidFill>
+            </a:endParaRPr>
+          </a:p>
+        </p:txBody>
+      </p:sp>
+      <p:sp>
+        <p:nvSpPr>
+          <p:cNvPr id="202" name="Rectangle 201">
+            <a:extLst>
+              <a:ext uri="{FF2B5EF4-FFF2-40B4-BE49-F238E27FC236}">
+                <a16:creationId xmlns:a16="http://schemas.microsoft.com/office/drawing/2014/main" id="{8232E447-AAF9-9B74-1D96-E1B293FA2002}"/>
+              </a:ext>
+            </a:extLst>
+          </p:cNvPr>
+          <p:cNvSpPr/>
+          <p:nvPr/>
+        </p:nvSpPr>
+        <p:spPr>
+          <a:xfrm>
+            <a:off x="1531127" y="96962"/>
+            <a:ext cx="369506" cy="214112"/>
+          </a:xfrm>
+          <a:prstGeom prst="rect">
+            <a:avLst/>
+          </a:prstGeom>
+          <a:noFill/>
+          <a:ln w="9525" cap="flat" cmpd="sng" algn="ctr">
+            <a:solidFill>
+              <a:srgbClr val="00B050"/>
+            </a:solidFill>
+            <a:prstDash val="solid"/>
+            <a:round/>
+            <a:headEnd type="none" w="med" len="med"/>
+            <a:tailEnd type="none" w="med" len="med"/>
+          </a:ln>
+        </p:spPr>
+        <p:style>
+          <a:lnRef idx="0">
+            <a:scrgbClr r="0" g="0" b="0"/>
+          </a:lnRef>
+          <a:fillRef idx="0">
+            <a:scrgbClr r="0" g="0" b="0"/>
+          </a:fillRef>
+          <a:effectRef idx="0">
+            <a:scrgbClr r="0" g="0" b="0"/>
+          </a:effectRef>
+          <a:fontRef idx="minor">
+            <a:schemeClr val="accent1"/>
+          </a:fontRef>
+        </p:style>
+        <p:txBody>
+          <a:bodyPr rtlCol="0" anchor="ctr"/>
+          <a:lstStyle/>
+          <a:p>
+            <a:pPr algn="ctr"/>
+            <a:r>
+              <a:rPr lang="zh-TW" altLang="en-US" sz="1400" dirty="0">
+                <a:solidFill>
+                  <a:srgbClr val="00B050"/>
+                </a:solidFill>
+              </a:rPr>
+              <a:t>薛</a:t>
+            </a:r>
+            <a:r>
+              <a:rPr lang="en-US" altLang="zh-TW" sz="1400" dirty="0">
+                <a:solidFill>
+                  <a:srgbClr val="00B050"/>
+                </a:solidFill>
+              </a:rPr>
+              <a:t>,</a:t>
+            </a:r>
+            <a:endParaRPr lang="zh-TW" altLang="en-US" sz="1400" dirty="0">
+              <a:solidFill>
+                <a:srgbClr val="00B050"/>
+              </a:solidFill>
+            </a:endParaRPr>
+          </a:p>
+        </p:txBody>
+      </p:sp>
+      <p:sp>
+        <p:nvSpPr>
+          <p:cNvPr id="203" name="Rectangle 202">
+            <a:extLst>
+              <a:ext uri="{FF2B5EF4-FFF2-40B4-BE49-F238E27FC236}">
+                <a16:creationId xmlns:a16="http://schemas.microsoft.com/office/drawing/2014/main" id="{1B7D11FD-7F2E-E1AF-02E7-51C017F8C783}"/>
+              </a:ext>
+            </a:extLst>
+          </p:cNvPr>
+          <p:cNvSpPr/>
+          <p:nvPr/>
+        </p:nvSpPr>
+        <p:spPr>
+          <a:xfrm>
+            <a:off x="1923465" y="96631"/>
+            <a:ext cx="217293" cy="214112"/>
+          </a:xfrm>
+          <a:prstGeom prst="rect">
+            <a:avLst/>
+          </a:prstGeom>
+          <a:solidFill>
+            <a:schemeClr val="bg1"/>
+          </a:solidFill>
+          <a:ln w="9525" cap="flat" cmpd="sng" algn="ctr">
+            <a:solidFill>
+              <a:srgbClr val="00B050"/>
+            </a:solidFill>
+            <a:prstDash val="solid"/>
+            <a:round/>
+            <a:headEnd type="none" w="med" len="med"/>
+            <a:tailEnd type="none" w="med" len="med"/>
+          </a:ln>
+        </p:spPr>
+        <p:style>
+          <a:lnRef idx="0">
+            <a:scrgbClr r="0" g="0" b="0"/>
+          </a:lnRef>
+          <a:fillRef idx="0">
+            <a:scrgbClr r="0" g="0" b="0"/>
+          </a:fillRef>
+          <a:effectRef idx="0">
+            <a:scrgbClr r="0" g="0" b="0"/>
+          </a:effectRef>
+          <a:fontRef idx="minor">
+            <a:schemeClr val="accent1"/>
+          </a:fontRef>
+        </p:style>
+        <p:txBody>
+          <a:bodyPr rtlCol="0" anchor="ctr"/>
+          <a:lstStyle/>
+          <a:p>
+            <a:pPr algn="ctr"/>
+            <a:r>
+              <a:rPr lang="zh-TW" altLang="en-US" sz="1200" dirty="0">
+                <a:solidFill>
+                  <a:srgbClr val="00B050"/>
+                </a:solidFill>
+              </a:rPr>
+              <a:t>派</a:t>
+            </a:r>
+            <a:endParaRPr lang="en-US" altLang="zh-TW" dirty="0">
+              <a:solidFill>
+                <a:srgbClr val="00B050"/>
+              </a:solidFill>
+            </a:endParaRPr>
+          </a:p>
+        </p:txBody>
+      </p:sp>
+      <p:sp>
+        <p:nvSpPr>
+          <p:cNvPr id="204" name="Rectangle 203">
+            <a:extLst>
+              <a:ext uri="{FF2B5EF4-FFF2-40B4-BE49-F238E27FC236}">
+                <a16:creationId xmlns:a16="http://schemas.microsoft.com/office/drawing/2014/main" id="{20631DD3-37A3-6467-2D4B-55ABB2454FE4}"/>
+              </a:ext>
+            </a:extLst>
+          </p:cNvPr>
+          <p:cNvSpPr/>
+          <p:nvPr/>
+        </p:nvSpPr>
+        <p:spPr>
+          <a:xfrm>
+            <a:off x="825096" y="96631"/>
+            <a:ext cx="483475" cy="214112"/>
+          </a:xfrm>
+          <a:prstGeom prst="rect">
+            <a:avLst/>
+          </a:prstGeom>
+          <a:noFill/>
+          <a:ln w="9525" cap="flat" cmpd="sng" algn="ctr">
+            <a:solidFill>
+              <a:srgbClr val="00B050"/>
+            </a:solidFill>
+            <a:prstDash val="solid"/>
+            <a:round/>
+            <a:headEnd type="none" w="med" len="med"/>
+            <a:tailEnd type="none" w="med" len="med"/>
+          </a:ln>
+        </p:spPr>
+        <p:style>
+          <a:lnRef idx="0">
+            <a:scrgbClr r="0" g="0" b="0"/>
+          </a:lnRef>
+          <a:fillRef idx="0">
+            <a:scrgbClr r="0" g="0" b="0"/>
+          </a:fillRef>
+          <a:effectRef idx="0">
+            <a:scrgbClr r="0" g="0" b="0"/>
+          </a:effectRef>
+          <a:fontRef idx="minor">
+            <a:schemeClr val="accent1"/>
+          </a:fontRef>
+        </p:style>
+        <p:txBody>
+          <a:bodyPr rtlCol="0" anchor="ctr"/>
+          <a:lstStyle/>
+          <a:p>
+            <a:pPr algn="ctr"/>
+            <a:r>
+              <a:rPr lang="zh-TW" altLang="en-US" sz="1100" dirty="0">
+                <a:solidFill>
+                  <a:srgbClr val="00B050"/>
+                </a:solidFill>
+              </a:rPr>
+              <a:t>而後</a:t>
+            </a:r>
+            <a:endParaRPr lang="en-US" altLang="zh-TW" sz="1100" dirty="0">
+              <a:solidFill>
+                <a:srgbClr val="00B050"/>
+              </a:solidFill>
+            </a:endParaRPr>
+          </a:p>
+        </p:txBody>
+      </p:sp>
+      <p:cxnSp>
+        <p:nvCxnSpPr>
+          <p:cNvPr id="219" name="Straight Arrow Connector 218">
+            <a:extLst>
+              <a:ext uri="{FF2B5EF4-FFF2-40B4-BE49-F238E27FC236}">
+                <a16:creationId xmlns:a16="http://schemas.microsoft.com/office/drawing/2014/main" id="{65C9C497-9683-38AC-51F8-0DA378F94E51}"/>
+              </a:ext>
+            </a:extLst>
+          </p:cNvPr>
+          <p:cNvCxnSpPr>
+            <a:cxnSpLocks/>
+            <a:stCxn id="171" idx="0"/>
+            <a:endCxn id="202" idx="2"/>
+          </p:cNvCxnSpPr>
+          <p:nvPr/>
+        </p:nvCxnSpPr>
+        <p:spPr>
+          <a:xfrm flipV="1">
+            <a:off x="944798" y="311074"/>
+            <a:ext cx="771082" cy="189554"/>
+          </a:xfrm>
+          <a:prstGeom prst="straightConnector1">
+            <a:avLst/>
+          </a:prstGeom>
+          <a:ln w="9525" cap="flat" cmpd="sng" algn="ctr">
+            <a:solidFill>
+              <a:schemeClr val="accent1"/>
+            </a:solidFill>
+            <a:prstDash val="dash"/>
+            <a:round/>
+            <a:headEnd type="none" w="med" len="med"/>
+            <a:tailEnd type="none" w="med" len="med"/>
+          </a:ln>
+        </p:spPr>
+        <p:style>
+          <a:lnRef idx="0">
+            <a:scrgbClr r="0" g="0" b="0"/>
+          </a:lnRef>
+          <a:fillRef idx="0">
+            <a:scrgbClr r="0" g="0" b="0"/>
+          </a:fillRef>
+          <a:effectRef idx="0">
+            <a:scrgbClr r="0" g="0" b="0"/>
+          </a:effectRef>
+          <a:fontRef idx="minor">
+            <a:schemeClr val="tx1"/>
+          </a:fontRef>
+        </p:style>
+      </p:cxnSp>
+      <p:cxnSp>
+        <p:nvCxnSpPr>
+          <p:cNvPr id="221" name="Straight Connector 220">
+            <a:extLst>
+              <a:ext uri="{FF2B5EF4-FFF2-40B4-BE49-F238E27FC236}">
+                <a16:creationId xmlns:a16="http://schemas.microsoft.com/office/drawing/2014/main" id="{056ECDA5-8561-034B-DDDB-74C0135F630F}"/>
+              </a:ext>
+            </a:extLst>
+          </p:cNvPr>
+          <p:cNvCxnSpPr>
+            <a:stCxn id="170" idx="0"/>
+            <a:endCxn id="201" idx="2"/>
+          </p:cNvCxnSpPr>
+          <p:nvPr/>
+        </p:nvCxnSpPr>
+        <p:spPr>
+          <a:xfrm flipV="1">
+            <a:off x="674360" y="313791"/>
+            <a:ext cx="743179" cy="186836"/>
+          </a:xfrm>
+          <a:prstGeom prst="line">
+            <a:avLst/>
+          </a:prstGeom>
+          <a:ln w="9525" cap="flat" cmpd="sng" algn="ctr">
+            <a:solidFill>
+              <a:schemeClr val="accent1"/>
+            </a:solidFill>
+            <a:prstDash val="dash"/>
+            <a:round/>
+            <a:headEnd type="none" w="med" len="med"/>
+            <a:tailEnd type="none" w="med" len="med"/>
+          </a:ln>
+        </p:spPr>
+        <p:style>
+          <a:lnRef idx="0">
+            <a:scrgbClr r="0" g="0" b="0"/>
+          </a:lnRef>
+          <a:fillRef idx="0">
+            <a:scrgbClr r="0" g="0" b="0"/>
+          </a:fillRef>
+          <a:effectRef idx="0">
+            <a:scrgbClr r="0" g="0" b="0"/>
+          </a:effectRef>
+          <a:fontRef idx="minor">
+            <a:schemeClr val="tx1"/>
+          </a:fontRef>
+        </p:style>
+      </p:cxnSp>
+      <p:cxnSp>
+        <p:nvCxnSpPr>
+          <p:cNvPr id="224" name="Straight Arrow Connector 223">
+            <a:extLst>
+              <a:ext uri="{FF2B5EF4-FFF2-40B4-BE49-F238E27FC236}">
+                <a16:creationId xmlns:a16="http://schemas.microsoft.com/office/drawing/2014/main" id="{F14AD386-E632-A88B-B243-7D85A53D6425}"/>
+              </a:ext>
+            </a:extLst>
+          </p:cNvPr>
+          <p:cNvCxnSpPr>
+            <a:stCxn id="172" idx="0"/>
+            <a:endCxn id="203" idx="2"/>
+          </p:cNvCxnSpPr>
+          <p:nvPr/>
+        </p:nvCxnSpPr>
+        <p:spPr>
+          <a:xfrm flipV="1">
+            <a:off x="1213118" y="310743"/>
+            <a:ext cx="818994" cy="189885"/>
+          </a:xfrm>
+          <a:prstGeom prst="straightConnector1">
+            <a:avLst/>
+          </a:prstGeom>
+          <a:ln w="9525" cap="flat" cmpd="sng" algn="ctr">
+            <a:solidFill>
+              <a:schemeClr val="accent1"/>
+            </a:solidFill>
+            <a:prstDash val="dash"/>
+            <a:round/>
+            <a:headEnd type="none" w="med" len="med"/>
+            <a:tailEnd type="none" w="med" len="med"/>
+          </a:ln>
+        </p:spPr>
+        <p:style>
+          <a:lnRef idx="0">
+            <a:scrgbClr r="0" g="0" b="0"/>
+          </a:lnRef>
+          <a:fillRef idx="0">
+            <a:scrgbClr r="0" g="0" b="0"/>
+          </a:fillRef>
+          <a:effectRef idx="0">
+            <a:scrgbClr r="0" g="0" b="0"/>
+          </a:effectRef>
+          <a:fontRef idx="minor">
+            <a:schemeClr val="tx1"/>
+          </a:fontRef>
+        </p:style>
+      </p:cxnSp>
+      <p:cxnSp>
+        <p:nvCxnSpPr>
+          <p:cNvPr id="226" name="Straight Arrow Connector 225">
+            <a:extLst>
+              <a:ext uri="{FF2B5EF4-FFF2-40B4-BE49-F238E27FC236}">
+                <a16:creationId xmlns:a16="http://schemas.microsoft.com/office/drawing/2014/main" id="{DCEB7FC1-691B-F475-8342-80056C95B68D}"/>
+              </a:ext>
+            </a:extLst>
+          </p:cNvPr>
+          <p:cNvCxnSpPr>
+            <a:stCxn id="173" idx="0"/>
+          </p:cNvCxnSpPr>
+          <p:nvPr/>
+        </p:nvCxnSpPr>
+        <p:spPr>
+          <a:xfrm flipV="1">
+            <a:off x="1475883" y="316508"/>
+            <a:ext cx="908425" cy="184119"/>
+          </a:xfrm>
+          <a:prstGeom prst="straightConnector1">
+            <a:avLst/>
+          </a:prstGeom>
+          <a:ln w="9525" cap="flat" cmpd="sng" algn="ctr">
+            <a:solidFill>
+              <a:schemeClr val="accent1"/>
+            </a:solidFill>
+            <a:prstDash val="dash"/>
+            <a:round/>
+            <a:headEnd type="none" w="med" len="med"/>
+            <a:tailEnd type="none" w="med" len="med"/>
+          </a:ln>
+        </p:spPr>
+        <p:style>
+          <a:lnRef idx="0">
+            <a:scrgbClr r="0" g="0" b="0"/>
+          </a:lnRef>
+          <a:fillRef idx="0">
+            <a:scrgbClr r="0" g="0" b="0"/>
+          </a:fillRef>
+          <a:effectRef idx="0">
+            <a:scrgbClr r="0" g="0" b="0"/>
+          </a:effectRef>
+          <a:fontRef idx="minor">
+            <a:schemeClr val="tx1"/>
+          </a:fontRef>
+        </p:style>
+      </p:cxnSp>
+      <p:cxnSp>
+        <p:nvCxnSpPr>
+          <p:cNvPr id="228" name="Straight Arrow Connector 227">
+            <a:extLst>
+              <a:ext uri="{FF2B5EF4-FFF2-40B4-BE49-F238E27FC236}">
+                <a16:creationId xmlns:a16="http://schemas.microsoft.com/office/drawing/2014/main" id="{98FA3862-F318-6BF3-6EE9-F3D301589DE8}"/>
+              </a:ext>
+            </a:extLst>
+          </p:cNvPr>
+          <p:cNvCxnSpPr>
+            <a:stCxn id="174" idx="2"/>
+            <a:endCxn id="45" idx="0"/>
+          </p:cNvCxnSpPr>
+          <p:nvPr/>
+        </p:nvCxnSpPr>
+        <p:spPr>
+          <a:xfrm flipH="1">
+            <a:off x="264735" y="791445"/>
+            <a:ext cx="1473913" cy="278150"/>
+          </a:xfrm>
+          <a:prstGeom prst="straightConnector1">
+            <a:avLst/>
+          </a:prstGeom>
+          <a:ln w="9525" cap="flat" cmpd="sng" algn="ctr">
+            <a:solidFill>
+              <a:schemeClr val="accent1"/>
+            </a:solidFill>
+            <a:prstDash val="dash"/>
+            <a:round/>
+            <a:headEnd type="none" w="med" len="med"/>
+            <a:tailEnd type="none" w="med" len="med"/>
+          </a:ln>
+        </p:spPr>
+        <p:style>
+          <a:lnRef idx="0">
+            <a:scrgbClr r="0" g="0" b="0"/>
+          </a:lnRef>
+          <a:fillRef idx="0">
+            <a:scrgbClr r="0" g="0" b="0"/>
+          </a:fillRef>
+          <a:effectRef idx="0">
+            <a:scrgbClr r="0" g="0" b="0"/>
+          </a:effectRef>
+          <a:fontRef idx="minor">
+            <a:schemeClr val="tx1"/>
+          </a:fontRef>
+        </p:style>
+      </p:cxnSp>
+      <p:cxnSp>
+        <p:nvCxnSpPr>
+          <p:cNvPr id="230" name="Straight Arrow Connector 229">
+            <a:extLst>
+              <a:ext uri="{FF2B5EF4-FFF2-40B4-BE49-F238E27FC236}">
+                <a16:creationId xmlns:a16="http://schemas.microsoft.com/office/drawing/2014/main" id="{DB85B040-EAE2-9579-BE0E-190F6E043A63}"/>
+              </a:ext>
+            </a:extLst>
+          </p:cNvPr>
+          <p:cNvCxnSpPr>
+            <a:cxnSpLocks/>
+          </p:cNvCxnSpPr>
+          <p:nvPr/>
+        </p:nvCxnSpPr>
+        <p:spPr>
+          <a:xfrm flipH="1">
+            <a:off x="1978580" y="791019"/>
+            <a:ext cx="286721" cy="285213"/>
+          </a:xfrm>
+          <a:prstGeom prst="straightConnector1">
+            <a:avLst/>
+          </a:prstGeom>
+          <a:ln w="9525" cap="flat" cmpd="sng" algn="ctr">
+            <a:solidFill>
+              <a:schemeClr val="accent1"/>
+            </a:solidFill>
+            <a:prstDash val="dash"/>
+            <a:round/>
+            <a:headEnd type="none" w="med" len="med"/>
+            <a:tailEnd type="none" w="med" len="med"/>
+          </a:ln>
+        </p:spPr>
+        <p:style>
+          <a:lnRef idx="0">
+            <a:scrgbClr r="0" g="0" b="0"/>
+          </a:lnRef>
+          <a:fillRef idx="0">
+            <a:scrgbClr r="0" g="0" b="0"/>
+          </a:fillRef>
+          <a:effectRef idx="0">
+            <a:scrgbClr r="0" g="0" b="0"/>
+          </a:effectRef>
+          <a:fontRef idx="minor">
+            <a:schemeClr val="tx1"/>
+          </a:fontRef>
+        </p:style>
+      </p:cxnSp>
+      <p:cxnSp>
+        <p:nvCxnSpPr>
+          <p:cNvPr id="232" name="Straight Arrow Connector 231">
+            <a:extLst>
+              <a:ext uri="{FF2B5EF4-FFF2-40B4-BE49-F238E27FC236}">
+                <a16:creationId xmlns:a16="http://schemas.microsoft.com/office/drawing/2014/main" id="{AF877ED0-BD1E-2D11-DED0-DA03F53EC524}"/>
+              </a:ext>
+            </a:extLst>
+          </p:cNvPr>
+          <p:cNvCxnSpPr>
+            <a:stCxn id="164" idx="2"/>
+            <a:endCxn id="46" idx="0"/>
+          </p:cNvCxnSpPr>
+          <p:nvPr/>
+        </p:nvCxnSpPr>
+        <p:spPr>
+          <a:xfrm flipH="1">
+            <a:off x="773871" y="791019"/>
+            <a:ext cx="1753756" cy="280811"/>
+          </a:xfrm>
+          <a:prstGeom prst="straightConnector1">
+            <a:avLst/>
+          </a:prstGeom>
+          <a:ln w="9525" cap="flat" cmpd="sng" algn="ctr">
+            <a:solidFill>
+              <a:schemeClr val="accent1"/>
+            </a:solidFill>
+            <a:prstDash val="dash"/>
+            <a:round/>
+            <a:headEnd type="none" w="med" len="med"/>
+            <a:tailEnd type="none" w="med" len="med"/>
+          </a:ln>
+        </p:spPr>
+        <p:style>
+          <a:lnRef idx="0">
+            <a:scrgbClr r="0" g="0" b="0"/>
+          </a:lnRef>
+          <a:fillRef idx="0">
+            <a:scrgbClr r="0" g="0" b="0"/>
+          </a:fillRef>
+          <a:effectRef idx="0">
+            <a:scrgbClr r="0" g="0" b="0"/>
+          </a:effectRef>
+          <a:fontRef idx="minor">
+            <a:schemeClr val="tx1"/>
+          </a:fontRef>
+        </p:style>
+      </p:cxnSp>
+      <p:cxnSp>
+        <p:nvCxnSpPr>
+          <p:cNvPr id="234" name="Straight Connector 233">
+            <a:extLst>
+              <a:ext uri="{FF2B5EF4-FFF2-40B4-BE49-F238E27FC236}">
+                <a16:creationId xmlns:a16="http://schemas.microsoft.com/office/drawing/2014/main" id="{0511A1B8-EEFC-0629-0C14-963179CEA31B}"/>
+              </a:ext>
+            </a:extLst>
+          </p:cNvPr>
+          <p:cNvCxnSpPr>
+            <a:stCxn id="165" idx="2"/>
+            <a:endCxn id="47" idx="0"/>
+          </p:cNvCxnSpPr>
+          <p:nvPr/>
+        </p:nvCxnSpPr>
+        <p:spPr>
+          <a:xfrm flipH="1">
+            <a:off x="1310274" y="791019"/>
+            <a:ext cx="1479715" cy="281430"/>
+          </a:xfrm>
+          <a:prstGeom prst="line">
+            <a:avLst/>
+          </a:prstGeom>
+          <a:ln w="9525" cap="flat" cmpd="sng" algn="ctr">
+            <a:solidFill>
+              <a:schemeClr val="accent1"/>
+            </a:solidFill>
+            <a:prstDash val="dash"/>
+            <a:round/>
+            <a:headEnd type="none" w="med" len="med"/>
+            <a:tailEnd type="none" w="med" len="med"/>
+          </a:ln>
+        </p:spPr>
+        <p:style>
+          <a:lnRef idx="0">
+            <a:scrgbClr r="0" g="0" b="0"/>
+          </a:lnRef>
+          <a:fillRef idx="0">
+            <a:scrgbClr r="0" g="0" b="0"/>
+          </a:fillRef>
+          <a:effectRef idx="0">
+            <a:scrgbClr r="0" g="0" b="0"/>
+          </a:effectRef>
+          <a:fontRef idx="minor">
+            <a:schemeClr val="tx1"/>
+          </a:fontRef>
+        </p:style>
+      </p:cxnSp>
+      <p:cxnSp>
+        <p:nvCxnSpPr>
+          <p:cNvPr id="236" name="Straight Connector 235">
+            <a:extLst>
+              <a:ext uri="{FF2B5EF4-FFF2-40B4-BE49-F238E27FC236}">
+                <a16:creationId xmlns:a16="http://schemas.microsoft.com/office/drawing/2014/main" id="{1401CADE-428B-2F8E-D562-BED7FDFB4AF5}"/>
+              </a:ext>
+            </a:extLst>
+          </p:cNvPr>
+          <p:cNvCxnSpPr>
+            <a:stCxn id="166" idx="2"/>
+            <a:endCxn id="48" idx="0"/>
+          </p:cNvCxnSpPr>
+          <p:nvPr/>
+        </p:nvCxnSpPr>
+        <p:spPr>
+          <a:xfrm flipH="1">
+            <a:off x="1978544" y="787973"/>
+            <a:ext cx="1073807" cy="288259"/>
+          </a:xfrm>
+          <a:prstGeom prst="line">
+            <a:avLst/>
+          </a:prstGeom>
+          <a:ln w="9525" cap="flat" cmpd="sng" algn="ctr">
+            <a:solidFill>
+              <a:schemeClr val="accent1"/>
+            </a:solidFill>
+            <a:prstDash val="dash"/>
+            <a:round/>
+            <a:headEnd type="none" w="med" len="med"/>
+            <a:tailEnd type="none" w="med" len="med"/>
+          </a:ln>
+        </p:spPr>
+        <p:style>
+          <a:lnRef idx="0">
+            <a:scrgbClr r="0" g="0" b="0"/>
+          </a:lnRef>
+          <a:fillRef idx="0">
+            <a:scrgbClr r="0" g="0" b="0"/>
+          </a:fillRef>
+          <a:effectRef idx="0">
+            <a:scrgbClr r="0" g="0" b="0"/>
+          </a:effectRef>
+          <a:fontRef idx="minor">
+            <a:schemeClr val="tx1"/>
+          </a:fontRef>
+        </p:style>
+      </p:cxnSp>
+      <p:cxnSp>
+        <p:nvCxnSpPr>
+          <p:cNvPr id="238" name="Straight Connector 237">
+            <a:extLst>
+              <a:ext uri="{FF2B5EF4-FFF2-40B4-BE49-F238E27FC236}">
+                <a16:creationId xmlns:a16="http://schemas.microsoft.com/office/drawing/2014/main" id="{A26A60EB-AE38-6178-2915-4A1A6396F664}"/>
+              </a:ext>
+            </a:extLst>
+          </p:cNvPr>
+          <p:cNvCxnSpPr>
+            <a:cxnSpLocks/>
+            <a:stCxn id="167" idx="2"/>
+            <a:endCxn id="49" idx="0"/>
+          </p:cNvCxnSpPr>
+          <p:nvPr/>
+        </p:nvCxnSpPr>
+        <p:spPr>
+          <a:xfrm flipH="1">
+            <a:off x="2470864" y="784927"/>
+            <a:ext cx="849531" cy="292905"/>
+          </a:xfrm>
+          <a:prstGeom prst="line">
+            <a:avLst/>
+          </a:prstGeom>
+          <a:ln w="9525" cap="flat" cmpd="sng" algn="ctr">
+            <a:solidFill>
+              <a:schemeClr val="accent1"/>
+            </a:solidFill>
+            <a:prstDash val="dash"/>
+            <a:round/>
+            <a:headEnd type="none" w="med" len="med"/>
+            <a:tailEnd type="none" w="med" len="med"/>
+          </a:ln>
+        </p:spPr>
+        <p:style>
+          <a:lnRef idx="0">
+            <a:scrgbClr r="0" g="0" b="0"/>
+          </a:lnRef>
+          <a:fillRef idx="0">
+            <a:scrgbClr r="0" g="0" b="0"/>
+          </a:fillRef>
+          <a:effectRef idx="0">
+            <a:scrgbClr r="0" g="0" b="0"/>
+          </a:effectRef>
+          <a:fontRef idx="minor">
+            <a:schemeClr val="tx1"/>
+          </a:fontRef>
+        </p:style>
+      </p:cxnSp>
+      <p:sp>
+        <p:nvSpPr>
+          <p:cNvPr id="240" name="Rectangle 239">
+            <a:extLst>
+              <a:ext uri="{FF2B5EF4-FFF2-40B4-BE49-F238E27FC236}">
+                <a16:creationId xmlns:a16="http://schemas.microsoft.com/office/drawing/2014/main" id="{B8EF4096-4B37-A498-4E70-0691D2A28042}"/>
+              </a:ext>
+            </a:extLst>
+          </p:cNvPr>
+          <p:cNvSpPr/>
+          <p:nvPr/>
+        </p:nvSpPr>
+        <p:spPr>
+          <a:xfrm>
+            <a:off x="2602738" y="1076232"/>
+            <a:ext cx="193367" cy="214112"/>
+          </a:xfrm>
+          <a:prstGeom prst="rect">
+            <a:avLst/>
+          </a:prstGeom>
+          <a:noFill/>
+          <a:ln w="9525" cap="flat" cmpd="sng" algn="ctr">
+            <a:solidFill>
+              <a:srgbClr val="00B050"/>
+            </a:solidFill>
+            <a:prstDash val="solid"/>
+            <a:round/>
+            <a:headEnd type="none" w="med" len="med"/>
+            <a:tailEnd type="none" w="med" len="med"/>
+          </a:ln>
+        </p:spPr>
+        <p:style>
+          <a:lnRef idx="0">
+            <a:scrgbClr r="0" g="0" b="0"/>
+          </a:lnRef>
+          <a:fillRef idx="0">
+            <a:scrgbClr r="0" g="0" b="0"/>
+          </a:fillRef>
+          <a:effectRef idx="0">
+            <a:scrgbClr r="0" g="0" b="0"/>
+          </a:effectRef>
+          <a:fontRef idx="minor">
+            <a:schemeClr val="accent1"/>
+          </a:fontRef>
+        </p:style>
+        <p:txBody>
+          <a:bodyPr rtlCol="0" anchor="ctr"/>
+          <a:lstStyle/>
+          <a:p>
+            <a:pPr algn="ctr"/>
+            <a:r>
+              <a:rPr lang="zh-TW" altLang="en-US" sz="1200" dirty="0">
+                <a:solidFill>
+                  <a:srgbClr val="00B050"/>
+                </a:solidFill>
+                <a:latin typeface="+mj-ea"/>
+                <a:ea typeface="+mj-ea"/>
+              </a:rPr>
+              <a:t>來</a:t>
+            </a:r>
+            <a:endParaRPr lang="en-US" altLang="zh-TW" sz="1200" dirty="0">
+              <a:solidFill>
+                <a:srgbClr val="00B050"/>
+              </a:solidFill>
+            </a:endParaRPr>
+          </a:p>
+        </p:txBody>
+      </p:sp>
+      <p:cxnSp>
+        <p:nvCxnSpPr>
+          <p:cNvPr id="242" name="Straight Connector 241">
+            <a:extLst>
+              <a:ext uri="{FF2B5EF4-FFF2-40B4-BE49-F238E27FC236}">
+                <a16:creationId xmlns:a16="http://schemas.microsoft.com/office/drawing/2014/main" id="{4A3072C8-49F5-0699-4B3B-E8D7828B1061}"/>
+              </a:ext>
+            </a:extLst>
+          </p:cNvPr>
+          <p:cNvCxnSpPr>
+            <a:stCxn id="52" idx="2"/>
+            <a:endCxn id="240" idx="0"/>
+          </p:cNvCxnSpPr>
+          <p:nvPr/>
+        </p:nvCxnSpPr>
+        <p:spPr>
+          <a:xfrm flipH="1">
+            <a:off x="2699422" y="785083"/>
+            <a:ext cx="884014" cy="291149"/>
+          </a:xfrm>
+          <a:prstGeom prst="line">
+            <a:avLst/>
+          </a:prstGeom>
+          <a:ln w="9525" cap="flat" cmpd="sng" algn="ctr">
+            <a:solidFill>
+              <a:schemeClr val="accent1"/>
+            </a:solidFill>
+            <a:prstDash val="dash"/>
+            <a:round/>
+            <a:headEnd type="none" w="med" len="med"/>
+            <a:tailEnd type="none" w="med" len="med"/>
+          </a:ln>
+        </p:spPr>
+        <p:style>
+          <a:lnRef idx="0">
+            <a:scrgbClr r="0" g="0" b="0"/>
+          </a:lnRef>
+          <a:fillRef idx="0">
+            <a:scrgbClr r="0" g="0" b="0"/>
+          </a:fillRef>
+          <a:effectRef idx="0">
+            <a:scrgbClr r="0" g="0" b="0"/>
+          </a:effectRef>
+          <a:fontRef idx="minor">
+            <a:schemeClr val="tx1"/>
+          </a:fontRef>
+        </p:style>
+      </p:cxnSp>
+      <p:cxnSp>
+        <p:nvCxnSpPr>
+          <p:cNvPr id="244" name="Straight Connector 243">
+            <a:extLst>
+              <a:ext uri="{FF2B5EF4-FFF2-40B4-BE49-F238E27FC236}">
+                <a16:creationId xmlns:a16="http://schemas.microsoft.com/office/drawing/2014/main" id="{FD252844-68FF-77B3-62DC-F2FD9E9F4815}"/>
+              </a:ext>
+            </a:extLst>
+          </p:cNvPr>
+          <p:cNvCxnSpPr>
+            <a:stCxn id="15" idx="2"/>
+            <a:endCxn id="50" idx="0"/>
+          </p:cNvCxnSpPr>
+          <p:nvPr/>
+        </p:nvCxnSpPr>
+        <p:spPr>
+          <a:xfrm flipH="1">
+            <a:off x="3080586" y="785083"/>
+            <a:ext cx="765339" cy="284512"/>
+          </a:xfrm>
+          <a:prstGeom prst="line">
+            <a:avLst/>
+          </a:prstGeom>
+          <a:ln w="9525" cap="flat" cmpd="sng" algn="ctr">
+            <a:solidFill>
+              <a:schemeClr val="accent1"/>
+            </a:solidFill>
+            <a:prstDash val="dash"/>
+            <a:round/>
+            <a:headEnd type="none" w="med" len="med"/>
+            <a:tailEnd type="none" w="med" len="med"/>
+          </a:ln>
+        </p:spPr>
+        <p:style>
+          <a:lnRef idx="0">
+            <a:scrgbClr r="0" g="0" b="0"/>
+          </a:lnRef>
+          <a:fillRef idx="0">
+            <a:scrgbClr r="0" g="0" b="0"/>
+          </a:fillRef>
+          <a:effectRef idx="0">
+            <a:scrgbClr r="0" g="0" b="0"/>
+          </a:effectRef>
+          <a:fontRef idx="minor">
+            <a:schemeClr val="tx1"/>
+          </a:fontRef>
+        </p:style>
+      </p:cxnSp>
+      <p:cxnSp>
+        <p:nvCxnSpPr>
+          <p:cNvPr id="246" name="Connector: Curved 245">
+            <a:extLst>
+              <a:ext uri="{FF2B5EF4-FFF2-40B4-BE49-F238E27FC236}">
+                <a16:creationId xmlns:a16="http://schemas.microsoft.com/office/drawing/2014/main" id="{54BB430E-31EF-443E-551F-5E0BE368FF7B}"/>
+              </a:ext>
+            </a:extLst>
+          </p:cNvPr>
+          <p:cNvCxnSpPr>
+            <a:stCxn id="16" idx="1"/>
+            <a:endCxn id="79" idx="0"/>
+          </p:cNvCxnSpPr>
+          <p:nvPr/>
+        </p:nvCxnSpPr>
+        <p:spPr>
+          <a:xfrm rot="10800000" flipV="1">
+            <a:off x="3608153" y="965723"/>
+            <a:ext cx="255267" cy="103872"/>
+          </a:xfrm>
+          <a:prstGeom prst="curvedConnector2">
+            <a:avLst/>
+          </a:prstGeom>
+          <a:ln w="9525" cap="flat" cmpd="sng" algn="ctr">
+            <a:solidFill>
+              <a:schemeClr val="accent1"/>
+            </a:solidFill>
+            <a:prstDash val="dash"/>
+            <a:round/>
+            <a:headEnd type="none" w="med" len="med"/>
+            <a:tailEnd type="none" w="med" len="med"/>
+          </a:ln>
+        </p:spPr>
+        <p:style>
+          <a:lnRef idx="0">
+            <a:scrgbClr r="0" g="0" b="0"/>
+          </a:lnRef>
+          <a:fillRef idx="0">
+            <a:scrgbClr r="0" g="0" b="0"/>
+          </a:fillRef>
+          <a:effectRef idx="0">
+            <a:scrgbClr r="0" g="0" b="0"/>
+          </a:effectRef>
+          <a:fontRef idx="minor">
+            <a:schemeClr val="tx1"/>
+          </a:fontRef>
+        </p:style>
+      </p:cxnSp>
+      <p:sp>
+        <p:nvSpPr>
+          <p:cNvPr id="247" name="Left Brace 246">
+            <a:extLst>
+              <a:ext uri="{FF2B5EF4-FFF2-40B4-BE49-F238E27FC236}">
+                <a16:creationId xmlns:a16="http://schemas.microsoft.com/office/drawing/2014/main" id="{4C2714F4-77A9-B8ED-546E-E047F0D455AA}"/>
+              </a:ext>
+            </a:extLst>
+          </p:cNvPr>
+          <p:cNvSpPr/>
+          <p:nvPr/>
+        </p:nvSpPr>
+        <p:spPr>
+          <a:xfrm rot="5400000">
+            <a:off x="2354937" y="-346956"/>
+            <a:ext cx="81222" cy="1586505"/>
+          </a:xfrm>
+          <a:prstGeom prst="leftBrace">
+            <a:avLst>
+              <a:gd name="adj1" fmla="val 99530"/>
+              <a:gd name="adj2" fmla="val 50966"/>
+            </a:avLst>
+          </a:prstGeom>
+          <a:ln>
+            <a:solidFill>
+              <a:srgbClr val="FF0000"/>
+            </a:solidFill>
+          </a:ln>
+        </p:spPr>
+        <p:style>
+          <a:lnRef idx="1">
+            <a:schemeClr val="accent1"/>
+          </a:lnRef>
+          <a:fillRef idx="0">
+            <a:schemeClr val="accent1"/>
+          </a:fillRef>
+          <a:effectRef idx="0">
+            <a:schemeClr val="accent1"/>
+          </a:effectRef>
+          <a:fontRef idx="minor">
+            <a:schemeClr val="tx1"/>
+          </a:fontRef>
+        </p:style>
+        <p:txBody>
+          <a:bodyPr rtlCol="0" anchor="ctr"/>
+          <a:lstStyle/>
+          <a:p>
+            <a:pPr algn="ctr"/>
+            <a:endParaRPr lang="en-US" dirty="0"/>
+          </a:p>
+        </p:txBody>
+      </p:sp>
+    </p:spTree>
+    <p:extLst>
+      <p:ext uri="{BB962C8B-B14F-4D97-AF65-F5344CB8AC3E}">
+        <p14:creationId xmlns:p14="http://schemas.microsoft.com/office/powerpoint/2010/main" val="1450764055"/>
+      </p:ext>
+    </p:extLst>
+  </p:cSld>
+  <p:clrMapOvr>
+    <a:masterClrMapping/>
+  </p:clrMapOvr>
+</p:sld>
+</file>
+
 <file path=ppt/theme/theme1.xml><?xml version="1.0" encoding="utf-8"?>
 <a:theme xmlns:a="http://schemas.openxmlformats.org/drawingml/2006/main" name="Office Theme">
   <a:themeElements>

--- a/白話翻譯/wenyanwen.pptx
+++ b/白話翻譯/wenyanwen.pptx
@@ -5,10 +5,12 @@
     <p:sldMasterId id="2147483708" r:id="rId1"/>
   </p:sldMasterIdLst>
   <p:sldIdLst>
-    <p:sldId id="257" r:id="rId2"/>
-    <p:sldId id="258" r:id="rId3"/>
-    <p:sldId id="259" r:id="rId4"/>
-    <p:sldId id="260" r:id="rId5"/>
+    <p:sldId id="261" r:id="rId2"/>
+    <p:sldId id="262" r:id="rId3"/>
+    <p:sldId id="257" r:id="rId4"/>
+    <p:sldId id="258" r:id="rId5"/>
+    <p:sldId id="259" r:id="rId6"/>
+    <p:sldId id="260" r:id="rId7"/>
   </p:sldIdLst>
   <p:sldSz cx="4114800" cy="1371600"/>
   <p:notesSz cx="6858000" cy="9144000"/>
@@ -246,7 +248,7 @@
           <a:p>
             <a:fld id="{D4D2201A-D7C2-4510-9A9C-1075567E9D8B}" type="datetimeFigureOut">
               <a:rPr lang="en-US" smtClean="0"/>
-              <a:t>1/27/2025</a:t>
+              <a:t>1/28/2025</a:t>
             </a:fld>
             <a:endParaRPr lang="en-US"/>
           </a:p>
@@ -416,7 +418,7 @@
           <a:p>
             <a:fld id="{D4D2201A-D7C2-4510-9A9C-1075567E9D8B}" type="datetimeFigureOut">
               <a:rPr lang="en-US" smtClean="0"/>
-              <a:t>1/27/2025</a:t>
+              <a:t>1/28/2025</a:t>
             </a:fld>
             <a:endParaRPr lang="en-US"/>
           </a:p>
@@ -596,7 +598,7 @@
           <a:p>
             <a:fld id="{D4D2201A-D7C2-4510-9A9C-1075567E9D8B}" type="datetimeFigureOut">
               <a:rPr lang="en-US" smtClean="0"/>
-              <a:t>1/27/2025</a:t>
+              <a:t>1/28/2025</a:t>
             </a:fld>
             <a:endParaRPr lang="en-US"/>
           </a:p>
@@ -766,7 +768,7 @@
           <a:p>
             <a:fld id="{D4D2201A-D7C2-4510-9A9C-1075567E9D8B}" type="datetimeFigureOut">
               <a:rPr lang="en-US" smtClean="0"/>
-              <a:t>1/27/2025</a:t>
+              <a:t>1/28/2025</a:t>
             </a:fld>
             <a:endParaRPr lang="en-US"/>
           </a:p>
@@ -1012,7 +1014,7 @@
           <a:p>
             <a:fld id="{D4D2201A-D7C2-4510-9A9C-1075567E9D8B}" type="datetimeFigureOut">
               <a:rPr lang="en-US" smtClean="0"/>
-              <a:t>1/27/2025</a:t>
+              <a:t>1/28/2025</a:t>
             </a:fld>
             <a:endParaRPr lang="en-US"/>
           </a:p>
@@ -1244,7 +1246,7 @@
           <a:p>
             <a:fld id="{D4D2201A-D7C2-4510-9A9C-1075567E9D8B}" type="datetimeFigureOut">
               <a:rPr lang="en-US" smtClean="0"/>
-              <a:t>1/27/2025</a:t>
+              <a:t>1/28/2025</a:t>
             </a:fld>
             <a:endParaRPr lang="en-US"/>
           </a:p>
@@ -1611,7 +1613,7 @@
           <a:p>
             <a:fld id="{D4D2201A-D7C2-4510-9A9C-1075567E9D8B}" type="datetimeFigureOut">
               <a:rPr lang="en-US" smtClean="0"/>
-              <a:t>1/27/2025</a:t>
+              <a:t>1/28/2025</a:t>
             </a:fld>
             <a:endParaRPr lang="en-US"/>
           </a:p>
@@ -1729,7 +1731,7 @@
           <a:p>
             <a:fld id="{D4D2201A-D7C2-4510-9A9C-1075567E9D8B}" type="datetimeFigureOut">
               <a:rPr lang="en-US" smtClean="0"/>
-              <a:t>1/27/2025</a:t>
+              <a:t>1/28/2025</a:t>
             </a:fld>
             <a:endParaRPr lang="en-US"/>
           </a:p>
@@ -1824,7 +1826,7 @@
           <a:p>
             <a:fld id="{D4D2201A-D7C2-4510-9A9C-1075567E9D8B}" type="datetimeFigureOut">
               <a:rPr lang="en-US" smtClean="0"/>
-              <a:t>1/27/2025</a:t>
+              <a:t>1/28/2025</a:t>
             </a:fld>
             <a:endParaRPr lang="en-US"/>
           </a:p>
@@ -2101,7 +2103,7 @@
           <a:p>
             <a:fld id="{D4D2201A-D7C2-4510-9A9C-1075567E9D8B}" type="datetimeFigureOut">
               <a:rPr lang="en-US" smtClean="0"/>
-              <a:t>1/27/2025</a:t>
+              <a:t>1/28/2025</a:t>
             </a:fld>
             <a:endParaRPr lang="en-US"/>
           </a:p>
@@ -2358,7 +2360,7 @@
           <a:p>
             <a:fld id="{D4D2201A-D7C2-4510-9A9C-1075567E9D8B}" type="datetimeFigureOut">
               <a:rPr lang="en-US" smtClean="0"/>
-              <a:t>1/27/2025</a:t>
+              <a:t>1/28/2025</a:t>
             </a:fld>
             <a:endParaRPr lang="en-US"/>
           </a:p>
@@ -2571,7 +2573,7 @@
           <a:p>
             <a:fld id="{D4D2201A-D7C2-4510-9A9C-1075567E9D8B}" type="datetimeFigureOut">
               <a:rPr lang="en-US" smtClean="0"/>
-              <a:t>1/27/2025</a:t>
+              <a:t>1/28/2025</a:t>
             </a:fld>
             <a:endParaRPr lang="en-US"/>
           </a:p>
@@ -2976,48 +2978,6 @@
           <a:chExt cx="0" cy="0"/>
         </a:xfrm>
       </p:grpSpPr>
-      <p:cxnSp>
-        <p:nvCxnSpPr>
-          <p:cNvPr id="36" name="Straight Arrow Connector 35">
-            <a:extLst>
-              <a:ext uri="{FF2B5EF4-FFF2-40B4-BE49-F238E27FC236}">
-                <a16:creationId xmlns:a16="http://schemas.microsoft.com/office/drawing/2014/main" id="{3D93C4DF-A7CE-371A-6F62-6200EC7E695B}"/>
-              </a:ext>
-            </a:extLst>
-          </p:cNvPr>
-          <p:cNvCxnSpPr>
-            <a:cxnSpLocks/>
-          </p:cNvCxnSpPr>
-          <p:nvPr/>
-        </p:nvCxnSpPr>
-        <p:spPr>
-          <a:xfrm flipH="1">
-            <a:off x="1746996" y="472885"/>
-            <a:ext cx="303651" cy="597553"/>
-          </a:xfrm>
-          <a:prstGeom prst="straightConnector1">
-            <a:avLst/>
-          </a:prstGeom>
-          <a:ln>
-            <a:headEnd type="none" w="med" len="med"/>
-            <a:tailEnd type="arrow" w="med" len="med"/>
-          </a:ln>
-        </p:spPr>
-        <p:style>
-          <a:lnRef idx="1">
-            <a:schemeClr val="accent1"/>
-          </a:lnRef>
-          <a:fillRef idx="0">
-            <a:schemeClr val="accent1"/>
-          </a:fillRef>
-          <a:effectRef idx="0">
-            <a:schemeClr val="accent1"/>
-          </a:effectRef>
-          <a:fontRef idx="minor">
-            <a:schemeClr val="tx1"/>
-          </a:fontRef>
-        </p:style>
-      </p:cxnSp>
       <p:sp>
         <p:nvSpPr>
           <p:cNvPr id="2" name="Rectangle 1">
@@ -3065,7 +3025,7 @@
                 <a:latin typeface="DFKai-SB" panose="03000509000000000000" pitchFamily="65" charset="-120"/>
                 <a:ea typeface="DFKai-SB" panose="03000509000000000000" pitchFamily="65" charset="-120"/>
               </a:rPr>
-              <a:t>文</a:t>
+              <a:t>如</a:t>
             </a:r>
             <a:endParaRPr lang="en-US" dirty="0">
               <a:latin typeface="DFKai-SB" panose="03000509000000000000" pitchFamily="65" charset="-120"/>
@@ -3121,7 +3081,7 @@
                 <a:latin typeface="DFKai-SB" panose="03000509000000000000" pitchFamily="65" charset="-120"/>
                 <a:ea typeface="DFKai-SB" panose="03000509000000000000" pitchFamily="65" charset="-120"/>
               </a:rPr>
-              <a:t>倦</a:t>
+              <a:t>之</a:t>
             </a:r>
             <a:endParaRPr lang="en-US" dirty="0">
               <a:latin typeface="DFKai-SB" panose="03000509000000000000" pitchFamily="65" charset="-120"/>
@@ -3177,7 +3137,7 @@
                 <a:latin typeface="DFKai-SB" panose="03000509000000000000" pitchFamily="65" charset="-120"/>
                 <a:ea typeface="DFKai-SB" panose="03000509000000000000" pitchFamily="65" charset="-120"/>
               </a:rPr>
-              <a:t>於</a:t>
+              <a:t>何</a:t>
             </a:r>
           </a:p>
         </p:txBody>
@@ -3229,7 +3189,7 @@
                 <a:latin typeface="DFKai-SB" panose="03000509000000000000" pitchFamily="65" charset="-120"/>
                 <a:ea typeface="DFKai-SB" panose="03000509000000000000" pitchFamily="65" charset="-120"/>
               </a:rPr>
-              <a:t>事</a:t>
+              <a:t>則</a:t>
             </a:r>
           </a:p>
         </p:txBody>
@@ -3290,7 +3250,7 @@
                   <a:srgbClr val="00B050"/>
                 </a:solidFill>
               </a:rPr>
-              <a:t>我</a:t>
+              <a:t>像</a:t>
             </a:r>
             <a:endParaRPr lang="en-US" altLang="zh-TW" sz="1200" dirty="0">
               <a:solidFill>
@@ -3359,7 +3319,7 @@
         <p:spPr>
           <a:xfrm>
             <a:off x="261263" y="784337"/>
-            <a:ext cx="492268" cy="239893"/>
+            <a:ext cx="208708" cy="239893"/>
           </a:xfrm>
           <a:prstGeom prst="rect">
             <a:avLst/>
@@ -3402,7 +3362,7 @@
                 <a:latin typeface="+mn-ea"/>
                 <a:cs typeface="CMU Serif" panose="02000603000000000000" pitchFamily="2" charset="0"/>
               </a:rPr>
-              <a:t>疲倦</a:t>
+              <a:t>它</a:t>
             </a:r>
             <a:endParaRPr lang="en-US" altLang="zh-TW" sz="1400" dirty="0">
               <a:solidFill>
@@ -3431,9 +3391,9 @@
           <p:nvPr/>
         </p:nvCxnSpPr>
         <p:spPr>
-          <a:xfrm>
-            <a:off x="455586" y="475080"/>
-            <a:ext cx="51811" cy="309257"/>
+          <a:xfrm flipH="1">
+            <a:off x="365617" y="475080"/>
+            <a:ext cx="89969" cy="309257"/>
           </a:xfrm>
           <a:prstGeom prst="straightConnector1">
             <a:avLst/>
@@ -3477,7 +3437,7 @@
         <p:spPr>
           <a:xfrm>
             <a:off x="723906" y="472885"/>
-            <a:ext cx="148890" cy="313156"/>
+            <a:ext cx="1050859" cy="313155"/>
           </a:xfrm>
           <a:prstGeom prst="straightConnector1">
             <a:avLst/>
@@ -3521,7 +3481,7 @@
         <p:spPr>
           <a:xfrm>
             <a:off x="994344" y="472886"/>
-            <a:ext cx="242059" cy="311860"/>
+            <a:ext cx="1243530" cy="306734"/>
           </a:xfrm>
           <a:prstGeom prst="straightConnector1">
             <a:avLst/>
@@ -3593,7 +3553,7 @@
                 <a:latin typeface="DFKai-SB" panose="03000509000000000000" pitchFamily="65" charset="-120"/>
                 <a:ea typeface="DFKai-SB" panose="03000509000000000000" pitchFamily="65" charset="-120"/>
               </a:rPr>
-              <a:t>憒</a:t>
+              <a:t>可</a:t>
             </a:r>
           </a:p>
         </p:txBody>
@@ -3609,14 +3569,15 @@
           </p:cNvPr>
           <p:cNvCxnSpPr>
             <a:cxnSpLocks/>
+            <a:stCxn id="29" idx="2"/>
             <a:endCxn id="74" idx="0"/>
           </p:cNvCxnSpPr>
           <p:nvPr/>
         </p:nvCxnSpPr>
         <p:spPr>
           <a:xfrm>
-            <a:off x="1262634" y="472886"/>
-            <a:ext cx="484162" cy="311860"/>
+            <a:off x="1262664" y="472886"/>
+            <a:ext cx="1494058" cy="304432"/>
           </a:xfrm>
           <a:prstGeom prst="straightConnector1">
             <a:avLst/>
@@ -3643,10 +3604,10 @@
       </p:cxnSp>
       <p:sp>
         <p:nvSpPr>
-          <p:cNvPr id="31" name="Rectangle 30">
-            <a:extLst>
-              <a:ext uri="{FF2B5EF4-FFF2-40B4-BE49-F238E27FC236}">
-                <a16:creationId xmlns:a16="http://schemas.microsoft.com/office/drawing/2014/main" id="{4DE49A5C-A507-5AF0-C21C-836F2B02A318}"/>
+          <p:cNvPr id="65" name="Rectangle 64">
+            <a:extLst>
+              <a:ext uri="{FF2B5EF4-FFF2-40B4-BE49-F238E27FC236}">
+                <a16:creationId xmlns:a16="http://schemas.microsoft.com/office/drawing/2014/main" id="{A24080B0-2274-1A61-C923-488D2C84C1FF}"/>
               </a:ext>
             </a:extLst>
           </p:cNvPr>
@@ -3655,539 +3616,8 @@
         </p:nvSpPr>
         <p:spPr>
           <a:xfrm>
-            <a:off x="1405579" y="182067"/>
-            <a:ext cx="239699" cy="290818"/>
-          </a:xfrm>
-          <a:prstGeom prst="rect">
-            <a:avLst/>
-          </a:prstGeom>
-        </p:spPr>
-        <p:style>
-          <a:lnRef idx="2">
-            <a:schemeClr val="accent1">
-              <a:shade val="15000"/>
-            </a:schemeClr>
-          </a:lnRef>
-          <a:fillRef idx="1">
-            <a:schemeClr val="accent1"/>
-          </a:fillRef>
-          <a:effectRef idx="0">
-            <a:schemeClr val="accent1"/>
-          </a:effectRef>
-          <a:fontRef idx="minor">
-            <a:schemeClr val="lt1"/>
-          </a:fontRef>
-        </p:style>
-        <p:txBody>
-          <a:bodyPr rtlCol="0" anchor="ctr"/>
-          <a:lstStyle/>
-          <a:p>
-            <a:pPr algn="ctr"/>
-            <a:r>
-              <a:rPr lang="zh-TW" altLang="en-US" dirty="0">
-                <a:latin typeface="DFKai-SB" panose="03000509000000000000" pitchFamily="65" charset="-120"/>
-                <a:ea typeface="DFKai-SB" panose="03000509000000000000" pitchFamily="65" charset="-120"/>
-              </a:rPr>
-              <a:t>於</a:t>
-            </a:r>
-          </a:p>
-        </p:txBody>
-      </p:sp>
-      <p:cxnSp>
-        <p:nvCxnSpPr>
-          <p:cNvPr id="32" name="Straight Arrow Connector 31">
-            <a:extLst>
-              <a:ext uri="{FF2B5EF4-FFF2-40B4-BE49-F238E27FC236}">
-                <a16:creationId xmlns:a16="http://schemas.microsoft.com/office/drawing/2014/main" id="{0193D8DC-132C-9B19-ABD6-6BC3DEEA9A72}"/>
-              </a:ext>
-            </a:extLst>
-          </p:cNvPr>
-          <p:cNvCxnSpPr>
-            <a:cxnSpLocks/>
-            <a:endCxn id="103" idx="0"/>
-          </p:cNvCxnSpPr>
-          <p:nvPr/>
-        </p:nvCxnSpPr>
-        <p:spPr>
-          <a:xfrm>
-            <a:off x="1523250" y="472885"/>
-            <a:ext cx="581825" cy="311452"/>
-          </a:xfrm>
-          <a:prstGeom prst="straightConnector1">
-            <a:avLst/>
-          </a:prstGeom>
-          <a:ln>
-            <a:headEnd type="none" w="med" len="med"/>
-            <a:tailEnd type="arrow" w="med" len="med"/>
-          </a:ln>
-        </p:spPr>
-        <p:style>
-          <a:lnRef idx="1">
-            <a:schemeClr val="accent1"/>
-          </a:lnRef>
-          <a:fillRef idx="0">
-            <a:schemeClr val="accent1"/>
-          </a:fillRef>
-          <a:effectRef idx="0">
-            <a:schemeClr val="accent1"/>
-          </a:effectRef>
-          <a:fontRef idx="minor">
-            <a:schemeClr val="tx1"/>
-          </a:fontRef>
-        </p:style>
-      </p:cxnSp>
-      <p:sp>
-        <p:nvSpPr>
-          <p:cNvPr id="33" name="Rectangle 32">
-            <a:extLst>
-              <a:ext uri="{FF2B5EF4-FFF2-40B4-BE49-F238E27FC236}">
-                <a16:creationId xmlns:a16="http://schemas.microsoft.com/office/drawing/2014/main" id="{67AAACED-91A7-3322-D5C2-1C645CAB21E9}"/>
-              </a:ext>
-            </a:extLst>
-          </p:cNvPr>
-          <p:cNvSpPr/>
-          <p:nvPr/>
-        </p:nvSpPr>
-        <p:spPr>
-          <a:xfrm>
-            <a:off x="1668344" y="182067"/>
-            <a:ext cx="239699" cy="290818"/>
-          </a:xfrm>
-          <a:prstGeom prst="rect">
-            <a:avLst/>
-          </a:prstGeom>
-        </p:spPr>
-        <p:style>
-          <a:lnRef idx="2">
-            <a:schemeClr val="accent1">
-              <a:shade val="15000"/>
-            </a:schemeClr>
-          </a:lnRef>
-          <a:fillRef idx="1">
-            <a:schemeClr val="accent1"/>
-          </a:fillRef>
-          <a:effectRef idx="0">
-            <a:schemeClr val="accent1"/>
-          </a:effectRef>
-          <a:fontRef idx="minor">
-            <a:schemeClr val="lt1"/>
-          </a:fontRef>
-        </p:style>
-        <p:txBody>
-          <a:bodyPr rtlCol="0" anchor="ctr"/>
-          <a:lstStyle/>
-          <a:p>
-            <a:pPr algn="ctr"/>
-            <a:r>
-              <a:rPr lang="zh-TW" altLang="en-US" dirty="0">
-                <a:latin typeface="DFKai-SB" panose="03000509000000000000" pitchFamily="65" charset="-120"/>
-                <a:ea typeface="DFKai-SB" panose="03000509000000000000" pitchFamily="65" charset="-120"/>
-              </a:rPr>
-              <a:t>憂</a:t>
-            </a:r>
-          </a:p>
-        </p:txBody>
-      </p:sp>
-      <p:cxnSp>
-        <p:nvCxnSpPr>
-          <p:cNvPr id="34" name="Straight Arrow Connector 33">
-            <a:extLst>
-              <a:ext uri="{FF2B5EF4-FFF2-40B4-BE49-F238E27FC236}">
-                <a16:creationId xmlns:a16="http://schemas.microsoft.com/office/drawing/2014/main" id="{B1D1CA9E-C08A-DC5A-1B93-5B648C6F32D9}"/>
-              </a:ext>
-            </a:extLst>
-          </p:cNvPr>
-          <p:cNvCxnSpPr>
-            <a:cxnSpLocks/>
-            <a:stCxn id="33" idx="2"/>
-            <a:endCxn id="81" idx="0"/>
-          </p:cNvCxnSpPr>
-          <p:nvPr/>
-        </p:nvCxnSpPr>
-        <p:spPr>
-          <a:xfrm>
-            <a:off x="1788194" y="472885"/>
-            <a:ext cx="676586" cy="313155"/>
-          </a:xfrm>
-          <a:prstGeom prst="straightConnector1">
-            <a:avLst/>
-          </a:prstGeom>
-          <a:ln>
-            <a:headEnd type="none" w="med" len="med"/>
-            <a:tailEnd type="arrow" w="med" len="med"/>
-          </a:ln>
-        </p:spPr>
-        <p:style>
-          <a:lnRef idx="1">
-            <a:schemeClr val="accent1"/>
-          </a:lnRef>
-          <a:fillRef idx="0">
-            <a:schemeClr val="accent1"/>
-          </a:fillRef>
-          <a:effectRef idx="0">
-            <a:schemeClr val="accent1"/>
-          </a:effectRef>
-          <a:fontRef idx="minor">
-            <a:schemeClr val="tx1"/>
-          </a:fontRef>
-        </p:style>
-      </p:cxnSp>
-      <p:sp>
-        <p:nvSpPr>
-          <p:cNvPr id="35" name="Rectangle 34">
-            <a:extLst>
-              <a:ext uri="{FF2B5EF4-FFF2-40B4-BE49-F238E27FC236}">
-                <a16:creationId xmlns:a16="http://schemas.microsoft.com/office/drawing/2014/main" id="{26C00530-6219-80A6-F332-D894EE457C1B}"/>
-              </a:ext>
-            </a:extLst>
-          </p:cNvPr>
-          <p:cNvSpPr/>
-          <p:nvPr/>
-        </p:nvSpPr>
-        <p:spPr>
-          <a:xfrm>
-            <a:off x="1931109" y="182067"/>
-            <a:ext cx="239699" cy="290818"/>
-          </a:xfrm>
-          <a:prstGeom prst="rect">
-            <a:avLst/>
-          </a:prstGeom>
-        </p:spPr>
-        <p:style>
-          <a:lnRef idx="2">
-            <a:schemeClr val="accent1">
-              <a:shade val="15000"/>
-            </a:schemeClr>
-          </a:lnRef>
-          <a:fillRef idx="1">
-            <a:schemeClr val="accent1"/>
-          </a:fillRef>
-          <a:effectRef idx="0">
-            <a:schemeClr val="accent1"/>
-          </a:effectRef>
-          <a:fontRef idx="minor">
-            <a:schemeClr val="lt1"/>
-          </a:fontRef>
-        </p:style>
-        <p:txBody>
-          <a:bodyPr rtlCol="0" anchor="ctr"/>
-          <a:lstStyle/>
-          <a:p>
-            <a:pPr algn="ctr"/>
-            <a:r>
-              <a:rPr lang="zh-TW" altLang="en-US" dirty="0">
-                <a:latin typeface="DFKai-SB" panose="03000509000000000000" pitchFamily="65" charset="-120"/>
-                <a:ea typeface="DFKai-SB" panose="03000509000000000000" pitchFamily="65" charset="-120"/>
-              </a:rPr>
-              <a:t>而</a:t>
-            </a:r>
-          </a:p>
-        </p:txBody>
-      </p:sp>
-      <p:sp>
-        <p:nvSpPr>
-          <p:cNvPr id="37" name="Rectangle 36">
-            <a:extLst>
-              <a:ext uri="{FF2B5EF4-FFF2-40B4-BE49-F238E27FC236}">
-                <a16:creationId xmlns:a16="http://schemas.microsoft.com/office/drawing/2014/main" id="{46F6BA75-A5A6-65CC-B0EE-05BBA5D79F61}"/>
-              </a:ext>
-            </a:extLst>
-          </p:cNvPr>
-          <p:cNvSpPr/>
-          <p:nvPr/>
-        </p:nvSpPr>
-        <p:spPr>
-          <a:xfrm>
-            <a:off x="2194277" y="182067"/>
-            <a:ext cx="239699" cy="290818"/>
-          </a:xfrm>
-          <a:prstGeom prst="rect">
-            <a:avLst/>
-          </a:prstGeom>
-        </p:spPr>
-        <p:style>
-          <a:lnRef idx="2">
-            <a:schemeClr val="accent1">
-              <a:shade val="15000"/>
-            </a:schemeClr>
-          </a:lnRef>
-          <a:fillRef idx="1">
-            <a:schemeClr val="accent1"/>
-          </a:fillRef>
-          <a:effectRef idx="0">
-            <a:schemeClr val="accent1"/>
-          </a:effectRef>
-          <a:fontRef idx="minor">
-            <a:schemeClr val="lt1"/>
-          </a:fontRef>
-        </p:style>
-        <p:txBody>
-          <a:bodyPr rtlCol="0" anchor="ctr"/>
-          <a:lstStyle/>
-          <a:p>
-            <a:pPr algn="ctr"/>
-            <a:r>
-              <a:rPr lang="zh-TW" altLang="en-US" dirty="0">
-                <a:latin typeface="DFKai-SB" panose="03000509000000000000" pitchFamily="65" charset="-120"/>
-                <a:ea typeface="DFKai-SB" panose="03000509000000000000" pitchFamily="65" charset="-120"/>
-              </a:rPr>
-              <a:t>性</a:t>
-            </a:r>
-          </a:p>
-        </p:txBody>
-      </p:sp>
-      <p:cxnSp>
-        <p:nvCxnSpPr>
-          <p:cNvPr id="38" name="Straight Arrow Connector 37">
-            <a:extLst>
-              <a:ext uri="{FF2B5EF4-FFF2-40B4-BE49-F238E27FC236}">
-                <a16:creationId xmlns:a16="http://schemas.microsoft.com/office/drawing/2014/main" id="{B4EB73F9-3F8E-6657-2129-70B0A12ED268}"/>
-              </a:ext>
-            </a:extLst>
-          </p:cNvPr>
-          <p:cNvCxnSpPr>
-            <a:cxnSpLocks/>
-            <a:stCxn id="37" idx="2"/>
-            <a:endCxn id="108" idx="0"/>
-          </p:cNvCxnSpPr>
-          <p:nvPr/>
-        </p:nvCxnSpPr>
-        <p:spPr>
-          <a:xfrm flipH="1">
-            <a:off x="2263203" y="472885"/>
-            <a:ext cx="50924" cy="597553"/>
-          </a:xfrm>
-          <a:prstGeom prst="straightConnector1">
-            <a:avLst/>
-          </a:prstGeom>
-          <a:ln>
-            <a:headEnd type="none" w="med" len="med"/>
-            <a:tailEnd type="arrow" w="med" len="med"/>
-          </a:ln>
-        </p:spPr>
-        <p:style>
-          <a:lnRef idx="1">
-            <a:schemeClr val="accent1"/>
-          </a:lnRef>
-          <a:fillRef idx="0">
-            <a:schemeClr val="accent1"/>
-          </a:fillRef>
-          <a:effectRef idx="0">
-            <a:schemeClr val="accent1"/>
-          </a:effectRef>
-          <a:fontRef idx="minor">
-            <a:schemeClr val="tx1"/>
-          </a:fontRef>
-        </p:style>
-      </p:cxnSp>
-      <p:sp>
-        <p:nvSpPr>
-          <p:cNvPr id="39" name="Rectangle 38">
-            <a:extLst>
-              <a:ext uri="{FF2B5EF4-FFF2-40B4-BE49-F238E27FC236}">
-                <a16:creationId xmlns:a16="http://schemas.microsoft.com/office/drawing/2014/main" id="{4FD78B18-4BA6-0D56-7580-5FAF625219C5}"/>
-              </a:ext>
-            </a:extLst>
-          </p:cNvPr>
-          <p:cNvSpPr/>
-          <p:nvPr/>
-        </p:nvSpPr>
-        <p:spPr>
-          <a:xfrm>
-            <a:off x="2456639" y="182067"/>
-            <a:ext cx="239699" cy="290818"/>
-          </a:xfrm>
-          <a:prstGeom prst="rect">
-            <a:avLst/>
-          </a:prstGeom>
-        </p:spPr>
-        <p:style>
-          <a:lnRef idx="2">
-            <a:schemeClr val="accent1">
-              <a:shade val="15000"/>
-            </a:schemeClr>
-          </a:lnRef>
-          <a:fillRef idx="1">
-            <a:schemeClr val="accent1"/>
-          </a:fillRef>
-          <a:effectRef idx="0">
-            <a:schemeClr val="accent1"/>
-          </a:effectRef>
-          <a:fontRef idx="minor">
-            <a:schemeClr val="lt1"/>
-          </a:fontRef>
-        </p:style>
-        <p:txBody>
-          <a:bodyPr rtlCol="0" anchor="ctr"/>
-          <a:lstStyle/>
-          <a:p>
-            <a:pPr algn="ctr"/>
-            <a:r>
-              <a:rPr lang="zh-TW" altLang="en-US" dirty="0">
-                <a:latin typeface="DFKai-SB" panose="03000509000000000000" pitchFamily="65" charset="-120"/>
-                <a:ea typeface="DFKai-SB" panose="03000509000000000000" pitchFamily="65" charset="-120"/>
-              </a:rPr>
-              <a:t>懧</a:t>
-            </a:r>
-          </a:p>
-        </p:txBody>
-      </p:sp>
-      <p:cxnSp>
-        <p:nvCxnSpPr>
-          <p:cNvPr id="40" name="Straight Arrow Connector 39">
-            <a:extLst>
-              <a:ext uri="{FF2B5EF4-FFF2-40B4-BE49-F238E27FC236}">
-                <a16:creationId xmlns:a16="http://schemas.microsoft.com/office/drawing/2014/main" id="{8345D312-491D-EA77-FE82-B0AA91E56C1C}"/>
-              </a:ext>
-            </a:extLst>
-          </p:cNvPr>
-          <p:cNvCxnSpPr>
-            <a:cxnSpLocks/>
-            <a:stCxn id="39" idx="2"/>
-            <a:endCxn id="109" idx="0"/>
-          </p:cNvCxnSpPr>
-          <p:nvPr/>
-        </p:nvCxnSpPr>
-        <p:spPr>
-          <a:xfrm>
-            <a:off x="2576489" y="472885"/>
-            <a:ext cx="203121" cy="597553"/>
-          </a:xfrm>
-          <a:prstGeom prst="straightConnector1">
-            <a:avLst/>
-          </a:prstGeom>
-          <a:ln>
-            <a:headEnd type="none" w="med" len="med"/>
-            <a:tailEnd type="arrow" w="med" len="med"/>
-          </a:ln>
-        </p:spPr>
-        <p:style>
-          <a:lnRef idx="1">
-            <a:schemeClr val="accent1"/>
-          </a:lnRef>
-          <a:fillRef idx="0">
-            <a:schemeClr val="accent1"/>
-          </a:fillRef>
-          <a:effectRef idx="0">
-            <a:schemeClr val="accent1"/>
-          </a:effectRef>
-          <a:fontRef idx="minor">
-            <a:schemeClr val="tx1"/>
-          </a:fontRef>
-        </p:style>
-      </p:cxnSp>
-      <p:sp>
-        <p:nvSpPr>
-          <p:cNvPr id="41" name="Rectangle 40">
-            <a:extLst>
-              <a:ext uri="{FF2B5EF4-FFF2-40B4-BE49-F238E27FC236}">
-                <a16:creationId xmlns:a16="http://schemas.microsoft.com/office/drawing/2014/main" id="{39EE38D1-6DA8-5ABA-5936-3248954E9FF5}"/>
-              </a:ext>
-            </a:extLst>
-          </p:cNvPr>
-          <p:cNvSpPr/>
-          <p:nvPr/>
-        </p:nvSpPr>
-        <p:spPr>
-          <a:xfrm>
-            <a:off x="2719001" y="182067"/>
-            <a:ext cx="239699" cy="290818"/>
-          </a:xfrm>
-          <a:prstGeom prst="rect">
-            <a:avLst/>
-          </a:prstGeom>
-        </p:spPr>
-        <p:style>
-          <a:lnRef idx="2">
-            <a:schemeClr val="accent1">
-              <a:shade val="15000"/>
-            </a:schemeClr>
-          </a:lnRef>
-          <a:fillRef idx="1">
-            <a:schemeClr val="accent1"/>
-          </a:fillRef>
-          <a:effectRef idx="0">
-            <a:schemeClr val="accent1"/>
-          </a:effectRef>
-          <a:fontRef idx="minor">
-            <a:schemeClr val="lt1"/>
-          </a:fontRef>
-        </p:style>
-        <p:txBody>
-          <a:bodyPr rtlCol="0" anchor="ctr"/>
-          <a:lstStyle/>
-          <a:p>
-            <a:pPr algn="ctr"/>
-            <a:r>
-              <a:rPr lang="zh-TW" altLang="en-US" dirty="0">
-                <a:latin typeface="DFKai-SB" panose="03000509000000000000" pitchFamily="65" charset="-120"/>
-                <a:ea typeface="DFKai-SB" panose="03000509000000000000" pitchFamily="65" charset="-120"/>
-              </a:rPr>
-              <a:t>愚</a:t>
-            </a:r>
-          </a:p>
-        </p:txBody>
-      </p:sp>
-      <p:cxnSp>
-        <p:nvCxnSpPr>
-          <p:cNvPr id="42" name="Straight Arrow Connector 41">
-            <a:extLst>
-              <a:ext uri="{FF2B5EF4-FFF2-40B4-BE49-F238E27FC236}">
-                <a16:creationId xmlns:a16="http://schemas.microsoft.com/office/drawing/2014/main" id="{A907AD83-4EA6-B9BE-5624-7ECB362FFF70}"/>
-              </a:ext>
-            </a:extLst>
-          </p:cNvPr>
-          <p:cNvCxnSpPr>
-            <a:cxnSpLocks/>
-            <a:stCxn id="41" idx="2"/>
-            <a:endCxn id="110" idx="0"/>
-          </p:cNvCxnSpPr>
-          <p:nvPr/>
-        </p:nvCxnSpPr>
-        <p:spPr>
-          <a:xfrm>
-            <a:off x="2838851" y="472885"/>
-            <a:ext cx="457166" cy="597553"/>
-          </a:xfrm>
-          <a:prstGeom prst="straightConnector1">
-            <a:avLst/>
-          </a:prstGeom>
-          <a:ln>
-            <a:headEnd type="none" w="med" len="med"/>
-            <a:tailEnd type="arrow" w="med" len="med"/>
-          </a:ln>
-        </p:spPr>
-        <p:style>
-          <a:lnRef idx="1">
-            <a:schemeClr val="accent1"/>
-          </a:lnRef>
-          <a:fillRef idx="0">
-            <a:schemeClr val="accent1"/>
-          </a:fillRef>
-          <a:effectRef idx="0">
-            <a:schemeClr val="accent1"/>
-          </a:effectRef>
-          <a:fontRef idx="minor">
-            <a:schemeClr val="tx1"/>
-          </a:fontRef>
-        </p:style>
-      </p:cxnSp>
-      <p:sp>
-        <p:nvSpPr>
-          <p:cNvPr id="65" name="Rectangle 64">
-            <a:extLst>
-              <a:ext uri="{FF2B5EF4-FFF2-40B4-BE49-F238E27FC236}">
-                <a16:creationId xmlns:a16="http://schemas.microsoft.com/office/drawing/2014/main" id="{A24080B0-2274-1A61-C923-488D2C84C1FF}"/>
-              </a:ext>
-            </a:extLst>
-          </p:cNvPr>
-          <p:cNvSpPr/>
-          <p:nvPr/>
-        </p:nvSpPr>
-        <p:spPr>
-          <a:xfrm>
-            <a:off x="783593" y="786041"/>
-            <a:ext cx="178405" cy="238190"/>
+            <a:off x="1448127" y="786040"/>
+            <a:ext cx="653275" cy="238190"/>
           </a:xfrm>
           <a:prstGeom prst="rect">
             <a:avLst/>
@@ -4228,7 +3658,7 @@
                   <a:srgbClr val="00B050"/>
                 </a:solidFill>
               </a:rPr>
-              <a:t>於</a:t>
+              <a:t>怎麼辦</a:t>
             </a:r>
             <a:endParaRPr lang="en-US" altLang="zh-TW" sz="1200" dirty="0">
               <a:solidFill>
@@ -4252,8 +3682,8 @@
         </p:nvSpPr>
         <p:spPr>
           <a:xfrm>
-            <a:off x="992369" y="784746"/>
-            <a:ext cx="488067" cy="238190"/>
+            <a:off x="2135710" y="779620"/>
+            <a:ext cx="204327" cy="238190"/>
           </a:xfrm>
           <a:prstGeom prst="rect">
             <a:avLst/>
@@ -4294,16 +3724,13 @@
                   <a:srgbClr val="00B050"/>
                 </a:solidFill>
               </a:rPr>
-              <a:t>國事</a:t>
-            </a:r>
-            <a:r>
-              <a:rPr lang="en-US" altLang="zh-TW" sz="1200" dirty="0">
-                <a:solidFill>
-                  <a:srgbClr val="00B050"/>
-                </a:solidFill>
-              </a:rPr>
-              <a:t>,</a:t>
-            </a:r>
+              <a:t>才</a:t>
+            </a:r>
+            <a:endParaRPr lang="en-US" altLang="zh-TW" sz="1200" dirty="0">
+              <a:solidFill>
+                <a:srgbClr val="00B050"/>
+              </a:solidFill>
+            </a:endParaRPr>
           </a:p>
         </p:txBody>
       </p:sp>
@@ -4321,8 +3748,8 @@
         </p:nvSpPr>
         <p:spPr>
           <a:xfrm>
-            <a:off x="1499465" y="784746"/>
-            <a:ext cx="494662" cy="238190"/>
+            <a:off x="2374345" y="777318"/>
+            <a:ext cx="764754" cy="238190"/>
           </a:xfrm>
           <a:prstGeom prst="rect">
             <a:avLst/>
@@ -4365,154 +3792,41 @@
                   <a:srgbClr val="00B050"/>
                 </a:solidFill>
               </a:rPr>
-              <a:t>昏聵</a:t>
-            </a:r>
-            <a:endParaRPr lang="en-US" altLang="zh-TW" sz="1200" dirty="0">
-              <a:solidFill>
-                <a:srgbClr val="00B050"/>
-              </a:solidFill>
-            </a:endParaRPr>
-          </a:p>
-        </p:txBody>
-      </p:sp>
-      <p:sp>
-        <p:nvSpPr>
-          <p:cNvPr id="81" name="Rectangle 80">
-            <a:extLst>
-              <a:ext uri="{FF2B5EF4-FFF2-40B4-BE49-F238E27FC236}">
-                <a16:creationId xmlns:a16="http://schemas.microsoft.com/office/drawing/2014/main" id="{22928736-8621-8737-CA67-3FA225EC3CD3}"/>
-              </a:ext>
-            </a:extLst>
-          </p:cNvPr>
-          <p:cNvSpPr/>
-          <p:nvPr/>
-        </p:nvSpPr>
-        <p:spPr>
-          <a:xfrm>
-            <a:off x="2220746" y="786040"/>
-            <a:ext cx="488068" cy="238191"/>
-          </a:xfrm>
-          <a:prstGeom prst="rect">
-            <a:avLst/>
-          </a:prstGeom>
-          <a:noFill/>
-          <a:ln w="9525" cap="flat" cmpd="sng" algn="ctr">
-            <a:solidFill>
-              <a:srgbClr val="00B050"/>
-            </a:solidFill>
-            <a:prstDash val="solid"/>
-            <a:round/>
-            <a:headEnd type="none" w="med" len="med"/>
-            <a:tailEnd type="none" w="med" len="med"/>
-          </a:ln>
-        </p:spPr>
-        <p:style>
-          <a:lnRef idx="0">
-            <a:scrgbClr r="0" g="0" b="0"/>
-          </a:lnRef>
-          <a:fillRef idx="0">
-            <a:scrgbClr r="0" g="0" b="0"/>
-          </a:fillRef>
-          <a:effectRef idx="0">
-            <a:scrgbClr r="0" g="0" b="0"/>
-          </a:effectRef>
-          <a:fontRef idx="minor">
-            <a:schemeClr val="accent1"/>
-          </a:fontRef>
-        </p:style>
-        <p:txBody>
-          <a:bodyPr rtlCol="0" anchor="ctr"/>
-          <a:lstStyle/>
-          <a:p>
-            <a:pPr algn="ctr"/>
+              <a:t>行</a:t>
+            </a:r>
+            <a:r>
+              <a:rPr lang="en-US" altLang="zh-TW" sz="1200" dirty="0">
+                <a:solidFill>
+                  <a:srgbClr val="00B050"/>
+                </a:solidFill>
+              </a:rPr>
+              <a:t>/(</a:t>
+            </a:r>
             <a:r>
               <a:rPr lang="zh-TW" altLang="en-US" sz="1200" dirty="0">
                 <a:solidFill>
                   <a:srgbClr val="00B050"/>
                 </a:solidFill>
               </a:rPr>
-              <a:t>憂慮</a:t>
-            </a:r>
-            <a:endParaRPr lang="en-US" altLang="zh-TW" sz="1200" dirty="0">
-              <a:solidFill>
-                <a:srgbClr val="00B050"/>
-              </a:solidFill>
-            </a:endParaRPr>
-          </a:p>
-        </p:txBody>
-      </p:sp>
-      <p:sp>
-        <p:nvSpPr>
-          <p:cNvPr id="103" name="Rectangle 102">
-            <a:extLst>
-              <a:ext uri="{FF2B5EF4-FFF2-40B4-BE49-F238E27FC236}">
-                <a16:creationId xmlns:a16="http://schemas.microsoft.com/office/drawing/2014/main" id="{D76F45CE-1448-5A16-7A58-D1B35CC11A36}"/>
-              </a:ext>
-            </a:extLst>
-          </p:cNvPr>
-          <p:cNvSpPr/>
-          <p:nvPr/>
-        </p:nvSpPr>
-        <p:spPr>
-          <a:xfrm>
-            <a:off x="2015872" y="784337"/>
-            <a:ext cx="178405" cy="238190"/>
-          </a:xfrm>
-          <a:prstGeom prst="rect">
-            <a:avLst/>
-          </a:prstGeom>
-          <a:noFill/>
-          <a:ln w="9525" cap="flat" cmpd="sng" algn="ctr">
-            <a:solidFill>
-              <a:srgbClr val="00B050"/>
-            </a:solidFill>
-            <a:prstDash val="solid"/>
-            <a:round/>
-            <a:headEnd type="none" w="med" len="med"/>
-            <a:tailEnd type="none" w="med" len="med"/>
-          </a:ln>
-        </p:spPr>
-        <p:style>
-          <a:lnRef idx="0">
-            <a:scrgbClr r="0" g="0" b="0"/>
-          </a:lnRef>
-          <a:fillRef idx="0">
-            <a:scrgbClr r="0" g="0" b="0"/>
-          </a:fillRef>
-          <a:effectRef idx="0">
-            <a:scrgbClr r="0" g="0" b="0"/>
-          </a:effectRef>
-          <a:fontRef idx="minor">
-            <a:schemeClr val="accent1"/>
-          </a:fontRef>
-        </p:style>
-        <p:txBody>
-          <a:bodyPr rtlCol="0" anchor="ctr"/>
-          <a:lstStyle/>
-          <a:p>
-            <a:pPr algn="ctr"/>
-            <a:r>
-              <a:rPr lang="zh-TW" altLang="en-US" sz="1200" dirty="0">
+              <a:t>可以</a:t>
+            </a:r>
+            <a:r>
+              <a:rPr lang="en-US" altLang="zh-TW" sz="1200" dirty="0">
                 <a:solidFill>
                   <a:srgbClr val="00B050"/>
                 </a:solidFill>
               </a:rPr>
-              <a:t>於</a:t>
-            </a:r>
-            <a:endParaRPr lang="en-US" altLang="zh-TW" sz="1200" dirty="0">
-              <a:solidFill>
-                <a:srgbClr val="00B050"/>
-              </a:solidFill>
-            </a:endParaRPr>
-          </a:p>
-        </p:txBody>
-      </p:sp>
-      <p:sp>
-        <p:nvSpPr>
-          <p:cNvPr id="107" name="Rectangle 106">
-            <a:extLst>
-              <a:ext uri="{FF2B5EF4-FFF2-40B4-BE49-F238E27FC236}">
-                <a16:creationId xmlns:a16="http://schemas.microsoft.com/office/drawing/2014/main" id="{D674CEBD-475E-9F7A-C986-C55F9BF90ABD}"/>
+              <a:t>)</a:t>
+            </a:r>
+          </a:p>
+        </p:txBody>
+      </p:sp>
+      <p:sp>
+        <p:nvSpPr>
+          <p:cNvPr id="22" name="Rectangle 21">
+            <a:extLst>
+              <a:ext uri="{FF2B5EF4-FFF2-40B4-BE49-F238E27FC236}">
+                <a16:creationId xmlns:a16="http://schemas.microsoft.com/office/drawing/2014/main" id="{2F1EEBF0-A782-ED58-044D-3F0B35C118D8}"/>
               </a:ext>
             </a:extLst>
           </p:cNvPr>
@@ -4521,35 +3835,29 @@
         </p:nvSpPr>
         <p:spPr>
           <a:xfrm>
-            <a:off x="1499465" y="1070438"/>
-            <a:ext cx="494662" cy="238190"/>
+            <a:off x="500062" y="786040"/>
+            <a:ext cx="913757" cy="238190"/>
           </a:xfrm>
           <a:prstGeom prst="rect">
             <a:avLst/>
           </a:prstGeom>
-          <a:noFill/>
-          <a:ln w="9525" cap="flat" cmpd="sng" algn="ctr">
-            <a:solidFill>
-              <a:srgbClr val="00B050"/>
-            </a:solidFill>
-            <a:prstDash val="solid"/>
-            <a:round/>
+          <a:ln>
             <a:headEnd type="none" w="med" len="med"/>
             <a:tailEnd type="none" w="med" len="med"/>
           </a:ln>
         </p:spPr>
         <p:style>
-          <a:lnRef idx="0">
-            <a:scrgbClr r="0" g="0" b="0"/>
-          </a:lnRef>
-          <a:fillRef idx="0">
-            <a:scrgbClr r="0" g="0" b="0"/>
-          </a:fillRef>
-          <a:effectRef idx="0">
-            <a:scrgbClr r="0" g="0" b="0"/>
-          </a:effectRef>
-          <a:fontRef idx="minor">
-            <a:schemeClr val="accent1"/>
+          <a:lnRef idx="2">
+            <a:schemeClr val="dk1"/>
+          </a:lnRef>
+          <a:fillRef idx="1">
+            <a:schemeClr val="lt1"/>
+          </a:fillRef>
+          <a:effectRef idx="0">
+            <a:schemeClr val="dk1"/>
+          </a:effectRef>
+          <a:fontRef idx="minor">
+            <a:schemeClr val="dk1"/>
           </a:fontRef>
         </p:style>
         <p:txBody>
@@ -4557,215 +3865,41 @@
           <a:lstStyle/>
           <a:p>
             <a:pPr algn="ctr"/>
+            <a:r>
+              <a:rPr lang="en-US" altLang="zh-TW" sz="1200" dirty="0">
+                <a:solidFill>
+                  <a:sysClr val="windowText" lastClr="000000"/>
+                </a:solidFill>
+              </a:rPr>
+              <a:t>(</a:t>
+            </a:r>
             <a:r>
               <a:rPr lang="zh-TW" altLang="en-US" sz="1200" dirty="0">
                 <a:solidFill>
-                  <a:srgbClr val="00B050"/>
+                  <a:sysClr val="windowText" lastClr="000000"/>
                 </a:solidFill>
               </a:rPr>
-              <a:t>而且</a:t>
+              <a:t>這件事</a:t>
+            </a:r>
+            <a:r>
+              <a:rPr lang="en-US" altLang="zh-TW" sz="1200" dirty="0">
+                <a:solidFill>
+                  <a:sysClr val="windowText" lastClr="000000"/>
+                </a:solidFill>
+              </a:rPr>
+              <a:t>)</a:t>
+            </a:r>
+            <a:r>
+              <a:rPr lang="zh-TW" altLang="en-US" sz="1200" dirty="0">
+                <a:solidFill>
+                  <a:sysClr val="windowText" lastClr="000000"/>
+                </a:solidFill>
+              </a:rPr>
+              <a:t>要</a:t>
             </a:r>
             <a:endParaRPr lang="en-US" altLang="zh-TW" sz="1200" dirty="0">
               <a:solidFill>
-                <a:srgbClr val="00B050"/>
-              </a:solidFill>
-            </a:endParaRPr>
-          </a:p>
-        </p:txBody>
-      </p:sp>
-      <p:sp>
-        <p:nvSpPr>
-          <p:cNvPr id="108" name="Rectangle 107">
-            <a:extLst>
-              <a:ext uri="{FF2B5EF4-FFF2-40B4-BE49-F238E27FC236}">
-                <a16:creationId xmlns:a16="http://schemas.microsoft.com/office/drawing/2014/main" id="{4DFACE73-CE16-5995-E9EA-C0C8EBAD6DC3}"/>
-              </a:ext>
-            </a:extLst>
-          </p:cNvPr>
-          <p:cNvSpPr/>
-          <p:nvPr/>
-        </p:nvSpPr>
-        <p:spPr>
-          <a:xfrm>
-            <a:off x="2015872" y="1070438"/>
-            <a:ext cx="494662" cy="238190"/>
-          </a:xfrm>
-          <a:prstGeom prst="rect">
-            <a:avLst/>
-          </a:prstGeom>
-          <a:noFill/>
-          <a:ln w="9525" cap="flat" cmpd="sng" algn="ctr">
-            <a:solidFill>
-              <a:srgbClr val="00B050"/>
-            </a:solidFill>
-            <a:prstDash val="solid"/>
-            <a:round/>
-            <a:headEnd type="none" w="med" len="med"/>
-            <a:tailEnd type="none" w="med" len="med"/>
-          </a:ln>
-        </p:spPr>
-        <p:style>
-          <a:lnRef idx="0">
-            <a:scrgbClr r="0" g="0" b="0"/>
-          </a:lnRef>
-          <a:fillRef idx="0">
-            <a:scrgbClr r="0" g="0" b="0"/>
-          </a:fillRef>
-          <a:effectRef idx="0">
-            <a:scrgbClr r="0" g="0" b="0"/>
-          </a:effectRef>
-          <a:fontRef idx="minor">
-            <a:schemeClr val="accent1"/>
-          </a:fontRef>
-        </p:style>
-        <p:txBody>
-          <a:bodyPr rtlCol="0" anchor="ctr"/>
-          <a:lstStyle/>
-          <a:p>
-            <a:pPr algn="ctr"/>
-            <a:r>
-              <a:rPr lang="zh-TW" altLang="en-US" sz="1200" dirty="0">
-                <a:solidFill>
-                  <a:srgbClr val="00B050"/>
-                </a:solidFill>
-              </a:rPr>
-              <a:t>生性</a:t>
-            </a:r>
-            <a:endParaRPr lang="en-US" altLang="zh-TW" sz="1200" dirty="0">
-              <a:solidFill>
-                <a:srgbClr val="00B050"/>
-              </a:solidFill>
-            </a:endParaRPr>
-          </a:p>
-        </p:txBody>
-      </p:sp>
-      <p:sp>
-        <p:nvSpPr>
-          <p:cNvPr id="109" name="Rectangle 108">
-            <a:extLst>
-              <a:ext uri="{FF2B5EF4-FFF2-40B4-BE49-F238E27FC236}">
-                <a16:creationId xmlns:a16="http://schemas.microsoft.com/office/drawing/2014/main" id="{04613C92-F288-425A-0AF0-1EDA16D9F8E3}"/>
-              </a:ext>
-            </a:extLst>
-          </p:cNvPr>
-          <p:cNvSpPr/>
-          <p:nvPr/>
-        </p:nvSpPr>
-        <p:spPr>
-          <a:xfrm>
-            <a:off x="2532279" y="1070438"/>
-            <a:ext cx="494662" cy="238190"/>
-          </a:xfrm>
-          <a:prstGeom prst="rect">
-            <a:avLst/>
-          </a:prstGeom>
-          <a:noFill/>
-          <a:ln w="9525" cap="flat" cmpd="sng" algn="ctr">
-            <a:solidFill>
-              <a:srgbClr val="00B050"/>
-            </a:solidFill>
-            <a:prstDash val="solid"/>
-            <a:round/>
-            <a:headEnd type="none" w="med" len="med"/>
-            <a:tailEnd type="none" w="med" len="med"/>
-          </a:ln>
-        </p:spPr>
-        <p:style>
-          <a:lnRef idx="0">
-            <a:scrgbClr r="0" g="0" b="0"/>
-          </a:lnRef>
-          <a:fillRef idx="0">
-            <a:scrgbClr r="0" g="0" b="0"/>
-          </a:fillRef>
-          <a:effectRef idx="0">
-            <a:scrgbClr r="0" g="0" b="0"/>
-          </a:effectRef>
-          <a:fontRef idx="minor">
-            <a:schemeClr val="accent1"/>
-          </a:fontRef>
-        </p:style>
-        <p:txBody>
-          <a:bodyPr rtlCol="0" anchor="ctr"/>
-          <a:lstStyle/>
-          <a:p>
-            <a:pPr algn="ctr"/>
-            <a:r>
-              <a:rPr lang="zh-TW" altLang="en-US" sz="1200" dirty="0">
-                <a:solidFill>
-                  <a:srgbClr val="00B050"/>
-                </a:solidFill>
-              </a:rPr>
-              <a:t>懦弱</a:t>
-            </a:r>
-            <a:endParaRPr lang="en-US" altLang="zh-TW" sz="1200" dirty="0">
-              <a:solidFill>
-                <a:srgbClr val="00B050"/>
-              </a:solidFill>
-            </a:endParaRPr>
-          </a:p>
-        </p:txBody>
-      </p:sp>
-      <p:sp>
-        <p:nvSpPr>
-          <p:cNvPr id="110" name="Rectangle 109">
-            <a:extLst>
-              <a:ext uri="{FF2B5EF4-FFF2-40B4-BE49-F238E27FC236}">
-                <a16:creationId xmlns:a16="http://schemas.microsoft.com/office/drawing/2014/main" id="{885CD6F5-0F5C-E040-E548-28A39F4C82C8}"/>
-              </a:ext>
-            </a:extLst>
-          </p:cNvPr>
-          <p:cNvSpPr/>
-          <p:nvPr/>
-        </p:nvSpPr>
-        <p:spPr>
-          <a:xfrm>
-            <a:off x="3048686" y="1070438"/>
-            <a:ext cx="494662" cy="238190"/>
-          </a:xfrm>
-          <a:prstGeom prst="rect">
-            <a:avLst/>
-          </a:prstGeom>
-          <a:noFill/>
-          <a:ln w="9525" cap="flat" cmpd="sng" algn="ctr">
-            <a:solidFill>
-              <a:srgbClr val="00B050"/>
-            </a:solidFill>
-            <a:prstDash val="solid"/>
-            <a:round/>
-            <a:headEnd type="none" w="med" len="med"/>
-            <a:tailEnd type="none" w="med" len="med"/>
-          </a:ln>
-        </p:spPr>
-        <p:style>
-          <a:lnRef idx="0">
-            <a:scrgbClr r="0" g="0" b="0"/>
-          </a:lnRef>
-          <a:fillRef idx="0">
-            <a:scrgbClr r="0" g="0" b="0"/>
-          </a:fillRef>
-          <a:effectRef idx="0">
-            <a:scrgbClr r="0" g="0" b="0"/>
-          </a:effectRef>
-          <a:fontRef idx="minor">
-            <a:schemeClr val="accent1"/>
-          </a:fontRef>
-        </p:style>
-        <p:txBody>
-          <a:bodyPr rtlCol="0" anchor="ctr"/>
-          <a:lstStyle/>
-          <a:p>
-            <a:pPr algn="ctr"/>
-            <a:r>
-              <a:rPr lang="zh-TW" altLang="en-US" sz="1200" dirty="0">
-                <a:solidFill>
-                  <a:srgbClr val="00B050"/>
-                </a:solidFill>
-              </a:rPr>
-              <a:t>愚蠢</a:t>
-            </a:r>
-            <a:endParaRPr lang="en-US" altLang="zh-TW" sz="1200" dirty="0">
-              <a:solidFill>
-                <a:srgbClr val="00B050"/>
+                <a:sysClr val="windowText" lastClr="000000"/>
               </a:solidFill>
             </a:endParaRPr>
           </a:p>
@@ -4774,7 +3908,7 @@
     </p:spTree>
     <p:extLst>
       <p:ext uri="{BB962C8B-B14F-4D97-AF65-F5344CB8AC3E}">
-        <p14:creationId xmlns:p14="http://schemas.microsoft.com/office/powerpoint/2010/main" val="1543108921"/>
+        <p14:creationId xmlns:p14="http://schemas.microsoft.com/office/powerpoint/2010/main" val="438853270"/>
       </p:ext>
     </p:extLst>
   </p:cSld>
@@ -4848,7 +3982,7 @@
                 <a:latin typeface="DFKai-SB" panose="03000509000000000000" pitchFamily="65" charset="-120"/>
                 <a:ea typeface="DFKai-SB" panose="03000509000000000000" pitchFamily="65" charset="-120"/>
               </a:rPr>
-              <a:t>沉</a:t>
+              <a:t>事</a:t>
             </a:r>
             <a:endParaRPr lang="en-US" dirty="0">
               <a:latin typeface="DFKai-SB" panose="03000509000000000000" pitchFamily="65" charset="-120"/>
@@ -4873,209 +4007,6 @@
           <a:xfrm>
             <a:off x="333618" y="184262"/>
             <a:ext cx="243935" cy="290818"/>
-          </a:xfrm>
-          <a:prstGeom prst="rect">
-            <a:avLst/>
-          </a:prstGeom>
-        </p:spPr>
-        <p:style>
-          <a:lnRef idx="2">
-            <a:schemeClr val="accent1">
-              <a:shade val="15000"/>
-            </a:schemeClr>
-          </a:lnRef>
-          <a:fillRef idx="1">
-            <a:schemeClr val="accent1"/>
-          </a:fillRef>
-          <a:effectRef idx="0">
-            <a:schemeClr val="accent1"/>
-          </a:effectRef>
-          <a:fontRef idx="minor">
-            <a:schemeClr val="lt1"/>
-          </a:fontRef>
-        </p:style>
-        <p:txBody>
-          <a:bodyPr rtlCol="0" anchor="ctr"/>
-          <a:lstStyle/>
-          <a:p>
-            <a:pPr algn="ctr"/>
-            <a:r>
-              <a:rPr lang="zh-TW" altLang="en-US" dirty="0">
-                <a:latin typeface="DFKai-SB" panose="03000509000000000000" pitchFamily="65" charset="-120"/>
-                <a:ea typeface="DFKai-SB" panose="03000509000000000000" pitchFamily="65" charset="-120"/>
-              </a:rPr>
-              <a:t>於</a:t>
-            </a:r>
-            <a:endParaRPr lang="en-US" dirty="0">
-              <a:latin typeface="DFKai-SB" panose="03000509000000000000" pitchFamily="65" charset="-120"/>
-              <a:ea typeface="DFKai-SB" panose="03000509000000000000" pitchFamily="65" charset="-120"/>
-            </a:endParaRPr>
-          </a:p>
-        </p:txBody>
-      </p:sp>
-      <p:sp>
-        <p:nvSpPr>
-          <p:cNvPr id="4" name="Rectangle 3">
-            <a:extLst>
-              <a:ext uri="{FF2B5EF4-FFF2-40B4-BE49-F238E27FC236}">
-                <a16:creationId xmlns:a16="http://schemas.microsoft.com/office/drawing/2014/main" id="{5A1EF1A6-7300-8A7F-4309-4F82641CD6C0}"/>
-              </a:ext>
-            </a:extLst>
-          </p:cNvPr>
-          <p:cNvSpPr/>
-          <p:nvPr/>
-        </p:nvSpPr>
-        <p:spPr>
-          <a:xfrm>
-            <a:off x="601938" y="182067"/>
-            <a:ext cx="243935" cy="290818"/>
-          </a:xfrm>
-          <a:prstGeom prst="rect">
-            <a:avLst/>
-          </a:prstGeom>
-        </p:spPr>
-        <p:style>
-          <a:lnRef idx="2">
-            <a:schemeClr val="accent1">
-              <a:shade val="15000"/>
-            </a:schemeClr>
-          </a:lnRef>
-          <a:fillRef idx="1">
-            <a:schemeClr val="accent1"/>
-          </a:fillRef>
-          <a:effectRef idx="0">
-            <a:schemeClr val="accent1"/>
-          </a:effectRef>
-          <a:fontRef idx="minor">
-            <a:schemeClr val="lt1"/>
-          </a:fontRef>
-        </p:style>
-        <p:txBody>
-          <a:bodyPr rtlCol="0" anchor="ctr"/>
-          <a:lstStyle/>
-          <a:p>
-            <a:pPr algn="ctr"/>
-            <a:r>
-              <a:rPr lang="zh-TW" altLang="en-US" dirty="0">
-                <a:latin typeface="DFKai-SB" panose="03000509000000000000" pitchFamily="65" charset="-120"/>
-                <a:ea typeface="DFKai-SB" panose="03000509000000000000" pitchFamily="65" charset="-120"/>
-              </a:rPr>
-              <a:t>國</a:t>
-            </a:r>
-          </a:p>
-        </p:txBody>
-      </p:sp>
-      <p:sp>
-        <p:nvSpPr>
-          <p:cNvPr id="5" name="Rectangle 4">
-            <a:extLst>
-              <a:ext uri="{FF2B5EF4-FFF2-40B4-BE49-F238E27FC236}">
-                <a16:creationId xmlns:a16="http://schemas.microsoft.com/office/drawing/2014/main" id="{5BD4FD58-B993-8322-0453-15E37F66F20F}"/>
-              </a:ext>
-            </a:extLst>
-          </p:cNvPr>
-          <p:cNvSpPr/>
-          <p:nvPr/>
-        </p:nvSpPr>
-        <p:spPr>
-          <a:xfrm>
-            <a:off x="874494" y="182068"/>
-            <a:ext cx="239699" cy="290818"/>
-          </a:xfrm>
-          <a:prstGeom prst="rect">
-            <a:avLst/>
-          </a:prstGeom>
-        </p:spPr>
-        <p:style>
-          <a:lnRef idx="2">
-            <a:schemeClr val="accent1">
-              <a:shade val="15000"/>
-            </a:schemeClr>
-          </a:lnRef>
-          <a:fillRef idx="1">
-            <a:schemeClr val="accent1"/>
-          </a:fillRef>
-          <a:effectRef idx="0">
-            <a:schemeClr val="accent1"/>
-          </a:effectRef>
-          <a:fontRef idx="minor">
-            <a:schemeClr val="lt1"/>
-          </a:fontRef>
-        </p:style>
-        <p:txBody>
-          <a:bodyPr rtlCol="0" anchor="ctr"/>
-          <a:lstStyle/>
-          <a:p>
-            <a:pPr algn="ctr"/>
-            <a:r>
-              <a:rPr lang="zh-TW" altLang="en-US" dirty="0">
-                <a:latin typeface="DFKai-SB" panose="03000509000000000000" pitchFamily="65" charset="-120"/>
-                <a:ea typeface="DFKai-SB" panose="03000509000000000000" pitchFamily="65" charset="-120"/>
-              </a:rPr>
-              <a:t>家</a:t>
-            </a:r>
-          </a:p>
-        </p:txBody>
-      </p:sp>
-      <p:cxnSp>
-        <p:nvCxnSpPr>
-          <p:cNvPr id="27" name="Straight Arrow Connector 26">
-            <a:extLst>
-              <a:ext uri="{FF2B5EF4-FFF2-40B4-BE49-F238E27FC236}">
-                <a16:creationId xmlns:a16="http://schemas.microsoft.com/office/drawing/2014/main" id="{20683A19-ED67-F33B-115D-CDD09F277721}"/>
-              </a:ext>
-            </a:extLst>
-          </p:cNvPr>
-          <p:cNvCxnSpPr>
-            <a:cxnSpLocks/>
-            <a:endCxn id="47" idx="0"/>
-          </p:cNvCxnSpPr>
-          <p:nvPr/>
-        </p:nvCxnSpPr>
-        <p:spPr>
-          <a:xfrm>
-            <a:off x="994344" y="472885"/>
-            <a:ext cx="82109" cy="303687"/>
-          </a:xfrm>
-          <a:prstGeom prst="straightConnector1">
-            <a:avLst/>
-          </a:prstGeom>
-          <a:ln>
-            <a:headEnd type="none" w="med" len="med"/>
-            <a:tailEnd type="arrow" w="med" len="med"/>
-          </a:ln>
-        </p:spPr>
-        <p:style>
-          <a:lnRef idx="1">
-            <a:schemeClr val="accent1"/>
-          </a:lnRef>
-          <a:fillRef idx="0">
-            <a:schemeClr val="accent1"/>
-          </a:fillRef>
-          <a:effectRef idx="0">
-            <a:schemeClr val="accent1"/>
-          </a:effectRef>
-          <a:fontRef idx="minor">
-            <a:schemeClr val="tx1"/>
-          </a:fontRef>
-        </p:style>
-      </p:cxnSp>
-      <p:sp>
-        <p:nvSpPr>
-          <p:cNvPr id="29" name="Rectangle 28">
-            <a:extLst>
-              <a:ext uri="{FF2B5EF4-FFF2-40B4-BE49-F238E27FC236}">
-                <a16:creationId xmlns:a16="http://schemas.microsoft.com/office/drawing/2014/main" id="{E3AD0487-D350-6515-C7F0-D99C1B164E14}"/>
-              </a:ext>
-            </a:extLst>
-          </p:cNvPr>
-          <p:cNvSpPr/>
-          <p:nvPr/>
-        </p:nvSpPr>
-        <p:spPr>
-          <a:xfrm>
-            <a:off x="1142814" y="182068"/>
-            <a:ext cx="239699" cy="290818"/>
           </a:xfrm>
           <a:prstGeom prst="rect">
             <a:avLst/>
@@ -5109,58 +4040,19 @@
               </a:rPr>
               <a:t>之</a:t>
             </a:r>
-          </a:p>
-        </p:txBody>
-      </p:sp>
-      <p:cxnSp>
-        <p:nvCxnSpPr>
-          <p:cNvPr id="30" name="Straight Arrow Connector 29">
-            <a:extLst>
-              <a:ext uri="{FF2B5EF4-FFF2-40B4-BE49-F238E27FC236}">
-                <a16:creationId xmlns:a16="http://schemas.microsoft.com/office/drawing/2014/main" id="{ADE6F8D9-C47C-CEF6-600C-6084D763B4D7}"/>
-              </a:ext>
-            </a:extLst>
-          </p:cNvPr>
-          <p:cNvCxnSpPr>
-            <a:cxnSpLocks/>
-            <a:endCxn id="48" idx="0"/>
-          </p:cNvCxnSpPr>
-          <p:nvPr/>
-        </p:nvCxnSpPr>
-        <p:spPr>
-          <a:xfrm>
-            <a:off x="1262711" y="472885"/>
-            <a:ext cx="205728" cy="303686"/>
-          </a:xfrm>
-          <a:prstGeom prst="straightConnector1">
-            <a:avLst/>
-          </a:prstGeom>
-          <a:ln>
-            <a:headEnd type="none" w="med" len="med"/>
-            <a:tailEnd type="arrow" w="med" len="med"/>
-          </a:ln>
-        </p:spPr>
-        <p:style>
-          <a:lnRef idx="1">
-            <a:schemeClr val="accent1"/>
-          </a:lnRef>
-          <a:fillRef idx="0">
-            <a:schemeClr val="accent1"/>
-          </a:fillRef>
-          <a:effectRef idx="0">
-            <a:schemeClr val="accent1"/>
-          </a:effectRef>
-          <a:fontRef idx="minor">
-            <a:schemeClr val="tx1"/>
-          </a:fontRef>
-        </p:style>
-      </p:cxnSp>
-      <p:sp>
-        <p:nvSpPr>
-          <p:cNvPr id="31" name="Rectangle 30">
-            <a:extLst>
-              <a:ext uri="{FF2B5EF4-FFF2-40B4-BE49-F238E27FC236}">
-                <a16:creationId xmlns:a16="http://schemas.microsoft.com/office/drawing/2014/main" id="{4DE49A5C-A507-5AF0-C21C-836F2B02A318}"/>
+            <a:endParaRPr lang="en-US" dirty="0">
+              <a:latin typeface="DFKai-SB" panose="03000509000000000000" pitchFamily="65" charset="-120"/>
+              <a:ea typeface="DFKai-SB" panose="03000509000000000000" pitchFamily="65" charset="-120"/>
+            </a:endParaRPr>
+          </a:p>
+        </p:txBody>
+      </p:sp>
+      <p:sp>
+        <p:nvSpPr>
+          <p:cNvPr id="4" name="Rectangle 3">
+            <a:extLst>
+              <a:ext uri="{FF2B5EF4-FFF2-40B4-BE49-F238E27FC236}">
+                <a16:creationId xmlns:a16="http://schemas.microsoft.com/office/drawing/2014/main" id="{5A1EF1A6-7300-8A7F-4309-4F82641CD6C0}"/>
               </a:ext>
             </a:extLst>
           </p:cNvPr>
@@ -5169,8 +4061,8 @@
         </p:nvSpPr>
         <p:spPr>
           <a:xfrm>
-            <a:off x="1405579" y="182067"/>
-            <a:ext cx="239699" cy="290818"/>
+            <a:off x="601938" y="182067"/>
+            <a:ext cx="243935" cy="290818"/>
           </a:xfrm>
           <a:prstGeom prst="rect">
             <a:avLst/>
@@ -5202,61 +4094,17 @@
                 <a:latin typeface="DFKai-SB" panose="03000509000000000000" pitchFamily="65" charset="-120"/>
                 <a:ea typeface="DFKai-SB" panose="03000509000000000000" pitchFamily="65" charset="-120"/>
               </a:rPr>
-              <a:t>事</a:t>
-            </a:r>
-          </a:p>
-        </p:txBody>
-      </p:sp>
-      <p:cxnSp>
-        <p:nvCxnSpPr>
-          <p:cNvPr id="32" name="Straight Arrow Connector 31">
-            <a:extLst>
-              <a:ext uri="{FF2B5EF4-FFF2-40B4-BE49-F238E27FC236}">
-                <a16:creationId xmlns:a16="http://schemas.microsoft.com/office/drawing/2014/main" id="{0193D8DC-132C-9B19-ABD6-6BC3DEEA9A72}"/>
-              </a:ext>
-            </a:extLst>
-          </p:cNvPr>
-          <p:cNvCxnSpPr>
-            <a:cxnSpLocks/>
-            <a:stCxn id="31" idx="2"/>
-            <a:endCxn id="49" idx="0"/>
-          </p:cNvCxnSpPr>
-          <p:nvPr/>
-        </p:nvCxnSpPr>
-        <p:spPr>
-          <a:xfrm>
-            <a:off x="1525429" y="472885"/>
-            <a:ext cx="354471" cy="307839"/>
-          </a:xfrm>
-          <a:prstGeom prst="straightConnector1">
-            <a:avLst/>
-          </a:prstGeom>
-          <a:ln>
-            <a:headEnd type="none" w="med" len="med"/>
-            <a:tailEnd type="arrow" w="med" len="med"/>
-          </a:ln>
-        </p:spPr>
-        <p:style>
-          <a:lnRef idx="1">
-            <a:schemeClr val="accent1"/>
-          </a:lnRef>
-          <a:fillRef idx="0">
-            <a:schemeClr val="accent1"/>
-          </a:fillRef>
-          <a:effectRef idx="0">
-            <a:schemeClr val="accent1"/>
-          </a:effectRef>
-          <a:fontRef idx="minor">
-            <a:schemeClr val="tx1"/>
-          </a:fontRef>
-        </p:style>
-      </p:cxnSp>
-      <p:sp>
-        <p:nvSpPr>
-          <p:cNvPr id="33" name="Rectangle 32">
-            <a:extLst>
-              <a:ext uri="{FF2B5EF4-FFF2-40B4-BE49-F238E27FC236}">
-                <a16:creationId xmlns:a16="http://schemas.microsoft.com/office/drawing/2014/main" id="{67AAACED-91A7-3322-D5C2-1C645CAB21E9}"/>
+              <a:t>以</a:t>
+            </a:r>
+          </a:p>
+        </p:txBody>
+      </p:sp>
+      <p:sp>
+        <p:nvSpPr>
+          <p:cNvPr id="6" name="Rectangle 5">
+            <a:extLst>
+              <a:ext uri="{FF2B5EF4-FFF2-40B4-BE49-F238E27FC236}">
+                <a16:creationId xmlns:a16="http://schemas.microsoft.com/office/drawing/2014/main" id="{DF5AD373-F948-9321-EDF8-FD3954557CE4}"/>
               </a:ext>
             </a:extLst>
           </p:cNvPr>
@@ -5265,487 +4113,8 @@
         </p:nvSpPr>
         <p:spPr>
           <a:xfrm>
-            <a:off x="1668344" y="182067"/>
-            <a:ext cx="239699" cy="290818"/>
-          </a:xfrm>
-          <a:prstGeom prst="rect">
-            <a:avLst/>
-          </a:prstGeom>
-        </p:spPr>
-        <p:style>
-          <a:lnRef idx="2">
-            <a:schemeClr val="accent1">
-              <a:shade val="15000"/>
-            </a:schemeClr>
-          </a:lnRef>
-          <a:fillRef idx="1">
-            <a:schemeClr val="accent1"/>
-          </a:fillRef>
-          <a:effectRef idx="0">
-            <a:schemeClr val="accent1"/>
-          </a:effectRef>
-          <a:fontRef idx="minor">
-            <a:schemeClr val="lt1"/>
-          </a:fontRef>
-        </p:style>
-        <p:txBody>
-          <a:bodyPr rtlCol="0" anchor="ctr"/>
-          <a:lstStyle/>
-          <a:p>
-            <a:pPr algn="ctr"/>
-            <a:r>
-              <a:rPr lang="zh-TW" altLang="en-US" dirty="0">
-                <a:latin typeface="DFKai-SB" panose="03000509000000000000" pitchFamily="65" charset="-120"/>
-                <a:ea typeface="DFKai-SB" panose="03000509000000000000" pitchFamily="65" charset="-120"/>
-              </a:rPr>
-              <a:t>開</a:t>
-            </a:r>
-          </a:p>
-        </p:txBody>
-      </p:sp>
-      <p:cxnSp>
-        <p:nvCxnSpPr>
-          <p:cNvPr id="34" name="Straight Arrow Connector 33">
-            <a:extLst>
-              <a:ext uri="{FF2B5EF4-FFF2-40B4-BE49-F238E27FC236}">
-                <a16:creationId xmlns:a16="http://schemas.microsoft.com/office/drawing/2014/main" id="{B1D1CA9E-C08A-DC5A-1B93-5B648C6F32D9}"/>
-              </a:ext>
-            </a:extLst>
-          </p:cNvPr>
-          <p:cNvCxnSpPr>
-            <a:cxnSpLocks/>
-            <a:stCxn id="33" idx="2"/>
-            <a:endCxn id="50" idx="0"/>
-          </p:cNvCxnSpPr>
-          <p:nvPr/>
-        </p:nvCxnSpPr>
-        <p:spPr>
-          <a:xfrm>
-            <a:off x="1788194" y="472885"/>
-            <a:ext cx="765685" cy="311451"/>
-          </a:xfrm>
-          <a:prstGeom prst="straightConnector1">
-            <a:avLst/>
-          </a:prstGeom>
-          <a:ln>
-            <a:headEnd type="none" w="med" len="med"/>
-            <a:tailEnd type="arrow" w="med" len="med"/>
-          </a:ln>
-        </p:spPr>
-        <p:style>
-          <a:lnRef idx="1">
-            <a:schemeClr val="accent1"/>
-          </a:lnRef>
-          <a:fillRef idx="0">
-            <a:schemeClr val="accent1"/>
-          </a:fillRef>
-          <a:effectRef idx="0">
-            <a:schemeClr val="accent1"/>
-          </a:effectRef>
-          <a:fontRef idx="minor">
-            <a:schemeClr val="tx1"/>
-          </a:fontRef>
-        </p:style>
-      </p:cxnSp>
-      <p:sp>
-        <p:nvSpPr>
-          <p:cNvPr id="35" name="Rectangle 34">
-            <a:extLst>
-              <a:ext uri="{FF2B5EF4-FFF2-40B4-BE49-F238E27FC236}">
-                <a16:creationId xmlns:a16="http://schemas.microsoft.com/office/drawing/2014/main" id="{26C00530-6219-80A6-F332-D894EE457C1B}"/>
-              </a:ext>
-            </a:extLst>
-          </p:cNvPr>
-          <p:cNvSpPr/>
-          <p:nvPr/>
-        </p:nvSpPr>
-        <p:spPr>
-          <a:xfrm>
-            <a:off x="1931109" y="182067"/>
-            <a:ext cx="239699" cy="290818"/>
-          </a:xfrm>
-          <a:prstGeom prst="rect">
-            <a:avLst/>
-          </a:prstGeom>
-        </p:spPr>
-        <p:style>
-          <a:lnRef idx="2">
-            <a:schemeClr val="accent1">
-              <a:shade val="15000"/>
-            </a:schemeClr>
-          </a:lnRef>
-          <a:fillRef idx="1">
-            <a:schemeClr val="accent1"/>
-          </a:fillRef>
-          <a:effectRef idx="0">
-            <a:schemeClr val="accent1"/>
-          </a:effectRef>
-          <a:fontRef idx="minor">
-            <a:schemeClr val="lt1"/>
-          </a:fontRef>
-        </p:style>
-        <p:txBody>
-          <a:bodyPr rtlCol="0" anchor="ctr"/>
-          <a:lstStyle/>
-          <a:p>
-            <a:pPr algn="ctr"/>
-            <a:r>
-              <a:rPr lang="zh-TW" altLang="en-US" dirty="0">
-                <a:latin typeface="DFKai-SB" panose="03000509000000000000" pitchFamily="65" charset="-120"/>
-                <a:ea typeface="DFKai-SB" panose="03000509000000000000" pitchFamily="65" charset="-120"/>
-              </a:rPr>
-              <a:t>罪</a:t>
-            </a:r>
-          </a:p>
-        </p:txBody>
-      </p:sp>
-      <p:cxnSp>
-        <p:nvCxnSpPr>
-          <p:cNvPr id="36" name="Straight Arrow Connector 35">
-            <a:extLst>
-              <a:ext uri="{FF2B5EF4-FFF2-40B4-BE49-F238E27FC236}">
-                <a16:creationId xmlns:a16="http://schemas.microsoft.com/office/drawing/2014/main" id="{3D93C4DF-A7CE-371A-6F62-6200EC7E695B}"/>
-              </a:ext>
-            </a:extLst>
-          </p:cNvPr>
-          <p:cNvCxnSpPr>
-            <a:cxnSpLocks/>
-            <a:stCxn id="35" idx="2"/>
-            <a:endCxn id="50" idx="0"/>
-          </p:cNvCxnSpPr>
-          <p:nvPr/>
-        </p:nvCxnSpPr>
-        <p:spPr>
-          <a:xfrm>
-            <a:off x="2050959" y="472885"/>
-            <a:ext cx="502920" cy="311451"/>
-          </a:xfrm>
-          <a:prstGeom prst="straightConnector1">
-            <a:avLst/>
-          </a:prstGeom>
-          <a:ln>
-            <a:headEnd type="none" w="med" len="med"/>
-            <a:tailEnd type="arrow" w="med" len="med"/>
-          </a:ln>
-        </p:spPr>
-        <p:style>
-          <a:lnRef idx="1">
-            <a:schemeClr val="accent1"/>
-          </a:lnRef>
-          <a:fillRef idx="0">
-            <a:schemeClr val="accent1"/>
-          </a:fillRef>
-          <a:effectRef idx="0">
-            <a:schemeClr val="accent1"/>
-          </a:effectRef>
-          <a:fontRef idx="minor">
-            <a:schemeClr val="tx1"/>
-          </a:fontRef>
-        </p:style>
-      </p:cxnSp>
-      <p:sp>
-        <p:nvSpPr>
-          <p:cNvPr id="37" name="Rectangle 36">
-            <a:extLst>
-              <a:ext uri="{FF2B5EF4-FFF2-40B4-BE49-F238E27FC236}">
-                <a16:creationId xmlns:a16="http://schemas.microsoft.com/office/drawing/2014/main" id="{46F6BA75-A5A6-65CC-B0EE-05BBA5D79F61}"/>
-              </a:ext>
-            </a:extLst>
-          </p:cNvPr>
-          <p:cNvSpPr/>
-          <p:nvPr/>
-        </p:nvSpPr>
-        <p:spPr>
-          <a:xfrm>
-            <a:off x="2194277" y="182067"/>
-            <a:ext cx="239699" cy="290818"/>
-          </a:xfrm>
-          <a:prstGeom prst="rect">
-            <a:avLst/>
-          </a:prstGeom>
-        </p:spPr>
-        <p:style>
-          <a:lnRef idx="2">
-            <a:schemeClr val="accent1">
-              <a:shade val="15000"/>
-            </a:schemeClr>
-          </a:lnRef>
-          <a:fillRef idx="1">
-            <a:schemeClr val="accent1"/>
-          </a:fillRef>
-          <a:effectRef idx="0">
-            <a:schemeClr val="accent1"/>
-          </a:effectRef>
-          <a:fontRef idx="minor">
-            <a:schemeClr val="lt1"/>
-          </a:fontRef>
-        </p:style>
-        <p:txBody>
-          <a:bodyPr rtlCol="0" anchor="ctr"/>
-          <a:lstStyle/>
-          <a:p>
-            <a:pPr algn="ctr"/>
-            <a:r>
-              <a:rPr lang="zh-TW" altLang="en-US" dirty="0">
-                <a:latin typeface="DFKai-SB" panose="03000509000000000000" pitchFamily="65" charset="-120"/>
-                <a:ea typeface="DFKai-SB" panose="03000509000000000000" pitchFamily="65" charset="-120"/>
-              </a:rPr>
-              <a:t>於</a:t>
-            </a:r>
-          </a:p>
-        </p:txBody>
-      </p:sp>
-      <p:cxnSp>
-        <p:nvCxnSpPr>
-          <p:cNvPr id="38" name="Straight Arrow Connector 37">
-            <a:extLst>
-              <a:ext uri="{FF2B5EF4-FFF2-40B4-BE49-F238E27FC236}">
-                <a16:creationId xmlns:a16="http://schemas.microsoft.com/office/drawing/2014/main" id="{B4EB73F9-3F8E-6657-2129-70B0A12ED268}"/>
-              </a:ext>
-            </a:extLst>
-          </p:cNvPr>
-          <p:cNvCxnSpPr>
-            <a:cxnSpLocks/>
-            <a:stCxn id="37" idx="2"/>
-            <a:endCxn id="70" idx="1"/>
-          </p:cNvCxnSpPr>
-          <p:nvPr/>
-        </p:nvCxnSpPr>
-        <p:spPr>
-          <a:xfrm>
-            <a:off x="2314127" y="472885"/>
-            <a:ext cx="834765" cy="104610"/>
-          </a:xfrm>
-          <a:prstGeom prst="straightConnector1">
-            <a:avLst/>
-          </a:prstGeom>
-          <a:ln>
-            <a:tailEnd type="triangle"/>
-          </a:ln>
-        </p:spPr>
-        <p:style>
-          <a:lnRef idx="1">
-            <a:schemeClr val="accent1"/>
-          </a:lnRef>
-          <a:fillRef idx="0">
-            <a:schemeClr val="accent1"/>
-          </a:fillRef>
-          <a:effectRef idx="0">
-            <a:schemeClr val="accent1"/>
-          </a:effectRef>
-          <a:fontRef idx="minor">
-            <a:schemeClr val="tx1"/>
-          </a:fontRef>
-        </p:style>
-      </p:cxnSp>
-      <p:sp>
-        <p:nvSpPr>
-          <p:cNvPr id="39" name="Rectangle 38">
-            <a:extLst>
-              <a:ext uri="{FF2B5EF4-FFF2-40B4-BE49-F238E27FC236}">
-                <a16:creationId xmlns:a16="http://schemas.microsoft.com/office/drawing/2014/main" id="{4FD78B18-4BA6-0D56-7580-5FAF625219C5}"/>
-              </a:ext>
-            </a:extLst>
-          </p:cNvPr>
-          <p:cNvSpPr/>
-          <p:nvPr/>
-        </p:nvSpPr>
-        <p:spPr>
-          <a:xfrm>
-            <a:off x="2456639" y="182067"/>
-            <a:ext cx="239699" cy="290818"/>
-          </a:xfrm>
-          <a:prstGeom prst="rect">
-            <a:avLst/>
-          </a:prstGeom>
-        </p:spPr>
-        <p:style>
-          <a:lnRef idx="2">
-            <a:schemeClr val="accent1">
-              <a:shade val="15000"/>
-            </a:schemeClr>
-          </a:lnRef>
-          <a:fillRef idx="1">
-            <a:schemeClr val="accent1"/>
-          </a:fillRef>
-          <a:effectRef idx="0">
-            <a:schemeClr val="accent1"/>
-          </a:effectRef>
-          <a:fontRef idx="minor">
-            <a:schemeClr val="lt1"/>
-          </a:fontRef>
-        </p:style>
-        <p:txBody>
-          <a:bodyPr rtlCol="0" anchor="ctr"/>
-          <a:lstStyle/>
-          <a:p>
-            <a:pPr algn="ctr"/>
-            <a:r>
-              <a:rPr lang="zh-TW" altLang="en-US" dirty="0">
-                <a:latin typeface="DFKai-SB" panose="03000509000000000000" pitchFamily="65" charset="-120"/>
-                <a:ea typeface="DFKai-SB" panose="03000509000000000000" pitchFamily="65" charset="-120"/>
-              </a:rPr>
-              <a:t>先</a:t>
-            </a:r>
-          </a:p>
-        </p:txBody>
-      </p:sp>
-      <p:cxnSp>
-        <p:nvCxnSpPr>
-          <p:cNvPr id="40" name="Straight Arrow Connector 39">
-            <a:extLst>
-              <a:ext uri="{FF2B5EF4-FFF2-40B4-BE49-F238E27FC236}">
-                <a16:creationId xmlns:a16="http://schemas.microsoft.com/office/drawing/2014/main" id="{8345D312-491D-EA77-FE82-B0AA91E56C1C}"/>
-              </a:ext>
-            </a:extLst>
-          </p:cNvPr>
-          <p:cNvCxnSpPr>
-            <a:cxnSpLocks/>
-            <a:stCxn id="39" idx="2"/>
-            <a:endCxn id="66" idx="0"/>
-          </p:cNvCxnSpPr>
-          <p:nvPr/>
-        </p:nvCxnSpPr>
-        <p:spPr>
-          <a:xfrm>
-            <a:off x="2576489" y="472885"/>
-            <a:ext cx="496912" cy="596701"/>
-          </a:xfrm>
-          <a:prstGeom prst="straightConnector1">
-            <a:avLst/>
-          </a:prstGeom>
-          <a:ln>
-            <a:headEnd type="none" w="med" len="med"/>
-            <a:tailEnd type="arrow" w="med" len="med"/>
-          </a:ln>
-        </p:spPr>
-        <p:style>
-          <a:lnRef idx="1">
-            <a:schemeClr val="accent1"/>
-          </a:lnRef>
-          <a:fillRef idx="0">
-            <a:schemeClr val="accent1"/>
-          </a:fillRef>
-          <a:effectRef idx="0">
-            <a:schemeClr val="accent1"/>
-          </a:effectRef>
-          <a:fontRef idx="minor">
-            <a:schemeClr val="tx1"/>
-          </a:fontRef>
-        </p:style>
-      </p:cxnSp>
-      <p:sp>
-        <p:nvSpPr>
-          <p:cNvPr id="41" name="Rectangle 40">
-            <a:extLst>
-              <a:ext uri="{FF2B5EF4-FFF2-40B4-BE49-F238E27FC236}">
-                <a16:creationId xmlns:a16="http://schemas.microsoft.com/office/drawing/2014/main" id="{39EE38D1-6DA8-5ABA-5936-3248954E9FF5}"/>
-              </a:ext>
-            </a:extLst>
-          </p:cNvPr>
-          <p:cNvSpPr/>
-          <p:nvPr/>
-        </p:nvSpPr>
-        <p:spPr>
-          <a:xfrm>
-            <a:off x="2719001" y="182067"/>
-            <a:ext cx="239699" cy="290818"/>
-          </a:xfrm>
-          <a:prstGeom prst="rect">
-            <a:avLst/>
-          </a:prstGeom>
-        </p:spPr>
-        <p:style>
-          <a:lnRef idx="2">
-            <a:schemeClr val="accent1">
-              <a:shade val="15000"/>
-            </a:schemeClr>
-          </a:lnRef>
-          <a:fillRef idx="1">
-            <a:schemeClr val="accent1"/>
-          </a:fillRef>
-          <a:effectRef idx="0">
-            <a:schemeClr val="accent1"/>
-          </a:effectRef>
-          <a:fontRef idx="minor">
-            <a:schemeClr val="lt1"/>
-          </a:fontRef>
-        </p:style>
-        <p:txBody>
-          <a:bodyPr rtlCol="0" anchor="ctr"/>
-          <a:lstStyle/>
-          <a:p>
-            <a:pPr algn="ctr"/>
-            <a:r>
-              <a:rPr lang="zh-TW" altLang="en-US" dirty="0">
-                <a:latin typeface="DFKai-SB" panose="03000509000000000000" pitchFamily="65" charset="-120"/>
-                <a:ea typeface="DFKai-SB" panose="03000509000000000000" pitchFamily="65" charset="-120"/>
-              </a:rPr>
-              <a:t>生</a:t>
-            </a:r>
-          </a:p>
-        </p:txBody>
-      </p:sp>
-      <p:cxnSp>
-        <p:nvCxnSpPr>
-          <p:cNvPr id="42" name="Straight Arrow Connector 41">
-            <a:extLst>
-              <a:ext uri="{FF2B5EF4-FFF2-40B4-BE49-F238E27FC236}">
-                <a16:creationId xmlns:a16="http://schemas.microsoft.com/office/drawing/2014/main" id="{A907AD83-4EA6-B9BE-5624-7ECB362FFF70}"/>
-              </a:ext>
-            </a:extLst>
-          </p:cNvPr>
-          <p:cNvCxnSpPr>
-            <a:cxnSpLocks/>
-            <a:stCxn id="41" idx="2"/>
-            <a:endCxn id="66" idx="0"/>
-          </p:cNvCxnSpPr>
-          <p:nvPr/>
-        </p:nvCxnSpPr>
-        <p:spPr>
-          <a:xfrm>
-            <a:off x="2838851" y="472885"/>
-            <a:ext cx="234550" cy="596701"/>
-          </a:xfrm>
-          <a:prstGeom prst="straightConnector1">
-            <a:avLst/>
-          </a:prstGeom>
-          <a:ln>
-            <a:headEnd type="none" w="med" len="med"/>
-            <a:tailEnd type="arrow" w="med" len="med"/>
-          </a:ln>
-        </p:spPr>
-        <p:style>
-          <a:lnRef idx="1">
-            <a:schemeClr val="accent1"/>
-          </a:lnRef>
-          <a:fillRef idx="0">
-            <a:schemeClr val="accent1"/>
-          </a:fillRef>
-          <a:effectRef idx="0">
-            <a:schemeClr val="accent1"/>
-          </a:effectRef>
-          <a:fontRef idx="minor">
-            <a:schemeClr val="tx1"/>
-          </a:fontRef>
-        </p:style>
-      </p:cxnSp>
-      <p:sp>
-        <p:nvSpPr>
-          <p:cNvPr id="11" name="Rectangle 10">
-            <a:extLst>
-              <a:ext uri="{FF2B5EF4-FFF2-40B4-BE49-F238E27FC236}">
-                <a16:creationId xmlns:a16="http://schemas.microsoft.com/office/drawing/2014/main" id="{3818880A-3253-6854-25BC-067E0F403FA0}"/>
-              </a:ext>
-            </a:extLst>
-          </p:cNvPr>
-          <p:cNvSpPr/>
-          <p:nvPr/>
-        </p:nvSpPr>
-        <p:spPr>
-          <a:xfrm>
-            <a:off x="592754" y="776573"/>
-            <a:ext cx="178405" cy="239893"/>
+            <a:off x="28493" y="610151"/>
+            <a:ext cx="506121" cy="155748"/>
           </a:xfrm>
           <a:prstGeom prst="rect">
             <a:avLst/>
@@ -5786,7 +4155,7 @@
                   <a:srgbClr val="00B050"/>
                 </a:solidFill>
               </a:rPr>
-              <a:t>於</a:t>
+              <a:t>事奉</a:t>
             </a:r>
             <a:endParaRPr lang="en-US" altLang="zh-TW" sz="1200" dirty="0">
               <a:solidFill>
@@ -5798,24 +4167,24 @@
       </p:sp>
       <p:cxnSp>
         <p:nvCxnSpPr>
-          <p:cNvPr id="12" name="Straight Arrow Connector 11">
-            <a:extLst>
-              <a:ext uri="{FF2B5EF4-FFF2-40B4-BE49-F238E27FC236}">
-                <a16:creationId xmlns:a16="http://schemas.microsoft.com/office/drawing/2014/main" id="{49EACC75-CBA2-5F14-6549-233F07201842}"/>
+          <p:cNvPr id="10" name="Straight Arrow Connector 9">
+            <a:extLst>
+              <a:ext uri="{FF2B5EF4-FFF2-40B4-BE49-F238E27FC236}">
+                <a16:creationId xmlns:a16="http://schemas.microsoft.com/office/drawing/2014/main" id="{260C4C24-B1EF-ACA3-829E-BFF1FA2B1B34}"/>
               </a:ext>
             </a:extLst>
           </p:cNvPr>
           <p:cNvCxnSpPr>
             <a:cxnSpLocks/>
-            <a:stCxn id="3" idx="2"/>
-            <a:endCxn id="11" idx="0"/>
+            <a:stCxn id="2" idx="2"/>
+            <a:endCxn id="6" idx="0"/>
           </p:cNvCxnSpPr>
           <p:nvPr/>
         </p:nvCxnSpPr>
         <p:spPr>
           <a:xfrm>
-            <a:off x="455586" y="475080"/>
-            <a:ext cx="226371" cy="301493"/>
+            <a:off x="189689" y="475080"/>
+            <a:ext cx="91865" cy="135071"/>
           </a:xfrm>
           <a:prstGeom prst="straightConnector1">
             <a:avLst/>
@@ -5842,10 +4211,10 @@
       </p:cxnSp>
       <p:sp>
         <p:nvSpPr>
-          <p:cNvPr id="13" name="Rectangle 12">
-            <a:extLst>
-              <a:ext uri="{FF2B5EF4-FFF2-40B4-BE49-F238E27FC236}">
-                <a16:creationId xmlns:a16="http://schemas.microsoft.com/office/drawing/2014/main" id="{4131CBB0-DB4B-80A9-8E6C-317A487CFD0A}"/>
+          <p:cNvPr id="17" name="Rectangle 16">
+            <a:extLst>
+              <a:ext uri="{FF2B5EF4-FFF2-40B4-BE49-F238E27FC236}">
+                <a16:creationId xmlns:a16="http://schemas.microsoft.com/office/drawing/2014/main" id="{4B9ECF53-C544-B986-BA0F-875697000EBC}"/>
               </a:ext>
             </a:extLst>
           </p:cNvPr>
@@ -5854,8 +4223,8 @@
         </p:nvSpPr>
         <p:spPr>
           <a:xfrm>
-            <a:off x="72070" y="776573"/>
-            <a:ext cx="492268" cy="239893"/>
+            <a:off x="355815" y="806343"/>
+            <a:ext cx="506121" cy="185570"/>
           </a:xfrm>
           <a:prstGeom prst="rect">
             <a:avLst/>
@@ -5898,7 +4267,7 @@
                 <a:latin typeface="+mn-ea"/>
                 <a:cs typeface="CMU Serif" panose="02000603000000000000" pitchFamily="2" charset="0"/>
               </a:rPr>
-              <a:t>埋頭</a:t>
+              <a:t>他們</a:t>
             </a:r>
             <a:endParaRPr lang="en-US" altLang="zh-TW" sz="1400" dirty="0">
               <a:solidFill>
@@ -5912,24 +4281,24 @@
       </p:sp>
       <p:cxnSp>
         <p:nvCxnSpPr>
-          <p:cNvPr id="14" name="Straight Arrow Connector 13">
-            <a:extLst>
-              <a:ext uri="{FF2B5EF4-FFF2-40B4-BE49-F238E27FC236}">
-                <a16:creationId xmlns:a16="http://schemas.microsoft.com/office/drawing/2014/main" id="{5C2C6D8D-3F27-67A3-EC1D-2F0A3FE9C1F3}"/>
+          <p:cNvPr id="23" name="Straight Arrow Connector 22">
+            <a:extLst>
+              <a:ext uri="{FF2B5EF4-FFF2-40B4-BE49-F238E27FC236}">
+                <a16:creationId xmlns:a16="http://schemas.microsoft.com/office/drawing/2014/main" id="{11F49330-7F0A-1421-7689-F91D7733C66E}"/>
               </a:ext>
             </a:extLst>
           </p:cNvPr>
           <p:cNvCxnSpPr>
             <a:cxnSpLocks/>
-            <a:stCxn id="2" idx="2"/>
-            <a:endCxn id="13" idx="0"/>
+            <a:stCxn id="3" idx="2"/>
+            <a:endCxn id="17" idx="0"/>
           </p:cNvCxnSpPr>
           <p:nvPr/>
         </p:nvCxnSpPr>
         <p:spPr>
           <a:xfrm>
-            <a:off x="189689" y="475080"/>
-            <a:ext cx="128515" cy="301493"/>
+            <a:off x="455586" y="475080"/>
+            <a:ext cx="153290" cy="331263"/>
           </a:xfrm>
           <a:prstGeom prst="straightConnector1">
             <a:avLst/>
@@ -5954,12 +4323,56 @@
           </a:fontRef>
         </p:style>
       </p:cxnSp>
-      <p:sp>
-        <p:nvSpPr>
-          <p:cNvPr id="47" name="Rectangle 46">
-            <a:extLst>
-              <a:ext uri="{FF2B5EF4-FFF2-40B4-BE49-F238E27FC236}">
-                <a16:creationId xmlns:a16="http://schemas.microsoft.com/office/drawing/2014/main" id="{AD92F6D2-BA3B-BD48-C00B-B49426B8B2BE}"/>
+      <p:cxnSp>
+        <p:nvCxnSpPr>
+          <p:cNvPr id="25" name="Straight Arrow Connector 24">
+            <a:extLst>
+              <a:ext uri="{FF2B5EF4-FFF2-40B4-BE49-F238E27FC236}">
+                <a16:creationId xmlns:a16="http://schemas.microsoft.com/office/drawing/2014/main" id="{DDCBF9E6-2DFD-7B33-D192-24894E8AAE95}"/>
+              </a:ext>
+            </a:extLst>
+          </p:cNvPr>
+          <p:cNvCxnSpPr>
+            <a:cxnSpLocks/>
+            <a:stCxn id="4" idx="2"/>
+            <a:endCxn id="65" idx="0"/>
+          </p:cNvCxnSpPr>
+          <p:nvPr/>
+        </p:nvCxnSpPr>
+        <p:spPr>
+          <a:xfrm>
+            <a:off x="723906" y="472885"/>
+            <a:ext cx="291065" cy="531078"/>
+          </a:xfrm>
+          <a:prstGeom prst="straightConnector1">
+            <a:avLst/>
+          </a:prstGeom>
+          <a:ln>
+            <a:headEnd type="none" w="med" len="med"/>
+            <a:tailEnd type="arrow" w="med" len="med"/>
+          </a:ln>
+        </p:spPr>
+        <p:style>
+          <a:lnRef idx="1">
+            <a:schemeClr val="accent1"/>
+          </a:lnRef>
+          <a:fillRef idx="0">
+            <a:schemeClr val="accent1"/>
+          </a:fillRef>
+          <a:effectRef idx="0">
+            <a:schemeClr val="accent1"/>
+          </a:effectRef>
+          <a:fontRef idx="minor">
+            <a:schemeClr val="tx1"/>
+          </a:fontRef>
+        </p:style>
+      </p:cxnSp>
+      <p:sp>
+        <p:nvSpPr>
+          <p:cNvPr id="65" name="Rectangle 64">
+            <a:extLst>
+              <a:ext uri="{FF2B5EF4-FFF2-40B4-BE49-F238E27FC236}">
+                <a16:creationId xmlns:a16="http://schemas.microsoft.com/office/drawing/2014/main" id="{A24080B0-2274-1A61-C923-488D2C84C1FF}"/>
               </a:ext>
             </a:extLst>
           </p:cNvPr>
@@ -5968,8 +4381,8 @@
         </p:nvSpPr>
         <p:spPr>
           <a:xfrm>
-            <a:off x="806848" y="776572"/>
-            <a:ext cx="539210" cy="239893"/>
+            <a:off x="925768" y="1003963"/>
+            <a:ext cx="178405" cy="185570"/>
           </a:xfrm>
           <a:prstGeom prst="rect">
             <a:avLst/>
@@ -6005,31 +4418,27 @@
           <a:p>
             <a:pPr algn="ctr"/>
             <a:r>
-              <a:rPr lang="zh-TW" altLang="en-US" sz="1400" dirty="0">
+              <a:rPr lang="zh-TW" altLang="en-US" sz="1200" dirty="0">
                 <a:solidFill>
                   <a:srgbClr val="00B050"/>
                 </a:solidFill>
-                <a:latin typeface="+mn-ea"/>
-                <a:cs typeface="CMU Serif" panose="02000603000000000000" pitchFamily="2" charset="0"/>
               </a:rPr>
-              <a:t>國家</a:t>
-            </a:r>
-            <a:endParaRPr lang="en-US" altLang="zh-TW" sz="1400" dirty="0">
+              <a:t>用</a:t>
+            </a:r>
+            <a:endParaRPr lang="en-US" altLang="zh-TW" sz="1200" dirty="0">
               <a:solidFill>
                 <a:srgbClr val="00B050"/>
               </a:solidFill>
-              <a:latin typeface="+mn-ea"/>
-              <a:cs typeface="CMU Serif" panose="02000603000000000000" pitchFamily="2" charset="0"/>
             </a:endParaRPr>
           </a:p>
         </p:txBody>
       </p:sp>
       <p:sp>
         <p:nvSpPr>
-          <p:cNvPr id="48" name="Rectangle 47">
-            <a:extLst>
-              <a:ext uri="{FF2B5EF4-FFF2-40B4-BE49-F238E27FC236}">
-                <a16:creationId xmlns:a16="http://schemas.microsoft.com/office/drawing/2014/main" id="{6241D412-5E3B-5D3D-21DB-8E2674A64586}"/>
+          <p:cNvPr id="66" name="Rectangle 65">
+            <a:extLst>
+              <a:ext uri="{FF2B5EF4-FFF2-40B4-BE49-F238E27FC236}">
+                <a16:creationId xmlns:a16="http://schemas.microsoft.com/office/drawing/2014/main" id="{57CE8DE2-44F0-BF52-BAF8-C625928C01C1}"/>
               </a:ext>
             </a:extLst>
           </p:cNvPr>
@@ -6038,8 +4447,8 @@
         </p:nvSpPr>
         <p:spPr>
           <a:xfrm>
-            <a:off x="1367634" y="776571"/>
-            <a:ext cx="201609" cy="239893"/>
+            <a:off x="1354521" y="164595"/>
+            <a:ext cx="417378" cy="124721"/>
           </a:xfrm>
           <a:prstGeom prst="rect">
             <a:avLst/>
@@ -6075,31 +4484,27 @@
           <a:p>
             <a:pPr algn="ctr"/>
             <a:r>
-              <a:rPr lang="zh-TW" altLang="en-US" sz="1400" dirty="0">
+              <a:rPr lang="zh-TW" altLang="en-US" sz="900" dirty="0">
                 <a:solidFill>
                   <a:srgbClr val="00B050"/>
                 </a:solidFill>
-                <a:latin typeface="+mn-ea"/>
-                <a:cs typeface="CMU Serif" panose="02000603000000000000" pitchFamily="2" charset="0"/>
               </a:rPr>
-              <a:t>的</a:t>
-            </a:r>
-            <a:endParaRPr lang="en-US" altLang="zh-TW" sz="1400" dirty="0">
+              <a:t>獸皮</a:t>
+            </a:r>
+            <a:endParaRPr lang="en-US" altLang="zh-TW" sz="900" dirty="0">
               <a:solidFill>
                 <a:srgbClr val="00B050"/>
               </a:solidFill>
-              <a:latin typeface="+mn-ea"/>
-              <a:cs typeface="CMU Serif" panose="02000603000000000000" pitchFamily="2" charset="0"/>
             </a:endParaRPr>
           </a:p>
         </p:txBody>
       </p:sp>
       <p:sp>
         <p:nvSpPr>
-          <p:cNvPr id="49" name="Rectangle 48">
-            <a:extLst>
-              <a:ext uri="{FF2B5EF4-FFF2-40B4-BE49-F238E27FC236}">
-                <a16:creationId xmlns:a16="http://schemas.microsoft.com/office/drawing/2014/main" id="{C74135B4-991F-7F3D-41B4-312EE4E74FDA}"/>
+          <p:cNvPr id="9" name="Rectangle 8">
+            <a:extLst>
+              <a:ext uri="{FF2B5EF4-FFF2-40B4-BE49-F238E27FC236}">
+                <a16:creationId xmlns:a16="http://schemas.microsoft.com/office/drawing/2014/main" id="{D40710B0-9C9C-87D1-F230-639C8163E295}"/>
               </a:ext>
             </a:extLst>
           </p:cNvPr>
@@ -6108,8 +4513,260 @@
         </p:nvSpPr>
         <p:spPr>
           <a:xfrm>
-            <a:off x="1601639" y="780724"/>
-            <a:ext cx="556522" cy="239893"/>
+            <a:off x="2892019" y="180232"/>
+            <a:ext cx="239699" cy="290818"/>
+          </a:xfrm>
+          <a:prstGeom prst="rect">
+            <a:avLst/>
+          </a:prstGeom>
+        </p:spPr>
+        <p:style>
+          <a:lnRef idx="2">
+            <a:schemeClr val="accent1">
+              <a:shade val="15000"/>
+            </a:schemeClr>
+          </a:lnRef>
+          <a:fillRef idx="1">
+            <a:schemeClr val="accent1"/>
+          </a:fillRef>
+          <a:effectRef idx="0">
+            <a:schemeClr val="accent1"/>
+          </a:effectRef>
+          <a:fontRef idx="minor">
+            <a:schemeClr val="lt1"/>
+          </a:fontRef>
+        </p:style>
+        <p:txBody>
+          <a:bodyPr rtlCol="0" anchor="ctr"/>
+          <a:lstStyle/>
+          <a:p>
+            <a:pPr algn="ctr"/>
+            <a:r>
+              <a:rPr lang="zh-TW" altLang="en-US" dirty="0">
+                <a:latin typeface="DFKai-SB" panose="03000509000000000000" pitchFamily="65" charset="-120"/>
+                <a:ea typeface="DFKai-SB" panose="03000509000000000000" pitchFamily="65" charset="-120"/>
+              </a:rPr>
+              <a:t>不</a:t>
+            </a:r>
+          </a:p>
+        </p:txBody>
+      </p:sp>
+      <p:sp>
+        <p:nvSpPr>
+          <p:cNvPr id="11" name="Rectangle 10">
+            <a:extLst>
+              <a:ext uri="{FF2B5EF4-FFF2-40B4-BE49-F238E27FC236}">
+                <a16:creationId xmlns:a16="http://schemas.microsoft.com/office/drawing/2014/main" id="{1A88E96F-0CDA-0FCB-F14B-D74AB486DB60}"/>
+              </a:ext>
+            </a:extLst>
+          </p:cNvPr>
+          <p:cNvSpPr/>
+          <p:nvPr/>
+        </p:nvSpPr>
+        <p:spPr>
+          <a:xfrm>
+            <a:off x="3161197" y="180232"/>
+            <a:ext cx="239699" cy="290818"/>
+          </a:xfrm>
+          <a:prstGeom prst="rect">
+            <a:avLst/>
+          </a:prstGeom>
+        </p:spPr>
+        <p:style>
+          <a:lnRef idx="2">
+            <a:schemeClr val="accent1">
+              <a:shade val="15000"/>
+            </a:schemeClr>
+          </a:lnRef>
+          <a:fillRef idx="1">
+            <a:schemeClr val="accent1"/>
+          </a:fillRef>
+          <a:effectRef idx="0">
+            <a:schemeClr val="accent1"/>
+          </a:effectRef>
+          <a:fontRef idx="minor">
+            <a:schemeClr val="lt1"/>
+          </a:fontRef>
+        </p:style>
+        <p:txBody>
+          <a:bodyPr rtlCol="0" anchor="ctr"/>
+          <a:lstStyle/>
+          <a:p>
+            <a:pPr algn="ctr"/>
+            <a:r>
+              <a:rPr lang="zh-TW" altLang="en-US" dirty="0">
+                <a:latin typeface="DFKai-SB" panose="03000509000000000000" pitchFamily="65" charset="-120"/>
+                <a:ea typeface="DFKai-SB" panose="03000509000000000000" pitchFamily="65" charset="-120"/>
+              </a:rPr>
+              <a:t>得</a:t>
+            </a:r>
+          </a:p>
+        </p:txBody>
+      </p:sp>
+      <p:sp>
+        <p:nvSpPr>
+          <p:cNvPr id="12" name="Rectangle 11">
+            <a:extLst>
+              <a:ext uri="{FF2B5EF4-FFF2-40B4-BE49-F238E27FC236}">
+                <a16:creationId xmlns:a16="http://schemas.microsoft.com/office/drawing/2014/main" id="{B76750C8-378B-ADE8-D60C-FF81034DA7BF}"/>
+              </a:ext>
+            </a:extLst>
+          </p:cNvPr>
+          <p:cNvSpPr/>
+          <p:nvPr/>
+        </p:nvSpPr>
+        <p:spPr>
+          <a:xfrm>
+            <a:off x="3428150" y="180232"/>
+            <a:ext cx="239699" cy="290818"/>
+          </a:xfrm>
+          <a:prstGeom prst="rect">
+            <a:avLst/>
+          </a:prstGeom>
+        </p:spPr>
+        <p:style>
+          <a:lnRef idx="2">
+            <a:schemeClr val="accent1">
+              <a:shade val="15000"/>
+            </a:schemeClr>
+          </a:lnRef>
+          <a:fillRef idx="1">
+            <a:schemeClr val="accent1"/>
+          </a:fillRef>
+          <a:effectRef idx="0">
+            <a:schemeClr val="accent1"/>
+          </a:effectRef>
+          <a:fontRef idx="minor">
+            <a:schemeClr val="lt1"/>
+          </a:fontRef>
+        </p:style>
+        <p:txBody>
+          <a:bodyPr rtlCol="0" anchor="ctr"/>
+          <a:lstStyle/>
+          <a:p>
+            <a:pPr algn="ctr"/>
+            <a:r>
+              <a:rPr lang="zh-TW" altLang="en-US" dirty="0">
+                <a:latin typeface="DFKai-SB" panose="03000509000000000000" pitchFamily="65" charset="-120"/>
+                <a:ea typeface="DFKai-SB" panose="03000509000000000000" pitchFamily="65" charset="-120"/>
+              </a:rPr>
+              <a:t>免</a:t>
+            </a:r>
+          </a:p>
+        </p:txBody>
+      </p:sp>
+      <p:sp>
+        <p:nvSpPr>
+          <p:cNvPr id="13" name="Rectangle 12">
+            <a:extLst>
+              <a:ext uri="{FF2B5EF4-FFF2-40B4-BE49-F238E27FC236}">
+                <a16:creationId xmlns:a16="http://schemas.microsoft.com/office/drawing/2014/main" id="{5B22078D-F012-59AF-A2E3-3A40D5BD7654}"/>
+              </a:ext>
+            </a:extLst>
+          </p:cNvPr>
+          <p:cNvSpPr/>
+          <p:nvPr/>
+        </p:nvSpPr>
+        <p:spPr>
+          <a:xfrm>
+            <a:off x="3695103" y="180232"/>
+            <a:ext cx="239699" cy="290818"/>
+          </a:xfrm>
+          <a:prstGeom prst="rect">
+            <a:avLst/>
+          </a:prstGeom>
+        </p:spPr>
+        <p:style>
+          <a:lnRef idx="2">
+            <a:schemeClr val="accent1">
+              <a:shade val="15000"/>
+            </a:schemeClr>
+          </a:lnRef>
+          <a:fillRef idx="1">
+            <a:schemeClr val="accent1"/>
+          </a:fillRef>
+          <a:effectRef idx="0">
+            <a:schemeClr val="accent1"/>
+          </a:effectRef>
+          <a:fontRef idx="minor">
+            <a:schemeClr val="lt1"/>
+          </a:fontRef>
+        </p:style>
+        <p:txBody>
+          <a:bodyPr rtlCol="0" anchor="ctr"/>
+          <a:lstStyle/>
+          <a:p>
+            <a:pPr algn="ctr"/>
+            <a:r>
+              <a:rPr lang="zh-TW" altLang="en-US" dirty="0">
+                <a:latin typeface="DFKai-SB" panose="03000509000000000000" pitchFamily="65" charset="-120"/>
+                <a:ea typeface="DFKai-SB" panose="03000509000000000000" pitchFamily="65" charset="-120"/>
+              </a:rPr>
+              <a:t>焉</a:t>
+            </a:r>
+          </a:p>
+        </p:txBody>
+      </p:sp>
+      <p:cxnSp>
+        <p:nvCxnSpPr>
+          <p:cNvPr id="53" name="Connector: Curved 52">
+            <a:extLst>
+              <a:ext uri="{FF2B5EF4-FFF2-40B4-BE49-F238E27FC236}">
+                <a16:creationId xmlns:a16="http://schemas.microsoft.com/office/drawing/2014/main" id="{446CE9C7-08A5-01CB-912B-0F6721EFB864}"/>
+              </a:ext>
+            </a:extLst>
+          </p:cNvPr>
+          <p:cNvCxnSpPr>
+            <a:cxnSpLocks/>
+            <a:endCxn id="66" idx="2"/>
+          </p:cNvCxnSpPr>
+          <p:nvPr/>
+        </p:nvCxnSpPr>
+        <p:spPr>
+          <a:xfrm rot="5400000" flipH="1">
+            <a:off x="1707153" y="145373"/>
+            <a:ext cx="65559" cy="353446"/>
+          </a:xfrm>
+          <a:prstGeom prst="curvedConnector3">
+            <a:avLst>
+              <a:gd name="adj1" fmla="val -72076"/>
+            </a:avLst>
+          </a:prstGeom>
+          <a:ln>
+            <a:tailEnd type="triangle"/>
+          </a:ln>
+        </p:spPr>
+        <p:style>
+          <a:lnRef idx="1">
+            <a:schemeClr val="accent1"/>
+          </a:lnRef>
+          <a:fillRef idx="0">
+            <a:schemeClr val="accent1"/>
+          </a:fillRef>
+          <a:effectRef idx="0">
+            <a:schemeClr val="accent1"/>
+          </a:effectRef>
+          <a:fontRef idx="minor">
+            <a:schemeClr val="tx1"/>
+          </a:fontRef>
+        </p:style>
+      </p:cxnSp>
+      <p:sp>
+        <p:nvSpPr>
+          <p:cNvPr id="84" name="Rectangle 83">
+            <a:extLst>
+              <a:ext uri="{FF2B5EF4-FFF2-40B4-BE49-F238E27FC236}">
+                <a16:creationId xmlns:a16="http://schemas.microsoft.com/office/drawing/2014/main" id="{941B6F16-98AE-A424-C357-59AA44A1F2B5}"/>
+              </a:ext>
+            </a:extLst>
+          </p:cNvPr>
+          <p:cNvSpPr/>
+          <p:nvPr/>
+        </p:nvSpPr>
+        <p:spPr>
+          <a:xfrm>
+            <a:off x="1283156" y="1086508"/>
+            <a:ext cx="429039" cy="124721"/>
           </a:xfrm>
           <a:prstGeom prst="rect">
             <a:avLst/>
@@ -6145,31 +4802,27 @@
           <a:p>
             <a:pPr algn="ctr"/>
             <a:r>
-              <a:rPr lang="zh-TW" altLang="en-US" sz="1400" dirty="0">
+              <a:rPr lang="zh-TW" altLang="en-US" sz="900" dirty="0">
                 <a:solidFill>
                   <a:srgbClr val="00B050"/>
                 </a:solidFill>
-                <a:latin typeface="+mn-ea"/>
-                <a:cs typeface="CMU Serif" panose="02000603000000000000" pitchFamily="2" charset="0"/>
               </a:rPr>
-              <a:t>事務</a:t>
-            </a:r>
-            <a:endParaRPr lang="en-US" altLang="zh-TW" sz="1400" dirty="0">
+              <a:t>珍珠</a:t>
+            </a:r>
+            <a:endParaRPr lang="en-US" altLang="zh-TW" sz="900" dirty="0">
               <a:solidFill>
                 <a:srgbClr val="00B050"/>
               </a:solidFill>
-              <a:latin typeface="+mn-ea"/>
-              <a:cs typeface="CMU Serif" panose="02000603000000000000" pitchFamily="2" charset="0"/>
             </a:endParaRPr>
           </a:p>
         </p:txBody>
       </p:sp>
       <p:sp>
         <p:nvSpPr>
-          <p:cNvPr id="50" name="Rectangle 49">
-            <a:extLst>
-              <a:ext uri="{FF2B5EF4-FFF2-40B4-BE49-F238E27FC236}">
-                <a16:creationId xmlns:a16="http://schemas.microsoft.com/office/drawing/2014/main" id="{C9137999-754F-FD37-E63E-ADEFB4F79A62}"/>
+          <p:cNvPr id="106" name="Rectangle 105">
+            <a:extLst>
+              <a:ext uri="{FF2B5EF4-FFF2-40B4-BE49-F238E27FC236}">
+                <a16:creationId xmlns:a16="http://schemas.microsoft.com/office/drawing/2014/main" id="{116C38A8-8BFF-43EB-98C6-6E425887692B}"/>
               </a:ext>
             </a:extLst>
           </p:cNvPr>
@@ -6178,8 +4831,8 @@
         </p:nvSpPr>
         <p:spPr>
           <a:xfrm>
-            <a:off x="2190557" y="784336"/>
-            <a:ext cx="726644" cy="239893"/>
+            <a:off x="3291684" y="1165845"/>
+            <a:ext cx="806837" cy="193979"/>
           </a:xfrm>
           <a:prstGeom prst="rect">
             <a:avLst/>
@@ -6215,14 +4868,14 @@
           <a:p>
             <a:pPr algn="ctr"/>
             <a:r>
-              <a:rPr lang="zh-TW" altLang="en-US" sz="1400" dirty="0">
+              <a:rPr lang="zh-TW" altLang="en-US" sz="1200" dirty="0">
                 <a:solidFill>
                   <a:srgbClr val="00B050"/>
                 </a:solidFill>
                 <a:latin typeface="+mn-ea"/>
                 <a:cs typeface="CMU Serif" panose="02000603000000000000" pitchFamily="2" charset="0"/>
               </a:rPr>
-              <a:t>得罪了</a:t>
+              <a:t>狄侵略我</a:t>
             </a:r>
             <a:endParaRPr lang="en-US" altLang="zh-TW" sz="1400" dirty="0">
               <a:solidFill>
@@ -6236,24 +4889,24 @@
       </p:sp>
       <p:cxnSp>
         <p:nvCxnSpPr>
-          <p:cNvPr id="52" name="Straight Arrow Connector 51">
-            <a:extLst>
-              <a:ext uri="{FF2B5EF4-FFF2-40B4-BE49-F238E27FC236}">
-                <a16:creationId xmlns:a16="http://schemas.microsoft.com/office/drawing/2014/main" id="{A96CCAC8-87FC-D603-4F79-6B3728F56CF0}"/>
+          <p:cNvPr id="107" name="Straight Arrow Connector 106">
+            <a:extLst>
+              <a:ext uri="{FF2B5EF4-FFF2-40B4-BE49-F238E27FC236}">
+                <a16:creationId xmlns:a16="http://schemas.microsoft.com/office/drawing/2014/main" id="{C0FF37D8-80C0-9D15-4888-BDDDE0B10180}"/>
               </a:ext>
             </a:extLst>
           </p:cNvPr>
           <p:cNvCxnSpPr>
             <a:cxnSpLocks/>
-            <a:stCxn id="4" idx="2"/>
-            <a:endCxn id="47" idx="0"/>
+            <a:stCxn id="13" idx="2"/>
+            <a:endCxn id="106" idx="0"/>
           </p:cNvCxnSpPr>
           <p:nvPr/>
         </p:nvCxnSpPr>
         <p:spPr>
-          <a:xfrm>
-            <a:off x="723906" y="472885"/>
-            <a:ext cx="352547" cy="303687"/>
+          <a:xfrm flipH="1">
+            <a:off x="3695103" y="471050"/>
+            <a:ext cx="119850" cy="694795"/>
           </a:xfrm>
           <a:prstGeom prst="straightConnector1">
             <a:avLst/>
@@ -6280,10 +4933,10 @@
       </p:cxnSp>
       <p:sp>
         <p:nvSpPr>
-          <p:cNvPr id="66" name="Rectangle 65">
-            <a:extLst>
-              <a:ext uri="{FF2B5EF4-FFF2-40B4-BE49-F238E27FC236}">
-                <a16:creationId xmlns:a16="http://schemas.microsoft.com/office/drawing/2014/main" id="{62331364-297F-7825-C757-67A55143212A}"/>
+          <p:cNvPr id="111" name="Rectangle 110">
+            <a:extLst>
+              <a:ext uri="{FF2B5EF4-FFF2-40B4-BE49-F238E27FC236}">
+                <a16:creationId xmlns:a16="http://schemas.microsoft.com/office/drawing/2014/main" id="{0CA0BF94-A2CB-9C42-FF0A-8E6B4588BC6A}"/>
               </a:ext>
             </a:extLst>
           </p:cNvPr>
@@ -6292,8 +4945,8 @@
         </p:nvSpPr>
         <p:spPr>
           <a:xfrm>
-            <a:off x="2803796" y="1069586"/>
-            <a:ext cx="539210" cy="239893"/>
+            <a:off x="3066417" y="954006"/>
+            <a:ext cx="538974" cy="180509"/>
           </a:xfrm>
           <a:prstGeom prst="rect">
             <a:avLst/>
@@ -6329,14 +4982,14 @@
           <a:p>
             <a:pPr algn="ctr"/>
             <a:r>
-              <a:rPr lang="zh-TW" altLang="en-US" sz="1400" dirty="0">
+              <a:rPr lang="zh-TW" altLang="en-US" sz="1200" dirty="0">
                 <a:solidFill>
                   <a:srgbClr val="00B050"/>
                 </a:solidFill>
                 <a:latin typeface="+mn-ea"/>
                 <a:cs typeface="CMU Serif" panose="02000603000000000000" pitchFamily="2" charset="0"/>
               </a:rPr>
-              <a:t>先生</a:t>
+              <a:t>避免</a:t>
             </a:r>
             <a:endParaRPr lang="en-US" altLang="zh-TW" sz="1400" dirty="0">
               <a:solidFill>
@@ -6348,12 +5001,56 @@
           </a:p>
         </p:txBody>
       </p:sp>
-      <p:sp>
-        <p:nvSpPr>
-          <p:cNvPr id="70" name="Rectangle 69">
-            <a:extLst>
-              <a:ext uri="{FF2B5EF4-FFF2-40B4-BE49-F238E27FC236}">
-                <a16:creationId xmlns:a16="http://schemas.microsoft.com/office/drawing/2014/main" id="{6C60C4CF-1029-28F1-B3C5-CFEC95D26452}"/>
+      <p:cxnSp>
+        <p:nvCxnSpPr>
+          <p:cNvPr id="112" name="Straight Arrow Connector 111">
+            <a:extLst>
+              <a:ext uri="{FF2B5EF4-FFF2-40B4-BE49-F238E27FC236}">
+                <a16:creationId xmlns:a16="http://schemas.microsoft.com/office/drawing/2014/main" id="{3586E209-FBBD-9AA7-0091-9596EDCC3701}"/>
+              </a:ext>
+            </a:extLst>
+          </p:cNvPr>
+          <p:cNvCxnSpPr>
+            <a:cxnSpLocks/>
+            <a:stCxn id="12" idx="2"/>
+            <a:endCxn id="111" idx="0"/>
+          </p:cNvCxnSpPr>
+          <p:nvPr/>
+        </p:nvCxnSpPr>
+        <p:spPr>
+          <a:xfrm flipH="1">
+            <a:off x="3335904" y="471050"/>
+            <a:ext cx="212096" cy="482956"/>
+          </a:xfrm>
+          <a:prstGeom prst="straightConnector1">
+            <a:avLst/>
+          </a:prstGeom>
+          <a:ln>
+            <a:headEnd type="none" w="med" len="med"/>
+            <a:tailEnd type="arrow" w="med" len="med"/>
+          </a:ln>
+        </p:spPr>
+        <p:style>
+          <a:lnRef idx="1">
+            <a:schemeClr val="accent1"/>
+          </a:lnRef>
+          <a:fillRef idx="0">
+            <a:schemeClr val="accent1"/>
+          </a:fillRef>
+          <a:effectRef idx="0">
+            <a:schemeClr val="accent1"/>
+          </a:effectRef>
+          <a:fontRef idx="minor">
+            <a:schemeClr val="tx1"/>
+          </a:fontRef>
+        </p:style>
+      </p:cxnSp>
+      <p:sp>
+        <p:nvSpPr>
+          <p:cNvPr id="117" name="Rectangle 116">
+            <a:extLst>
+              <a:ext uri="{FF2B5EF4-FFF2-40B4-BE49-F238E27FC236}">
+                <a16:creationId xmlns:a16="http://schemas.microsoft.com/office/drawing/2014/main" id="{7A1BA7ED-B9C1-B00F-320D-9A9E0FD73406}"/>
               </a:ext>
             </a:extLst>
           </p:cNvPr>
@@ -6362,8 +5059,8 @@
         </p:nvSpPr>
         <p:spPr>
           <a:xfrm>
-            <a:off x="3148892" y="275033"/>
-            <a:ext cx="234167" cy="604923"/>
+            <a:off x="2877604" y="749251"/>
+            <a:ext cx="198283" cy="189090"/>
           </a:xfrm>
           <a:prstGeom prst="rect">
             <a:avLst/>
@@ -6371,7 +5068,7 @@
           <a:noFill/>
           <a:ln w="9525" cap="flat" cmpd="sng" algn="ctr">
             <a:solidFill>
-              <a:srgbClr val="FF0000"/>
+              <a:srgbClr val="00B050"/>
             </a:solidFill>
             <a:prstDash val="solid"/>
             <a:round/>
@@ -6390,7 +5087,7 @@
             <a:scrgbClr r="0" g="0" b="0"/>
           </a:effectRef>
           <a:fontRef idx="minor">
-            <a:schemeClr val="accent2"/>
+            <a:schemeClr val="accent1"/>
           </a:fontRef>
         </p:style>
         <p:txBody>
@@ -6401,23 +5098,852 @@
             <a:r>
               <a:rPr lang="zh-TW" altLang="en-US" sz="1200" dirty="0">
                 <a:solidFill>
-                  <a:srgbClr val="FF0000"/>
+                  <a:srgbClr val="00B050"/>
+                </a:solidFill>
+                <a:latin typeface="+mn-ea"/>
+                <a:cs typeface="CMU Serif" panose="02000603000000000000" pitchFamily="2" charset="0"/>
+              </a:rPr>
+              <a:t>不</a:t>
+            </a:r>
+            <a:endParaRPr lang="en-US" altLang="zh-TW" sz="1400" dirty="0">
+              <a:solidFill>
+                <a:srgbClr val="00B050"/>
+              </a:solidFill>
+              <a:latin typeface="+mn-ea"/>
+              <a:cs typeface="CMU Serif" panose="02000603000000000000" pitchFamily="2" charset="0"/>
+            </a:endParaRPr>
+          </a:p>
+        </p:txBody>
+      </p:sp>
+      <p:sp>
+        <p:nvSpPr>
+          <p:cNvPr id="118" name="Rectangle 117">
+            <a:extLst>
+              <a:ext uri="{FF2B5EF4-FFF2-40B4-BE49-F238E27FC236}">
+                <a16:creationId xmlns:a16="http://schemas.microsoft.com/office/drawing/2014/main" id="{F9F7B6E9-9696-86D9-81AD-31045CCA35E4}"/>
+              </a:ext>
+            </a:extLst>
+          </p:cNvPr>
+          <p:cNvSpPr/>
+          <p:nvPr/>
+        </p:nvSpPr>
+        <p:spPr>
+          <a:xfrm>
+            <a:off x="3102019" y="749251"/>
+            <a:ext cx="198283" cy="189090"/>
+          </a:xfrm>
+          <a:prstGeom prst="rect">
+            <a:avLst/>
+          </a:prstGeom>
+          <a:noFill/>
+          <a:ln w="9525" cap="flat" cmpd="sng" algn="ctr">
+            <a:solidFill>
+              <a:srgbClr val="00B050"/>
+            </a:solidFill>
+            <a:prstDash val="solid"/>
+            <a:round/>
+            <a:headEnd type="none" w="med" len="med"/>
+            <a:tailEnd type="none" w="med" len="med"/>
+          </a:ln>
+        </p:spPr>
+        <p:style>
+          <a:lnRef idx="0">
+            <a:scrgbClr r="0" g="0" b="0"/>
+          </a:lnRef>
+          <a:fillRef idx="0">
+            <a:scrgbClr r="0" g="0" b="0"/>
+          </a:fillRef>
+          <a:effectRef idx="0">
+            <a:scrgbClr r="0" g="0" b="0"/>
+          </a:effectRef>
+          <a:fontRef idx="minor">
+            <a:schemeClr val="accent1"/>
+          </a:fontRef>
+        </p:style>
+        <p:txBody>
+          <a:bodyPr rtlCol="0" anchor="ctr"/>
+          <a:lstStyle/>
+          <a:p>
+            <a:pPr algn="ctr"/>
+            <a:r>
+              <a:rPr lang="zh-TW" altLang="en-US" sz="1200" dirty="0">
+                <a:solidFill>
+                  <a:srgbClr val="00B050"/>
+                </a:solidFill>
+                <a:latin typeface="+mn-ea"/>
+                <a:cs typeface="CMU Serif" panose="02000603000000000000" pitchFamily="2" charset="0"/>
+              </a:rPr>
+              <a:t>能</a:t>
+            </a:r>
+            <a:endParaRPr lang="en-US" altLang="zh-TW" sz="1400" dirty="0">
+              <a:solidFill>
+                <a:srgbClr val="00B050"/>
+              </a:solidFill>
+              <a:latin typeface="+mn-ea"/>
+              <a:cs typeface="CMU Serif" panose="02000603000000000000" pitchFamily="2" charset="0"/>
+            </a:endParaRPr>
+          </a:p>
+        </p:txBody>
+      </p:sp>
+      <p:cxnSp>
+        <p:nvCxnSpPr>
+          <p:cNvPr id="125" name="Straight Arrow Connector 124">
+            <a:extLst>
+              <a:ext uri="{FF2B5EF4-FFF2-40B4-BE49-F238E27FC236}">
+                <a16:creationId xmlns:a16="http://schemas.microsoft.com/office/drawing/2014/main" id="{20E30C6D-4116-0CE9-6954-D7659CDB44D7}"/>
+              </a:ext>
+            </a:extLst>
+          </p:cNvPr>
+          <p:cNvCxnSpPr>
+            <a:cxnSpLocks/>
+            <a:stCxn id="11" idx="2"/>
+            <a:endCxn id="118" idx="0"/>
+          </p:cNvCxnSpPr>
+          <p:nvPr/>
+        </p:nvCxnSpPr>
+        <p:spPr>
+          <a:xfrm flipH="1">
+            <a:off x="3201161" y="471050"/>
+            <a:ext cx="79886" cy="278201"/>
+          </a:xfrm>
+          <a:prstGeom prst="straightConnector1">
+            <a:avLst/>
+          </a:prstGeom>
+          <a:ln>
+            <a:headEnd type="none" w="med" len="med"/>
+            <a:tailEnd type="arrow" w="med" len="med"/>
+          </a:ln>
+        </p:spPr>
+        <p:style>
+          <a:lnRef idx="1">
+            <a:schemeClr val="accent1"/>
+          </a:lnRef>
+          <a:fillRef idx="0">
+            <a:schemeClr val="accent1"/>
+          </a:fillRef>
+          <a:effectRef idx="0">
+            <a:schemeClr val="accent1"/>
+          </a:effectRef>
+          <a:fontRef idx="minor">
+            <a:schemeClr val="tx1"/>
+          </a:fontRef>
+        </p:style>
+      </p:cxnSp>
+      <p:cxnSp>
+        <p:nvCxnSpPr>
+          <p:cNvPr id="128" name="Straight Arrow Connector 127">
+            <a:extLst>
+              <a:ext uri="{FF2B5EF4-FFF2-40B4-BE49-F238E27FC236}">
+                <a16:creationId xmlns:a16="http://schemas.microsoft.com/office/drawing/2014/main" id="{A24AD3D6-88DA-E302-782B-04EEB279F2DA}"/>
+              </a:ext>
+            </a:extLst>
+          </p:cNvPr>
+          <p:cNvCxnSpPr>
+            <a:cxnSpLocks/>
+            <a:stCxn id="9" idx="2"/>
+            <a:endCxn id="117" idx="0"/>
+          </p:cNvCxnSpPr>
+          <p:nvPr/>
+        </p:nvCxnSpPr>
+        <p:spPr>
+          <a:xfrm flipH="1">
+            <a:off x="2976746" y="471050"/>
+            <a:ext cx="35123" cy="278201"/>
+          </a:xfrm>
+          <a:prstGeom prst="straightConnector1">
+            <a:avLst/>
+          </a:prstGeom>
+          <a:ln>
+            <a:headEnd type="none" w="med" len="med"/>
+            <a:tailEnd type="arrow" w="med" len="med"/>
+          </a:ln>
+        </p:spPr>
+        <p:style>
+          <a:lnRef idx="1">
+            <a:schemeClr val="accent1"/>
+          </a:lnRef>
+          <a:fillRef idx="0">
+            <a:schemeClr val="accent1"/>
+          </a:fillRef>
+          <a:effectRef idx="0">
+            <a:schemeClr val="accent1"/>
+          </a:effectRef>
+          <a:fontRef idx="minor">
+            <a:schemeClr val="tx1"/>
+          </a:fontRef>
+        </p:style>
+      </p:cxnSp>
+      <p:sp>
+        <p:nvSpPr>
+          <p:cNvPr id="148" name="Rectangle 147">
+            <a:extLst>
+              <a:ext uri="{FF2B5EF4-FFF2-40B4-BE49-F238E27FC236}">
+                <a16:creationId xmlns:a16="http://schemas.microsoft.com/office/drawing/2014/main" id="{C24DE581-BF2A-6501-528E-B3840D365179}"/>
+              </a:ext>
+            </a:extLst>
+          </p:cNvPr>
+          <p:cNvSpPr/>
+          <p:nvPr/>
+        </p:nvSpPr>
+        <p:spPr>
+          <a:xfrm>
+            <a:off x="1796875" y="64057"/>
+            <a:ext cx="239699" cy="290818"/>
+          </a:xfrm>
+          <a:prstGeom prst="rect">
+            <a:avLst/>
+          </a:prstGeom>
+        </p:spPr>
+        <p:style>
+          <a:lnRef idx="2">
+            <a:schemeClr val="accent1">
+              <a:shade val="15000"/>
+            </a:schemeClr>
+          </a:lnRef>
+          <a:fillRef idx="1">
+            <a:schemeClr val="accent1"/>
+          </a:fillRef>
+          <a:effectRef idx="0">
+            <a:schemeClr val="accent1"/>
+          </a:effectRef>
+          <a:fontRef idx="minor">
+            <a:schemeClr val="lt1"/>
+          </a:fontRef>
+        </p:style>
+        <p:txBody>
+          <a:bodyPr rtlCol="0" anchor="ctr"/>
+          <a:lstStyle/>
+          <a:p>
+            <a:pPr algn="ctr"/>
+            <a:r>
+              <a:rPr lang="zh-TW" altLang="en-US" dirty="0">
+                <a:latin typeface="DFKai-SB" panose="03000509000000000000" pitchFamily="65" charset="-120"/>
+                <a:ea typeface="DFKai-SB" panose="03000509000000000000" pitchFamily="65" charset="-120"/>
+              </a:rPr>
+              <a:t>皮</a:t>
+            </a:r>
+          </a:p>
+        </p:txBody>
+      </p:sp>
+      <p:sp>
+        <p:nvSpPr>
+          <p:cNvPr id="149" name="Rectangle 148">
+            <a:extLst>
+              <a:ext uri="{FF2B5EF4-FFF2-40B4-BE49-F238E27FC236}">
+                <a16:creationId xmlns:a16="http://schemas.microsoft.com/office/drawing/2014/main" id="{062266E0-1A3F-1D99-575D-B89C497FCFFD}"/>
+              </a:ext>
+            </a:extLst>
+          </p:cNvPr>
+          <p:cNvSpPr/>
+          <p:nvPr/>
+        </p:nvSpPr>
+        <p:spPr>
+          <a:xfrm>
+            <a:off x="2056892" y="64057"/>
+            <a:ext cx="239699" cy="290818"/>
+          </a:xfrm>
+          <a:prstGeom prst="rect">
+            <a:avLst/>
+          </a:prstGeom>
+        </p:spPr>
+        <p:style>
+          <a:lnRef idx="2">
+            <a:schemeClr val="accent1">
+              <a:shade val="15000"/>
+            </a:schemeClr>
+          </a:lnRef>
+          <a:fillRef idx="1">
+            <a:schemeClr val="accent1"/>
+          </a:fillRef>
+          <a:effectRef idx="0">
+            <a:schemeClr val="accent1"/>
+          </a:effectRef>
+          <a:fontRef idx="minor">
+            <a:schemeClr val="lt1"/>
+          </a:fontRef>
+        </p:style>
+        <p:txBody>
+          <a:bodyPr rtlCol="0" anchor="ctr"/>
+          <a:lstStyle/>
+          <a:p>
+            <a:pPr algn="ctr"/>
+            <a:r>
+              <a:rPr lang="zh-TW" altLang="en-US" dirty="0">
+                <a:latin typeface="DFKai-SB" panose="03000509000000000000" pitchFamily="65" charset="-120"/>
+                <a:ea typeface="DFKai-SB" panose="03000509000000000000" pitchFamily="65" charset="-120"/>
+              </a:rPr>
+              <a:t>幣</a:t>
+            </a:r>
+          </a:p>
+        </p:txBody>
+      </p:sp>
+      <p:sp>
+        <p:nvSpPr>
+          <p:cNvPr id="150" name="Rectangle 149">
+            <a:extLst>
+              <a:ext uri="{FF2B5EF4-FFF2-40B4-BE49-F238E27FC236}">
+                <a16:creationId xmlns:a16="http://schemas.microsoft.com/office/drawing/2014/main" id="{512E7889-8EDF-471F-3407-AD89018E4DB2}"/>
+              </a:ext>
+            </a:extLst>
+          </p:cNvPr>
+          <p:cNvSpPr/>
+          <p:nvPr/>
+        </p:nvSpPr>
+        <p:spPr>
+          <a:xfrm>
+            <a:off x="1796875" y="434213"/>
+            <a:ext cx="239699" cy="290818"/>
+          </a:xfrm>
+          <a:prstGeom prst="rect">
+            <a:avLst/>
+          </a:prstGeom>
+        </p:spPr>
+        <p:style>
+          <a:lnRef idx="2">
+            <a:schemeClr val="accent1">
+              <a:shade val="15000"/>
+            </a:schemeClr>
+          </a:lnRef>
+          <a:fillRef idx="1">
+            <a:schemeClr val="accent1"/>
+          </a:fillRef>
+          <a:effectRef idx="0">
+            <a:schemeClr val="accent1"/>
+          </a:effectRef>
+          <a:fontRef idx="minor">
+            <a:schemeClr val="lt1"/>
+          </a:fontRef>
+        </p:style>
+        <p:txBody>
+          <a:bodyPr rtlCol="0" anchor="ctr"/>
+          <a:lstStyle/>
+          <a:p>
+            <a:pPr algn="ctr"/>
+            <a:r>
+              <a:rPr lang="zh-TW" altLang="en-US" dirty="0">
+                <a:latin typeface="DFKai-SB" panose="03000509000000000000" pitchFamily="65" charset="-120"/>
+                <a:ea typeface="DFKai-SB" panose="03000509000000000000" pitchFamily="65" charset="-120"/>
+              </a:rPr>
+              <a:t>犬</a:t>
+            </a:r>
+          </a:p>
+        </p:txBody>
+      </p:sp>
+      <p:sp>
+        <p:nvSpPr>
+          <p:cNvPr id="151" name="Rectangle 150">
+            <a:extLst>
+              <a:ext uri="{FF2B5EF4-FFF2-40B4-BE49-F238E27FC236}">
+                <a16:creationId xmlns:a16="http://schemas.microsoft.com/office/drawing/2014/main" id="{DE42B22E-C858-4492-D2CC-53AE5F01F620}"/>
+              </a:ext>
+            </a:extLst>
+          </p:cNvPr>
+          <p:cNvSpPr/>
+          <p:nvPr/>
+        </p:nvSpPr>
+        <p:spPr>
+          <a:xfrm>
+            <a:off x="1796875" y="804368"/>
+            <a:ext cx="239699" cy="290818"/>
+          </a:xfrm>
+          <a:prstGeom prst="rect">
+            <a:avLst/>
+          </a:prstGeom>
+        </p:spPr>
+        <p:style>
+          <a:lnRef idx="2">
+            <a:schemeClr val="accent1">
+              <a:shade val="15000"/>
+            </a:schemeClr>
+          </a:lnRef>
+          <a:fillRef idx="1">
+            <a:schemeClr val="accent1"/>
+          </a:fillRef>
+          <a:effectRef idx="0">
+            <a:schemeClr val="accent1"/>
+          </a:effectRef>
+          <a:fontRef idx="minor">
+            <a:schemeClr val="lt1"/>
+          </a:fontRef>
+        </p:style>
+        <p:txBody>
+          <a:bodyPr rtlCol="0" anchor="ctr"/>
+          <a:lstStyle/>
+          <a:p>
+            <a:pPr algn="ctr"/>
+            <a:r>
+              <a:rPr lang="zh-TW" altLang="en-US" dirty="0">
+                <a:latin typeface="DFKai-SB" panose="03000509000000000000" pitchFamily="65" charset="-120"/>
+                <a:ea typeface="DFKai-SB" panose="03000509000000000000" pitchFamily="65" charset="-120"/>
+              </a:rPr>
+              <a:t>珠</a:t>
+            </a:r>
+          </a:p>
+        </p:txBody>
+      </p:sp>
+      <p:cxnSp>
+        <p:nvCxnSpPr>
+          <p:cNvPr id="152" name="Connector: Curved 151">
+            <a:extLst>
+              <a:ext uri="{FF2B5EF4-FFF2-40B4-BE49-F238E27FC236}">
+                <a16:creationId xmlns:a16="http://schemas.microsoft.com/office/drawing/2014/main" id="{479C509F-2F21-29D9-7650-4FE0B6EDF416}"/>
+              </a:ext>
+            </a:extLst>
+          </p:cNvPr>
+          <p:cNvCxnSpPr>
+            <a:cxnSpLocks/>
+            <a:stCxn id="151" idx="2"/>
+          </p:cNvCxnSpPr>
+          <p:nvPr/>
+        </p:nvCxnSpPr>
+        <p:spPr>
+          <a:xfrm rot="5400000">
+            <a:off x="1787654" y="1019797"/>
+            <a:ext cx="53683" cy="204461"/>
+          </a:xfrm>
+          <a:prstGeom prst="curvedConnector2">
+            <a:avLst/>
+          </a:prstGeom>
+          <a:ln>
+            <a:tailEnd type="triangle"/>
+          </a:ln>
+        </p:spPr>
+        <p:style>
+          <a:lnRef idx="1">
+            <a:schemeClr val="accent1"/>
+          </a:lnRef>
+          <a:fillRef idx="0">
+            <a:schemeClr val="accent1"/>
+          </a:fillRef>
+          <a:effectRef idx="0">
+            <a:schemeClr val="accent1"/>
+          </a:effectRef>
+          <a:fontRef idx="minor">
+            <a:schemeClr val="tx1"/>
+          </a:fontRef>
+        </p:style>
+      </p:cxnSp>
+      <p:sp>
+        <p:nvSpPr>
+          <p:cNvPr id="153" name="Rectangle 152">
+            <a:extLst>
+              <a:ext uri="{FF2B5EF4-FFF2-40B4-BE49-F238E27FC236}">
+                <a16:creationId xmlns:a16="http://schemas.microsoft.com/office/drawing/2014/main" id="{986959EF-667D-A1C7-B8A1-B7827102F028}"/>
+              </a:ext>
+            </a:extLst>
+          </p:cNvPr>
+          <p:cNvSpPr/>
+          <p:nvPr/>
+        </p:nvSpPr>
+        <p:spPr>
+          <a:xfrm>
+            <a:off x="2056327" y="434213"/>
+            <a:ext cx="239699" cy="290818"/>
+          </a:xfrm>
+          <a:prstGeom prst="rect">
+            <a:avLst/>
+          </a:prstGeom>
+        </p:spPr>
+        <p:style>
+          <a:lnRef idx="2">
+            <a:schemeClr val="accent1">
+              <a:shade val="15000"/>
+            </a:schemeClr>
+          </a:lnRef>
+          <a:fillRef idx="1">
+            <a:schemeClr val="accent1"/>
+          </a:fillRef>
+          <a:effectRef idx="0">
+            <a:schemeClr val="accent1"/>
+          </a:effectRef>
+          <a:fontRef idx="minor">
+            <a:schemeClr val="lt1"/>
+          </a:fontRef>
+        </p:style>
+        <p:txBody>
+          <a:bodyPr rtlCol="0" anchor="ctr"/>
+          <a:lstStyle/>
+          <a:p>
+            <a:pPr algn="ctr"/>
+            <a:r>
+              <a:rPr lang="zh-TW" altLang="en-US" dirty="0">
+                <a:latin typeface="DFKai-SB" panose="03000509000000000000" pitchFamily="65" charset="-120"/>
+                <a:ea typeface="DFKai-SB" panose="03000509000000000000" pitchFamily="65" charset="-120"/>
+              </a:rPr>
+              <a:t>馬</a:t>
+            </a:r>
+          </a:p>
+        </p:txBody>
+      </p:sp>
+      <p:sp>
+        <p:nvSpPr>
+          <p:cNvPr id="154" name="Rectangle 153">
+            <a:extLst>
+              <a:ext uri="{FF2B5EF4-FFF2-40B4-BE49-F238E27FC236}">
+                <a16:creationId xmlns:a16="http://schemas.microsoft.com/office/drawing/2014/main" id="{A06FBB7F-D839-B089-AEE8-A6611F68F496}"/>
+              </a:ext>
+            </a:extLst>
+          </p:cNvPr>
+          <p:cNvSpPr/>
+          <p:nvPr/>
+        </p:nvSpPr>
+        <p:spPr>
+          <a:xfrm>
+            <a:off x="2065061" y="804368"/>
+            <a:ext cx="239699" cy="290818"/>
+          </a:xfrm>
+          <a:prstGeom prst="rect">
+            <a:avLst/>
+          </a:prstGeom>
+        </p:spPr>
+        <p:style>
+          <a:lnRef idx="2">
+            <a:schemeClr val="accent1">
+              <a:shade val="15000"/>
+            </a:schemeClr>
+          </a:lnRef>
+          <a:fillRef idx="1">
+            <a:schemeClr val="accent1"/>
+          </a:fillRef>
+          <a:effectRef idx="0">
+            <a:schemeClr val="accent1"/>
+          </a:effectRef>
+          <a:fontRef idx="minor">
+            <a:schemeClr val="lt1"/>
+          </a:fontRef>
+        </p:style>
+        <p:txBody>
+          <a:bodyPr rtlCol="0" anchor="ctr"/>
+          <a:lstStyle/>
+          <a:p>
+            <a:pPr algn="ctr"/>
+            <a:r>
+              <a:rPr lang="zh-TW" altLang="en-US" dirty="0">
+                <a:latin typeface="DFKai-SB" panose="03000509000000000000" pitchFamily="65" charset="-120"/>
+                <a:ea typeface="DFKai-SB" panose="03000509000000000000" pitchFamily="65" charset="-120"/>
+              </a:rPr>
+              <a:t>玉</a:t>
+            </a:r>
+          </a:p>
+        </p:txBody>
+      </p:sp>
+      <p:sp>
+        <p:nvSpPr>
+          <p:cNvPr id="155" name="Rectangle 154">
+            <a:extLst>
+              <a:ext uri="{FF2B5EF4-FFF2-40B4-BE49-F238E27FC236}">
+                <a16:creationId xmlns:a16="http://schemas.microsoft.com/office/drawing/2014/main" id="{EEDCD3CE-2B3C-0F57-BCEA-A2501D162737}"/>
+              </a:ext>
+            </a:extLst>
+          </p:cNvPr>
+          <p:cNvSpPr/>
+          <p:nvPr/>
+        </p:nvSpPr>
+        <p:spPr>
+          <a:xfrm>
+            <a:off x="2316344" y="164595"/>
+            <a:ext cx="417378" cy="124721"/>
+          </a:xfrm>
+          <a:prstGeom prst="rect">
+            <a:avLst/>
+          </a:prstGeom>
+          <a:noFill/>
+          <a:ln w="9525" cap="flat" cmpd="sng" algn="ctr">
+            <a:solidFill>
+              <a:srgbClr val="00B050"/>
+            </a:solidFill>
+            <a:prstDash val="solid"/>
+            <a:round/>
+            <a:headEnd type="none" w="med" len="med"/>
+            <a:tailEnd type="none" w="med" len="med"/>
+          </a:ln>
+        </p:spPr>
+        <p:style>
+          <a:lnRef idx="0">
+            <a:scrgbClr r="0" g="0" b="0"/>
+          </a:lnRef>
+          <a:fillRef idx="0">
+            <a:scrgbClr r="0" g="0" b="0"/>
+          </a:fillRef>
+          <a:effectRef idx="0">
+            <a:scrgbClr r="0" g="0" b="0"/>
+          </a:effectRef>
+          <a:fontRef idx="minor">
+            <a:schemeClr val="accent1"/>
+          </a:fontRef>
+        </p:style>
+        <p:txBody>
+          <a:bodyPr rtlCol="0" anchor="ctr"/>
+          <a:lstStyle/>
+          <a:p>
+            <a:pPr algn="ctr"/>
+            <a:r>
+              <a:rPr lang="zh-TW" altLang="en-US" sz="900" dirty="0">
+                <a:solidFill>
+                  <a:srgbClr val="00B050"/>
                 </a:solidFill>
               </a:rPr>
-              <a:t>不翻譯</a:t>
-            </a:r>
-            <a:endParaRPr lang="en-US" sz="1200" dirty="0">
+              <a:t>布帛</a:t>
+            </a:r>
+            <a:endParaRPr lang="en-US" altLang="zh-TW" sz="900" dirty="0">
               <a:solidFill>
-                <a:srgbClr val="FF0000"/>
+                <a:srgbClr val="00B050"/>
               </a:solidFill>
             </a:endParaRPr>
+          </a:p>
+        </p:txBody>
+      </p:sp>
+      <p:cxnSp>
+        <p:nvCxnSpPr>
+          <p:cNvPr id="156" name="Connector: Curved 155">
+            <a:extLst>
+              <a:ext uri="{FF2B5EF4-FFF2-40B4-BE49-F238E27FC236}">
+                <a16:creationId xmlns:a16="http://schemas.microsoft.com/office/drawing/2014/main" id="{69E13FBA-D002-6E80-BF4D-37AF84EDE1E1}"/>
+              </a:ext>
+            </a:extLst>
+          </p:cNvPr>
+          <p:cNvCxnSpPr>
+            <a:cxnSpLocks/>
+            <a:endCxn id="155" idx="2"/>
+          </p:cNvCxnSpPr>
+          <p:nvPr/>
+        </p:nvCxnSpPr>
+        <p:spPr>
+          <a:xfrm rot="5400000" flipH="1" flipV="1">
+            <a:off x="2317401" y="147244"/>
+            <a:ext cx="65559" cy="349703"/>
+          </a:xfrm>
+          <a:prstGeom prst="curvedConnector3">
+            <a:avLst>
+              <a:gd name="adj1" fmla="val -99347"/>
+            </a:avLst>
+          </a:prstGeom>
+          <a:ln>
+            <a:tailEnd type="triangle"/>
+          </a:ln>
+        </p:spPr>
+        <p:style>
+          <a:lnRef idx="1">
+            <a:schemeClr val="accent1"/>
+          </a:lnRef>
+          <a:fillRef idx="0">
+            <a:schemeClr val="accent1"/>
+          </a:fillRef>
+          <a:effectRef idx="0">
+            <a:schemeClr val="accent1"/>
+          </a:effectRef>
+          <a:fontRef idx="minor">
+            <a:schemeClr val="tx1"/>
+          </a:fontRef>
+        </p:style>
+      </p:cxnSp>
+      <p:sp>
+        <p:nvSpPr>
+          <p:cNvPr id="157" name="Rectangle 156">
+            <a:extLst>
+              <a:ext uri="{FF2B5EF4-FFF2-40B4-BE49-F238E27FC236}">
+                <a16:creationId xmlns:a16="http://schemas.microsoft.com/office/drawing/2014/main" id="{E752C577-B254-23DC-B4C3-143F481F3A62}"/>
+              </a:ext>
+            </a:extLst>
+          </p:cNvPr>
+          <p:cNvSpPr/>
+          <p:nvPr/>
+        </p:nvSpPr>
+        <p:spPr>
+          <a:xfrm>
+            <a:off x="2340132" y="1112162"/>
+            <a:ext cx="417378" cy="124721"/>
+          </a:xfrm>
+          <a:prstGeom prst="rect">
+            <a:avLst/>
+          </a:prstGeom>
+          <a:noFill/>
+          <a:ln w="9525" cap="flat" cmpd="sng" algn="ctr">
+            <a:solidFill>
+              <a:srgbClr val="00B050"/>
+            </a:solidFill>
+            <a:prstDash val="solid"/>
+            <a:round/>
+            <a:headEnd type="none" w="med" len="med"/>
+            <a:tailEnd type="none" w="med" len="med"/>
+          </a:ln>
+        </p:spPr>
+        <p:style>
+          <a:lnRef idx="0">
+            <a:scrgbClr r="0" g="0" b="0"/>
+          </a:lnRef>
+          <a:fillRef idx="0">
+            <a:scrgbClr r="0" g="0" b="0"/>
+          </a:fillRef>
+          <a:effectRef idx="0">
+            <a:scrgbClr r="0" g="0" b="0"/>
+          </a:effectRef>
+          <a:fontRef idx="minor">
+            <a:schemeClr val="accent1"/>
+          </a:fontRef>
+        </p:style>
+        <p:txBody>
+          <a:bodyPr rtlCol="0" anchor="ctr"/>
+          <a:lstStyle/>
+          <a:p>
+            <a:pPr algn="ctr"/>
+            <a:r>
+              <a:rPr lang="zh-TW" altLang="en-US" sz="900" dirty="0">
+                <a:solidFill>
+                  <a:srgbClr val="00B050"/>
+                </a:solidFill>
+              </a:rPr>
+              <a:t>玉器</a:t>
+            </a:r>
+            <a:endParaRPr lang="en-US" altLang="zh-TW" sz="900" dirty="0">
+              <a:solidFill>
+                <a:srgbClr val="00B050"/>
+              </a:solidFill>
+            </a:endParaRPr>
+          </a:p>
+        </p:txBody>
+      </p:sp>
+      <p:cxnSp>
+        <p:nvCxnSpPr>
+          <p:cNvPr id="158" name="Connector: Curved 157">
+            <a:extLst>
+              <a:ext uri="{FF2B5EF4-FFF2-40B4-BE49-F238E27FC236}">
+                <a16:creationId xmlns:a16="http://schemas.microsoft.com/office/drawing/2014/main" id="{6829C8A8-2F21-4DB7-FDE1-C5AC5FBB3229}"/>
+              </a:ext>
+            </a:extLst>
+          </p:cNvPr>
+          <p:cNvCxnSpPr>
+            <a:cxnSpLocks/>
+            <a:stCxn id="154" idx="2"/>
+            <a:endCxn id="157" idx="1"/>
+          </p:cNvCxnSpPr>
+          <p:nvPr/>
+        </p:nvCxnSpPr>
+        <p:spPr>
+          <a:xfrm rot="16200000" flipH="1">
+            <a:off x="2222853" y="1057243"/>
+            <a:ext cx="79337" cy="155221"/>
+          </a:xfrm>
+          <a:prstGeom prst="curvedConnector2">
+            <a:avLst/>
+          </a:prstGeom>
+          <a:ln>
+            <a:tailEnd type="triangle"/>
+          </a:ln>
+        </p:spPr>
+        <p:style>
+          <a:lnRef idx="1">
+            <a:schemeClr val="accent1"/>
+          </a:lnRef>
+          <a:fillRef idx="0">
+            <a:schemeClr val="accent1"/>
+          </a:fillRef>
+          <a:effectRef idx="0">
+            <a:schemeClr val="accent1"/>
+          </a:effectRef>
+          <a:fontRef idx="minor">
+            <a:schemeClr val="tx1"/>
+          </a:fontRef>
+        </p:style>
+      </p:cxnSp>
+      <p:sp>
+        <p:nvSpPr>
+          <p:cNvPr id="172" name="Left Brace 171">
+            <a:extLst>
+              <a:ext uri="{FF2B5EF4-FFF2-40B4-BE49-F238E27FC236}">
+                <a16:creationId xmlns:a16="http://schemas.microsoft.com/office/drawing/2014/main" id="{DDF303C6-7B9E-1852-9036-E73998DABE8B}"/>
+              </a:ext>
+            </a:extLst>
+          </p:cNvPr>
+          <p:cNvSpPr/>
+          <p:nvPr/>
+        </p:nvSpPr>
+        <p:spPr>
+          <a:xfrm rot="10800000">
+            <a:off x="2765780" y="89498"/>
+            <a:ext cx="77547" cy="1192604"/>
+          </a:xfrm>
+          <a:prstGeom prst="leftBrace">
+            <a:avLst>
+              <a:gd name="adj1" fmla="val 90675"/>
+              <a:gd name="adj2" fmla="val 49572"/>
+            </a:avLst>
+          </a:prstGeom>
+        </p:spPr>
+        <p:style>
+          <a:lnRef idx="1">
+            <a:schemeClr val="accent1"/>
+          </a:lnRef>
+          <a:fillRef idx="0">
+            <a:schemeClr val="accent1"/>
+          </a:fillRef>
+          <a:effectRef idx="0">
+            <a:schemeClr val="accent1"/>
+          </a:effectRef>
+          <a:fontRef idx="minor">
+            <a:schemeClr val="tx1"/>
+          </a:fontRef>
+        </p:style>
+        <p:txBody>
+          <a:bodyPr rtlCol="0" anchor="ctr"/>
+          <a:lstStyle/>
+          <a:p>
+            <a:pPr algn="ctr"/>
+            <a:endParaRPr lang="en-US"/>
+          </a:p>
+        </p:txBody>
+      </p:sp>
+      <p:sp>
+        <p:nvSpPr>
+          <p:cNvPr id="183" name="Left Brace 182">
+            <a:extLst>
+              <a:ext uri="{FF2B5EF4-FFF2-40B4-BE49-F238E27FC236}">
+                <a16:creationId xmlns:a16="http://schemas.microsoft.com/office/drawing/2014/main" id="{03C3D1C6-FCD7-BD33-9811-577829447FC6}"/>
+              </a:ext>
+            </a:extLst>
+          </p:cNvPr>
+          <p:cNvSpPr/>
+          <p:nvPr/>
+        </p:nvSpPr>
+        <p:spPr>
+          <a:xfrm rot="10800000" flipH="1">
+            <a:off x="1152075" y="70230"/>
+            <a:ext cx="101602" cy="1192604"/>
+          </a:xfrm>
+          <a:prstGeom prst="leftBrace">
+            <a:avLst>
+              <a:gd name="adj1" fmla="val 90675"/>
+              <a:gd name="adj2" fmla="val 49572"/>
+            </a:avLst>
+          </a:prstGeom>
+        </p:spPr>
+        <p:style>
+          <a:lnRef idx="1">
+            <a:schemeClr val="accent1"/>
+          </a:lnRef>
+          <a:fillRef idx="0">
+            <a:schemeClr val="accent1"/>
+          </a:fillRef>
+          <a:effectRef idx="0">
+            <a:schemeClr val="accent1"/>
+          </a:effectRef>
+          <a:fontRef idx="minor">
+            <a:schemeClr val="tx1"/>
+          </a:fontRef>
+        </p:style>
+        <p:txBody>
+          <a:bodyPr rtlCol="0" anchor="ctr"/>
+          <a:lstStyle/>
+          <a:p>
+            <a:pPr algn="ctr"/>
+            <a:endParaRPr lang="en-US"/>
           </a:p>
         </p:txBody>
       </p:sp>
     </p:spTree>
     <p:extLst>
       <p:ext uri="{BB962C8B-B14F-4D97-AF65-F5344CB8AC3E}">
-        <p14:creationId xmlns:p14="http://schemas.microsoft.com/office/powerpoint/2010/main" val="1847042645"/>
+        <p14:creationId xmlns:p14="http://schemas.microsoft.com/office/powerpoint/2010/main" val="3464669777"/>
       </p:ext>
     </p:extLst>
   </p:cSld>
@@ -6444,6 +5970,3474 @@
           <a:chExt cx="0" cy="0"/>
         </a:xfrm>
       </p:grpSpPr>
+      <p:cxnSp>
+        <p:nvCxnSpPr>
+          <p:cNvPr id="36" name="Straight Arrow Connector 35">
+            <a:extLst>
+              <a:ext uri="{FF2B5EF4-FFF2-40B4-BE49-F238E27FC236}">
+                <a16:creationId xmlns:a16="http://schemas.microsoft.com/office/drawing/2014/main" id="{3D93C4DF-A7CE-371A-6F62-6200EC7E695B}"/>
+              </a:ext>
+            </a:extLst>
+          </p:cNvPr>
+          <p:cNvCxnSpPr>
+            <a:cxnSpLocks/>
+          </p:cNvCxnSpPr>
+          <p:nvPr/>
+        </p:nvCxnSpPr>
+        <p:spPr>
+          <a:xfrm flipH="1">
+            <a:off x="1746996" y="472885"/>
+            <a:ext cx="303651" cy="597553"/>
+          </a:xfrm>
+          <a:prstGeom prst="straightConnector1">
+            <a:avLst/>
+          </a:prstGeom>
+          <a:ln>
+            <a:headEnd type="none" w="med" len="med"/>
+            <a:tailEnd type="arrow" w="med" len="med"/>
+          </a:ln>
+        </p:spPr>
+        <p:style>
+          <a:lnRef idx="1">
+            <a:schemeClr val="accent1"/>
+          </a:lnRef>
+          <a:fillRef idx="0">
+            <a:schemeClr val="accent1"/>
+          </a:fillRef>
+          <a:effectRef idx="0">
+            <a:schemeClr val="accent1"/>
+          </a:effectRef>
+          <a:fontRef idx="minor">
+            <a:schemeClr val="tx1"/>
+          </a:fontRef>
+        </p:style>
+      </p:cxnSp>
+      <p:sp>
+        <p:nvSpPr>
+          <p:cNvPr id="2" name="Rectangle 1">
+            <a:extLst>
+              <a:ext uri="{FF2B5EF4-FFF2-40B4-BE49-F238E27FC236}">
+                <a16:creationId xmlns:a16="http://schemas.microsoft.com/office/drawing/2014/main" id="{FA2E2F36-E632-FBBA-6C7E-69005A0009CA}"/>
+              </a:ext>
+            </a:extLst>
+          </p:cNvPr>
+          <p:cNvSpPr/>
+          <p:nvPr/>
+        </p:nvSpPr>
+        <p:spPr>
+          <a:xfrm>
+            <a:off x="67721" y="184262"/>
+            <a:ext cx="243935" cy="290818"/>
+          </a:xfrm>
+          <a:prstGeom prst="rect">
+            <a:avLst/>
+          </a:prstGeom>
+        </p:spPr>
+        <p:style>
+          <a:lnRef idx="2">
+            <a:schemeClr val="accent1">
+              <a:shade val="15000"/>
+            </a:schemeClr>
+          </a:lnRef>
+          <a:fillRef idx="1">
+            <a:schemeClr val="accent1"/>
+          </a:fillRef>
+          <a:effectRef idx="0">
+            <a:schemeClr val="accent1"/>
+          </a:effectRef>
+          <a:fontRef idx="minor">
+            <a:schemeClr val="lt1"/>
+          </a:fontRef>
+        </p:style>
+        <p:txBody>
+          <a:bodyPr rtlCol="0" anchor="ctr"/>
+          <a:lstStyle/>
+          <a:p>
+            <a:pPr algn="ctr"/>
+            <a:r>
+              <a:rPr lang="zh-TW" altLang="en-US" dirty="0">
+                <a:latin typeface="DFKai-SB" panose="03000509000000000000" pitchFamily="65" charset="-120"/>
+                <a:ea typeface="DFKai-SB" panose="03000509000000000000" pitchFamily="65" charset="-120"/>
+              </a:rPr>
+              <a:t>文</a:t>
+            </a:r>
+            <a:endParaRPr lang="en-US" dirty="0">
+              <a:latin typeface="DFKai-SB" panose="03000509000000000000" pitchFamily="65" charset="-120"/>
+              <a:ea typeface="DFKai-SB" panose="03000509000000000000" pitchFamily="65" charset="-120"/>
+            </a:endParaRPr>
+          </a:p>
+        </p:txBody>
+      </p:sp>
+      <p:sp>
+        <p:nvSpPr>
+          <p:cNvPr id="3" name="Rectangle 2">
+            <a:extLst>
+              <a:ext uri="{FF2B5EF4-FFF2-40B4-BE49-F238E27FC236}">
+                <a16:creationId xmlns:a16="http://schemas.microsoft.com/office/drawing/2014/main" id="{B31DA4DA-F10C-7270-5439-588890A6150C}"/>
+              </a:ext>
+            </a:extLst>
+          </p:cNvPr>
+          <p:cNvSpPr/>
+          <p:nvPr/>
+        </p:nvSpPr>
+        <p:spPr>
+          <a:xfrm>
+            <a:off x="333618" y="184262"/>
+            <a:ext cx="243935" cy="290818"/>
+          </a:xfrm>
+          <a:prstGeom prst="rect">
+            <a:avLst/>
+          </a:prstGeom>
+        </p:spPr>
+        <p:style>
+          <a:lnRef idx="2">
+            <a:schemeClr val="accent1">
+              <a:shade val="15000"/>
+            </a:schemeClr>
+          </a:lnRef>
+          <a:fillRef idx="1">
+            <a:schemeClr val="accent1"/>
+          </a:fillRef>
+          <a:effectRef idx="0">
+            <a:schemeClr val="accent1"/>
+          </a:effectRef>
+          <a:fontRef idx="minor">
+            <a:schemeClr val="lt1"/>
+          </a:fontRef>
+        </p:style>
+        <p:txBody>
+          <a:bodyPr rtlCol="0" anchor="ctr"/>
+          <a:lstStyle/>
+          <a:p>
+            <a:pPr algn="ctr"/>
+            <a:r>
+              <a:rPr lang="zh-TW" altLang="en-US" dirty="0">
+                <a:latin typeface="DFKai-SB" panose="03000509000000000000" pitchFamily="65" charset="-120"/>
+                <a:ea typeface="DFKai-SB" panose="03000509000000000000" pitchFamily="65" charset="-120"/>
+              </a:rPr>
+              <a:t>倦</a:t>
+            </a:r>
+            <a:endParaRPr lang="en-US" dirty="0">
+              <a:latin typeface="DFKai-SB" panose="03000509000000000000" pitchFamily="65" charset="-120"/>
+              <a:ea typeface="DFKai-SB" panose="03000509000000000000" pitchFamily="65" charset="-120"/>
+            </a:endParaRPr>
+          </a:p>
+        </p:txBody>
+      </p:sp>
+      <p:sp>
+        <p:nvSpPr>
+          <p:cNvPr id="4" name="Rectangle 3">
+            <a:extLst>
+              <a:ext uri="{FF2B5EF4-FFF2-40B4-BE49-F238E27FC236}">
+                <a16:creationId xmlns:a16="http://schemas.microsoft.com/office/drawing/2014/main" id="{5A1EF1A6-7300-8A7F-4309-4F82641CD6C0}"/>
+              </a:ext>
+            </a:extLst>
+          </p:cNvPr>
+          <p:cNvSpPr/>
+          <p:nvPr/>
+        </p:nvSpPr>
+        <p:spPr>
+          <a:xfrm>
+            <a:off x="601938" y="182067"/>
+            <a:ext cx="243935" cy="290818"/>
+          </a:xfrm>
+          <a:prstGeom prst="rect">
+            <a:avLst/>
+          </a:prstGeom>
+        </p:spPr>
+        <p:style>
+          <a:lnRef idx="2">
+            <a:schemeClr val="accent1">
+              <a:shade val="15000"/>
+            </a:schemeClr>
+          </a:lnRef>
+          <a:fillRef idx="1">
+            <a:schemeClr val="accent1"/>
+          </a:fillRef>
+          <a:effectRef idx="0">
+            <a:schemeClr val="accent1"/>
+          </a:effectRef>
+          <a:fontRef idx="minor">
+            <a:schemeClr val="lt1"/>
+          </a:fontRef>
+        </p:style>
+        <p:txBody>
+          <a:bodyPr rtlCol="0" anchor="ctr"/>
+          <a:lstStyle/>
+          <a:p>
+            <a:pPr algn="ctr"/>
+            <a:r>
+              <a:rPr lang="zh-TW" altLang="en-US" dirty="0">
+                <a:latin typeface="DFKai-SB" panose="03000509000000000000" pitchFamily="65" charset="-120"/>
+                <a:ea typeface="DFKai-SB" panose="03000509000000000000" pitchFamily="65" charset="-120"/>
+              </a:rPr>
+              <a:t>於</a:t>
+            </a:r>
+          </a:p>
+        </p:txBody>
+      </p:sp>
+      <p:sp>
+        <p:nvSpPr>
+          <p:cNvPr id="5" name="Rectangle 4">
+            <a:extLst>
+              <a:ext uri="{FF2B5EF4-FFF2-40B4-BE49-F238E27FC236}">
+                <a16:creationId xmlns:a16="http://schemas.microsoft.com/office/drawing/2014/main" id="{5BD4FD58-B993-8322-0453-15E37F66F20F}"/>
+              </a:ext>
+            </a:extLst>
+          </p:cNvPr>
+          <p:cNvSpPr/>
+          <p:nvPr/>
+        </p:nvSpPr>
+        <p:spPr>
+          <a:xfrm>
+            <a:off x="874494" y="182068"/>
+            <a:ext cx="239699" cy="290818"/>
+          </a:xfrm>
+          <a:prstGeom prst="rect">
+            <a:avLst/>
+          </a:prstGeom>
+        </p:spPr>
+        <p:style>
+          <a:lnRef idx="2">
+            <a:schemeClr val="accent1">
+              <a:shade val="15000"/>
+            </a:schemeClr>
+          </a:lnRef>
+          <a:fillRef idx="1">
+            <a:schemeClr val="accent1"/>
+          </a:fillRef>
+          <a:effectRef idx="0">
+            <a:schemeClr val="accent1"/>
+          </a:effectRef>
+          <a:fontRef idx="minor">
+            <a:schemeClr val="lt1"/>
+          </a:fontRef>
+        </p:style>
+        <p:txBody>
+          <a:bodyPr rtlCol="0" anchor="ctr"/>
+          <a:lstStyle/>
+          <a:p>
+            <a:pPr algn="ctr"/>
+            <a:r>
+              <a:rPr lang="zh-TW" altLang="en-US" dirty="0">
+                <a:latin typeface="DFKai-SB" panose="03000509000000000000" pitchFamily="65" charset="-120"/>
+                <a:ea typeface="DFKai-SB" panose="03000509000000000000" pitchFamily="65" charset="-120"/>
+              </a:rPr>
+              <a:t>事</a:t>
+            </a:r>
+          </a:p>
+        </p:txBody>
+      </p:sp>
+      <p:sp>
+        <p:nvSpPr>
+          <p:cNvPr id="6" name="Rectangle 5">
+            <a:extLst>
+              <a:ext uri="{FF2B5EF4-FFF2-40B4-BE49-F238E27FC236}">
+                <a16:creationId xmlns:a16="http://schemas.microsoft.com/office/drawing/2014/main" id="{DF5AD373-F948-9321-EDF8-FD3954557CE4}"/>
+              </a:ext>
+            </a:extLst>
+          </p:cNvPr>
+          <p:cNvSpPr/>
+          <p:nvPr/>
+        </p:nvSpPr>
+        <p:spPr>
+          <a:xfrm>
+            <a:off x="67722" y="784337"/>
+            <a:ext cx="178405" cy="239893"/>
+          </a:xfrm>
+          <a:prstGeom prst="rect">
+            <a:avLst/>
+          </a:prstGeom>
+          <a:noFill/>
+          <a:ln w="9525" cap="flat" cmpd="sng" algn="ctr">
+            <a:solidFill>
+              <a:srgbClr val="00B050"/>
+            </a:solidFill>
+            <a:prstDash val="solid"/>
+            <a:round/>
+            <a:headEnd type="none" w="med" len="med"/>
+            <a:tailEnd type="none" w="med" len="med"/>
+          </a:ln>
+        </p:spPr>
+        <p:style>
+          <a:lnRef idx="0">
+            <a:scrgbClr r="0" g="0" b="0"/>
+          </a:lnRef>
+          <a:fillRef idx="0">
+            <a:scrgbClr r="0" g="0" b="0"/>
+          </a:fillRef>
+          <a:effectRef idx="0">
+            <a:scrgbClr r="0" g="0" b="0"/>
+          </a:effectRef>
+          <a:fontRef idx="minor">
+            <a:schemeClr val="accent1"/>
+          </a:fontRef>
+        </p:style>
+        <p:txBody>
+          <a:bodyPr rtlCol="0" anchor="ctr"/>
+          <a:lstStyle/>
+          <a:p>
+            <a:pPr algn="ctr"/>
+            <a:r>
+              <a:rPr lang="zh-TW" altLang="en-US" sz="1200" dirty="0">
+                <a:solidFill>
+                  <a:srgbClr val="00B050"/>
+                </a:solidFill>
+              </a:rPr>
+              <a:t>我</a:t>
+            </a:r>
+            <a:endParaRPr lang="en-US" altLang="zh-TW" sz="1200" dirty="0">
+              <a:solidFill>
+                <a:srgbClr val="00B050"/>
+              </a:solidFill>
+            </a:endParaRPr>
+          </a:p>
+        </p:txBody>
+      </p:sp>
+      <p:cxnSp>
+        <p:nvCxnSpPr>
+          <p:cNvPr id="10" name="Straight Arrow Connector 9">
+            <a:extLst>
+              <a:ext uri="{FF2B5EF4-FFF2-40B4-BE49-F238E27FC236}">
+                <a16:creationId xmlns:a16="http://schemas.microsoft.com/office/drawing/2014/main" id="{260C4C24-B1EF-ACA3-829E-BFF1FA2B1B34}"/>
+              </a:ext>
+            </a:extLst>
+          </p:cNvPr>
+          <p:cNvCxnSpPr>
+            <a:cxnSpLocks/>
+            <a:stCxn id="2" idx="2"/>
+            <a:endCxn id="6" idx="0"/>
+          </p:cNvCxnSpPr>
+          <p:nvPr/>
+        </p:nvCxnSpPr>
+        <p:spPr>
+          <a:xfrm flipH="1">
+            <a:off x="156925" y="475080"/>
+            <a:ext cx="32764" cy="309257"/>
+          </a:xfrm>
+          <a:prstGeom prst="straightConnector1">
+            <a:avLst/>
+          </a:prstGeom>
+          <a:ln>
+            <a:headEnd type="none" w="med" len="med"/>
+            <a:tailEnd type="arrow" w="med" len="med"/>
+          </a:ln>
+        </p:spPr>
+        <p:style>
+          <a:lnRef idx="1">
+            <a:schemeClr val="accent1"/>
+          </a:lnRef>
+          <a:fillRef idx="0">
+            <a:schemeClr val="accent1"/>
+          </a:fillRef>
+          <a:effectRef idx="0">
+            <a:schemeClr val="accent1"/>
+          </a:effectRef>
+          <a:fontRef idx="minor">
+            <a:schemeClr val="tx1"/>
+          </a:fontRef>
+        </p:style>
+      </p:cxnSp>
+      <p:sp>
+        <p:nvSpPr>
+          <p:cNvPr id="17" name="Rectangle 16">
+            <a:extLst>
+              <a:ext uri="{FF2B5EF4-FFF2-40B4-BE49-F238E27FC236}">
+                <a16:creationId xmlns:a16="http://schemas.microsoft.com/office/drawing/2014/main" id="{4B9ECF53-C544-B986-BA0F-875697000EBC}"/>
+              </a:ext>
+            </a:extLst>
+          </p:cNvPr>
+          <p:cNvSpPr/>
+          <p:nvPr/>
+        </p:nvSpPr>
+        <p:spPr>
+          <a:xfrm>
+            <a:off x="261263" y="784337"/>
+            <a:ext cx="492268" cy="239893"/>
+          </a:xfrm>
+          <a:prstGeom prst="rect">
+            <a:avLst/>
+          </a:prstGeom>
+          <a:noFill/>
+          <a:ln w="9525" cap="flat" cmpd="sng" algn="ctr">
+            <a:solidFill>
+              <a:srgbClr val="00B050"/>
+            </a:solidFill>
+            <a:prstDash val="solid"/>
+            <a:round/>
+            <a:headEnd type="none" w="med" len="med"/>
+            <a:tailEnd type="none" w="med" len="med"/>
+          </a:ln>
+        </p:spPr>
+        <p:style>
+          <a:lnRef idx="0">
+            <a:scrgbClr r="0" g="0" b="0"/>
+          </a:lnRef>
+          <a:fillRef idx="0">
+            <a:scrgbClr r="0" g="0" b="0"/>
+          </a:fillRef>
+          <a:effectRef idx="0">
+            <a:scrgbClr r="0" g="0" b="0"/>
+          </a:effectRef>
+          <a:fontRef idx="minor">
+            <a:schemeClr val="accent1"/>
+          </a:fontRef>
+        </p:style>
+        <p:txBody>
+          <a:bodyPr rtlCol="0" anchor="ctr"/>
+          <a:lstStyle/>
+          <a:p>
+            <a:pPr algn="ctr"/>
+            <a:r>
+              <a:rPr lang="zh-TW" altLang="en-US" sz="1200" dirty="0">
+                <a:solidFill>
+                  <a:srgbClr val="00B050"/>
+                </a:solidFill>
+                <a:latin typeface="+mn-ea"/>
+                <a:cs typeface="CMU Serif" panose="02000603000000000000" pitchFamily="2" charset="0"/>
+              </a:rPr>
+              <a:t>疲倦</a:t>
+            </a:r>
+            <a:endParaRPr lang="en-US" altLang="zh-TW" sz="1400" dirty="0">
+              <a:solidFill>
+                <a:srgbClr val="00B050"/>
+              </a:solidFill>
+              <a:latin typeface="+mn-ea"/>
+              <a:cs typeface="CMU Serif" panose="02000603000000000000" pitchFamily="2" charset="0"/>
+            </a:endParaRPr>
+          </a:p>
+        </p:txBody>
+      </p:sp>
+      <p:cxnSp>
+        <p:nvCxnSpPr>
+          <p:cNvPr id="23" name="Straight Arrow Connector 22">
+            <a:extLst>
+              <a:ext uri="{FF2B5EF4-FFF2-40B4-BE49-F238E27FC236}">
+                <a16:creationId xmlns:a16="http://schemas.microsoft.com/office/drawing/2014/main" id="{11F49330-7F0A-1421-7689-F91D7733C66E}"/>
+              </a:ext>
+            </a:extLst>
+          </p:cNvPr>
+          <p:cNvCxnSpPr>
+            <a:cxnSpLocks/>
+            <a:stCxn id="3" idx="2"/>
+            <a:endCxn id="17" idx="0"/>
+          </p:cNvCxnSpPr>
+          <p:nvPr/>
+        </p:nvCxnSpPr>
+        <p:spPr>
+          <a:xfrm>
+            <a:off x="455586" y="475080"/>
+            <a:ext cx="51811" cy="309257"/>
+          </a:xfrm>
+          <a:prstGeom prst="straightConnector1">
+            <a:avLst/>
+          </a:prstGeom>
+          <a:ln>
+            <a:headEnd type="none" w="med" len="med"/>
+            <a:tailEnd type="arrow" w="med" len="med"/>
+          </a:ln>
+        </p:spPr>
+        <p:style>
+          <a:lnRef idx="1">
+            <a:schemeClr val="accent1"/>
+          </a:lnRef>
+          <a:fillRef idx="0">
+            <a:schemeClr val="accent1"/>
+          </a:fillRef>
+          <a:effectRef idx="0">
+            <a:schemeClr val="accent1"/>
+          </a:effectRef>
+          <a:fontRef idx="minor">
+            <a:schemeClr val="tx1"/>
+          </a:fontRef>
+        </p:style>
+      </p:cxnSp>
+      <p:cxnSp>
+        <p:nvCxnSpPr>
+          <p:cNvPr id="25" name="Straight Arrow Connector 24">
+            <a:extLst>
+              <a:ext uri="{FF2B5EF4-FFF2-40B4-BE49-F238E27FC236}">
+                <a16:creationId xmlns:a16="http://schemas.microsoft.com/office/drawing/2014/main" id="{DDCBF9E6-2DFD-7B33-D192-24894E8AAE95}"/>
+              </a:ext>
+            </a:extLst>
+          </p:cNvPr>
+          <p:cNvCxnSpPr>
+            <a:cxnSpLocks/>
+            <a:stCxn id="4" idx="2"/>
+            <a:endCxn id="65" idx="0"/>
+          </p:cNvCxnSpPr>
+          <p:nvPr/>
+        </p:nvCxnSpPr>
+        <p:spPr>
+          <a:xfrm>
+            <a:off x="723906" y="472885"/>
+            <a:ext cx="148890" cy="313156"/>
+          </a:xfrm>
+          <a:prstGeom prst="straightConnector1">
+            <a:avLst/>
+          </a:prstGeom>
+          <a:ln>
+            <a:headEnd type="none" w="med" len="med"/>
+            <a:tailEnd type="arrow" w="med" len="med"/>
+          </a:ln>
+        </p:spPr>
+        <p:style>
+          <a:lnRef idx="1">
+            <a:schemeClr val="accent1"/>
+          </a:lnRef>
+          <a:fillRef idx="0">
+            <a:schemeClr val="accent1"/>
+          </a:fillRef>
+          <a:effectRef idx="0">
+            <a:schemeClr val="accent1"/>
+          </a:effectRef>
+          <a:fontRef idx="minor">
+            <a:schemeClr val="tx1"/>
+          </a:fontRef>
+        </p:style>
+      </p:cxnSp>
+      <p:cxnSp>
+        <p:nvCxnSpPr>
+          <p:cNvPr id="27" name="Straight Arrow Connector 26">
+            <a:extLst>
+              <a:ext uri="{FF2B5EF4-FFF2-40B4-BE49-F238E27FC236}">
+                <a16:creationId xmlns:a16="http://schemas.microsoft.com/office/drawing/2014/main" id="{20683A19-ED67-F33B-115D-CDD09F277721}"/>
+              </a:ext>
+            </a:extLst>
+          </p:cNvPr>
+          <p:cNvCxnSpPr>
+            <a:cxnSpLocks/>
+            <a:stCxn id="5" idx="2"/>
+            <a:endCxn id="66" idx="0"/>
+          </p:cNvCxnSpPr>
+          <p:nvPr/>
+        </p:nvCxnSpPr>
+        <p:spPr>
+          <a:xfrm>
+            <a:off x="994344" y="472886"/>
+            <a:ext cx="242059" cy="311860"/>
+          </a:xfrm>
+          <a:prstGeom prst="straightConnector1">
+            <a:avLst/>
+          </a:prstGeom>
+          <a:ln>
+            <a:headEnd type="none" w="med" len="med"/>
+            <a:tailEnd type="arrow" w="med" len="med"/>
+          </a:ln>
+        </p:spPr>
+        <p:style>
+          <a:lnRef idx="1">
+            <a:schemeClr val="accent1"/>
+          </a:lnRef>
+          <a:fillRef idx="0">
+            <a:schemeClr val="accent1"/>
+          </a:fillRef>
+          <a:effectRef idx="0">
+            <a:schemeClr val="accent1"/>
+          </a:effectRef>
+          <a:fontRef idx="minor">
+            <a:schemeClr val="tx1"/>
+          </a:fontRef>
+        </p:style>
+      </p:cxnSp>
+      <p:sp>
+        <p:nvSpPr>
+          <p:cNvPr id="29" name="Rectangle 28">
+            <a:extLst>
+              <a:ext uri="{FF2B5EF4-FFF2-40B4-BE49-F238E27FC236}">
+                <a16:creationId xmlns:a16="http://schemas.microsoft.com/office/drawing/2014/main" id="{E3AD0487-D350-6515-C7F0-D99C1B164E14}"/>
+              </a:ext>
+            </a:extLst>
+          </p:cNvPr>
+          <p:cNvSpPr/>
+          <p:nvPr/>
+        </p:nvSpPr>
+        <p:spPr>
+          <a:xfrm>
+            <a:off x="1142814" y="182068"/>
+            <a:ext cx="239699" cy="290818"/>
+          </a:xfrm>
+          <a:prstGeom prst="rect">
+            <a:avLst/>
+          </a:prstGeom>
+        </p:spPr>
+        <p:style>
+          <a:lnRef idx="2">
+            <a:schemeClr val="accent1">
+              <a:shade val="15000"/>
+            </a:schemeClr>
+          </a:lnRef>
+          <a:fillRef idx="1">
+            <a:schemeClr val="accent1"/>
+          </a:fillRef>
+          <a:effectRef idx="0">
+            <a:schemeClr val="accent1"/>
+          </a:effectRef>
+          <a:fontRef idx="minor">
+            <a:schemeClr val="lt1"/>
+          </a:fontRef>
+        </p:style>
+        <p:txBody>
+          <a:bodyPr rtlCol="0" anchor="ctr"/>
+          <a:lstStyle/>
+          <a:p>
+            <a:pPr algn="ctr"/>
+            <a:r>
+              <a:rPr lang="zh-TW" altLang="en-US" dirty="0">
+                <a:latin typeface="DFKai-SB" panose="03000509000000000000" pitchFamily="65" charset="-120"/>
+                <a:ea typeface="DFKai-SB" panose="03000509000000000000" pitchFamily="65" charset="-120"/>
+              </a:rPr>
+              <a:t>憒</a:t>
+            </a:r>
+          </a:p>
+        </p:txBody>
+      </p:sp>
+      <p:cxnSp>
+        <p:nvCxnSpPr>
+          <p:cNvPr id="30" name="Straight Arrow Connector 29">
+            <a:extLst>
+              <a:ext uri="{FF2B5EF4-FFF2-40B4-BE49-F238E27FC236}">
+                <a16:creationId xmlns:a16="http://schemas.microsoft.com/office/drawing/2014/main" id="{ADE6F8D9-C47C-CEF6-600C-6084D763B4D7}"/>
+              </a:ext>
+            </a:extLst>
+          </p:cNvPr>
+          <p:cNvCxnSpPr>
+            <a:cxnSpLocks/>
+            <a:endCxn id="74" idx="0"/>
+          </p:cNvCxnSpPr>
+          <p:nvPr/>
+        </p:nvCxnSpPr>
+        <p:spPr>
+          <a:xfrm>
+            <a:off x="1262634" y="472886"/>
+            <a:ext cx="484162" cy="311860"/>
+          </a:xfrm>
+          <a:prstGeom prst="straightConnector1">
+            <a:avLst/>
+          </a:prstGeom>
+          <a:ln>
+            <a:headEnd type="none" w="med" len="med"/>
+            <a:tailEnd type="arrow" w="med" len="med"/>
+          </a:ln>
+        </p:spPr>
+        <p:style>
+          <a:lnRef idx="1">
+            <a:schemeClr val="accent1"/>
+          </a:lnRef>
+          <a:fillRef idx="0">
+            <a:schemeClr val="accent1"/>
+          </a:fillRef>
+          <a:effectRef idx="0">
+            <a:schemeClr val="accent1"/>
+          </a:effectRef>
+          <a:fontRef idx="minor">
+            <a:schemeClr val="tx1"/>
+          </a:fontRef>
+        </p:style>
+      </p:cxnSp>
+      <p:sp>
+        <p:nvSpPr>
+          <p:cNvPr id="31" name="Rectangle 30">
+            <a:extLst>
+              <a:ext uri="{FF2B5EF4-FFF2-40B4-BE49-F238E27FC236}">
+                <a16:creationId xmlns:a16="http://schemas.microsoft.com/office/drawing/2014/main" id="{4DE49A5C-A507-5AF0-C21C-836F2B02A318}"/>
+              </a:ext>
+            </a:extLst>
+          </p:cNvPr>
+          <p:cNvSpPr/>
+          <p:nvPr/>
+        </p:nvSpPr>
+        <p:spPr>
+          <a:xfrm>
+            <a:off x="1405579" y="182067"/>
+            <a:ext cx="239699" cy="290818"/>
+          </a:xfrm>
+          <a:prstGeom prst="rect">
+            <a:avLst/>
+          </a:prstGeom>
+        </p:spPr>
+        <p:style>
+          <a:lnRef idx="2">
+            <a:schemeClr val="accent1">
+              <a:shade val="15000"/>
+            </a:schemeClr>
+          </a:lnRef>
+          <a:fillRef idx="1">
+            <a:schemeClr val="accent1"/>
+          </a:fillRef>
+          <a:effectRef idx="0">
+            <a:schemeClr val="accent1"/>
+          </a:effectRef>
+          <a:fontRef idx="minor">
+            <a:schemeClr val="lt1"/>
+          </a:fontRef>
+        </p:style>
+        <p:txBody>
+          <a:bodyPr rtlCol="0" anchor="ctr"/>
+          <a:lstStyle/>
+          <a:p>
+            <a:pPr algn="ctr"/>
+            <a:r>
+              <a:rPr lang="zh-TW" altLang="en-US" dirty="0">
+                <a:latin typeface="DFKai-SB" panose="03000509000000000000" pitchFamily="65" charset="-120"/>
+                <a:ea typeface="DFKai-SB" panose="03000509000000000000" pitchFamily="65" charset="-120"/>
+              </a:rPr>
+              <a:t>於</a:t>
+            </a:r>
+          </a:p>
+        </p:txBody>
+      </p:sp>
+      <p:cxnSp>
+        <p:nvCxnSpPr>
+          <p:cNvPr id="32" name="Straight Arrow Connector 31">
+            <a:extLst>
+              <a:ext uri="{FF2B5EF4-FFF2-40B4-BE49-F238E27FC236}">
+                <a16:creationId xmlns:a16="http://schemas.microsoft.com/office/drawing/2014/main" id="{0193D8DC-132C-9B19-ABD6-6BC3DEEA9A72}"/>
+              </a:ext>
+            </a:extLst>
+          </p:cNvPr>
+          <p:cNvCxnSpPr>
+            <a:cxnSpLocks/>
+            <a:endCxn id="103" idx="0"/>
+          </p:cNvCxnSpPr>
+          <p:nvPr/>
+        </p:nvCxnSpPr>
+        <p:spPr>
+          <a:xfrm>
+            <a:off x="1523250" y="472885"/>
+            <a:ext cx="581825" cy="311452"/>
+          </a:xfrm>
+          <a:prstGeom prst="straightConnector1">
+            <a:avLst/>
+          </a:prstGeom>
+          <a:ln>
+            <a:headEnd type="none" w="med" len="med"/>
+            <a:tailEnd type="arrow" w="med" len="med"/>
+          </a:ln>
+        </p:spPr>
+        <p:style>
+          <a:lnRef idx="1">
+            <a:schemeClr val="accent1"/>
+          </a:lnRef>
+          <a:fillRef idx="0">
+            <a:schemeClr val="accent1"/>
+          </a:fillRef>
+          <a:effectRef idx="0">
+            <a:schemeClr val="accent1"/>
+          </a:effectRef>
+          <a:fontRef idx="minor">
+            <a:schemeClr val="tx1"/>
+          </a:fontRef>
+        </p:style>
+      </p:cxnSp>
+      <p:sp>
+        <p:nvSpPr>
+          <p:cNvPr id="33" name="Rectangle 32">
+            <a:extLst>
+              <a:ext uri="{FF2B5EF4-FFF2-40B4-BE49-F238E27FC236}">
+                <a16:creationId xmlns:a16="http://schemas.microsoft.com/office/drawing/2014/main" id="{67AAACED-91A7-3322-D5C2-1C645CAB21E9}"/>
+              </a:ext>
+            </a:extLst>
+          </p:cNvPr>
+          <p:cNvSpPr/>
+          <p:nvPr/>
+        </p:nvSpPr>
+        <p:spPr>
+          <a:xfrm>
+            <a:off x="1668344" y="182067"/>
+            <a:ext cx="239699" cy="290818"/>
+          </a:xfrm>
+          <a:prstGeom prst="rect">
+            <a:avLst/>
+          </a:prstGeom>
+        </p:spPr>
+        <p:style>
+          <a:lnRef idx="2">
+            <a:schemeClr val="accent1">
+              <a:shade val="15000"/>
+            </a:schemeClr>
+          </a:lnRef>
+          <a:fillRef idx="1">
+            <a:schemeClr val="accent1"/>
+          </a:fillRef>
+          <a:effectRef idx="0">
+            <a:schemeClr val="accent1"/>
+          </a:effectRef>
+          <a:fontRef idx="minor">
+            <a:schemeClr val="lt1"/>
+          </a:fontRef>
+        </p:style>
+        <p:txBody>
+          <a:bodyPr rtlCol="0" anchor="ctr"/>
+          <a:lstStyle/>
+          <a:p>
+            <a:pPr algn="ctr"/>
+            <a:r>
+              <a:rPr lang="zh-TW" altLang="en-US" dirty="0">
+                <a:latin typeface="DFKai-SB" panose="03000509000000000000" pitchFamily="65" charset="-120"/>
+                <a:ea typeface="DFKai-SB" panose="03000509000000000000" pitchFamily="65" charset="-120"/>
+              </a:rPr>
+              <a:t>憂</a:t>
+            </a:r>
+          </a:p>
+        </p:txBody>
+      </p:sp>
+      <p:cxnSp>
+        <p:nvCxnSpPr>
+          <p:cNvPr id="34" name="Straight Arrow Connector 33">
+            <a:extLst>
+              <a:ext uri="{FF2B5EF4-FFF2-40B4-BE49-F238E27FC236}">
+                <a16:creationId xmlns:a16="http://schemas.microsoft.com/office/drawing/2014/main" id="{B1D1CA9E-C08A-DC5A-1B93-5B648C6F32D9}"/>
+              </a:ext>
+            </a:extLst>
+          </p:cNvPr>
+          <p:cNvCxnSpPr>
+            <a:cxnSpLocks/>
+            <a:stCxn id="33" idx="2"/>
+            <a:endCxn id="81" idx="0"/>
+          </p:cNvCxnSpPr>
+          <p:nvPr/>
+        </p:nvCxnSpPr>
+        <p:spPr>
+          <a:xfrm>
+            <a:off x="1788194" y="472885"/>
+            <a:ext cx="676586" cy="313155"/>
+          </a:xfrm>
+          <a:prstGeom prst="straightConnector1">
+            <a:avLst/>
+          </a:prstGeom>
+          <a:ln>
+            <a:headEnd type="none" w="med" len="med"/>
+            <a:tailEnd type="arrow" w="med" len="med"/>
+          </a:ln>
+        </p:spPr>
+        <p:style>
+          <a:lnRef idx="1">
+            <a:schemeClr val="accent1"/>
+          </a:lnRef>
+          <a:fillRef idx="0">
+            <a:schemeClr val="accent1"/>
+          </a:fillRef>
+          <a:effectRef idx="0">
+            <a:schemeClr val="accent1"/>
+          </a:effectRef>
+          <a:fontRef idx="minor">
+            <a:schemeClr val="tx1"/>
+          </a:fontRef>
+        </p:style>
+      </p:cxnSp>
+      <p:sp>
+        <p:nvSpPr>
+          <p:cNvPr id="35" name="Rectangle 34">
+            <a:extLst>
+              <a:ext uri="{FF2B5EF4-FFF2-40B4-BE49-F238E27FC236}">
+                <a16:creationId xmlns:a16="http://schemas.microsoft.com/office/drawing/2014/main" id="{26C00530-6219-80A6-F332-D894EE457C1B}"/>
+              </a:ext>
+            </a:extLst>
+          </p:cNvPr>
+          <p:cNvSpPr/>
+          <p:nvPr/>
+        </p:nvSpPr>
+        <p:spPr>
+          <a:xfrm>
+            <a:off x="1931109" y="182067"/>
+            <a:ext cx="239699" cy="290818"/>
+          </a:xfrm>
+          <a:prstGeom prst="rect">
+            <a:avLst/>
+          </a:prstGeom>
+        </p:spPr>
+        <p:style>
+          <a:lnRef idx="2">
+            <a:schemeClr val="accent1">
+              <a:shade val="15000"/>
+            </a:schemeClr>
+          </a:lnRef>
+          <a:fillRef idx="1">
+            <a:schemeClr val="accent1"/>
+          </a:fillRef>
+          <a:effectRef idx="0">
+            <a:schemeClr val="accent1"/>
+          </a:effectRef>
+          <a:fontRef idx="minor">
+            <a:schemeClr val="lt1"/>
+          </a:fontRef>
+        </p:style>
+        <p:txBody>
+          <a:bodyPr rtlCol="0" anchor="ctr"/>
+          <a:lstStyle/>
+          <a:p>
+            <a:pPr algn="ctr"/>
+            <a:r>
+              <a:rPr lang="zh-TW" altLang="en-US" dirty="0">
+                <a:latin typeface="DFKai-SB" panose="03000509000000000000" pitchFamily="65" charset="-120"/>
+                <a:ea typeface="DFKai-SB" panose="03000509000000000000" pitchFamily="65" charset="-120"/>
+              </a:rPr>
+              <a:t>而</a:t>
+            </a:r>
+          </a:p>
+        </p:txBody>
+      </p:sp>
+      <p:sp>
+        <p:nvSpPr>
+          <p:cNvPr id="37" name="Rectangle 36">
+            <a:extLst>
+              <a:ext uri="{FF2B5EF4-FFF2-40B4-BE49-F238E27FC236}">
+                <a16:creationId xmlns:a16="http://schemas.microsoft.com/office/drawing/2014/main" id="{46F6BA75-A5A6-65CC-B0EE-05BBA5D79F61}"/>
+              </a:ext>
+            </a:extLst>
+          </p:cNvPr>
+          <p:cNvSpPr/>
+          <p:nvPr/>
+        </p:nvSpPr>
+        <p:spPr>
+          <a:xfrm>
+            <a:off x="2194277" y="182067"/>
+            <a:ext cx="239699" cy="290818"/>
+          </a:xfrm>
+          <a:prstGeom prst="rect">
+            <a:avLst/>
+          </a:prstGeom>
+        </p:spPr>
+        <p:style>
+          <a:lnRef idx="2">
+            <a:schemeClr val="accent1">
+              <a:shade val="15000"/>
+            </a:schemeClr>
+          </a:lnRef>
+          <a:fillRef idx="1">
+            <a:schemeClr val="accent1"/>
+          </a:fillRef>
+          <a:effectRef idx="0">
+            <a:schemeClr val="accent1"/>
+          </a:effectRef>
+          <a:fontRef idx="minor">
+            <a:schemeClr val="lt1"/>
+          </a:fontRef>
+        </p:style>
+        <p:txBody>
+          <a:bodyPr rtlCol="0" anchor="ctr"/>
+          <a:lstStyle/>
+          <a:p>
+            <a:pPr algn="ctr"/>
+            <a:r>
+              <a:rPr lang="zh-TW" altLang="en-US" dirty="0">
+                <a:latin typeface="DFKai-SB" panose="03000509000000000000" pitchFamily="65" charset="-120"/>
+                <a:ea typeface="DFKai-SB" panose="03000509000000000000" pitchFamily="65" charset="-120"/>
+              </a:rPr>
+              <a:t>性</a:t>
+            </a:r>
+          </a:p>
+        </p:txBody>
+      </p:sp>
+      <p:cxnSp>
+        <p:nvCxnSpPr>
+          <p:cNvPr id="38" name="Straight Arrow Connector 37">
+            <a:extLst>
+              <a:ext uri="{FF2B5EF4-FFF2-40B4-BE49-F238E27FC236}">
+                <a16:creationId xmlns:a16="http://schemas.microsoft.com/office/drawing/2014/main" id="{B4EB73F9-3F8E-6657-2129-70B0A12ED268}"/>
+              </a:ext>
+            </a:extLst>
+          </p:cNvPr>
+          <p:cNvCxnSpPr>
+            <a:cxnSpLocks/>
+            <a:stCxn id="37" idx="2"/>
+            <a:endCxn id="108" idx="0"/>
+          </p:cNvCxnSpPr>
+          <p:nvPr/>
+        </p:nvCxnSpPr>
+        <p:spPr>
+          <a:xfrm flipH="1">
+            <a:off x="2263203" y="472885"/>
+            <a:ext cx="50924" cy="597553"/>
+          </a:xfrm>
+          <a:prstGeom prst="straightConnector1">
+            <a:avLst/>
+          </a:prstGeom>
+          <a:ln>
+            <a:headEnd type="none" w="med" len="med"/>
+            <a:tailEnd type="arrow" w="med" len="med"/>
+          </a:ln>
+        </p:spPr>
+        <p:style>
+          <a:lnRef idx="1">
+            <a:schemeClr val="accent1"/>
+          </a:lnRef>
+          <a:fillRef idx="0">
+            <a:schemeClr val="accent1"/>
+          </a:fillRef>
+          <a:effectRef idx="0">
+            <a:schemeClr val="accent1"/>
+          </a:effectRef>
+          <a:fontRef idx="minor">
+            <a:schemeClr val="tx1"/>
+          </a:fontRef>
+        </p:style>
+      </p:cxnSp>
+      <p:sp>
+        <p:nvSpPr>
+          <p:cNvPr id="39" name="Rectangle 38">
+            <a:extLst>
+              <a:ext uri="{FF2B5EF4-FFF2-40B4-BE49-F238E27FC236}">
+                <a16:creationId xmlns:a16="http://schemas.microsoft.com/office/drawing/2014/main" id="{4FD78B18-4BA6-0D56-7580-5FAF625219C5}"/>
+              </a:ext>
+            </a:extLst>
+          </p:cNvPr>
+          <p:cNvSpPr/>
+          <p:nvPr/>
+        </p:nvSpPr>
+        <p:spPr>
+          <a:xfrm>
+            <a:off x="2456639" y="182067"/>
+            <a:ext cx="239699" cy="290818"/>
+          </a:xfrm>
+          <a:prstGeom prst="rect">
+            <a:avLst/>
+          </a:prstGeom>
+        </p:spPr>
+        <p:style>
+          <a:lnRef idx="2">
+            <a:schemeClr val="accent1">
+              <a:shade val="15000"/>
+            </a:schemeClr>
+          </a:lnRef>
+          <a:fillRef idx="1">
+            <a:schemeClr val="accent1"/>
+          </a:fillRef>
+          <a:effectRef idx="0">
+            <a:schemeClr val="accent1"/>
+          </a:effectRef>
+          <a:fontRef idx="minor">
+            <a:schemeClr val="lt1"/>
+          </a:fontRef>
+        </p:style>
+        <p:txBody>
+          <a:bodyPr rtlCol="0" anchor="ctr"/>
+          <a:lstStyle/>
+          <a:p>
+            <a:pPr algn="ctr"/>
+            <a:r>
+              <a:rPr lang="zh-TW" altLang="en-US" dirty="0">
+                <a:latin typeface="DFKai-SB" panose="03000509000000000000" pitchFamily="65" charset="-120"/>
+                <a:ea typeface="DFKai-SB" panose="03000509000000000000" pitchFamily="65" charset="-120"/>
+              </a:rPr>
+              <a:t>懧</a:t>
+            </a:r>
+          </a:p>
+        </p:txBody>
+      </p:sp>
+      <p:cxnSp>
+        <p:nvCxnSpPr>
+          <p:cNvPr id="40" name="Straight Arrow Connector 39">
+            <a:extLst>
+              <a:ext uri="{FF2B5EF4-FFF2-40B4-BE49-F238E27FC236}">
+                <a16:creationId xmlns:a16="http://schemas.microsoft.com/office/drawing/2014/main" id="{8345D312-491D-EA77-FE82-B0AA91E56C1C}"/>
+              </a:ext>
+            </a:extLst>
+          </p:cNvPr>
+          <p:cNvCxnSpPr>
+            <a:cxnSpLocks/>
+            <a:stCxn id="39" idx="2"/>
+            <a:endCxn id="109" idx="0"/>
+          </p:cNvCxnSpPr>
+          <p:nvPr/>
+        </p:nvCxnSpPr>
+        <p:spPr>
+          <a:xfrm>
+            <a:off x="2576489" y="472885"/>
+            <a:ext cx="203121" cy="597553"/>
+          </a:xfrm>
+          <a:prstGeom prst="straightConnector1">
+            <a:avLst/>
+          </a:prstGeom>
+          <a:ln>
+            <a:headEnd type="none" w="med" len="med"/>
+            <a:tailEnd type="arrow" w="med" len="med"/>
+          </a:ln>
+        </p:spPr>
+        <p:style>
+          <a:lnRef idx="1">
+            <a:schemeClr val="accent1"/>
+          </a:lnRef>
+          <a:fillRef idx="0">
+            <a:schemeClr val="accent1"/>
+          </a:fillRef>
+          <a:effectRef idx="0">
+            <a:schemeClr val="accent1"/>
+          </a:effectRef>
+          <a:fontRef idx="minor">
+            <a:schemeClr val="tx1"/>
+          </a:fontRef>
+        </p:style>
+      </p:cxnSp>
+      <p:sp>
+        <p:nvSpPr>
+          <p:cNvPr id="41" name="Rectangle 40">
+            <a:extLst>
+              <a:ext uri="{FF2B5EF4-FFF2-40B4-BE49-F238E27FC236}">
+                <a16:creationId xmlns:a16="http://schemas.microsoft.com/office/drawing/2014/main" id="{39EE38D1-6DA8-5ABA-5936-3248954E9FF5}"/>
+              </a:ext>
+            </a:extLst>
+          </p:cNvPr>
+          <p:cNvSpPr/>
+          <p:nvPr/>
+        </p:nvSpPr>
+        <p:spPr>
+          <a:xfrm>
+            <a:off x="2719001" y="182067"/>
+            <a:ext cx="239699" cy="290818"/>
+          </a:xfrm>
+          <a:prstGeom prst="rect">
+            <a:avLst/>
+          </a:prstGeom>
+        </p:spPr>
+        <p:style>
+          <a:lnRef idx="2">
+            <a:schemeClr val="accent1">
+              <a:shade val="15000"/>
+            </a:schemeClr>
+          </a:lnRef>
+          <a:fillRef idx="1">
+            <a:schemeClr val="accent1"/>
+          </a:fillRef>
+          <a:effectRef idx="0">
+            <a:schemeClr val="accent1"/>
+          </a:effectRef>
+          <a:fontRef idx="minor">
+            <a:schemeClr val="lt1"/>
+          </a:fontRef>
+        </p:style>
+        <p:txBody>
+          <a:bodyPr rtlCol="0" anchor="ctr"/>
+          <a:lstStyle/>
+          <a:p>
+            <a:pPr algn="ctr"/>
+            <a:r>
+              <a:rPr lang="zh-TW" altLang="en-US" dirty="0">
+                <a:latin typeface="DFKai-SB" panose="03000509000000000000" pitchFamily="65" charset="-120"/>
+                <a:ea typeface="DFKai-SB" panose="03000509000000000000" pitchFamily="65" charset="-120"/>
+              </a:rPr>
+              <a:t>愚</a:t>
+            </a:r>
+          </a:p>
+        </p:txBody>
+      </p:sp>
+      <p:cxnSp>
+        <p:nvCxnSpPr>
+          <p:cNvPr id="42" name="Straight Arrow Connector 41">
+            <a:extLst>
+              <a:ext uri="{FF2B5EF4-FFF2-40B4-BE49-F238E27FC236}">
+                <a16:creationId xmlns:a16="http://schemas.microsoft.com/office/drawing/2014/main" id="{A907AD83-4EA6-B9BE-5624-7ECB362FFF70}"/>
+              </a:ext>
+            </a:extLst>
+          </p:cNvPr>
+          <p:cNvCxnSpPr>
+            <a:cxnSpLocks/>
+            <a:stCxn id="41" idx="2"/>
+            <a:endCxn id="110" idx="0"/>
+          </p:cNvCxnSpPr>
+          <p:nvPr/>
+        </p:nvCxnSpPr>
+        <p:spPr>
+          <a:xfrm>
+            <a:off x="2838851" y="472885"/>
+            <a:ext cx="457166" cy="597553"/>
+          </a:xfrm>
+          <a:prstGeom prst="straightConnector1">
+            <a:avLst/>
+          </a:prstGeom>
+          <a:ln>
+            <a:headEnd type="none" w="med" len="med"/>
+            <a:tailEnd type="arrow" w="med" len="med"/>
+          </a:ln>
+        </p:spPr>
+        <p:style>
+          <a:lnRef idx="1">
+            <a:schemeClr val="accent1"/>
+          </a:lnRef>
+          <a:fillRef idx="0">
+            <a:schemeClr val="accent1"/>
+          </a:fillRef>
+          <a:effectRef idx="0">
+            <a:schemeClr val="accent1"/>
+          </a:effectRef>
+          <a:fontRef idx="minor">
+            <a:schemeClr val="tx1"/>
+          </a:fontRef>
+        </p:style>
+      </p:cxnSp>
+      <p:sp>
+        <p:nvSpPr>
+          <p:cNvPr id="65" name="Rectangle 64">
+            <a:extLst>
+              <a:ext uri="{FF2B5EF4-FFF2-40B4-BE49-F238E27FC236}">
+                <a16:creationId xmlns:a16="http://schemas.microsoft.com/office/drawing/2014/main" id="{A24080B0-2274-1A61-C923-488D2C84C1FF}"/>
+              </a:ext>
+            </a:extLst>
+          </p:cNvPr>
+          <p:cNvSpPr/>
+          <p:nvPr/>
+        </p:nvSpPr>
+        <p:spPr>
+          <a:xfrm>
+            <a:off x="783593" y="786041"/>
+            <a:ext cx="178405" cy="238190"/>
+          </a:xfrm>
+          <a:prstGeom prst="rect">
+            <a:avLst/>
+          </a:prstGeom>
+          <a:noFill/>
+          <a:ln w="9525" cap="flat" cmpd="sng" algn="ctr">
+            <a:solidFill>
+              <a:srgbClr val="00B050"/>
+            </a:solidFill>
+            <a:prstDash val="solid"/>
+            <a:round/>
+            <a:headEnd type="none" w="med" len="med"/>
+            <a:tailEnd type="none" w="med" len="med"/>
+          </a:ln>
+        </p:spPr>
+        <p:style>
+          <a:lnRef idx="0">
+            <a:scrgbClr r="0" g="0" b="0"/>
+          </a:lnRef>
+          <a:fillRef idx="0">
+            <a:scrgbClr r="0" g="0" b="0"/>
+          </a:fillRef>
+          <a:effectRef idx="0">
+            <a:scrgbClr r="0" g="0" b="0"/>
+          </a:effectRef>
+          <a:fontRef idx="minor">
+            <a:schemeClr val="accent1"/>
+          </a:fontRef>
+        </p:style>
+        <p:txBody>
+          <a:bodyPr rtlCol="0" anchor="ctr"/>
+          <a:lstStyle/>
+          <a:p>
+            <a:pPr algn="ctr"/>
+            <a:r>
+              <a:rPr lang="zh-TW" altLang="en-US" sz="1200" dirty="0">
+                <a:solidFill>
+                  <a:srgbClr val="00B050"/>
+                </a:solidFill>
+              </a:rPr>
+              <a:t>於</a:t>
+            </a:r>
+            <a:endParaRPr lang="en-US" altLang="zh-TW" sz="1200" dirty="0">
+              <a:solidFill>
+                <a:srgbClr val="00B050"/>
+              </a:solidFill>
+            </a:endParaRPr>
+          </a:p>
+        </p:txBody>
+      </p:sp>
+      <p:sp>
+        <p:nvSpPr>
+          <p:cNvPr id="66" name="Rectangle 65">
+            <a:extLst>
+              <a:ext uri="{FF2B5EF4-FFF2-40B4-BE49-F238E27FC236}">
+                <a16:creationId xmlns:a16="http://schemas.microsoft.com/office/drawing/2014/main" id="{57CE8DE2-44F0-BF52-BAF8-C625928C01C1}"/>
+              </a:ext>
+            </a:extLst>
+          </p:cNvPr>
+          <p:cNvSpPr/>
+          <p:nvPr/>
+        </p:nvSpPr>
+        <p:spPr>
+          <a:xfrm>
+            <a:off x="992369" y="784746"/>
+            <a:ext cx="488067" cy="238190"/>
+          </a:xfrm>
+          <a:prstGeom prst="rect">
+            <a:avLst/>
+          </a:prstGeom>
+          <a:noFill/>
+          <a:ln w="9525" cap="flat" cmpd="sng" algn="ctr">
+            <a:solidFill>
+              <a:srgbClr val="00B050"/>
+            </a:solidFill>
+            <a:prstDash val="solid"/>
+            <a:round/>
+            <a:headEnd type="none" w="med" len="med"/>
+            <a:tailEnd type="none" w="med" len="med"/>
+          </a:ln>
+        </p:spPr>
+        <p:style>
+          <a:lnRef idx="0">
+            <a:scrgbClr r="0" g="0" b="0"/>
+          </a:lnRef>
+          <a:fillRef idx="0">
+            <a:scrgbClr r="0" g="0" b="0"/>
+          </a:fillRef>
+          <a:effectRef idx="0">
+            <a:scrgbClr r="0" g="0" b="0"/>
+          </a:effectRef>
+          <a:fontRef idx="minor">
+            <a:schemeClr val="accent1"/>
+          </a:fontRef>
+        </p:style>
+        <p:txBody>
+          <a:bodyPr rtlCol="0" anchor="ctr"/>
+          <a:lstStyle/>
+          <a:p>
+            <a:pPr algn="ctr"/>
+            <a:r>
+              <a:rPr lang="zh-TW" altLang="en-US" sz="1200" dirty="0">
+                <a:solidFill>
+                  <a:srgbClr val="00B050"/>
+                </a:solidFill>
+              </a:rPr>
+              <a:t>國事</a:t>
+            </a:r>
+            <a:r>
+              <a:rPr lang="en-US" altLang="zh-TW" sz="1200" dirty="0">
+                <a:solidFill>
+                  <a:srgbClr val="00B050"/>
+                </a:solidFill>
+              </a:rPr>
+              <a:t>,</a:t>
+            </a:r>
+          </a:p>
+        </p:txBody>
+      </p:sp>
+      <p:sp>
+        <p:nvSpPr>
+          <p:cNvPr id="74" name="Rectangle 73">
+            <a:extLst>
+              <a:ext uri="{FF2B5EF4-FFF2-40B4-BE49-F238E27FC236}">
+                <a16:creationId xmlns:a16="http://schemas.microsoft.com/office/drawing/2014/main" id="{F31D02BF-D457-2AFF-B068-CFB08BE28289}"/>
+              </a:ext>
+            </a:extLst>
+          </p:cNvPr>
+          <p:cNvSpPr/>
+          <p:nvPr/>
+        </p:nvSpPr>
+        <p:spPr>
+          <a:xfrm>
+            <a:off x="1499465" y="784746"/>
+            <a:ext cx="494662" cy="238190"/>
+          </a:xfrm>
+          <a:prstGeom prst="rect">
+            <a:avLst/>
+          </a:prstGeom>
+          <a:solidFill>
+            <a:schemeClr val="bg1"/>
+          </a:solidFill>
+          <a:ln w="9525" cap="flat" cmpd="sng" algn="ctr">
+            <a:solidFill>
+              <a:srgbClr val="00B050"/>
+            </a:solidFill>
+            <a:prstDash val="solid"/>
+            <a:round/>
+            <a:headEnd type="none" w="med" len="med"/>
+            <a:tailEnd type="none" w="med" len="med"/>
+          </a:ln>
+        </p:spPr>
+        <p:style>
+          <a:lnRef idx="0">
+            <a:scrgbClr r="0" g="0" b="0"/>
+          </a:lnRef>
+          <a:fillRef idx="0">
+            <a:scrgbClr r="0" g="0" b="0"/>
+          </a:fillRef>
+          <a:effectRef idx="0">
+            <a:scrgbClr r="0" g="0" b="0"/>
+          </a:effectRef>
+          <a:fontRef idx="minor">
+            <a:schemeClr val="accent1"/>
+          </a:fontRef>
+        </p:style>
+        <p:txBody>
+          <a:bodyPr rtlCol="0" anchor="ctr"/>
+          <a:lstStyle/>
+          <a:p>
+            <a:pPr algn="ctr"/>
+            <a:r>
+              <a:rPr lang="zh-TW" altLang="en-US" sz="1200" dirty="0">
+                <a:solidFill>
+                  <a:srgbClr val="00B050"/>
+                </a:solidFill>
+              </a:rPr>
+              <a:t>昏聵</a:t>
+            </a:r>
+            <a:endParaRPr lang="en-US" altLang="zh-TW" sz="1200" dirty="0">
+              <a:solidFill>
+                <a:srgbClr val="00B050"/>
+              </a:solidFill>
+            </a:endParaRPr>
+          </a:p>
+        </p:txBody>
+      </p:sp>
+      <p:sp>
+        <p:nvSpPr>
+          <p:cNvPr id="81" name="Rectangle 80">
+            <a:extLst>
+              <a:ext uri="{FF2B5EF4-FFF2-40B4-BE49-F238E27FC236}">
+                <a16:creationId xmlns:a16="http://schemas.microsoft.com/office/drawing/2014/main" id="{22928736-8621-8737-CA67-3FA225EC3CD3}"/>
+              </a:ext>
+            </a:extLst>
+          </p:cNvPr>
+          <p:cNvSpPr/>
+          <p:nvPr/>
+        </p:nvSpPr>
+        <p:spPr>
+          <a:xfrm>
+            <a:off x="2220746" y="786040"/>
+            <a:ext cx="488068" cy="238191"/>
+          </a:xfrm>
+          <a:prstGeom prst="rect">
+            <a:avLst/>
+          </a:prstGeom>
+          <a:noFill/>
+          <a:ln w="9525" cap="flat" cmpd="sng" algn="ctr">
+            <a:solidFill>
+              <a:srgbClr val="00B050"/>
+            </a:solidFill>
+            <a:prstDash val="solid"/>
+            <a:round/>
+            <a:headEnd type="none" w="med" len="med"/>
+            <a:tailEnd type="none" w="med" len="med"/>
+          </a:ln>
+        </p:spPr>
+        <p:style>
+          <a:lnRef idx="0">
+            <a:scrgbClr r="0" g="0" b="0"/>
+          </a:lnRef>
+          <a:fillRef idx="0">
+            <a:scrgbClr r="0" g="0" b="0"/>
+          </a:fillRef>
+          <a:effectRef idx="0">
+            <a:scrgbClr r="0" g="0" b="0"/>
+          </a:effectRef>
+          <a:fontRef idx="minor">
+            <a:schemeClr val="accent1"/>
+          </a:fontRef>
+        </p:style>
+        <p:txBody>
+          <a:bodyPr rtlCol="0" anchor="ctr"/>
+          <a:lstStyle/>
+          <a:p>
+            <a:pPr algn="ctr"/>
+            <a:r>
+              <a:rPr lang="zh-TW" altLang="en-US" sz="1200" dirty="0">
+                <a:solidFill>
+                  <a:srgbClr val="00B050"/>
+                </a:solidFill>
+              </a:rPr>
+              <a:t>憂慮</a:t>
+            </a:r>
+            <a:endParaRPr lang="en-US" altLang="zh-TW" sz="1200" dirty="0">
+              <a:solidFill>
+                <a:srgbClr val="00B050"/>
+              </a:solidFill>
+            </a:endParaRPr>
+          </a:p>
+        </p:txBody>
+      </p:sp>
+      <p:sp>
+        <p:nvSpPr>
+          <p:cNvPr id="103" name="Rectangle 102">
+            <a:extLst>
+              <a:ext uri="{FF2B5EF4-FFF2-40B4-BE49-F238E27FC236}">
+                <a16:creationId xmlns:a16="http://schemas.microsoft.com/office/drawing/2014/main" id="{D76F45CE-1448-5A16-7A58-D1B35CC11A36}"/>
+              </a:ext>
+            </a:extLst>
+          </p:cNvPr>
+          <p:cNvSpPr/>
+          <p:nvPr/>
+        </p:nvSpPr>
+        <p:spPr>
+          <a:xfrm>
+            <a:off x="2015872" y="784337"/>
+            <a:ext cx="178405" cy="238190"/>
+          </a:xfrm>
+          <a:prstGeom prst="rect">
+            <a:avLst/>
+          </a:prstGeom>
+          <a:noFill/>
+          <a:ln w="9525" cap="flat" cmpd="sng" algn="ctr">
+            <a:solidFill>
+              <a:srgbClr val="00B050"/>
+            </a:solidFill>
+            <a:prstDash val="solid"/>
+            <a:round/>
+            <a:headEnd type="none" w="med" len="med"/>
+            <a:tailEnd type="none" w="med" len="med"/>
+          </a:ln>
+        </p:spPr>
+        <p:style>
+          <a:lnRef idx="0">
+            <a:scrgbClr r="0" g="0" b="0"/>
+          </a:lnRef>
+          <a:fillRef idx="0">
+            <a:scrgbClr r="0" g="0" b="0"/>
+          </a:fillRef>
+          <a:effectRef idx="0">
+            <a:scrgbClr r="0" g="0" b="0"/>
+          </a:effectRef>
+          <a:fontRef idx="minor">
+            <a:schemeClr val="accent1"/>
+          </a:fontRef>
+        </p:style>
+        <p:txBody>
+          <a:bodyPr rtlCol="0" anchor="ctr"/>
+          <a:lstStyle/>
+          <a:p>
+            <a:pPr algn="ctr"/>
+            <a:r>
+              <a:rPr lang="zh-TW" altLang="en-US" sz="1200" dirty="0">
+                <a:solidFill>
+                  <a:srgbClr val="00B050"/>
+                </a:solidFill>
+              </a:rPr>
+              <a:t>於</a:t>
+            </a:r>
+            <a:endParaRPr lang="en-US" altLang="zh-TW" sz="1200" dirty="0">
+              <a:solidFill>
+                <a:srgbClr val="00B050"/>
+              </a:solidFill>
+            </a:endParaRPr>
+          </a:p>
+        </p:txBody>
+      </p:sp>
+      <p:sp>
+        <p:nvSpPr>
+          <p:cNvPr id="107" name="Rectangle 106">
+            <a:extLst>
+              <a:ext uri="{FF2B5EF4-FFF2-40B4-BE49-F238E27FC236}">
+                <a16:creationId xmlns:a16="http://schemas.microsoft.com/office/drawing/2014/main" id="{D674CEBD-475E-9F7A-C986-C55F9BF90ABD}"/>
+              </a:ext>
+            </a:extLst>
+          </p:cNvPr>
+          <p:cNvSpPr/>
+          <p:nvPr/>
+        </p:nvSpPr>
+        <p:spPr>
+          <a:xfrm>
+            <a:off x="1499465" y="1070438"/>
+            <a:ext cx="494662" cy="238190"/>
+          </a:xfrm>
+          <a:prstGeom prst="rect">
+            <a:avLst/>
+          </a:prstGeom>
+          <a:noFill/>
+          <a:ln w="9525" cap="flat" cmpd="sng" algn="ctr">
+            <a:solidFill>
+              <a:srgbClr val="00B050"/>
+            </a:solidFill>
+            <a:prstDash val="solid"/>
+            <a:round/>
+            <a:headEnd type="none" w="med" len="med"/>
+            <a:tailEnd type="none" w="med" len="med"/>
+          </a:ln>
+        </p:spPr>
+        <p:style>
+          <a:lnRef idx="0">
+            <a:scrgbClr r="0" g="0" b="0"/>
+          </a:lnRef>
+          <a:fillRef idx="0">
+            <a:scrgbClr r="0" g="0" b="0"/>
+          </a:fillRef>
+          <a:effectRef idx="0">
+            <a:scrgbClr r="0" g="0" b="0"/>
+          </a:effectRef>
+          <a:fontRef idx="minor">
+            <a:schemeClr val="accent1"/>
+          </a:fontRef>
+        </p:style>
+        <p:txBody>
+          <a:bodyPr rtlCol="0" anchor="ctr"/>
+          <a:lstStyle/>
+          <a:p>
+            <a:pPr algn="ctr"/>
+            <a:r>
+              <a:rPr lang="zh-TW" altLang="en-US" sz="1200" dirty="0">
+                <a:solidFill>
+                  <a:srgbClr val="00B050"/>
+                </a:solidFill>
+              </a:rPr>
+              <a:t>而且</a:t>
+            </a:r>
+            <a:endParaRPr lang="en-US" altLang="zh-TW" sz="1200" dirty="0">
+              <a:solidFill>
+                <a:srgbClr val="00B050"/>
+              </a:solidFill>
+            </a:endParaRPr>
+          </a:p>
+        </p:txBody>
+      </p:sp>
+      <p:sp>
+        <p:nvSpPr>
+          <p:cNvPr id="108" name="Rectangle 107">
+            <a:extLst>
+              <a:ext uri="{FF2B5EF4-FFF2-40B4-BE49-F238E27FC236}">
+                <a16:creationId xmlns:a16="http://schemas.microsoft.com/office/drawing/2014/main" id="{4DFACE73-CE16-5995-E9EA-C0C8EBAD6DC3}"/>
+              </a:ext>
+            </a:extLst>
+          </p:cNvPr>
+          <p:cNvSpPr/>
+          <p:nvPr/>
+        </p:nvSpPr>
+        <p:spPr>
+          <a:xfrm>
+            <a:off x="2015872" y="1070438"/>
+            <a:ext cx="494662" cy="238190"/>
+          </a:xfrm>
+          <a:prstGeom prst="rect">
+            <a:avLst/>
+          </a:prstGeom>
+          <a:noFill/>
+          <a:ln w="9525" cap="flat" cmpd="sng" algn="ctr">
+            <a:solidFill>
+              <a:srgbClr val="00B050"/>
+            </a:solidFill>
+            <a:prstDash val="solid"/>
+            <a:round/>
+            <a:headEnd type="none" w="med" len="med"/>
+            <a:tailEnd type="none" w="med" len="med"/>
+          </a:ln>
+        </p:spPr>
+        <p:style>
+          <a:lnRef idx="0">
+            <a:scrgbClr r="0" g="0" b="0"/>
+          </a:lnRef>
+          <a:fillRef idx="0">
+            <a:scrgbClr r="0" g="0" b="0"/>
+          </a:fillRef>
+          <a:effectRef idx="0">
+            <a:scrgbClr r="0" g="0" b="0"/>
+          </a:effectRef>
+          <a:fontRef idx="minor">
+            <a:schemeClr val="accent1"/>
+          </a:fontRef>
+        </p:style>
+        <p:txBody>
+          <a:bodyPr rtlCol="0" anchor="ctr"/>
+          <a:lstStyle/>
+          <a:p>
+            <a:pPr algn="ctr"/>
+            <a:r>
+              <a:rPr lang="zh-TW" altLang="en-US" sz="1200" dirty="0">
+                <a:solidFill>
+                  <a:srgbClr val="00B050"/>
+                </a:solidFill>
+              </a:rPr>
+              <a:t>生性</a:t>
+            </a:r>
+            <a:endParaRPr lang="en-US" altLang="zh-TW" sz="1200" dirty="0">
+              <a:solidFill>
+                <a:srgbClr val="00B050"/>
+              </a:solidFill>
+            </a:endParaRPr>
+          </a:p>
+        </p:txBody>
+      </p:sp>
+      <p:sp>
+        <p:nvSpPr>
+          <p:cNvPr id="109" name="Rectangle 108">
+            <a:extLst>
+              <a:ext uri="{FF2B5EF4-FFF2-40B4-BE49-F238E27FC236}">
+                <a16:creationId xmlns:a16="http://schemas.microsoft.com/office/drawing/2014/main" id="{04613C92-F288-425A-0AF0-1EDA16D9F8E3}"/>
+              </a:ext>
+            </a:extLst>
+          </p:cNvPr>
+          <p:cNvSpPr/>
+          <p:nvPr/>
+        </p:nvSpPr>
+        <p:spPr>
+          <a:xfrm>
+            <a:off x="2532279" y="1070438"/>
+            <a:ext cx="494662" cy="238190"/>
+          </a:xfrm>
+          <a:prstGeom prst="rect">
+            <a:avLst/>
+          </a:prstGeom>
+          <a:noFill/>
+          <a:ln w="9525" cap="flat" cmpd="sng" algn="ctr">
+            <a:solidFill>
+              <a:srgbClr val="00B050"/>
+            </a:solidFill>
+            <a:prstDash val="solid"/>
+            <a:round/>
+            <a:headEnd type="none" w="med" len="med"/>
+            <a:tailEnd type="none" w="med" len="med"/>
+          </a:ln>
+        </p:spPr>
+        <p:style>
+          <a:lnRef idx="0">
+            <a:scrgbClr r="0" g="0" b="0"/>
+          </a:lnRef>
+          <a:fillRef idx="0">
+            <a:scrgbClr r="0" g="0" b="0"/>
+          </a:fillRef>
+          <a:effectRef idx="0">
+            <a:scrgbClr r="0" g="0" b="0"/>
+          </a:effectRef>
+          <a:fontRef idx="minor">
+            <a:schemeClr val="accent1"/>
+          </a:fontRef>
+        </p:style>
+        <p:txBody>
+          <a:bodyPr rtlCol="0" anchor="ctr"/>
+          <a:lstStyle/>
+          <a:p>
+            <a:pPr algn="ctr"/>
+            <a:r>
+              <a:rPr lang="zh-TW" altLang="en-US" sz="1200" dirty="0">
+                <a:solidFill>
+                  <a:srgbClr val="00B050"/>
+                </a:solidFill>
+              </a:rPr>
+              <a:t>懦弱</a:t>
+            </a:r>
+            <a:endParaRPr lang="en-US" altLang="zh-TW" sz="1200" dirty="0">
+              <a:solidFill>
+                <a:srgbClr val="00B050"/>
+              </a:solidFill>
+            </a:endParaRPr>
+          </a:p>
+        </p:txBody>
+      </p:sp>
+      <p:sp>
+        <p:nvSpPr>
+          <p:cNvPr id="110" name="Rectangle 109">
+            <a:extLst>
+              <a:ext uri="{FF2B5EF4-FFF2-40B4-BE49-F238E27FC236}">
+                <a16:creationId xmlns:a16="http://schemas.microsoft.com/office/drawing/2014/main" id="{885CD6F5-0F5C-E040-E548-28A39F4C82C8}"/>
+              </a:ext>
+            </a:extLst>
+          </p:cNvPr>
+          <p:cNvSpPr/>
+          <p:nvPr/>
+        </p:nvSpPr>
+        <p:spPr>
+          <a:xfrm>
+            <a:off x="3048686" y="1070438"/>
+            <a:ext cx="494662" cy="238190"/>
+          </a:xfrm>
+          <a:prstGeom prst="rect">
+            <a:avLst/>
+          </a:prstGeom>
+          <a:noFill/>
+          <a:ln w="9525" cap="flat" cmpd="sng" algn="ctr">
+            <a:solidFill>
+              <a:srgbClr val="00B050"/>
+            </a:solidFill>
+            <a:prstDash val="solid"/>
+            <a:round/>
+            <a:headEnd type="none" w="med" len="med"/>
+            <a:tailEnd type="none" w="med" len="med"/>
+          </a:ln>
+        </p:spPr>
+        <p:style>
+          <a:lnRef idx="0">
+            <a:scrgbClr r="0" g="0" b="0"/>
+          </a:lnRef>
+          <a:fillRef idx="0">
+            <a:scrgbClr r="0" g="0" b="0"/>
+          </a:fillRef>
+          <a:effectRef idx="0">
+            <a:scrgbClr r="0" g="0" b="0"/>
+          </a:effectRef>
+          <a:fontRef idx="minor">
+            <a:schemeClr val="accent1"/>
+          </a:fontRef>
+        </p:style>
+        <p:txBody>
+          <a:bodyPr rtlCol="0" anchor="ctr"/>
+          <a:lstStyle/>
+          <a:p>
+            <a:pPr algn="ctr"/>
+            <a:r>
+              <a:rPr lang="zh-TW" altLang="en-US" sz="1200" dirty="0">
+                <a:solidFill>
+                  <a:srgbClr val="00B050"/>
+                </a:solidFill>
+              </a:rPr>
+              <a:t>愚蠢</a:t>
+            </a:r>
+            <a:endParaRPr lang="en-US" altLang="zh-TW" sz="1200" dirty="0">
+              <a:solidFill>
+                <a:srgbClr val="00B050"/>
+              </a:solidFill>
+            </a:endParaRPr>
+          </a:p>
+        </p:txBody>
+      </p:sp>
+    </p:spTree>
+    <p:extLst>
+      <p:ext uri="{BB962C8B-B14F-4D97-AF65-F5344CB8AC3E}">
+        <p14:creationId xmlns:p14="http://schemas.microsoft.com/office/powerpoint/2010/main" val="1543108921"/>
+      </p:ext>
+    </p:extLst>
+  </p:cSld>
+  <p:clrMapOvr>
+    <a:masterClrMapping/>
+  </p:clrMapOvr>
+</p:sld>
+</file>
+
+<file path=ppt/slides/slide4.xml><?xml version="1.0" encoding="utf-8"?>
+<p:sld xmlns:a="http://schemas.openxmlformats.org/drawingml/2006/main" xmlns:r="http://schemas.openxmlformats.org/officeDocument/2006/relationships" xmlns:p="http://schemas.openxmlformats.org/presentationml/2006/main">
+  <p:cSld>
+    <p:spTree>
+      <p:nvGrpSpPr>
+        <p:cNvPr id="1" name=""/>
+        <p:cNvGrpSpPr/>
+        <p:nvPr/>
+      </p:nvGrpSpPr>
+      <p:grpSpPr>
+        <a:xfrm>
+          <a:off x="0" y="0"/>
+          <a:ext cx="0" cy="0"/>
+          <a:chOff x="0" y="0"/>
+          <a:chExt cx="0" cy="0"/>
+        </a:xfrm>
+      </p:grpSpPr>
+      <p:sp>
+        <p:nvSpPr>
+          <p:cNvPr id="2" name="Rectangle 1">
+            <a:extLst>
+              <a:ext uri="{FF2B5EF4-FFF2-40B4-BE49-F238E27FC236}">
+                <a16:creationId xmlns:a16="http://schemas.microsoft.com/office/drawing/2014/main" id="{FA2E2F36-E632-FBBA-6C7E-69005A0009CA}"/>
+              </a:ext>
+            </a:extLst>
+          </p:cNvPr>
+          <p:cNvSpPr/>
+          <p:nvPr/>
+        </p:nvSpPr>
+        <p:spPr>
+          <a:xfrm>
+            <a:off x="67721" y="184262"/>
+            <a:ext cx="243935" cy="290818"/>
+          </a:xfrm>
+          <a:prstGeom prst="rect">
+            <a:avLst/>
+          </a:prstGeom>
+        </p:spPr>
+        <p:style>
+          <a:lnRef idx="2">
+            <a:schemeClr val="accent1">
+              <a:shade val="15000"/>
+            </a:schemeClr>
+          </a:lnRef>
+          <a:fillRef idx="1">
+            <a:schemeClr val="accent1"/>
+          </a:fillRef>
+          <a:effectRef idx="0">
+            <a:schemeClr val="accent1"/>
+          </a:effectRef>
+          <a:fontRef idx="minor">
+            <a:schemeClr val="lt1"/>
+          </a:fontRef>
+        </p:style>
+        <p:txBody>
+          <a:bodyPr rtlCol="0" anchor="ctr"/>
+          <a:lstStyle/>
+          <a:p>
+            <a:pPr algn="ctr"/>
+            <a:r>
+              <a:rPr lang="zh-TW" altLang="en-US" dirty="0">
+                <a:latin typeface="DFKai-SB" panose="03000509000000000000" pitchFamily="65" charset="-120"/>
+                <a:ea typeface="DFKai-SB" panose="03000509000000000000" pitchFamily="65" charset="-120"/>
+              </a:rPr>
+              <a:t>沉</a:t>
+            </a:r>
+            <a:endParaRPr lang="en-US" dirty="0">
+              <a:latin typeface="DFKai-SB" panose="03000509000000000000" pitchFamily="65" charset="-120"/>
+              <a:ea typeface="DFKai-SB" panose="03000509000000000000" pitchFamily="65" charset="-120"/>
+            </a:endParaRPr>
+          </a:p>
+        </p:txBody>
+      </p:sp>
+      <p:sp>
+        <p:nvSpPr>
+          <p:cNvPr id="3" name="Rectangle 2">
+            <a:extLst>
+              <a:ext uri="{FF2B5EF4-FFF2-40B4-BE49-F238E27FC236}">
+                <a16:creationId xmlns:a16="http://schemas.microsoft.com/office/drawing/2014/main" id="{B31DA4DA-F10C-7270-5439-588890A6150C}"/>
+              </a:ext>
+            </a:extLst>
+          </p:cNvPr>
+          <p:cNvSpPr/>
+          <p:nvPr/>
+        </p:nvSpPr>
+        <p:spPr>
+          <a:xfrm>
+            <a:off x="333618" y="184262"/>
+            <a:ext cx="243935" cy="290818"/>
+          </a:xfrm>
+          <a:prstGeom prst="rect">
+            <a:avLst/>
+          </a:prstGeom>
+        </p:spPr>
+        <p:style>
+          <a:lnRef idx="2">
+            <a:schemeClr val="accent1">
+              <a:shade val="15000"/>
+            </a:schemeClr>
+          </a:lnRef>
+          <a:fillRef idx="1">
+            <a:schemeClr val="accent1"/>
+          </a:fillRef>
+          <a:effectRef idx="0">
+            <a:schemeClr val="accent1"/>
+          </a:effectRef>
+          <a:fontRef idx="minor">
+            <a:schemeClr val="lt1"/>
+          </a:fontRef>
+        </p:style>
+        <p:txBody>
+          <a:bodyPr rtlCol="0" anchor="ctr"/>
+          <a:lstStyle/>
+          <a:p>
+            <a:pPr algn="ctr"/>
+            <a:r>
+              <a:rPr lang="zh-TW" altLang="en-US" dirty="0">
+                <a:latin typeface="DFKai-SB" panose="03000509000000000000" pitchFamily="65" charset="-120"/>
+                <a:ea typeface="DFKai-SB" panose="03000509000000000000" pitchFamily="65" charset="-120"/>
+              </a:rPr>
+              <a:t>於</a:t>
+            </a:r>
+            <a:endParaRPr lang="en-US" dirty="0">
+              <a:latin typeface="DFKai-SB" panose="03000509000000000000" pitchFamily="65" charset="-120"/>
+              <a:ea typeface="DFKai-SB" panose="03000509000000000000" pitchFamily="65" charset="-120"/>
+            </a:endParaRPr>
+          </a:p>
+        </p:txBody>
+      </p:sp>
+      <p:sp>
+        <p:nvSpPr>
+          <p:cNvPr id="4" name="Rectangle 3">
+            <a:extLst>
+              <a:ext uri="{FF2B5EF4-FFF2-40B4-BE49-F238E27FC236}">
+                <a16:creationId xmlns:a16="http://schemas.microsoft.com/office/drawing/2014/main" id="{5A1EF1A6-7300-8A7F-4309-4F82641CD6C0}"/>
+              </a:ext>
+            </a:extLst>
+          </p:cNvPr>
+          <p:cNvSpPr/>
+          <p:nvPr/>
+        </p:nvSpPr>
+        <p:spPr>
+          <a:xfrm>
+            <a:off x="601938" y="182067"/>
+            <a:ext cx="243935" cy="290818"/>
+          </a:xfrm>
+          <a:prstGeom prst="rect">
+            <a:avLst/>
+          </a:prstGeom>
+        </p:spPr>
+        <p:style>
+          <a:lnRef idx="2">
+            <a:schemeClr val="accent1">
+              <a:shade val="15000"/>
+            </a:schemeClr>
+          </a:lnRef>
+          <a:fillRef idx="1">
+            <a:schemeClr val="accent1"/>
+          </a:fillRef>
+          <a:effectRef idx="0">
+            <a:schemeClr val="accent1"/>
+          </a:effectRef>
+          <a:fontRef idx="minor">
+            <a:schemeClr val="lt1"/>
+          </a:fontRef>
+        </p:style>
+        <p:txBody>
+          <a:bodyPr rtlCol="0" anchor="ctr"/>
+          <a:lstStyle/>
+          <a:p>
+            <a:pPr algn="ctr"/>
+            <a:r>
+              <a:rPr lang="zh-TW" altLang="en-US" dirty="0">
+                <a:latin typeface="DFKai-SB" panose="03000509000000000000" pitchFamily="65" charset="-120"/>
+                <a:ea typeface="DFKai-SB" panose="03000509000000000000" pitchFamily="65" charset="-120"/>
+              </a:rPr>
+              <a:t>國</a:t>
+            </a:r>
+          </a:p>
+        </p:txBody>
+      </p:sp>
+      <p:sp>
+        <p:nvSpPr>
+          <p:cNvPr id="5" name="Rectangle 4">
+            <a:extLst>
+              <a:ext uri="{FF2B5EF4-FFF2-40B4-BE49-F238E27FC236}">
+                <a16:creationId xmlns:a16="http://schemas.microsoft.com/office/drawing/2014/main" id="{5BD4FD58-B993-8322-0453-15E37F66F20F}"/>
+              </a:ext>
+            </a:extLst>
+          </p:cNvPr>
+          <p:cNvSpPr/>
+          <p:nvPr/>
+        </p:nvSpPr>
+        <p:spPr>
+          <a:xfrm>
+            <a:off x="874494" y="182068"/>
+            <a:ext cx="239699" cy="290818"/>
+          </a:xfrm>
+          <a:prstGeom prst="rect">
+            <a:avLst/>
+          </a:prstGeom>
+        </p:spPr>
+        <p:style>
+          <a:lnRef idx="2">
+            <a:schemeClr val="accent1">
+              <a:shade val="15000"/>
+            </a:schemeClr>
+          </a:lnRef>
+          <a:fillRef idx="1">
+            <a:schemeClr val="accent1"/>
+          </a:fillRef>
+          <a:effectRef idx="0">
+            <a:schemeClr val="accent1"/>
+          </a:effectRef>
+          <a:fontRef idx="minor">
+            <a:schemeClr val="lt1"/>
+          </a:fontRef>
+        </p:style>
+        <p:txBody>
+          <a:bodyPr rtlCol="0" anchor="ctr"/>
+          <a:lstStyle/>
+          <a:p>
+            <a:pPr algn="ctr"/>
+            <a:r>
+              <a:rPr lang="zh-TW" altLang="en-US" dirty="0">
+                <a:latin typeface="DFKai-SB" panose="03000509000000000000" pitchFamily="65" charset="-120"/>
+                <a:ea typeface="DFKai-SB" panose="03000509000000000000" pitchFamily="65" charset="-120"/>
+              </a:rPr>
+              <a:t>家</a:t>
+            </a:r>
+          </a:p>
+        </p:txBody>
+      </p:sp>
+      <p:cxnSp>
+        <p:nvCxnSpPr>
+          <p:cNvPr id="27" name="Straight Arrow Connector 26">
+            <a:extLst>
+              <a:ext uri="{FF2B5EF4-FFF2-40B4-BE49-F238E27FC236}">
+                <a16:creationId xmlns:a16="http://schemas.microsoft.com/office/drawing/2014/main" id="{20683A19-ED67-F33B-115D-CDD09F277721}"/>
+              </a:ext>
+            </a:extLst>
+          </p:cNvPr>
+          <p:cNvCxnSpPr>
+            <a:cxnSpLocks/>
+            <a:endCxn id="47" idx="0"/>
+          </p:cNvCxnSpPr>
+          <p:nvPr/>
+        </p:nvCxnSpPr>
+        <p:spPr>
+          <a:xfrm>
+            <a:off x="994344" y="472885"/>
+            <a:ext cx="82109" cy="303687"/>
+          </a:xfrm>
+          <a:prstGeom prst="straightConnector1">
+            <a:avLst/>
+          </a:prstGeom>
+          <a:ln>
+            <a:headEnd type="none" w="med" len="med"/>
+            <a:tailEnd type="arrow" w="med" len="med"/>
+          </a:ln>
+        </p:spPr>
+        <p:style>
+          <a:lnRef idx="1">
+            <a:schemeClr val="accent1"/>
+          </a:lnRef>
+          <a:fillRef idx="0">
+            <a:schemeClr val="accent1"/>
+          </a:fillRef>
+          <a:effectRef idx="0">
+            <a:schemeClr val="accent1"/>
+          </a:effectRef>
+          <a:fontRef idx="minor">
+            <a:schemeClr val="tx1"/>
+          </a:fontRef>
+        </p:style>
+      </p:cxnSp>
+      <p:sp>
+        <p:nvSpPr>
+          <p:cNvPr id="29" name="Rectangle 28">
+            <a:extLst>
+              <a:ext uri="{FF2B5EF4-FFF2-40B4-BE49-F238E27FC236}">
+                <a16:creationId xmlns:a16="http://schemas.microsoft.com/office/drawing/2014/main" id="{E3AD0487-D350-6515-C7F0-D99C1B164E14}"/>
+              </a:ext>
+            </a:extLst>
+          </p:cNvPr>
+          <p:cNvSpPr/>
+          <p:nvPr/>
+        </p:nvSpPr>
+        <p:spPr>
+          <a:xfrm>
+            <a:off x="1142814" y="182068"/>
+            <a:ext cx="239699" cy="290818"/>
+          </a:xfrm>
+          <a:prstGeom prst="rect">
+            <a:avLst/>
+          </a:prstGeom>
+        </p:spPr>
+        <p:style>
+          <a:lnRef idx="2">
+            <a:schemeClr val="accent1">
+              <a:shade val="15000"/>
+            </a:schemeClr>
+          </a:lnRef>
+          <a:fillRef idx="1">
+            <a:schemeClr val="accent1"/>
+          </a:fillRef>
+          <a:effectRef idx="0">
+            <a:schemeClr val="accent1"/>
+          </a:effectRef>
+          <a:fontRef idx="minor">
+            <a:schemeClr val="lt1"/>
+          </a:fontRef>
+        </p:style>
+        <p:txBody>
+          <a:bodyPr rtlCol="0" anchor="ctr"/>
+          <a:lstStyle/>
+          <a:p>
+            <a:pPr algn="ctr"/>
+            <a:r>
+              <a:rPr lang="zh-TW" altLang="en-US" dirty="0">
+                <a:latin typeface="DFKai-SB" panose="03000509000000000000" pitchFamily="65" charset="-120"/>
+                <a:ea typeface="DFKai-SB" panose="03000509000000000000" pitchFamily="65" charset="-120"/>
+              </a:rPr>
+              <a:t>之</a:t>
+            </a:r>
+          </a:p>
+        </p:txBody>
+      </p:sp>
+      <p:cxnSp>
+        <p:nvCxnSpPr>
+          <p:cNvPr id="30" name="Straight Arrow Connector 29">
+            <a:extLst>
+              <a:ext uri="{FF2B5EF4-FFF2-40B4-BE49-F238E27FC236}">
+                <a16:creationId xmlns:a16="http://schemas.microsoft.com/office/drawing/2014/main" id="{ADE6F8D9-C47C-CEF6-600C-6084D763B4D7}"/>
+              </a:ext>
+            </a:extLst>
+          </p:cNvPr>
+          <p:cNvCxnSpPr>
+            <a:cxnSpLocks/>
+            <a:endCxn id="48" idx="0"/>
+          </p:cNvCxnSpPr>
+          <p:nvPr/>
+        </p:nvCxnSpPr>
+        <p:spPr>
+          <a:xfrm>
+            <a:off x="1262711" y="472885"/>
+            <a:ext cx="205728" cy="303686"/>
+          </a:xfrm>
+          <a:prstGeom prst="straightConnector1">
+            <a:avLst/>
+          </a:prstGeom>
+          <a:ln>
+            <a:headEnd type="none" w="med" len="med"/>
+            <a:tailEnd type="arrow" w="med" len="med"/>
+          </a:ln>
+        </p:spPr>
+        <p:style>
+          <a:lnRef idx="1">
+            <a:schemeClr val="accent1"/>
+          </a:lnRef>
+          <a:fillRef idx="0">
+            <a:schemeClr val="accent1"/>
+          </a:fillRef>
+          <a:effectRef idx="0">
+            <a:schemeClr val="accent1"/>
+          </a:effectRef>
+          <a:fontRef idx="minor">
+            <a:schemeClr val="tx1"/>
+          </a:fontRef>
+        </p:style>
+      </p:cxnSp>
+      <p:sp>
+        <p:nvSpPr>
+          <p:cNvPr id="31" name="Rectangle 30">
+            <a:extLst>
+              <a:ext uri="{FF2B5EF4-FFF2-40B4-BE49-F238E27FC236}">
+                <a16:creationId xmlns:a16="http://schemas.microsoft.com/office/drawing/2014/main" id="{4DE49A5C-A507-5AF0-C21C-836F2B02A318}"/>
+              </a:ext>
+            </a:extLst>
+          </p:cNvPr>
+          <p:cNvSpPr/>
+          <p:nvPr/>
+        </p:nvSpPr>
+        <p:spPr>
+          <a:xfrm>
+            <a:off x="1405579" y="182067"/>
+            <a:ext cx="239699" cy="290818"/>
+          </a:xfrm>
+          <a:prstGeom prst="rect">
+            <a:avLst/>
+          </a:prstGeom>
+        </p:spPr>
+        <p:style>
+          <a:lnRef idx="2">
+            <a:schemeClr val="accent1">
+              <a:shade val="15000"/>
+            </a:schemeClr>
+          </a:lnRef>
+          <a:fillRef idx="1">
+            <a:schemeClr val="accent1"/>
+          </a:fillRef>
+          <a:effectRef idx="0">
+            <a:schemeClr val="accent1"/>
+          </a:effectRef>
+          <a:fontRef idx="minor">
+            <a:schemeClr val="lt1"/>
+          </a:fontRef>
+        </p:style>
+        <p:txBody>
+          <a:bodyPr rtlCol="0" anchor="ctr"/>
+          <a:lstStyle/>
+          <a:p>
+            <a:pPr algn="ctr"/>
+            <a:r>
+              <a:rPr lang="zh-TW" altLang="en-US" dirty="0">
+                <a:latin typeface="DFKai-SB" panose="03000509000000000000" pitchFamily="65" charset="-120"/>
+                <a:ea typeface="DFKai-SB" panose="03000509000000000000" pitchFamily="65" charset="-120"/>
+              </a:rPr>
+              <a:t>事</a:t>
+            </a:r>
+          </a:p>
+        </p:txBody>
+      </p:sp>
+      <p:cxnSp>
+        <p:nvCxnSpPr>
+          <p:cNvPr id="32" name="Straight Arrow Connector 31">
+            <a:extLst>
+              <a:ext uri="{FF2B5EF4-FFF2-40B4-BE49-F238E27FC236}">
+                <a16:creationId xmlns:a16="http://schemas.microsoft.com/office/drawing/2014/main" id="{0193D8DC-132C-9B19-ABD6-6BC3DEEA9A72}"/>
+              </a:ext>
+            </a:extLst>
+          </p:cNvPr>
+          <p:cNvCxnSpPr>
+            <a:cxnSpLocks/>
+            <a:stCxn id="31" idx="2"/>
+            <a:endCxn id="49" idx="0"/>
+          </p:cNvCxnSpPr>
+          <p:nvPr/>
+        </p:nvCxnSpPr>
+        <p:spPr>
+          <a:xfrm>
+            <a:off x="1525429" y="472885"/>
+            <a:ext cx="354471" cy="307839"/>
+          </a:xfrm>
+          <a:prstGeom prst="straightConnector1">
+            <a:avLst/>
+          </a:prstGeom>
+          <a:ln>
+            <a:headEnd type="none" w="med" len="med"/>
+            <a:tailEnd type="arrow" w="med" len="med"/>
+          </a:ln>
+        </p:spPr>
+        <p:style>
+          <a:lnRef idx="1">
+            <a:schemeClr val="accent1"/>
+          </a:lnRef>
+          <a:fillRef idx="0">
+            <a:schemeClr val="accent1"/>
+          </a:fillRef>
+          <a:effectRef idx="0">
+            <a:schemeClr val="accent1"/>
+          </a:effectRef>
+          <a:fontRef idx="minor">
+            <a:schemeClr val="tx1"/>
+          </a:fontRef>
+        </p:style>
+      </p:cxnSp>
+      <p:sp>
+        <p:nvSpPr>
+          <p:cNvPr id="33" name="Rectangle 32">
+            <a:extLst>
+              <a:ext uri="{FF2B5EF4-FFF2-40B4-BE49-F238E27FC236}">
+                <a16:creationId xmlns:a16="http://schemas.microsoft.com/office/drawing/2014/main" id="{67AAACED-91A7-3322-D5C2-1C645CAB21E9}"/>
+              </a:ext>
+            </a:extLst>
+          </p:cNvPr>
+          <p:cNvSpPr/>
+          <p:nvPr/>
+        </p:nvSpPr>
+        <p:spPr>
+          <a:xfrm>
+            <a:off x="1668344" y="182067"/>
+            <a:ext cx="239699" cy="290818"/>
+          </a:xfrm>
+          <a:prstGeom prst="rect">
+            <a:avLst/>
+          </a:prstGeom>
+        </p:spPr>
+        <p:style>
+          <a:lnRef idx="2">
+            <a:schemeClr val="accent1">
+              <a:shade val="15000"/>
+            </a:schemeClr>
+          </a:lnRef>
+          <a:fillRef idx="1">
+            <a:schemeClr val="accent1"/>
+          </a:fillRef>
+          <a:effectRef idx="0">
+            <a:schemeClr val="accent1"/>
+          </a:effectRef>
+          <a:fontRef idx="minor">
+            <a:schemeClr val="lt1"/>
+          </a:fontRef>
+        </p:style>
+        <p:txBody>
+          <a:bodyPr rtlCol="0" anchor="ctr"/>
+          <a:lstStyle/>
+          <a:p>
+            <a:pPr algn="ctr"/>
+            <a:r>
+              <a:rPr lang="zh-TW" altLang="en-US" dirty="0">
+                <a:latin typeface="DFKai-SB" panose="03000509000000000000" pitchFamily="65" charset="-120"/>
+                <a:ea typeface="DFKai-SB" panose="03000509000000000000" pitchFamily="65" charset="-120"/>
+              </a:rPr>
+              <a:t>開</a:t>
+            </a:r>
+          </a:p>
+        </p:txBody>
+      </p:sp>
+      <p:cxnSp>
+        <p:nvCxnSpPr>
+          <p:cNvPr id="34" name="Straight Arrow Connector 33">
+            <a:extLst>
+              <a:ext uri="{FF2B5EF4-FFF2-40B4-BE49-F238E27FC236}">
+                <a16:creationId xmlns:a16="http://schemas.microsoft.com/office/drawing/2014/main" id="{B1D1CA9E-C08A-DC5A-1B93-5B648C6F32D9}"/>
+              </a:ext>
+            </a:extLst>
+          </p:cNvPr>
+          <p:cNvCxnSpPr>
+            <a:cxnSpLocks/>
+            <a:stCxn id="33" idx="2"/>
+            <a:endCxn id="50" idx="0"/>
+          </p:cNvCxnSpPr>
+          <p:nvPr/>
+        </p:nvCxnSpPr>
+        <p:spPr>
+          <a:xfrm>
+            <a:off x="1788194" y="472885"/>
+            <a:ext cx="765685" cy="311451"/>
+          </a:xfrm>
+          <a:prstGeom prst="straightConnector1">
+            <a:avLst/>
+          </a:prstGeom>
+          <a:ln>
+            <a:headEnd type="none" w="med" len="med"/>
+            <a:tailEnd type="arrow" w="med" len="med"/>
+          </a:ln>
+        </p:spPr>
+        <p:style>
+          <a:lnRef idx="1">
+            <a:schemeClr val="accent1"/>
+          </a:lnRef>
+          <a:fillRef idx="0">
+            <a:schemeClr val="accent1"/>
+          </a:fillRef>
+          <a:effectRef idx="0">
+            <a:schemeClr val="accent1"/>
+          </a:effectRef>
+          <a:fontRef idx="minor">
+            <a:schemeClr val="tx1"/>
+          </a:fontRef>
+        </p:style>
+      </p:cxnSp>
+      <p:sp>
+        <p:nvSpPr>
+          <p:cNvPr id="35" name="Rectangle 34">
+            <a:extLst>
+              <a:ext uri="{FF2B5EF4-FFF2-40B4-BE49-F238E27FC236}">
+                <a16:creationId xmlns:a16="http://schemas.microsoft.com/office/drawing/2014/main" id="{26C00530-6219-80A6-F332-D894EE457C1B}"/>
+              </a:ext>
+            </a:extLst>
+          </p:cNvPr>
+          <p:cNvSpPr/>
+          <p:nvPr/>
+        </p:nvSpPr>
+        <p:spPr>
+          <a:xfrm>
+            <a:off x="1931109" y="182067"/>
+            <a:ext cx="239699" cy="290818"/>
+          </a:xfrm>
+          <a:prstGeom prst="rect">
+            <a:avLst/>
+          </a:prstGeom>
+        </p:spPr>
+        <p:style>
+          <a:lnRef idx="2">
+            <a:schemeClr val="accent1">
+              <a:shade val="15000"/>
+            </a:schemeClr>
+          </a:lnRef>
+          <a:fillRef idx="1">
+            <a:schemeClr val="accent1"/>
+          </a:fillRef>
+          <a:effectRef idx="0">
+            <a:schemeClr val="accent1"/>
+          </a:effectRef>
+          <a:fontRef idx="minor">
+            <a:schemeClr val="lt1"/>
+          </a:fontRef>
+        </p:style>
+        <p:txBody>
+          <a:bodyPr rtlCol="0" anchor="ctr"/>
+          <a:lstStyle/>
+          <a:p>
+            <a:pPr algn="ctr"/>
+            <a:r>
+              <a:rPr lang="zh-TW" altLang="en-US" dirty="0">
+                <a:latin typeface="DFKai-SB" panose="03000509000000000000" pitchFamily="65" charset="-120"/>
+                <a:ea typeface="DFKai-SB" panose="03000509000000000000" pitchFamily="65" charset="-120"/>
+              </a:rPr>
+              <a:t>罪</a:t>
+            </a:r>
+          </a:p>
+        </p:txBody>
+      </p:sp>
+      <p:cxnSp>
+        <p:nvCxnSpPr>
+          <p:cNvPr id="36" name="Straight Arrow Connector 35">
+            <a:extLst>
+              <a:ext uri="{FF2B5EF4-FFF2-40B4-BE49-F238E27FC236}">
+                <a16:creationId xmlns:a16="http://schemas.microsoft.com/office/drawing/2014/main" id="{3D93C4DF-A7CE-371A-6F62-6200EC7E695B}"/>
+              </a:ext>
+            </a:extLst>
+          </p:cNvPr>
+          <p:cNvCxnSpPr>
+            <a:cxnSpLocks/>
+            <a:stCxn id="35" idx="2"/>
+            <a:endCxn id="50" idx="0"/>
+          </p:cNvCxnSpPr>
+          <p:nvPr/>
+        </p:nvCxnSpPr>
+        <p:spPr>
+          <a:xfrm>
+            <a:off x="2050959" y="472885"/>
+            <a:ext cx="502920" cy="311451"/>
+          </a:xfrm>
+          <a:prstGeom prst="straightConnector1">
+            <a:avLst/>
+          </a:prstGeom>
+          <a:ln>
+            <a:headEnd type="none" w="med" len="med"/>
+            <a:tailEnd type="arrow" w="med" len="med"/>
+          </a:ln>
+        </p:spPr>
+        <p:style>
+          <a:lnRef idx="1">
+            <a:schemeClr val="accent1"/>
+          </a:lnRef>
+          <a:fillRef idx="0">
+            <a:schemeClr val="accent1"/>
+          </a:fillRef>
+          <a:effectRef idx="0">
+            <a:schemeClr val="accent1"/>
+          </a:effectRef>
+          <a:fontRef idx="minor">
+            <a:schemeClr val="tx1"/>
+          </a:fontRef>
+        </p:style>
+      </p:cxnSp>
+      <p:sp>
+        <p:nvSpPr>
+          <p:cNvPr id="37" name="Rectangle 36">
+            <a:extLst>
+              <a:ext uri="{FF2B5EF4-FFF2-40B4-BE49-F238E27FC236}">
+                <a16:creationId xmlns:a16="http://schemas.microsoft.com/office/drawing/2014/main" id="{46F6BA75-A5A6-65CC-B0EE-05BBA5D79F61}"/>
+              </a:ext>
+            </a:extLst>
+          </p:cNvPr>
+          <p:cNvSpPr/>
+          <p:nvPr/>
+        </p:nvSpPr>
+        <p:spPr>
+          <a:xfrm>
+            <a:off x="2194277" y="182067"/>
+            <a:ext cx="239699" cy="290818"/>
+          </a:xfrm>
+          <a:prstGeom prst="rect">
+            <a:avLst/>
+          </a:prstGeom>
+        </p:spPr>
+        <p:style>
+          <a:lnRef idx="2">
+            <a:schemeClr val="accent1">
+              <a:shade val="15000"/>
+            </a:schemeClr>
+          </a:lnRef>
+          <a:fillRef idx="1">
+            <a:schemeClr val="accent1"/>
+          </a:fillRef>
+          <a:effectRef idx="0">
+            <a:schemeClr val="accent1"/>
+          </a:effectRef>
+          <a:fontRef idx="minor">
+            <a:schemeClr val="lt1"/>
+          </a:fontRef>
+        </p:style>
+        <p:txBody>
+          <a:bodyPr rtlCol="0" anchor="ctr"/>
+          <a:lstStyle/>
+          <a:p>
+            <a:pPr algn="ctr"/>
+            <a:r>
+              <a:rPr lang="zh-TW" altLang="en-US" dirty="0">
+                <a:latin typeface="DFKai-SB" panose="03000509000000000000" pitchFamily="65" charset="-120"/>
+                <a:ea typeface="DFKai-SB" panose="03000509000000000000" pitchFamily="65" charset="-120"/>
+              </a:rPr>
+              <a:t>於</a:t>
+            </a:r>
+          </a:p>
+        </p:txBody>
+      </p:sp>
+      <p:cxnSp>
+        <p:nvCxnSpPr>
+          <p:cNvPr id="38" name="Straight Arrow Connector 37">
+            <a:extLst>
+              <a:ext uri="{FF2B5EF4-FFF2-40B4-BE49-F238E27FC236}">
+                <a16:creationId xmlns:a16="http://schemas.microsoft.com/office/drawing/2014/main" id="{B4EB73F9-3F8E-6657-2129-70B0A12ED268}"/>
+              </a:ext>
+            </a:extLst>
+          </p:cNvPr>
+          <p:cNvCxnSpPr>
+            <a:cxnSpLocks/>
+            <a:stCxn id="37" idx="2"/>
+            <a:endCxn id="70" idx="1"/>
+          </p:cNvCxnSpPr>
+          <p:nvPr/>
+        </p:nvCxnSpPr>
+        <p:spPr>
+          <a:xfrm>
+            <a:off x="2314127" y="472885"/>
+            <a:ext cx="834765" cy="104610"/>
+          </a:xfrm>
+          <a:prstGeom prst="straightConnector1">
+            <a:avLst/>
+          </a:prstGeom>
+          <a:ln>
+            <a:tailEnd type="triangle"/>
+          </a:ln>
+        </p:spPr>
+        <p:style>
+          <a:lnRef idx="1">
+            <a:schemeClr val="accent1"/>
+          </a:lnRef>
+          <a:fillRef idx="0">
+            <a:schemeClr val="accent1"/>
+          </a:fillRef>
+          <a:effectRef idx="0">
+            <a:schemeClr val="accent1"/>
+          </a:effectRef>
+          <a:fontRef idx="minor">
+            <a:schemeClr val="tx1"/>
+          </a:fontRef>
+        </p:style>
+      </p:cxnSp>
+      <p:sp>
+        <p:nvSpPr>
+          <p:cNvPr id="39" name="Rectangle 38">
+            <a:extLst>
+              <a:ext uri="{FF2B5EF4-FFF2-40B4-BE49-F238E27FC236}">
+                <a16:creationId xmlns:a16="http://schemas.microsoft.com/office/drawing/2014/main" id="{4FD78B18-4BA6-0D56-7580-5FAF625219C5}"/>
+              </a:ext>
+            </a:extLst>
+          </p:cNvPr>
+          <p:cNvSpPr/>
+          <p:nvPr/>
+        </p:nvSpPr>
+        <p:spPr>
+          <a:xfrm>
+            <a:off x="2456639" y="182067"/>
+            <a:ext cx="239699" cy="290818"/>
+          </a:xfrm>
+          <a:prstGeom prst="rect">
+            <a:avLst/>
+          </a:prstGeom>
+        </p:spPr>
+        <p:style>
+          <a:lnRef idx="2">
+            <a:schemeClr val="accent1">
+              <a:shade val="15000"/>
+            </a:schemeClr>
+          </a:lnRef>
+          <a:fillRef idx="1">
+            <a:schemeClr val="accent1"/>
+          </a:fillRef>
+          <a:effectRef idx="0">
+            <a:schemeClr val="accent1"/>
+          </a:effectRef>
+          <a:fontRef idx="minor">
+            <a:schemeClr val="lt1"/>
+          </a:fontRef>
+        </p:style>
+        <p:txBody>
+          <a:bodyPr rtlCol="0" anchor="ctr"/>
+          <a:lstStyle/>
+          <a:p>
+            <a:pPr algn="ctr"/>
+            <a:r>
+              <a:rPr lang="zh-TW" altLang="en-US" dirty="0">
+                <a:latin typeface="DFKai-SB" panose="03000509000000000000" pitchFamily="65" charset="-120"/>
+                <a:ea typeface="DFKai-SB" panose="03000509000000000000" pitchFamily="65" charset="-120"/>
+              </a:rPr>
+              <a:t>先</a:t>
+            </a:r>
+          </a:p>
+        </p:txBody>
+      </p:sp>
+      <p:cxnSp>
+        <p:nvCxnSpPr>
+          <p:cNvPr id="40" name="Straight Arrow Connector 39">
+            <a:extLst>
+              <a:ext uri="{FF2B5EF4-FFF2-40B4-BE49-F238E27FC236}">
+                <a16:creationId xmlns:a16="http://schemas.microsoft.com/office/drawing/2014/main" id="{8345D312-491D-EA77-FE82-B0AA91E56C1C}"/>
+              </a:ext>
+            </a:extLst>
+          </p:cNvPr>
+          <p:cNvCxnSpPr>
+            <a:cxnSpLocks/>
+            <a:stCxn id="39" idx="2"/>
+            <a:endCxn id="66" idx="0"/>
+          </p:cNvCxnSpPr>
+          <p:nvPr/>
+        </p:nvCxnSpPr>
+        <p:spPr>
+          <a:xfrm>
+            <a:off x="2576489" y="472885"/>
+            <a:ext cx="496912" cy="596701"/>
+          </a:xfrm>
+          <a:prstGeom prst="straightConnector1">
+            <a:avLst/>
+          </a:prstGeom>
+          <a:ln>
+            <a:headEnd type="none" w="med" len="med"/>
+            <a:tailEnd type="arrow" w="med" len="med"/>
+          </a:ln>
+        </p:spPr>
+        <p:style>
+          <a:lnRef idx="1">
+            <a:schemeClr val="accent1"/>
+          </a:lnRef>
+          <a:fillRef idx="0">
+            <a:schemeClr val="accent1"/>
+          </a:fillRef>
+          <a:effectRef idx="0">
+            <a:schemeClr val="accent1"/>
+          </a:effectRef>
+          <a:fontRef idx="minor">
+            <a:schemeClr val="tx1"/>
+          </a:fontRef>
+        </p:style>
+      </p:cxnSp>
+      <p:sp>
+        <p:nvSpPr>
+          <p:cNvPr id="41" name="Rectangle 40">
+            <a:extLst>
+              <a:ext uri="{FF2B5EF4-FFF2-40B4-BE49-F238E27FC236}">
+                <a16:creationId xmlns:a16="http://schemas.microsoft.com/office/drawing/2014/main" id="{39EE38D1-6DA8-5ABA-5936-3248954E9FF5}"/>
+              </a:ext>
+            </a:extLst>
+          </p:cNvPr>
+          <p:cNvSpPr/>
+          <p:nvPr/>
+        </p:nvSpPr>
+        <p:spPr>
+          <a:xfrm>
+            <a:off x="2719001" y="182067"/>
+            <a:ext cx="239699" cy="290818"/>
+          </a:xfrm>
+          <a:prstGeom prst="rect">
+            <a:avLst/>
+          </a:prstGeom>
+        </p:spPr>
+        <p:style>
+          <a:lnRef idx="2">
+            <a:schemeClr val="accent1">
+              <a:shade val="15000"/>
+            </a:schemeClr>
+          </a:lnRef>
+          <a:fillRef idx="1">
+            <a:schemeClr val="accent1"/>
+          </a:fillRef>
+          <a:effectRef idx="0">
+            <a:schemeClr val="accent1"/>
+          </a:effectRef>
+          <a:fontRef idx="minor">
+            <a:schemeClr val="lt1"/>
+          </a:fontRef>
+        </p:style>
+        <p:txBody>
+          <a:bodyPr rtlCol="0" anchor="ctr"/>
+          <a:lstStyle/>
+          <a:p>
+            <a:pPr algn="ctr"/>
+            <a:r>
+              <a:rPr lang="zh-TW" altLang="en-US" dirty="0">
+                <a:latin typeface="DFKai-SB" panose="03000509000000000000" pitchFamily="65" charset="-120"/>
+                <a:ea typeface="DFKai-SB" panose="03000509000000000000" pitchFamily="65" charset="-120"/>
+              </a:rPr>
+              <a:t>生</a:t>
+            </a:r>
+          </a:p>
+        </p:txBody>
+      </p:sp>
+      <p:cxnSp>
+        <p:nvCxnSpPr>
+          <p:cNvPr id="42" name="Straight Arrow Connector 41">
+            <a:extLst>
+              <a:ext uri="{FF2B5EF4-FFF2-40B4-BE49-F238E27FC236}">
+                <a16:creationId xmlns:a16="http://schemas.microsoft.com/office/drawing/2014/main" id="{A907AD83-4EA6-B9BE-5624-7ECB362FFF70}"/>
+              </a:ext>
+            </a:extLst>
+          </p:cNvPr>
+          <p:cNvCxnSpPr>
+            <a:cxnSpLocks/>
+            <a:stCxn id="41" idx="2"/>
+            <a:endCxn id="66" idx="0"/>
+          </p:cNvCxnSpPr>
+          <p:nvPr/>
+        </p:nvCxnSpPr>
+        <p:spPr>
+          <a:xfrm>
+            <a:off x="2838851" y="472885"/>
+            <a:ext cx="234550" cy="596701"/>
+          </a:xfrm>
+          <a:prstGeom prst="straightConnector1">
+            <a:avLst/>
+          </a:prstGeom>
+          <a:ln>
+            <a:headEnd type="none" w="med" len="med"/>
+            <a:tailEnd type="arrow" w="med" len="med"/>
+          </a:ln>
+        </p:spPr>
+        <p:style>
+          <a:lnRef idx="1">
+            <a:schemeClr val="accent1"/>
+          </a:lnRef>
+          <a:fillRef idx="0">
+            <a:schemeClr val="accent1"/>
+          </a:fillRef>
+          <a:effectRef idx="0">
+            <a:schemeClr val="accent1"/>
+          </a:effectRef>
+          <a:fontRef idx="minor">
+            <a:schemeClr val="tx1"/>
+          </a:fontRef>
+        </p:style>
+      </p:cxnSp>
+      <p:sp>
+        <p:nvSpPr>
+          <p:cNvPr id="11" name="Rectangle 10">
+            <a:extLst>
+              <a:ext uri="{FF2B5EF4-FFF2-40B4-BE49-F238E27FC236}">
+                <a16:creationId xmlns:a16="http://schemas.microsoft.com/office/drawing/2014/main" id="{3818880A-3253-6854-25BC-067E0F403FA0}"/>
+              </a:ext>
+            </a:extLst>
+          </p:cNvPr>
+          <p:cNvSpPr/>
+          <p:nvPr/>
+        </p:nvSpPr>
+        <p:spPr>
+          <a:xfrm>
+            <a:off x="592754" y="776573"/>
+            <a:ext cx="178405" cy="239893"/>
+          </a:xfrm>
+          <a:prstGeom prst="rect">
+            <a:avLst/>
+          </a:prstGeom>
+          <a:noFill/>
+          <a:ln w="9525" cap="flat" cmpd="sng" algn="ctr">
+            <a:solidFill>
+              <a:srgbClr val="00B050"/>
+            </a:solidFill>
+            <a:prstDash val="solid"/>
+            <a:round/>
+            <a:headEnd type="none" w="med" len="med"/>
+            <a:tailEnd type="none" w="med" len="med"/>
+          </a:ln>
+        </p:spPr>
+        <p:style>
+          <a:lnRef idx="0">
+            <a:scrgbClr r="0" g="0" b="0"/>
+          </a:lnRef>
+          <a:fillRef idx="0">
+            <a:scrgbClr r="0" g="0" b="0"/>
+          </a:fillRef>
+          <a:effectRef idx="0">
+            <a:scrgbClr r="0" g="0" b="0"/>
+          </a:effectRef>
+          <a:fontRef idx="minor">
+            <a:schemeClr val="accent1"/>
+          </a:fontRef>
+        </p:style>
+        <p:txBody>
+          <a:bodyPr rtlCol="0" anchor="ctr"/>
+          <a:lstStyle/>
+          <a:p>
+            <a:pPr algn="ctr"/>
+            <a:r>
+              <a:rPr lang="zh-TW" altLang="en-US" sz="1200" dirty="0">
+                <a:solidFill>
+                  <a:srgbClr val="00B050"/>
+                </a:solidFill>
+              </a:rPr>
+              <a:t>於</a:t>
+            </a:r>
+            <a:endParaRPr lang="en-US" altLang="zh-TW" sz="1200" dirty="0">
+              <a:solidFill>
+                <a:srgbClr val="00B050"/>
+              </a:solidFill>
+            </a:endParaRPr>
+          </a:p>
+        </p:txBody>
+      </p:sp>
+      <p:cxnSp>
+        <p:nvCxnSpPr>
+          <p:cNvPr id="12" name="Straight Arrow Connector 11">
+            <a:extLst>
+              <a:ext uri="{FF2B5EF4-FFF2-40B4-BE49-F238E27FC236}">
+                <a16:creationId xmlns:a16="http://schemas.microsoft.com/office/drawing/2014/main" id="{49EACC75-CBA2-5F14-6549-233F07201842}"/>
+              </a:ext>
+            </a:extLst>
+          </p:cNvPr>
+          <p:cNvCxnSpPr>
+            <a:cxnSpLocks/>
+            <a:stCxn id="3" idx="2"/>
+            <a:endCxn id="11" idx="0"/>
+          </p:cNvCxnSpPr>
+          <p:nvPr/>
+        </p:nvCxnSpPr>
+        <p:spPr>
+          <a:xfrm>
+            <a:off x="455586" y="475080"/>
+            <a:ext cx="226371" cy="301493"/>
+          </a:xfrm>
+          <a:prstGeom prst="straightConnector1">
+            <a:avLst/>
+          </a:prstGeom>
+          <a:ln>
+            <a:headEnd type="none" w="med" len="med"/>
+            <a:tailEnd type="arrow" w="med" len="med"/>
+          </a:ln>
+        </p:spPr>
+        <p:style>
+          <a:lnRef idx="1">
+            <a:schemeClr val="accent1"/>
+          </a:lnRef>
+          <a:fillRef idx="0">
+            <a:schemeClr val="accent1"/>
+          </a:fillRef>
+          <a:effectRef idx="0">
+            <a:schemeClr val="accent1"/>
+          </a:effectRef>
+          <a:fontRef idx="minor">
+            <a:schemeClr val="tx1"/>
+          </a:fontRef>
+        </p:style>
+      </p:cxnSp>
+      <p:sp>
+        <p:nvSpPr>
+          <p:cNvPr id="13" name="Rectangle 12">
+            <a:extLst>
+              <a:ext uri="{FF2B5EF4-FFF2-40B4-BE49-F238E27FC236}">
+                <a16:creationId xmlns:a16="http://schemas.microsoft.com/office/drawing/2014/main" id="{4131CBB0-DB4B-80A9-8E6C-317A487CFD0A}"/>
+              </a:ext>
+            </a:extLst>
+          </p:cNvPr>
+          <p:cNvSpPr/>
+          <p:nvPr/>
+        </p:nvSpPr>
+        <p:spPr>
+          <a:xfrm>
+            <a:off x="72070" y="776573"/>
+            <a:ext cx="492268" cy="239893"/>
+          </a:xfrm>
+          <a:prstGeom prst="rect">
+            <a:avLst/>
+          </a:prstGeom>
+          <a:noFill/>
+          <a:ln w="9525" cap="flat" cmpd="sng" algn="ctr">
+            <a:solidFill>
+              <a:srgbClr val="00B050"/>
+            </a:solidFill>
+            <a:prstDash val="solid"/>
+            <a:round/>
+            <a:headEnd type="none" w="med" len="med"/>
+            <a:tailEnd type="none" w="med" len="med"/>
+          </a:ln>
+        </p:spPr>
+        <p:style>
+          <a:lnRef idx="0">
+            <a:scrgbClr r="0" g="0" b="0"/>
+          </a:lnRef>
+          <a:fillRef idx="0">
+            <a:scrgbClr r="0" g="0" b="0"/>
+          </a:fillRef>
+          <a:effectRef idx="0">
+            <a:scrgbClr r="0" g="0" b="0"/>
+          </a:effectRef>
+          <a:fontRef idx="minor">
+            <a:schemeClr val="accent1"/>
+          </a:fontRef>
+        </p:style>
+        <p:txBody>
+          <a:bodyPr rtlCol="0" anchor="ctr"/>
+          <a:lstStyle/>
+          <a:p>
+            <a:pPr algn="ctr"/>
+            <a:r>
+              <a:rPr lang="zh-TW" altLang="en-US" sz="1200" dirty="0">
+                <a:solidFill>
+                  <a:srgbClr val="00B050"/>
+                </a:solidFill>
+                <a:latin typeface="+mn-ea"/>
+                <a:cs typeface="CMU Serif" panose="02000603000000000000" pitchFamily="2" charset="0"/>
+              </a:rPr>
+              <a:t>埋頭</a:t>
+            </a:r>
+            <a:endParaRPr lang="en-US" altLang="zh-TW" sz="1400" dirty="0">
+              <a:solidFill>
+                <a:srgbClr val="00B050"/>
+              </a:solidFill>
+              <a:latin typeface="+mn-ea"/>
+              <a:cs typeface="CMU Serif" panose="02000603000000000000" pitchFamily="2" charset="0"/>
+            </a:endParaRPr>
+          </a:p>
+        </p:txBody>
+      </p:sp>
+      <p:cxnSp>
+        <p:nvCxnSpPr>
+          <p:cNvPr id="14" name="Straight Arrow Connector 13">
+            <a:extLst>
+              <a:ext uri="{FF2B5EF4-FFF2-40B4-BE49-F238E27FC236}">
+                <a16:creationId xmlns:a16="http://schemas.microsoft.com/office/drawing/2014/main" id="{5C2C6D8D-3F27-67A3-EC1D-2F0A3FE9C1F3}"/>
+              </a:ext>
+            </a:extLst>
+          </p:cNvPr>
+          <p:cNvCxnSpPr>
+            <a:cxnSpLocks/>
+            <a:stCxn id="2" idx="2"/>
+            <a:endCxn id="13" idx="0"/>
+          </p:cNvCxnSpPr>
+          <p:nvPr/>
+        </p:nvCxnSpPr>
+        <p:spPr>
+          <a:xfrm>
+            <a:off x="189689" y="475080"/>
+            <a:ext cx="128515" cy="301493"/>
+          </a:xfrm>
+          <a:prstGeom prst="straightConnector1">
+            <a:avLst/>
+          </a:prstGeom>
+          <a:ln>
+            <a:headEnd type="none" w="med" len="med"/>
+            <a:tailEnd type="arrow" w="med" len="med"/>
+          </a:ln>
+        </p:spPr>
+        <p:style>
+          <a:lnRef idx="1">
+            <a:schemeClr val="accent1"/>
+          </a:lnRef>
+          <a:fillRef idx="0">
+            <a:schemeClr val="accent1"/>
+          </a:fillRef>
+          <a:effectRef idx="0">
+            <a:schemeClr val="accent1"/>
+          </a:effectRef>
+          <a:fontRef idx="minor">
+            <a:schemeClr val="tx1"/>
+          </a:fontRef>
+        </p:style>
+      </p:cxnSp>
+      <p:sp>
+        <p:nvSpPr>
+          <p:cNvPr id="47" name="Rectangle 46">
+            <a:extLst>
+              <a:ext uri="{FF2B5EF4-FFF2-40B4-BE49-F238E27FC236}">
+                <a16:creationId xmlns:a16="http://schemas.microsoft.com/office/drawing/2014/main" id="{AD92F6D2-BA3B-BD48-C00B-B49426B8B2BE}"/>
+              </a:ext>
+            </a:extLst>
+          </p:cNvPr>
+          <p:cNvSpPr/>
+          <p:nvPr/>
+        </p:nvSpPr>
+        <p:spPr>
+          <a:xfrm>
+            <a:off x="806848" y="776572"/>
+            <a:ext cx="539210" cy="239893"/>
+          </a:xfrm>
+          <a:prstGeom prst="rect">
+            <a:avLst/>
+          </a:prstGeom>
+          <a:noFill/>
+          <a:ln w="9525" cap="flat" cmpd="sng" algn="ctr">
+            <a:solidFill>
+              <a:srgbClr val="00B050"/>
+            </a:solidFill>
+            <a:prstDash val="solid"/>
+            <a:round/>
+            <a:headEnd type="none" w="med" len="med"/>
+            <a:tailEnd type="none" w="med" len="med"/>
+          </a:ln>
+        </p:spPr>
+        <p:style>
+          <a:lnRef idx="0">
+            <a:scrgbClr r="0" g="0" b="0"/>
+          </a:lnRef>
+          <a:fillRef idx="0">
+            <a:scrgbClr r="0" g="0" b="0"/>
+          </a:fillRef>
+          <a:effectRef idx="0">
+            <a:scrgbClr r="0" g="0" b="0"/>
+          </a:effectRef>
+          <a:fontRef idx="minor">
+            <a:schemeClr val="accent1"/>
+          </a:fontRef>
+        </p:style>
+        <p:txBody>
+          <a:bodyPr rtlCol="0" anchor="ctr"/>
+          <a:lstStyle/>
+          <a:p>
+            <a:pPr algn="ctr"/>
+            <a:r>
+              <a:rPr lang="zh-TW" altLang="en-US" sz="1400" dirty="0">
+                <a:solidFill>
+                  <a:srgbClr val="00B050"/>
+                </a:solidFill>
+                <a:latin typeface="+mn-ea"/>
+                <a:cs typeface="CMU Serif" panose="02000603000000000000" pitchFamily="2" charset="0"/>
+              </a:rPr>
+              <a:t>國家</a:t>
+            </a:r>
+            <a:endParaRPr lang="en-US" altLang="zh-TW" sz="1400" dirty="0">
+              <a:solidFill>
+                <a:srgbClr val="00B050"/>
+              </a:solidFill>
+              <a:latin typeface="+mn-ea"/>
+              <a:cs typeface="CMU Serif" panose="02000603000000000000" pitchFamily="2" charset="0"/>
+            </a:endParaRPr>
+          </a:p>
+        </p:txBody>
+      </p:sp>
+      <p:sp>
+        <p:nvSpPr>
+          <p:cNvPr id="48" name="Rectangle 47">
+            <a:extLst>
+              <a:ext uri="{FF2B5EF4-FFF2-40B4-BE49-F238E27FC236}">
+                <a16:creationId xmlns:a16="http://schemas.microsoft.com/office/drawing/2014/main" id="{6241D412-5E3B-5D3D-21DB-8E2674A64586}"/>
+              </a:ext>
+            </a:extLst>
+          </p:cNvPr>
+          <p:cNvSpPr/>
+          <p:nvPr/>
+        </p:nvSpPr>
+        <p:spPr>
+          <a:xfrm>
+            <a:off x="1367634" y="776571"/>
+            <a:ext cx="201609" cy="239893"/>
+          </a:xfrm>
+          <a:prstGeom prst="rect">
+            <a:avLst/>
+          </a:prstGeom>
+          <a:noFill/>
+          <a:ln w="9525" cap="flat" cmpd="sng" algn="ctr">
+            <a:solidFill>
+              <a:srgbClr val="00B050"/>
+            </a:solidFill>
+            <a:prstDash val="solid"/>
+            <a:round/>
+            <a:headEnd type="none" w="med" len="med"/>
+            <a:tailEnd type="none" w="med" len="med"/>
+          </a:ln>
+        </p:spPr>
+        <p:style>
+          <a:lnRef idx="0">
+            <a:scrgbClr r="0" g="0" b="0"/>
+          </a:lnRef>
+          <a:fillRef idx="0">
+            <a:scrgbClr r="0" g="0" b="0"/>
+          </a:fillRef>
+          <a:effectRef idx="0">
+            <a:scrgbClr r="0" g="0" b="0"/>
+          </a:effectRef>
+          <a:fontRef idx="minor">
+            <a:schemeClr val="accent1"/>
+          </a:fontRef>
+        </p:style>
+        <p:txBody>
+          <a:bodyPr rtlCol="0" anchor="ctr"/>
+          <a:lstStyle/>
+          <a:p>
+            <a:pPr algn="ctr"/>
+            <a:r>
+              <a:rPr lang="zh-TW" altLang="en-US" sz="1400" dirty="0">
+                <a:solidFill>
+                  <a:srgbClr val="00B050"/>
+                </a:solidFill>
+                <a:latin typeface="+mn-ea"/>
+                <a:cs typeface="CMU Serif" panose="02000603000000000000" pitchFamily="2" charset="0"/>
+              </a:rPr>
+              <a:t>的</a:t>
+            </a:r>
+            <a:endParaRPr lang="en-US" altLang="zh-TW" sz="1400" dirty="0">
+              <a:solidFill>
+                <a:srgbClr val="00B050"/>
+              </a:solidFill>
+              <a:latin typeface="+mn-ea"/>
+              <a:cs typeface="CMU Serif" panose="02000603000000000000" pitchFamily="2" charset="0"/>
+            </a:endParaRPr>
+          </a:p>
+        </p:txBody>
+      </p:sp>
+      <p:sp>
+        <p:nvSpPr>
+          <p:cNvPr id="49" name="Rectangle 48">
+            <a:extLst>
+              <a:ext uri="{FF2B5EF4-FFF2-40B4-BE49-F238E27FC236}">
+                <a16:creationId xmlns:a16="http://schemas.microsoft.com/office/drawing/2014/main" id="{C74135B4-991F-7F3D-41B4-312EE4E74FDA}"/>
+              </a:ext>
+            </a:extLst>
+          </p:cNvPr>
+          <p:cNvSpPr/>
+          <p:nvPr/>
+        </p:nvSpPr>
+        <p:spPr>
+          <a:xfrm>
+            <a:off x="1601639" y="780724"/>
+            <a:ext cx="556522" cy="239893"/>
+          </a:xfrm>
+          <a:prstGeom prst="rect">
+            <a:avLst/>
+          </a:prstGeom>
+          <a:noFill/>
+          <a:ln w="9525" cap="flat" cmpd="sng" algn="ctr">
+            <a:solidFill>
+              <a:srgbClr val="00B050"/>
+            </a:solidFill>
+            <a:prstDash val="solid"/>
+            <a:round/>
+            <a:headEnd type="none" w="med" len="med"/>
+            <a:tailEnd type="none" w="med" len="med"/>
+          </a:ln>
+        </p:spPr>
+        <p:style>
+          <a:lnRef idx="0">
+            <a:scrgbClr r="0" g="0" b="0"/>
+          </a:lnRef>
+          <a:fillRef idx="0">
+            <a:scrgbClr r="0" g="0" b="0"/>
+          </a:fillRef>
+          <a:effectRef idx="0">
+            <a:scrgbClr r="0" g="0" b="0"/>
+          </a:effectRef>
+          <a:fontRef idx="minor">
+            <a:schemeClr val="accent1"/>
+          </a:fontRef>
+        </p:style>
+        <p:txBody>
+          <a:bodyPr rtlCol="0" anchor="ctr"/>
+          <a:lstStyle/>
+          <a:p>
+            <a:pPr algn="ctr"/>
+            <a:r>
+              <a:rPr lang="zh-TW" altLang="en-US" sz="1400" dirty="0">
+                <a:solidFill>
+                  <a:srgbClr val="00B050"/>
+                </a:solidFill>
+                <a:latin typeface="+mn-ea"/>
+                <a:cs typeface="CMU Serif" panose="02000603000000000000" pitchFamily="2" charset="0"/>
+              </a:rPr>
+              <a:t>事務</a:t>
+            </a:r>
+            <a:endParaRPr lang="en-US" altLang="zh-TW" sz="1400" dirty="0">
+              <a:solidFill>
+                <a:srgbClr val="00B050"/>
+              </a:solidFill>
+              <a:latin typeface="+mn-ea"/>
+              <a:cs typeface="CMU Serif" panose="02000603000000000000" pitchFamily="2" charset="0"/>
+            </a:endParaRPr>
+          </a:p>
+        </p:txBody>
+      </p:sp>
+      <p:sp>
+        <p:nvSpPr>
+          <p:cNvPr id="50" name="Rectangle 49">
+            <a:extLst>
+              <a:ext uri="{FF2B5EF4-FFF2-40B4-BE49-F238E27FC236}">
+                <a16:creationId xmlns:a16="http://schemas.microsoft.com/office/drawing/2014/main" id="{C9137999-754F-FD37-E63E-ADEFB4F79A62}"/>
+              </a:ext>
+            </a:extLst>
+          </p:cNvPr>
+          <p:cNvSpPr/>
+          <p:nvPr/>
+        </p:nvSpPr>
+        <p:spPr>
+          <a:xfrm>
+            <a:off x="2190557" y="784336"/>
+            <a:ext cx="726644" cy="239893"/>
+          </a:xfrm>
+          <a:prstGeom prst="rect">
+            <a:avLst/>
+          </a:prstGeom>
+          <a:noFill/>
+          <a:ln w="9525" cap="flat" cmpd="sng" algn="ctr">
+            <a:solidFill>
+              <a:srgbClr val="00B050"/>
+            </a:solidFill>
+            <a:prstDash val="solid"/>
+            <a:round/>
+            <a:headEnd type="none" w="med" len="med"/>
+            <a:tailEnd type="none" w="med" len="med"/>
+          </a:ln>
+        </p:spPr>
+        <p:style>
+          <a:lnRef idx="0">
+            <a:scrgbClr r="0" g="0" b="0"/>
+          </a:lnRef>
+          <a:fillRef idx="0">
+            <a:scrgbClr r="0" g="0" b="0"/>
+          </a:fillRef>
+          <a:effectRef idx="0">
+            <a:scrgbClr r="0" g="0" b="0"/>
+          </a:effectRef>
+          <a:fontRef idx="minor">
+            <a:schemeClr val="accent1"/>
+          </a:fontRef>
+        </p:style>
+        <p:txBody>
+          <a:bodyPr rtlCol="0" anchor="ctr"/>
+          <a:lstStyle/>
+          <a:p>
+            <a:pPr algn="ctr"/>
+            <a:r>
+              <a:rPr lang="zh-TW" altLang="en-US" sz="1400" dirty="0">
+                <a:solidFill>
+                  <a:srgbClr val="00B050"/>
+                </a:solidFill>
+                <a:latin typeface="+mn-ea"/>
+                <a:cs typeface="CMU Serif" panose="02000603000000000000" pitchFamily="2" charset="0"/>
+              </a:rPr>
+              <a:t>得罪了</a:t>
+            </a:r>
+            <a:endParaRPr lang="en-US" altLang="zh-TW" sz="1400" dirty="0">
+              <a:solidFill>
+                <a:srgbClr val="00B050"/>
+              </a:solidFill>
+              <a:latin typeface="+mn-ea"/>
+              <a:cs typeface="CMU Serif" panose="02000603000000000000" pitchFamily="2" charset="0"/>
+            </a:endParaRPr>
+          </a:p>
+        </p:txBody>
+      </p:sp>
+      <p:cxnSp>
+        <p:nvCxnSpPr>
+          <p:cNvPr id="52" name="Straight Arrow Connector 51">
+            <a:extLst>
+              <a:ext uri="{FF2B5EF4-FFF2-40B4-BE49-F238E27FC236}">
+                <a16:creationId xmlns:a16="http://schemas.microsoft.com/office/drawing/2014/main" id="{A96CCAC8-87FC-D603-4F79-6B3728F56CF0}"/>
+              </a:ext>
+            </a:extLst>
+          </p:cNvPr>
+          <p:cNvCxnSpPr>
+            <a:cxnSpLocks/>
+            <a:stCxn id="4" idx="2"/>
+            <a:endCxn id="47" idx="0"/>
+          </p:cNvCxnSpPr>
+          <p:nvPr/>
+        </p:nvCxnSpPr>
+        <p:spPr>
+          <a:xfrm>
+            <a:off x="723906" y="472885"/>
+            <a:ext cx="352547" cy="303687"/>
+          </a:xfrm>
+          <a:prstGeom prst="straightConnector1">
+            <a:avLst/>
+          </a:prstGeom>
+          <a:ln>
+            <a:headEnd type="none" w="med" len="med"/>
+            <a:tailEnd type="arrow" w="med" len="med"/>
+          </a:ln>
+        </p:spPr>
+        <p:style>
+          <a:lnRef idx="1">
+            <a:schemeClr val="accent1"/>
+          </a:lnRef>
+          <a:fillRef idx="0">
+            <a:schemeClr val="accent1"/>
+          </a:fillRef>
+          <a:effectRef idx="0">
+            <a:schemeClr val="accent1"/>
+          </a:effectRef>
+          <a:fontRef idx="minor">
+            <a:schemeClr val="tx1"/>
+          </a:fontRef>
+        </p:style>
+      </p:cxnSp>
+      <p:sp>
+        <p:nvSpPr>
+          <p:cNvPr id="66" name="Rectangle 65">
+            <a:extLst>
+              <a:ext uri="{FF2B5EF4-FFF2-40B4-BE49-F238E27FC236}">
+                <a16:creationId xmlns:a16="http://schemas.microsoft.com/office/drawing/2014/main" id="{62331364-297F-7825-C757-67A55143212A}"/>
+              </a:ext>
+            </a:extLst>
+          </p:cNvPr>
+          <p:cNvSpPr/>
+          <p:nvPr/>
+        </p:nvSpPr>
+        <p:spPr>
+          <a:xfrm>
+            <a:off x="2803796" y="1069586"/>
+            <a:ext cx="539210" cy="239893"/>
+          </a:xfrm>
+          <a:prstGeom prst="rect">
+            <a:avLst/>
+          </a:prstGeom>
+          <a:noFill/>
+          <a:ln w="9525" cap="flat" cmpd="sng" algn="ctr">
+            <a:solidFill>
+              <a:srgbClr val="00B050"/>
+            </a:solidFill>
+            <a:prstDash val="solid"/>
+            <a:round/>
+            <a:headEnd type="none" w="med" len="med"/>
+            <a:tailEnd type="none" w="med" len="med"/>
+          </a:ln>
+        </p:spPr>
+        <p:style>
+          <a:lnRef idx="0">
+            <a:scrgbClr r="0" g="0" b="0"/>
+          </a:lnRef>
+          <a:fillRef idx="0">
+            <a:scrgbClr r="0" g="0" b="0"/>
+          </a:fillRef>
+          <a:effectRef idx="0">
+            <a:scrgbClr r="0" g="0" b="0"/>
+          </a:effectRef>
+          <a:fontRef idx="minor">
+            <a:schemeClr val="accent1"/>
+          </a:fontRef>
+        </p:style>
+        <p:txBody>
+          <a:bodyPr rtlCol="0" anchor="ctr"/>
+          <a:lstStyle/>
+          <a:p>
+            <a:pPr algn="ctr"/>
+            <a:r>
+              <a:rPr lang="zh-TW" altLang="en-US" sz="1400" dirty="0">
+                <a:solidFill>
+                  <a:srgbClr val="00B050"/>
+                </a:solidFill>
+                <a:latin typeface="+mn-ea"/>
+                <a:cs typeface="CMU Serif" panose="02000603000000000000" pitchFamily="2" charset="0"/>
+              </a:rPr>
+              <a:t>先生</a:t>
+            </a:r>
+            <a:endParaRPr lang="en-US" altLang="zh-TW" sz="1400" dirty="0">
+              <a:solidFill>
+                <a:srgbClr val="00B050"/>
+              </a:solidFill>
+              <a:latin typeface="+mn-ea"/>
+              <a:cs typeface="CMU Serif" panose="02000603000000000000" pitchFamily="2" charset="0"/>
+            </a:endParaRPr>
+          </a:p>
+        </p:txBody>
+      </p:sp>
+      <p:sp>
+        <p:nvSpPr>
+          <p:cNvPr id="70" name="Rectangle 69">
+            <a:extLst>
+              <a:ext uri="{FF2B5EF4-FFF2-40B4-BE49-F238E27FC236}">
+                <a16:creationId xmlns:a16="http://schemas.microsoft.com/office/drawing/2014/main" id="{6C60C4CF-1029-28F1-B3C5-CFEC95D26452}"/>
+              </a:ext>
+            </a:extLst>
+          </p:cNvPr>
+          <p:cNvSpPr/>
+          <p:nvPr/>
+        </p:nvSpPr>
+        <p:spPr>
+          <a:xfrm>
+            <a:off x="3148892" y="275033"/>
+            <a:ext cx="234167" cy="604923"/>
+          </a:xfrm>
+          <a:prstGeom prst="rect">
+            <a:avLst/>
+          </a:prstGeom>
+          <a:noFill/>
+          <a:ln w="9525" cap="flat" cmpd="sng" algn="ctr">
+            <a:solidFill>
+              <a:srgbClr val="FF0000"/>
+            </a:solidFill>
+            <a:prstDash val="solid"/>
+            <a:round/>
+            <a:headEnd type="none" w="med" len="med"/>
+            <a:tailEnd type="none" w="med" len="med"/>
+          </a:ln>
+        </p:spPr>
+        <p:style>
+          <a:lnRef idx="0">
+            <a:scrgbClr r="0" g="0" b="0"/>
+          </a:lnRef>
+          <a:fillRef idx="0">
+            <a:scrgbClr r="0" g="0" b="0"/>
+          </a:fillRef>
+          <a:effectRef idx="0">
+            <a:scrgbClr r="0" g="0" b="0"/>
+          </a:effectRef>
+          <a:fontRef idx="minor">
+            <a:schemeClr val="accent2"/>
+          </a:fontRef>
+        </p:style>
+        <p:txBody>
+          <a:bodyPr rtlCol="0" anchor="ctr"/>
+          <a:lstStyle/>
+          <a:p>
+            <a:pPr algn="ctr"/>
+            <a:r>
+              <a:rPr lang="zh-TW" altLang="en-US" sz="1200" dirty="0">
+                <a:solidFill>
+                  <a:srgbClr val="FF0000"/>
+                </a:solidFill>
+              </a:rPr>
+              <a:t>不翻譯</a:t>
+            </a:r>
+            <a:endParaRPr lang="en-US" sz="1200" dirty="0">
+              <a:solidFill>
+                <a:srgbClr val="FF0000"/>
+              </a:solidFill>
+            </a:endParaRPr>
+          </a:p>
+        </p:txBody>
+      </p:sp>
+    </p:spTree>
+    <p:extLst>
+      <p:ext uri="{BB962C8B-B14F-4D97-AF65-F5344CB8AC3E}">
+        <p14:creationId xmlns:p14="http://schemas.microsoft.com/office/powerpoint/2010/main" val="1847042645"/>
+      </p:ext>
+    </p:extLst>
+  </p:cSld>
+  <p:clrMapOvr>
+    <a:masterClrMapping/>
+  </p:clrMapOvr>
+</p:sld>
+</file>
+
+<file path=ppt/slides/slide5.xml><?xml version="1.0" encoding="utf-8"?>
+<p:sld xmlns:a="http://schemas.openxmlformats.org/drawingml/2006/main" xmlns:r="http://schemas.openxmlformats.org/officeDocument/2006/relationships" xmlns:p="http://schemas.openxmlformats.org/presentationml/2006/main">
+  <p:cSld>
+    <p:spTree>
+      <p:nvGrpSpPr>
+        <p:cNvPr id="1" name=""/>
+        <p:cNvGrpSpPr/>
+        <p:nvPr/>
+      </p:nvGrpSpPr>
+      <p:grpSpPr>
+        <a:xfrm>
+          <a:off x="0" y="0"/>
+          <a:ext cx="0" cy="0"/>
+          <a:chOff x="0" y="0"/>
+          <a:chExt cx="0" cy="0"/>
+        </a:xfrm>
+      </p:grpSpPr>
       <p:sp>
         <p:nvSpPr>
           <p:cNvPr id="2" name="Rectangle 1">
@@ -8545,7 +11539,7 @@
 </p:sld>
 </file>
 
-<file path=ppt/slides/slide4.xml><?xml version="1.0" encoding="utf-8"?>
+<file path=ppt/slides/slide6.xml><?xml version="1.0" encoding="utf-8"?>
 <p:sld xmlns:a="http://schemas.openxmlformats.org/drawingml/2006/main" xmlns:r="http://schemas.openxmlformats.org/officeDocument/2006/relationships" xmlns:p="http://schemas.openxmlformats.org/presentationml/2006/main">
   <p:cSld>
     <p:spTree>
